--- a/Lectures/Lecture 4 - Beyond the Gene.pptx
+++ b/Lectures/Lecture 4 - Beyond the Gene.pptx
@@ -12461,10 +12461,10 @@
       </p:sp>
       <p:pic>
         <p:nvPicPr>
-          <p:cNvPr id="4" name="Picture 3">
+          <p:cNvPr id="3" name="Picture 2">
             <a:extLst>
               <a:ext uri="{FF2B5EF4-FFF2-40B4-BE49-F238E27FC236}">
-                <a16:creationId xmlns:a16="http://schemas.microsoft.com/office/drawing/2014/main" id="{EB13CDDF-428C-B145-ADDC-8B150D16C8FF}"/>
+                <a16:creationId xmlns:a16="http://schemas.microsoft.com/office/drawing/2014/main" id="{2DC6F8C1-044A-134F-B6FC-2B9D85E477F8}"/>
               </a:ext>
             </a:extLst>
           </p:cNvPr>
@@ -12481,8 +12481,8 @@
         </p:blipFill>
         <p:spPr>
           <a:xfrm>
-            <a:off x="323528" y="2060848"/>
-            <a:ext cx="8485262" cy="2460726"/>
+            <a:off x="323528" y="1700808"/>
+            <a:ext cx="8618886" cy="2592288"/>
           </a:xfrm>
           <a:prstGeom prst="rect">
             <a:avLst/>

--- a/Lectures/Lecture 4 - Beyond the Gene.pptx
+++ b/Lectures/Lecture 4 - Beyond the Gene.pptx
@@ -5,7 +5,7 @@
     <p:sldMasterId id="2147483649" r:id="rId1"/>
   </p:sldMasterIdLst>
   <p:notesMasterIdLst>
-    <p:notesMasterId r:id="rId32"/>
+    <p:notesMasterId r:id="rId36"/>
   </p:notesMasterIdLst>
   <p:sldIdLst>
     <p:sldId id="662" r:id="rId2"/>
@@ -22,22 +22,26 @@
     <p:sldId id="682" r:id="rId13"/>
     <p:sldId id="688" r:id="rId14"/>
     <p:sldId id="672" r:id="rId15"/>
-    <p:sldId id="675" r:id="rId16"/>
-    <p:sldId id="673" r:id="rId17"/>
-    <p:sldId id="676" r:id="rId18"/>
-    <p:sldId id="684" r:id="rId19"/>
-    <p:sldId id="689" r:id="rId20"/>
-    <p:sldId id="680" r:id="rId21"/>
-    <p:sldId id="685" r:id="rId22"/>
-    <p:sldId id="677" r:id="rId23"/>
-    <p:sldId id="690" r:id="rId24"/>
-    <p:sldId id="686" r:id="rId25"/>
-    <p:sldId id="687" r:id="rId26"/>
-    <p:sldId id="691" r:id="rId27"/>
-    <p:sldId id="692" r:id="rId28"/>
-    <p:sldId id="693" r:id="rId29"/>
-    <p:sldId id="679" r:id="rId30"/>
-    <p:sldId id="564" r:id="rId31"/>
+    <p:sldId id="694" r:id="rId16"/>
+    <p:sldId id="675" r:id="rId17"/>
+    <p:sldId id="673" r:id="rId18"/>
+    <p:sldId id="676" r:id="rId19"/>
+    <p:sldId id="684" r:id="rId20"/>
+    <p:sldId id="689" r:id="rId21"/>
+    <p:sldId id="680" r:id="rId22"/>
+    <p:sldId id="695" r:id="rId23"/>
+    <p:sldId id="685" r:id="rId24"/>
+    <p:sldId id="677" r:id="rId25"/>
+    <p:sldId id="690" r:id="rId26"/>
+    <p:sldId id="686" r:id="rId27"/>
+    <p:sldId id="687" r:id="rId28"/>
+    <p:sldId id="691" r:id="rId29"/>
+    <p:sldId id="692" r:id="rId30"/>
+    <p:sldId id="696" r:id="rId31"/>
+    <p:sldId id="693" r:id="rId32"/>
+    <p:sldId id="679" r:id="rId33"/>
+    <p:sldId id="564" r:id="rId34"/>
+    <p:sldId id="697" r:id="rId35"/>
   </p:sldIdLst>
   <p:sldSz cx="9144000" cy="6858000" type="screen4x3"/>
   <p:notesSz cx="6858000" cy="9144000"/>
@@ -1243,6 +1247,11 @@
         </p:txBody>
       </p:sp>
     </p:spTree>
+    <p:extLst>
+      <p:ext uri="{BB962C8B-B14F-4D97-AF65-F5344CB8AC3E}">
+        <p14:creationId xmlns:p14="http://schemas.microsoft.com/office/powerpoint/2010/main" val="2820968461"/>
+      </p:ext>
+    </p:extLst>
   </p:cSld>
   <p:clrMapOvr>
     <a:masterClrMapping/>
@@ -1947,6 +1956,11 @@
         </p:txBody>
       </p:sp>
     </p:spTree>
+    <p:extLst>
+      <p:ext uri="{BB962C8B-B14F-4D97-AF65-F5344CB8AC3E}">
+        <p14:creationId xmlns:p14="http://schemas.microsoft.com/office/powerpoint/2010/main" val="1904286304"/>
+      </p:ext>
+    </p:extLst>
   </p:cSld>
   <p:clrMapOvr>
     <a:masterClrMapping/>
@@ -2739,6 +2753,368 @@
         </p:txBody>
       </p:sp>
     </p:spTree>
+    <p:extLst>
+      <p:ext uri="{BB962C8B-B14F-4D97-AF65-F5344CB8AC3E}">
+        <p14:creationId xmlns:p14="http://schemas.microsoft.com/office/powerpoint/2010/main" val="3173730234"/>
+      </p:ext>
+    </p:extLst>
+  </p:cSld>
+  <p:clrMapOvr>
+    <a:masterClrMapping/>
+  </p:clrMapOvr>
+</p:notes>
+</file>
+
+<file path=ppt/notesSlides/notesSlide31.xml><?xml version="1.0" encoding="utf-8"?>
+<p:notes xmlns:a="http://schemas.openxmlformats.org/drawingml/2006/main" xmlns:r="http://schemas.openxmlformats.org/officeDocument/2006/relationships" xmlns:p="http://schemas.openxmlformats.org/presentationml/2006/main">
+  <p:cSld>
+    <p:spTree>
+      <p:nvGrpSpPr>
+        <p:cNvPr id="1" name=""/>
+        <p:cNvGrpSpPr/>
+        <p:nvPr/>
+      </p:nvGrpSpPr>
+      <p:grpSpPr>
+        <a:xfrm>
+          <a:off x="0" y="0"/>
+          <a:ext cx="0" cy="0"/>
+          <a:chOff x="0" y="0"/>
+          <a:chExt cx="0" cy="0"/>
+        </a:xfrm>
+      </p:grpSpPr>
+      <p:sp>
+        <p:nvSpPr>
+          <p:cNvPr id="15362" name="Rectangle 7"/>
+          <p:cNvSpPr>
+            <a:spLocks noGrp="1" noChangeArrowheads="1"/>
+          </p:cNvSpPr>
+          <p:nvPr>
+            <p:ph type="sldNum" sz="quarter" idx="5"/>
+          </p:nvPr>
+        </p:nvSpPr>
+        <p:spPr>
+          <a:noFill/>
+        </p:spPr>
+        <p:txBody>
+          <a:bodyPr/>
+          <a:lstStyle/>
+          <a:p>
+            <a:fld id="{C3095A83-93CF-9340-9B73-54644CC0C2D9}" type="slidenum">
+              <a:rPr lang="en-US"/>
+              <a:pPr/>
+              <a:t>31</a:t>
+            </a:fld>
+            <a:endParaRPr lang="en-US"/>
+          </a:p>
+        </p:txBody>
+      </p:sp>
+      <p:sp>
+        <p:nvSpPr>
+          <p:cNvPr id="15363" name="Rectangle 2"/>
+          <p:cNvSpPr>
+            <a:spLocks noGrp="1" noRot="1" noChangeAspect="1" noChangeArrowheads="1" noTextEdit="1"/>
+          </p:cNvSpPr>
+          <p:nvPr>
+            <p:ph type="sldImg"/>
+          </p:nvPr>
+        </p:nvSpPr>
+        <p:spPr>
+          <a:ln/>
+        </p:spPr>
+      </p:sp>
+      <p:sp>
+        <p:nvSpPr>
+          <p:cNvPr id="15364" name="Rectangle 3"/>
+          <p:cNvSpPr>
+            <a:spLocks noGrp="1" noChangeArrowheads="1"/>
+          </p:cNvSpPr>
+          <p:nvPr>
+            <p:ph type="body" idx="1"/>
+          </p:nvPr>
+        </p:nvSpPr>
+        <p:spPr>
+          <a:noFill/>
+          <a:ln/>
+        </p:spPr>
+        <p:txBody>
+          <a:bodyPr/>
+          <a:lstStyle/>
+          <a:p>
+            <a:pPr eaLnBrk="1" hangingPunct="1"/>
+            <a:endParaRPr lang="en-US"/>
+          </a:p>
+        </p:txBody>
+      </p:sp>
+    </p:spTree>
+  </p:cSld>
+  <p:clrMapOvr>
+    <a:masterClrMapping/>
+  </p:clrMapOvr>
+</p:notes>
+</file>
+
+<file path=ppt/notesSlides/notesSlide32.xml><?xml version="1.0" encoding="utf-8"?>
+<p:notes xmlns:a="http://schemas.openxmlformats.org/drawingml/2006/main" xmlns:r="http://schemas.openxmlformats.org/officeDocument/2006/relationships" xmlns:p="http://schemas.openxmlformats.org/presentationml/2006/main">
+  <p:cSld>
+    <p:spTree>
+      <p:nvGrpSpPr>
+        <p:cNvPr id="1" name=""/>
+        <p:cNvGrpSpPr/>
+        <p:nvPr/>
+      </p:nvGrpSpPr>
+      <p:grpSpPr>
+        <a:xfrm>
+          <a:off x="0" y="0"/>
+          <a:ext cx="0" cy="0"/>
+          <a:chOff x="0" y="0"/>
+          <a:chExt cx="0" cy="0"/>
+        </a:xfrm>
+      </p:grpSpPr>
+      <p:sp>
+        <p:nvSpPr>
+          <p:cNvPr id="15362" name="Rectangle 7"/>
+          <p:cNvSpPr>
+            <a:spLocks noGrp="1" noChangeArrowheads="1"/>
+          </p:cNvSpPr>
+          <p:nvPr>
+            <p:ph type="sldNum" sz="quarter" idx="5"/>
+          </p:nvPr>
+        </p:nvSpPr>
+        <p:spPr>
+          <a:noFill/>
+        </p:spPr>
+        <p:txBody>
+          <a:bodyPr/>
+          <a:lstStyle/>
+          <a:p>
+            <a:fld id="{C3095A83-93CF-9340-9B73-54644CC0C2D9}" type="slidenum">
+              <a:rPr lang="en-US"/>
+              <a:pPr/>
+              <a:t>32</a:t>
+            </a:fld>
+            <a:endParaRPr lang="en-US"/>
+          </a:p>
+        </p:txBody>
+      </p:sp>
+      <p:sp>
+        <p:nvSpPr>
+          <p:cNvPr id="15363" name="Rectangle 2"/>
+          <p:cNvSpPr>
+            <a:spLocks noGrp="1" noRot="1" noChangeAspect="1" noChangeArrowheads="1" noTextEdit="1"/>
+          </p:cNvSpPr>
+          <p:nvPr>
+            <p:ph type="sldImg"/>
+          </p:nvPr>
+        </p:nvSpPr>
+        <p:spPr>
+          <a:ln/>
+        </p:spPr>
+      </p:sp>
+      <p:sp>
+        <p:nvSpPr>
+          <p:cNvPr id="15364" name="Rectangle 3"/>
+          <p:cNvSpPr>
+            <a:spLocks noGrp="1" noChangeArrowheads="1"/>
+          </p:cNvSpPr>
+          <p:nvPr>
+            <p:ph type="body" idx="1"/>
+          </p:nvPr>
+        </p:nvSpPr>
+        <p:spPr>
+          <a:noFill/>
+          <a:ln/>
+        </p:spPr>
+        <p:txBody>
+          <a:bodyPr/>
+          <a:lstStyle/>
+          <a:p>
+            <a:pPr eaLnBrk="1" hangingPunct="1"/>
+            <a:endParaRPr lang="en-US"/>
+          </a:p>
+        </p:txBody>
+      </p:sp>
+    </p:spTree>
+  </p:cSld>
+  <p:clrMapOvr>
+    <a:masterClrMapping/>
+  </p:clrMapOvr>
+</p:notes>
+</file>
+
+<file path=ppt/notesSlides/notesSlide33.xml><?xml version="1.0" encoding="utf-8"?>
+<p:notes xmlns:a="http://schemas.openxmlformats.org/drawingml/2006/main" xmlns:r="http://schemas.openxmlformats.org/officeDocument/2006/relationships" xmlns:p="http://schemas.openxmlformats.org/presentationml/2006/main">
+  <p:cSld>
+    <p:spTree>
+      <p:nvGrpSpPr>
+        <p:cNvPr id="1" name=""/>
+        <p:cNvGrpSpPr/>
+        <p:nvPr/>
+      </p:nvGrpSpPr>
+      <p:grpSpPr>
+        <a:xfrm>
+          <a:off x="0" y="0"/>
+          <a:ext cx="0" cy="0"/>
+          <a:chOff x="0" y="0"/>
+          <a:chExt cx="0" cy="0"/>
+        </a:xfrm>
+      </p:grpSpPr>
+      <p:sp>
+        <p:nvSpPr>
+          <p:cNvPr id="15362" name="Rectangle 7"/>
+          <p:cNvSpPr>
+            <a:spLocks noGrp="1" noChangeArrowheads="1"/>
+          </p:cNvSpPr>
+          <p:nvPr>
+            <p:ph type="sldNum" sz="quarter" idx="5"/>
+          </p:nvPr>
+        </p:nvSpPr>
+        <p:spPr>
+          <a:noFill/>
+        </p:spPr>
+        <p:txBody>
+          <a:bodyPr/>
+          <a:lstStyle/>
+          <a:p>
+            <a:fld id="{C3095A83-93CF-9340-9B73-54644CC0C2D9}" type="slidenum">
+              <a:rPr lang="en-US"/>
+              <a:pPr/>
+              <a:t>33</a:t>
+            </a:fld>
+            <a:endParaRPr lang="en-US"/>
+          </a:p>
+        </p:txBody>
+      </p:sp>
+      <p:sp>
+        <p:nvSpPr>
+          <p:cNvPr id="15363" name="Rectangle 2"/>
+          <p:cNvSpPr>
+            <a:spLocks noGrp="1" noRot="1" noChangeAspect="1" noChangeArrowheads="1" noTextEdit="1"/>
+          </p:cNvSpPr>
+          <p:nvPr>
+            <p:ph type="sldImg"/>
+          </p:nvPr>
+        </p:nvSpPr>
+        <p:spPr>
+          <a:ln/>
+        </p:spPr>
+      </p:sp>
+      <p:sp>
+        <p:nvSpPr>
+          <p:cNvPr id="15364" name="Rectangle 3"/>
+          <p:cNvSpPr>
+            <a:spLocks noGrp="1" noChangeArrowheads="1"/>
+          </p:cNvSpPr>
+          <p:nvPr>
+            <p:ph type="body" idx="1"/>
+          </p:nvPr>
+        </p:nvSpPr>
+        <p:spPr>
+          <a:noFill/>
+          <a:ln/>
+        </p:spPr>
+        <p:txBody>
+          <a:bodyPr/>
+          <a:lstStyle/>
+          <a:p>
+            <a:pPr eaLnBrk="1" hangingPunct="1"/>
+            <a:endParaRPr lang="en-US"/>
+          </a:p>
+        </p:txBody>
+      </p:sp>
+    </p:spTree>
+  </p:cSld>
+  <p:clrMapOvr>
+    <a:masterClrMapping/>
+  </p:clrMapOvr>
+</p:notes>
+</file>
+
+<file path=ppt/notesSlides/notesSlide34.xml><?xml version="1.0" encoding="utf-8"?>
+<p:notes xmlns:a="http://schemas.openxmlformats.org/drawingml/2006/main" xmlns:r="http://schemas.openxmlformats.org/officeDocument/2006/relationships" xmlns:p="http://schemas.openxmlformats.org/presentationml/2006/main">
+  <p:cSld>
+    <p:spTree>
+      <p:nvGrpSpPr>
+        <p:cNvPr id="1" name=""/>
+        <p:cNvGrpSpPr/>
+        <p:nvPr/>
+      </p:nvGrpSpPr>
+      <p:grpSpPr>
+        <a:xfrm>
+          <a:off x="0" y="0"/>
+          <a:ext cx="0" cy="0"/>
+          <a:chOff x="0" y="0"/>
+          <a:chExt cx="0" cy="0"/>
+        </a:xfrm>
+      </p:grpSpPr>
+      <p:sp>
+        <p:nvSpPr>
+          <p:cNvPr id="15362" name="Rectangle 7"/>
+          <p:cNvSpPr>
+            <a:spLocks noGrp="1" noChangeArrowheads="1"/>
+          </p:cNvSpPr>
+          <p:nvPr>
+            <p:ph type="sldNum" sz="quarter" idx="5"/>
+          </p:nvPr>
+        </p:nvSpPr>
+        <p:spPr>
+          <a:noFill/>
+        </p:spPr>
+        <p:txBody>
+          <a:bodyPr/>
+          <a:lstStyle/>
+          <a:p>
+            <a:fld id="{C3095A83-93CF-9340-9B73-54644CC0C2D9}" type="slidenum">
+              <a:rPr lang="en-US"/>
+              <a:pPr/>
+              <a:t>34</a:t>
+            </a:fld>
+            <a:endParaRPr lang="en-US"/>
+          </a:p>
+        </p:txBody>
+      </p:sp>
+      <p:sp>
+        <p:nvSpPr>
+          <p:cNvPr id="15363" name="Rectangle 2"/>
+          <p:cNvSpPr>
+            <a:spLocks noGrp="1" noRot="1" noChangeAspect="1" noChangeArrowheads="1" noTextEdit="1"/>
+          </p:cNvSpPr>
+          <p:nvPr>
+            <p:ph type="sldImg"/>
+          </p:nvPr>
+        </p:nvSpPr>
+        <p:spPr>
+          <a:ln/>
+        </p:spPr>
+      </p:sp>
+      <p:sp>
+        <p:nvSpPr>
+          <p:cNvPr id="15364" name="Rectangle 3"/>
+          <p:cNvSpPr>
+            <a:spLocks noGrp="1" noChangeArrowheads="1"/>
+          </p:cNvSpPr>
+          <p:nvPr>
+            <p:ph type="body" idx="1"/>
+          </p:nvPr>
+        </p:nvSpPr>
+        <p:spPr>
+          <a:noFill/>
+          <a:ln/>
+        </p:spPr>
+        <p:txBody>
+          <a:bodyPr/>
+          <a:lstStyle/>
+          <a:p>
+            <a:pPr eaLnBrk="1" hangingPunct="1"/>
+            <a:endParaRPr lang="en-US"/>
+          </a:p>
+        </p:txBody>
+      </p:sp>
+    </p:spTree>
+    <p:extLst>
+      <p:ext uri="{BB962C8B-B14F-4D97-AF65-F5344CB8AC3E}">
+        <p14:creationId xmlns:p14="http://schemas.microsoft.com/office/powerpoint/2010/main" val="1042685492"/>
+      </p:ext>
+    </p:extLst>
   </p:cSld>
   <p:clrMapOvr>
     <a:masterClrMapping/>
@@ -7097,7 +7473,22 @@
             </a:pPr>
             <a:r>
               <a:rPr lang="en-US" sz="2000" dirty="0"/>
-              <a:t>Principle #3 – ORTHOGONAL – terms must be unique – no duplicate terms among ontologies (i.e. a beta-lactamase GO term and a beta-lactamase ARO term). Where ontologies overlap, they use the exact same term (i.e. the ARO and GO both cite the GO term for beta-lactamase). This creates interconnectedness among ontologies!</a:t>
+              <a:t>Principle #3 – </a:t>
+            </a:r>
+            <a:r>
+              <a:rPr lang="en-US" sz="2000" dirty="0">
+                <a:solidFill>
+                  <a:schemeClr val="bg2"/>
+                </a:solidFill>
+                <a:highlight>
+                  <a:srgbClr val="FFFF00"/>
+                </a:highlight>
+              </a:rPr>
+              <a:t>ORTHOGONAL</a:t>
+            </a:r>
+            <a:r>
+              <a:rPr lang="en-US" sz="2000" dirty="0"/>
+              <a:t> – terms must be unique – no duplicate terms among ontologies (i.e. a beta-lactamase GO term and a beta-lactamase ARO term). Where ontologies overlap, they use the exact same term (i.e. the ARO and GO both cite the GO term for beta-lactamase). This creates interconnectedness among ontologies!</a:t>
             </a:r>
           </a:p>
           <a:p>
@@ -7189,147 +7580,39 @@
           <a:chExt cx="0" cy="0"/>
         </a:xfrm>
       </p:grpSpPr>
-      <p:sp>
-        <p:nvSpPr>
-          <p:cNvPr id="9" name="Rectangle 2"/>
-          <p:cNvSpPr>
-            <a:spLocks noGrp="1" noChangeArrowheads="1"/>
-          </p:cNvSpPr>
-          <p:nvPr>
-            <p:ph type="ctrTitle"/>
-          </p:nvPr>
-        </p:nvSpPr>
+      <p:pic>
+        <p:nvPicPr>
+          <p:cNvPr id="7" name="Picture 6" descr="A close up of a logo&#10;&#10;Description automatically generated">
+            <a:extLst>
+              <a:ext uri="{FF2B5EF4-FFF2-40B4-BE49-F238E27FC236}">
+                <a16:creationId xmlns:a16="http://schemas.microsoft.com/office/drawing/2014/main" id="{A8B4DE5D-B270-964C-9ED0-AD80A8C110DD}"/>
+              </a:ext>
+            </a:extLst>
+          </p:cNvPr>
+          <p:cNvPicPr>
+            <a:picLocks noChangeAspect="1"/>
+          </p:cNvPicPr>
+          <p:nvPr/>
+        </p:nvPicPr>
+        <p:blipFill>
+          <a:blip r:embed="rId3"/>
+          <a:stretch>
+            <a:fillRect/>
+          </a:stretch>
+        </p:blipFill>
         <p:spPr>
           <a:xfrm>
-            <a:off x="323528" y="-171400"/>
-            <a:ext cx="8568952" cy="1535832"/>
-          </a:xfrm>
-        </p:spPr>
-        <p:txBody>
-          <a:bodyPr/>
-          <a:lstStyle/>
-          <a:p>
-            <a:pPr algn="l" eaLnBrk="1" hangingPunct="1"/>
-            <a:r>
-              <a:rPr lang="en-US" sz="3200" b="1" dirty="0"/>
-              <a:t>Networks</a:t>
-            </a:r>
-            <a:endParaRPr lang="en-US" sz="3200" dirty="0"/>
-          </a:p>
-        </p:txBody>
-      </p:sp>
-      <p:sp>
-        <p:nvSpPr>
-          <p:cNvPr id="6" name="Text Box 14"/>
-          <p:cNvSpPr txBox="1">
-            <a:spLocks noChangeArrowheads="1"/>
-          </p:cNvSpPr>
-          <p:nvPr/>
-        </p:nvSpPr>
-        <p:spPr bwMode="auto">
-          <a:xfrm>
-            <a:off x="467544" y="1011500"/>
-            <a:ext cx="8064896" cy="4093428"/>
+            <a:off x="3302000" y="2159000"/>
+            <a:ext cx="2540000" cy="2540000"/>
           </a:xfrm>
           <a:prstGeom prst="rect">
             <a:avLst/>
           </a:prstGeom>
-          <a:noFill/>
-          <a:ln w="9525">
-            <a:noFill/>
-            <a:miter lim="800000"/>
-            <a:headEnd/>
-            <a:tailEnd/>
-          </a:ln>
-        </p:spPr>
-        <p:txBody>
-          <a:bodyPr wrap="square">
-            <a:prstTxWarp prst="textNoShape">
-              <a:avLst/>
-            </a:prstTxWarp>
-            <a:spAutoFit/>
-          </a:bodyPr>
-          <a:lstStyle/>
-          <a:p>
-            <a:pPr marL="285750" indent="-285750">
-              <a:buFont typeface="Arial"/>
-              <a:buChar char="•"/>
-            </a:pPr>
-            <a:r>
-              <a:rPr lang="en-US" sz="2000" dirty="0"/>
-              <a:t>Whereas ontologies map relationships between concepts, networks generally map relationships between real entities that can be measured</a:t>
-            </a:r>
-          </a:p>
-          <a:p>
-            <a:pPr marL="285750" indent="-285750">
-              <a:buFont typeface="Arial"/>
-              <a:buChar char="•"/>
-            </a:pPr>
-            <a:endParaRPr lang="en-US" sz="2000" dirty="0"/>
-          </a:p>
-          <a:p>
-            <a:pPr marL="285750" indent="-285750">
-              <a:buFont typeface="Arial"/>
-              <a:buChar char="•"/>
-            </a:pPr>
-            <a:r>
-              <a:rPr lang="en-US" sz="2000" dirty="0"/>
-              <a:t>Unlike ontologies, networks are generally not hierarchical in nature</a:t>
-            </a:r>
-          </a:p>
-          <a:p>
-            <a:pPr marL="285750" indent="-285750">
-              <a:buFont typeface="Arial"/>
-              <a:buChar char="•"/>
-            </a:pPr>
-            <a:endParaRPr lang="en-US" sz="2000" dirty="0"/>
-          </a:p>
-          <a:p>
-            <a:pPr marL="285750" indent="-285750">
-              <a:buFont typeface="Arial"/>
-              <a:buChar char="•"/>
-            </a:pPr>
-            <a:r>
-              <a:rPr lang="en-US" sz="2000" dirty="0"/>
-              <a:t>The best examples of a familiar network are a biochemical reaction or a regulatory pathway</a:t>
-            </a:r>
-          </a:p>
-          <a:p>
-            <a:pPr marL="285750" indent="-285750">
-              <a:buFont typeface="Arial"/>
-              <a:buChar char="•"/>
-            </a:pPr>
-            <a:endParaRPr lang="en-US" sz="2000" dirty="0"/>
-          </a:p>
-          <a:p>
-            <a:pPr marL="285750" indent="-285750">
-              <a:buFont typeface="Arial"/>
-              <a:buChar char="•"/>
-            </a:pPr>
-            <a:r>
-              <a:rPr lang="en-US" sz="2000" dirty="0"/>
-              <a:t>The most commonly used network resource is the KEGG: Kyoto Encyclopedia of Genes and Genomes</a:t>
-            </a:r>
-          </a:p>
-          <a:p>
-            <a:pPr marL="285750" indent="-285750">
-              <a:buFont typeface="Arial"/>
-              <a:buChar char="•"/>
-            </a:pPr>
-            <a:endParaRPr lang="en-US" sz="2000" dirty="0"/>
-          </a:p>
-          <a:p>
-            <a:pPr marL="285750" indent="-285750">
-              <a:buFont typeface="Arial"/>
-              <a:buChar char="•"/>
-            </a:pPr>
-            <a:r>
-              <a:rPr lang="en-US" sz="2000" dirty="0"/>
-              <a:t>Networks reflect a synthesis of knowledge, particularly around gene regulation and biochemical reactions</a:t>
-            </a:r>
-          </a:p>
-        </p:txBody>
-      </p:sp>
+          <a:solidFill>
+            <a:schemeClr val="tx1"/>
+          </a:solidFill>
+        </p:spPr>
+      </p:pic>
     </p:spTree>
     <p:extLst>
       <p:ext uri="{BB962C8B-B14F-4D97-AF65-F5344CB8AC3E}">
@@ -7372,7 +7655,7 @@
         </p:nvSpPr>
         <p:spPr>
           <a:xfrm>
-            <a:off x="323528" y="-267072"/>
+            <a:off x="323528" y="-171400"/>
             <a:ext cx="8568952" cy="1535832"/>
           </a:xfrm>
         </p:spPr>
@@ -7383,45 +7666,15 @@
             <a:pPr algn="l" eaLnBrk="1" hangingPunct="1"/>
             <a:r>
               <a:rPr lang="en-US" sz="3200" b="1" dirty="0"/>
-              <a:t>Glycolysis in KEGG</a:t>
+              <a:t>Networks</a:t>
             </a:r>
             <a:endParaRPr lang="en-US" sz="3200" dirty="0"/>
           </a:p>
         </p:txBody>
       </p:sp>
-      <p:pic>
-        <p:nvPicPr>
-          <p:cNvPr id="2" name="Picture 1" descr="map00010.png"/>
-          <p:cNvPicPr>
-            <a:picLocks noChangeAspect="1"/>
-          </p:cNvPicPr>
-          <p:nvPr/>
-        </p:nvPicPr>
-        <p:blipFill>
-          <a:blip r:embed="rId3">
-            <a:extLst>
-              <a:ext uri="{28A0092B-C50C-407E-A947-70E740481C1C}">
-                <a14:useLocalDpi xmlns:a14="http://schemas.microsoft.com/office/drawing/2010/main" val="0"/>
-              </a:ext>
-            </a:extLst>
-          </a:blip>
-          <a:stretch>
-            <a:fillRect/>
-          </a:stretch>
-        </p:blipFill>
-        <p:spPr>
-          <a:xfrm>
-            <a:off x="539552" y="986493"/>
-            <a:ext cx="4019991" cy="5754875"/>
-          </a:xfrm>
-          <a:prstGeom prst="rect">
-            <a:avLst/>
-          </a:prstGeom>
-        </p:spPr>
-      </p:pic>
-      <p:sp>
-        <p:nvSpPr>
-          <p:cNvPr id="5" name="Text Box 14"/>
+      <p:sp>
+        <p:nvSpPr>
+          <p:cNvPr id="6" name="Text Box 14"/>
           <p:cNvSpPr txBox="1">
             <a:spLocks noChangeArrowheads="1"/>
           </p:cNvSpPr>
@@ -7429,8 +7682,8 @@
         </p:nvSpPr>
         <p:spPr bwMode="auto">
           <a:xfrm>
-            <a:off x="4860032" y="1052736"/>
-            <a:ext cx="4104456" cy="5324535"/>
+            <a:off x="467544" y="1011500"/>
+            <a:ext cx="8064896" cy="4093428"/>
           </a:xfrm>
           <a:prstGeom prst="rect">
             <a:avLst/>
@@ -7458,7 +7711,7 @@
             </a:pPr>
             <a:r>
               <a:rPr lang="en-US" sz="2000" dirty="0"/>
-              <a:t>The glycolysis network in KEGG represents understood relationships among enzymes and compounds</a:t>
+              <a:t>Whereas ontologies map relationships between concepts, networks generally map relationships between real entities that can be measured</a:t>
             </a:r>
           </a:p>
           <a:p>
@@ -7475,7 +7728,7 @@
             </a:pPr>
             <a:r>
               <a:rPr lang="en-US" sz="2000" dirty="0"/>
-              <a:t>Each enzyme or compound “term” is associated with a large volume of curated information on its classification, association with disease, role in the cell, etc.</a:t>
+              <a:t>Unlike ontologies, networks are generally not hierarchical in nature</a:t>
             </a:r>
           </a:p>
           <a:p>
@@ -7492,7 +7745,7 @@
             </a:pPr>
             <a:r>
               <a:rPr lang="en-US" sz="2000" dirty="0"/>
-              <a:t>Networks like KEGG are useful for either learning about a pathway or annotating / analyzing data in the context of a pathway</a:t>
+              <a:t>The best examples of a familiar network are a biochemical reaction or a regulatory pathway</a:t>
             </a:r>
           </a:p>
           <a:p>
@@ -7509,7 +7762,24 @@
             </a:pPr>
             <a:r>
               <a:rPr lang="en-US" sz="2000" dirty="0"/>
-              <a:t>KEGG includes computer-readable data formats</a:t>
+              <a:t>The most commonly used network resource is the KEGG: Kyoto Encyclopedia of Genes and Genomes</a:t>
+            </a:r>
+          </a:p>
+          <a:p>
+            <a:pPr marL="285750" indent="-285750">
+              <a:buFont typeface="Arial"/>
+              <a:buChar char="•"/>
+            </a:pPr>
+            <a:endParaRPr lang="en-US" sz="2000" dirty="0"/>
+          </a:p>
+          <a:p>
+            <a:pPr marL="285750" indent="-285750">
+              <a:buFont typeface="Arial"/>
+              <a:buChar char="•"/>
+            </a:pPr>
+            <a:r>
+              <a:rPr lang="en-US" sz="2000" dirty="0"/>
+              <a:t>Networks reflect a synthesis of knowledge, particularly around gene regulation and biochemical reactions</a:t>
             </a:r>
           </a:p>
         </p:txBody>
@@ -7517,7 +7787,7 @@
     </p:spTree>
     <p:extLst>
       <p:ext uri="{BB962C8B-B14F-4D97-AF65-F5344CB8AC3E}">
-        <p14:creationId xmlns:p14="http://schemas.microsoft.com/office/powerpoint/2010/main" val="362184440"/>
+        <p14:creationId xmlns:p14="http://schemas.microsoft.com/office/powerpoint/2010/main" val="1997031883"/>
       </p:ext>
     </p:extLst>
   </p:cSld>
@@ -7556,6 +7826,190 @@
         </p:nvSpPr>
         <p:spPr>
           <a:xfrm>
+            <a:off x="323528" y="-267072"/>
+            <a:ext cx="8568952" cy="1535832"/>
+          </a:xfrm>
+        </p:spPr>
+        <p:txBody>
+          <a:bodyPr/>
+          <a:lstStyle/>
+          <a:p>
+            <a:pPr algn="l" eaLnBrk="1" hangingPunct="1"/>
+            <a:r>
+              <a:rPr lang="en-US" sz="3200" b="1" dirty="0"/>
+              <a:t>Glycolysis in KEGG</a:t>
+            </a:r>
+            <a:endParaRPr lang="en-US" sz="3200" dirty="0"/>
+          </a:p>
+        </p:txBody>
+      </p:sp>
+      <p:pic>
+        <p:nvPicPr>
+          <p:cNvPr id="2" name="Picture 1" descr="map00010.png"/>
+          <p:cNvPicPr>
+            <a:picLocks noChangeAspect="1"/>
+          </p:cNvPicPr>
+          <p:nvPr/>
+        </p:nvPicPr>
+        <p:blipFill>
+          <a:blip r:embed="rId3">
+            <a:extLst>
+              <a:ext uri="{28A0092B-C50C-407E-A947-70E740481C1C}">
+                <a14:useLocalDpi xmlns:a14="http://schemas.microsoft.com/office/drawing/2010/main" val="0"/>
+              </a:ext>
+            </a:extLst>
+          </a:blip>
+          <a:stretch>
+            <a:fillRect/>
+          </a:stretch>
+        </p:blipFill>
+        <p:spPr>
+          <a:xfrm>
+            <a:off x="539552" y="986493"/>
+            <a:ext cx="4019991" cy="5754875"/>
+          </a:xfrm>
+          <a:prstGeom prst="rect">
+            <a:avLst/>
+          </a:prstGeom>
+        </p:spPr>
+      </p:pic>
+      <p:sp>
+        <p:nvSpPr>
+          <p:cNvPr id="5" name="Text Box 14"/>
+          <p:cNvSpPr txBox="1">
+            <a:spLocks noChangeArrowheads="1"/>
+          </p:cNvSpPr>
+          <p:nvPr/>
+        </p:nvSpPr>
+        <p:spPr bwMode="auto">
+          <a:xfrm>
+            <a:off x="4860032" y="1052736"/>
+            <a:ext cx="4104456" cy="5324535"/>
+          </a:xfrm>
+          <a:prstGeom prst="rect">
+            <a:avLst/>
+          </a:prstGeom>
+          <a:noFill/>
+          <a:ln w="9525">
+            <a:noFill/>
+            <a:miter lim="800000"/>
+            <a:headEnd/>
+            <a:tailEnd/>
+          </a:ln>
+        </p:spPr>
+        <p:txBody>
+          <a:bodyPr wrap="square">
+            <a:prstTxWarp prst="textNoShape">
+              <a:avLst/>
+            </a:prstTxWarp>
+            <a:spAutoFit/>
+          </a:bodyPr>
+          <a:lstStyle/>
+          <a:p>
+            <a:pPr marL="285750" indent="-285750">
+              <a:buFont typeface="Arial"/>
+              <a:buChar char="•"/>
+            </a:pPr>
+            <a:r>
+              <a:rPr lang="en-US" sz="2000" dirty="0"/>
+              <a:t>The glycolysis network in KEGG represents understood relationships among enzymes and compounds</a:t>
+            </a:r>
+          </a:p>
+          <a:p>
+            <a:pPr marL="285750" indent="-285750">
+              <a:buFont typeface="Arial"/>
+              <a:buChar char="•"/>
+            </a:pPr>
+            <a:endParaRPr lang="en-US" sz="2000" dirty="0"/>
+          </a:p>
+          <a:p>
+            <a:pPr marL="285750" indent="-285750">
+              <a:buFont typeface="Arial"/>
+              <a:buChar char="•"/>
+            </a:pPr>
+            <a:r>
+              <a:rPr lang="en-US" sz="2000" dirty="0"/>
+              <a:t>Each enzyme or compound “term” is associated with a large volume of curated information on its classification, association with disease, role in the cell, etc.</a:t>
+            </a:r>
+          </a:p>
+          <a:p>
+            <a:pPr marL="285750" indent="-285750">
+              <a:buFont typeface="Arial"/>
+              <a:buChar char="•"/>
+            </a:pPr>
+            <a:endParaRPr lang="en-US" sz="2000" dirty="0"/>
+          </a:p>
+          <a:p>
+            <a:pPr marL="285750" indent="-285750">
+              <a:buFont typeface="Arial"/>
+              <a:buChar char="•"/>
+            </a:pPr>
+            <a:r>
+              <a:rPr lang="en-US" sz="2000" dirty="0"/>
+              <a:t>Networks like KEGG are useful for either learning about a pathway or annotating / analyzing data in the context of a pathway</a:t>
+            </a:r>
+          </a:p>
+          <a:p>
+            <a:pPr marL="285750" indent="-285750">
+              <a:buFont typeface="Arial"/>
+              <a:buChar char="•"/>
+            </a:pPr>
+            <a:endParaRPr lang="en-US" sz="2000" dirty="0"/>
+          </a:p>
+          <a:p>
+            <a:pPr marL="285750" indent="-285750">
+              <a:buFont typeface="Arial"/>
+              <a:buChar char="•"/>
+            </a:pPr>
+            <a:r>
+              <a:rPr lang="en-US" sz="2000" dirty="0"/>
+              <a:t>KEGG includes computer-readable data formats</a:t>
+            </a:r>
+          </a:p>
+        </p:txBody>
+      </p:sp>
+    </p:spTree>
+    <p:extLst>
+      <p:ext uri="{BB962C8B-B14F-4D97-AF65-F5344CB8AC3E}">
+        <p14:creationId xmlns:p14="http://schemas.microsoft.com/office/powerpoint/2010/main" val="362184440"/>
+      </p:ext>
+    </p:extLst>
+  </p:cSld>
+  <p:clrMapOvr>
+    <a:masterClrMapping/>
+  </p:clrMapOvr>
+</p:sld>
+</file>
+
+<file path=ppt/slides/slide17.xml><?xml version="1.0" encoding="utf-8"?>
+<p:sld xmlns:a="http://schemas.openxmlformats.org/drawingml/2006/main" xmlns:r="http://schemas.openxmlformats.org/officeDocument/2006/relationships" xmlns:p="http://schemas.openxmlformats.org/presentationml/2006/main">
+  <p:cSld>
+    <p:spTree>
+      <p:nvGrpSpPr>
+        <p:cNvPr id="1" name=""/>
+        <p:cNvGrpSpPr/>
+        <p:nvPr/>
+      </p:nvGrpSpPr>
+      <p:grpSpPr>
+        <a:xfrm>
+          <a:off x="0" y="0"/>
+          <a:ext cx="0" cy="0"/>
+          <a:chOff x="0" y="0"/>
+          <a:chExt cx="0" cy="0"/>
+        </a:xfrm>
+      </p:grpSpPr>
+      <p:sp>
+        <p:nvSpPr>
+          <p:cNvPr id="9" name="Rectangle 2"/>
+          <p:cNvSpPr>
+            <a:spLocks noGrp="1" noChangeArrowheads="1"/>
+          </p:cNvSpPr>
+          <p:nvPr>
+            <p:ph type="ctrTitle"/>
+          </p:nvPr>
+        </p:nvSpPr>
+        <p:spPr>
+          <a:xfrm>
             <a:off x="323528" y="-171400"/>
             <a:ext cx="8568952" cy="1535832"/>
           </a:xfrm>
@@ -7740,7 +8194,7 @@
 </p:sld>
 </file>
 
-<file path=ppt/slides/slide17.xml><?xml version="1.0" encoding="utf-8"?>
+<file path=ppt/slides/slide18.xml><?xml version="1.0" encoding="utf-8"?>
 <p:sld xmlns:a="http://schemas.openxmlformats.org/drawingml/2006/main" xmlns:r="http://schemas.openxmlformats.org/officeDocument/2006/relationships" xmlns:p="http://schemas.openxmlformats.org/presentationml/2006/main">
   <p:cSld>
     <p:spTree>
@@ -7985,164 +8439,6 @@
 </p:sld>
 </file>
 
-<file path=ppt/slides/slide18.xml><?xml version="1.0" encoding="utf-8"?>
-<p:sld xmlns:a="http://schemas.openxmlformats.org/drawingml/2006/main" xmlns:r="http://schemas.openxmlformats.org/officeDocument/2006/relationships" xmlns:p="http://schemas.openxmlformats.org/presentationml/2006/main">
-  <p:cSld>
-    <p:spTree>
-      <p:nvGrpSpPr>
-        <p:cNvPr id="1" name=""/>
-        <p:cNvGrpSpPr/>
-        <p:nvPr/>
-      </p:nvGrpSpPr>
-      <p:grpSpPr>
-        <a:xfrm>
-          <a:off x="0" y="0"/>
-          <a:ext cx="0" cy="0"/>
-          <a:chOff x="0" y="0"/>
-          <a:chExt cx="0" cy="0"/>
-        </a:xfrm>
-      </p:grpSpPr>
-      <p:sp>
-        <p:nvSpPr>
-          <p:cNvPr id="9" name="Rectangle 2"/>
-          <p:cNvSpPr>
-            <a:spLocks noGrp="1" noChangeArrowheads="1"/>
-          </p:cNvSpPr>
-          <p:nvPr>
-            <p:ph type="ctrTitle"/>
-          </p:nvPr>
-        </p:nvSpPr>
-        <p:spPr>
-          <a:xfrm>
-            <a:off x="323528" y="-171400"/>
-            <a:ext cx="8568952" cy="1535832"/>
-          </a:xfrm>
-        </p:spPr>
-        <p:txBody>
-          <a:bodyPr/>
-          <a:lstStyle/>
-          <a:p>
-            <a:pPr algn="l" eaLnBrk="1" hangingPunct="1"/>
-            <a:r>
-              <a:rPr lang="en-US" sz="3200" b="1" dirty="0"/>
-              <a:t>Data Formats &amp; Software</a:t>
-            </a:r>
-            <a:endParaRPr lang="en-US" sz="3200" dirty="0"/>
-          </a:p>
-        </p:txBody>
-      </p:sp>
-      <p:sp>
-        <p:nvSpPr>
-          <p:cNvPr id="3" name="Text Box 14"/>
-          <p:cNvSpPr txBox="1">
-            <a:spLocks noChangeArrowheads="1"/>
-          </p:cNvSpPr>
-          <p:nvPr/>
-        </p:nvSpPr>
-        <p:spPr bwMode="auto">
-          <a:xfrm>
-            <a:off x="467544" y="1011500"/>
-            <a:ext cx="8280920" cy="3170099"/>
-          </a:xfrm>
-          <a:prstGeom prst="rect">
-            <a:avLst/>
-          </a:prstGeom>
-          <a:noFill/>
-          <a:ln w="9525">
-            <a:noFill/>
-            <a:miter lim="800000"/>
-            <a:headEnd/>
-            <a:tailEnd/>
-          </a:ln>
-        </p:spPr>
-        <p:txBody>
-          <a:bodyPr wrap="square">
-            <a:prstTxWarp prst="textNoShape">
-              <a:avLst/>
-            </a:prstTxWarp>
-            <a:spAutoFit/>
-          </a:bodyPr>
-          <a:lstStyle/>
-          <a:p>
-            <a:pPr marL="285750" indent="-285750">
-              <a:buFont typeface="Arial"/>
-              <a:buChar char="•"/>
-            </a:pPr>
-            <a:r>
-              <a:rPr lang="en-US" sz="2000" dirty="0" err="1"/>
-              <a:t>Interactome</a:t>
-            </a:r>
-            <a:r>
-              <a:rPr lang="en-US" sz="2000" dirty="0"/>
-              <a:t> data can be stored in a number of formats (SIF, NNF, XGMML, SBML, etc.)</a:t>
-            </a:r>
-          </a:p>
-          <a:p>
-            <a:pPr marL="285750" indent="-285750">
-              <a:buFont typeface="Arial"/>
-              <a:buChar char="•"/>
-            </a:pPr>
-            <a:endParaRPr lang="en-US" sz="2000" dirty="0"/>
-          </a:p>
-          <a:p>
-            <a:pPr marL="285750" indent="-285750">
-              <a:buFont typeface="Arial"/>
-              <a:buChar char="•"/>
-            </a:pPr>
-            <a:r>
-              <a:rPr lang="en-US" sz="2000" dirty="0"/>
-              <a:t>There are a number of domain specific repositories but not one centralized repository – data files often provided as supplementary files with a scientific publication</a:t>
-            </a:r>
-          </a:p>
-          <a:p>
-            <a:pPr marL="285750" indent="-285750">
-              <a:buFont typeface="Arial"/>
-              <a:buChar char="•"/>
-            </a:pPr>
-            <a:endParaRPr lang="en-US" sz="2000" dirty="0"/>
-          </a:p>
-          <a:p>
-            <a:pPr marL="285750" indent="-285750">
-              <a:buFont typeface="Arial"/>
-              <a:buChar char="•"/>
-            </a:pPr>
-            <a:r>
-              <a:rPr lang="en-US" sz="2000" dirty="0"/>
-              <a:t>Data repositories and the role of publishers in ensuring scientific data is accessible and not lost over time is a very active discussion in the scientific community, e.g. </a:t>
-            </a:r>
-            <a:r>
-              <a:rPr lang="en-US" sz="2000" i="1" dirty="0" err="1"/>
-              <a:t>GigaScience</a:t>
-            </a:r>
-            <a:r>
-              <a:rPr lang="en-US" sz="2000" i="1" dirty="0"/>
-              <a:t> Journal</a:t>
-            </a:r>
-            <a:r>
-              <a:rPr lang="en-US" sz="2000" dirty="0"/>
-              <a:t>, </a:t>
-            </a:r>
-            <a:r>
-              <a:rPr lang="en-US" sz="2000" dirty="0" err="1"/>
-              <a:t>www.gigasciencejournal.com</a:t>
-            </a:r>
-            <a:endParaRPr lang="en-US" sz="2000" dirty="0"/>
-          </a:p>
-        </p:txBody>
-      </p:sp>
-    </p:spTree>
-    <p:extLst>
-      <p:ext uri="{BB962C8B-B14F-4D97-AF65-F5344CB8AC3E}">
-        <p14:creationId xmlns:p14="http://schemas.microsoft.com/office/powerpoint/2010/main" val="1895329202"/>
-      </p:ext>
-    </p:extLst>
-  </p:cSld>
-  <p:clrMapOvr>
-    <a:masterClrMapping/>
-  </p:clrMapOvr>
-</p:sld>
-</file>
-
 <file path=ppt/slides/slide19.xml><?xml version="1.0" encoding="utf-8"?>
 <p:sld xmlns:a="http://schemas.openxmlformats.org/drawingml/2006/main" xmlns:r="http://schemas.openxmlformats.org/officeDocument/2006/relationships" xmlns:p="http://schemas.openxmlformats.org/presentationml/2006/main">
   <p:cSld>
@@ -8200,7 +8496,7 @@
         <p:spPr bwMode="auto">
           <a:xfrm>
             <a:off x="467544" y="1011500"/>
-            <a:ext cx="8280920" cy="2862322"/>
+            <a:ext cx="8280920" cy="3170099"/>
           </a:xfrm>
           <a:prstGeom prst="rect">
             <a:avLst/>
@@ -8227,20 +8523,54 @@
               <a:buChar char="•"/>
             </a:pPr>
             <a:r>
+              <a:rPr lang="en-US" sz="2000" dirty="0" err="1"/>
+              <a:t>Interactome</a:t>
+            </a:r>
+            <a:r>
               <a:rPr lang="en-US" sz="2000" dirty="0"/>
-              <a:t>The most popular software for analysis of </a:t>
-            </a:r>
-            <a:r>
-              <a:rPr lang="en-US" sz="2000" dirty="0" err="1"/>
-              <a:t>interactome</a:t>
-            </a:r>
+              <a:t> data can be stored in a number of formats (SIF, NNF, XGMML, SBML, etc.)</a:t>
+            </a:r>
+          </a:p>
+          <a:p>
+            <a:pPr marL="285750" indent="-285750">
+              <a:buFont typeface="Arial"/>
+              <a:buChar char="•"/>
+            </a:pPr>
+            <a:endParaRPr lang="en-US" sz="2000" dirty="0"/>
+          </a:p>
+          <a:p>
+            <a:pPr marL="285750" indent="-285750">
+              <a:buFont typeface="Arial"/>
+              <a:buChar char="•"/>
+            </a:pPr>
             <a:r>
               <a:rPr lang="en-US" sz="2000" dirty="0"/>
-              <a:t> data is </a:t>
-            </a:r>
-            <a:r>
-              <a:rPr lang="en-US" sz="2000" dirty="0" err="1"/>
-              <a:t>Cytoscape</a:t>
+              <a:t>There are a number of domain specific repositories but not one centralized repository – data files often provided as supplementary files with a scientific publication</a:t>
+            </a:r>
+          </a:p>
+          <a:p>
+            <a:pPr marL="285750" indent="-285750">
+              <a:buFont typeface="Arial"/>
+              <a:buChar char="•"/>
+            </a:pPr>
+            <a:endParaRPr lang="en-US" sz="2000" dirty="0"/>
+          </a:p>
+          <a:p>
+            <a:pPr marL="285750" indent="-285750">
+              <a:buFont typeface="Arial"/>
+              <a:buChar char="•"/>
+            </a:pPr>
+            <a:r>
+              <a:rPr lang="en-US" sz="2000" dirty="0"/>
+              <a:t>Data repositories and the role of publishers in ensuring scientific data is accessible and not lost over time is a very active discussion in the scientific community, e.g. </a:t>
+            </a:r>
+            <a:r>
+              <a:rPr lang="en-US" sz="2000" i="1" dirty="0" err="1"/>
+              <a:t>GigaScience</a:t>
+            </a:r>
+            <a:r>
+              <a:rPr lang="en-US" sz="2000" i="1" dirty="0"/>
+              <a:t> Journal</a:t>
             </a:r>
             <a:r>
               <a:rPr lang="en-US" sz="2000" dirty="0"/>
@@ -8248,125 +8578,16 @@
             </a:r>
             <a:r>
               <a:rPr lang="en-US" sz="2000" dirty="0" err="1"/>
-              <a:t>www.cytoscape.org</a:t>
+              <a:t>www.gigasciencejournal.com</a:t>
             </a:r>
             <a:endParaRPr lang="en-US" sz="2000" dirty="0"/>
           </a:p>
-          <a:p>
-            <a:pPr marL="285750" indent="-285750">
-              <a:buFont typeface="Arial"/>
-              <a:buChar char="•"/>
-            </a:pPr>
-            <a:endParaRPr lang="en-US" sz="2000" dirty="0"/>
-          </a:p>
-          <a:p>
-            <a:pPr marL="285750" indent="-285750">
-              <a:buFont typeface="Arial"/>
-              <a:buChar char="•"/>
-            </a:pPr>
-            <a:r>
-              <a:rPr lang="en-US" sz="2000" dirty="0" err="1"/>
-              <a:t>Cytoscape</a:t>
-            </a:r>
-            <a:r>
-              <a:rPr lang="en-US" sz="2000" dirty="0"/>
-              <a:t> allows </a:t>
-            </a:r>
-            <a:r>
-              <a:rPr lang="en-US" sz="2000" dirty="0" err="1"/>
-              <a:t>interactome</a:t>
-            </a:r>
-            <a:r>
-              <a:rPr lang="en-US" sz="2000" dirty="0"/>
-              <a:t> mining and visualization but also analysis of outside data (e.g. RNA-</a:t>
-            </a:r>
-            <a:r>
-              <a:rPr lang="en-US" sz="2000" dirty="0" err="1"/>
-              <a:t>Seq</a:t>
-            </a:r>
-            <a:r>
-              <a:rPr lang="en-US" sz="2000" dirty="0"/>
-              <a:t>) in the context of observed </a:t>
-            </a:r>
-            <a:r>
-              <a:rPr lang="en-US" sz="2000" dirty="0" err="1"/>
-              <a:t>interactomes</a:t>
-            </a:r>
-            <a:endParaRPr lang="en-US" sz="2000" dirty="0"/>
-          </a:p>
-          <a:p>
-            <a:pPr marL="285750" indent="-285750">
-              <a:buFont typeface="Arial"/>
-              <a:buChar char="•"/>
-            </a:pPr>
-            <a:endParaRPr lang="en-US" sz="2000" dirty="0"/>
-          </a:p>
-          <a:p>
-            <a:pPr marL="742950" lvl="1" indent="-285750">
-              <a:buFont typeface="Arial"/>
-              <a:buChar char="•"/>
-            </a:pPr>
-            <a:r>
-              <a:rPr lang="en-US" sz="2000" dirty="0"/>
-              <a:t>e.g. are the genes </a:t>
-            </a:r>
-            <a:r>
-              <a:rPr lang="en-US" sz="2000" dirty="0" err="1"/>
-              <a:t>upregulated</a:t>
-            </a:r>
-            <a:r>
-              <a:rPr lang="en-US" sz="2000" dirty="0"/>
-              <a:t> in my RNA-</a:t>
-            </a:r>
-            <a:r>
-              <a:rPr lang="en-US" sz="2000" dirty="0" err="1"/>
-              <a:t>Seq</a:t>
-            </a:r>
-            <a:r>
-              <a:rPr lang="en-US" sz="2000" dirty="0"/>
-              <a:t> experiment reflective of a specific sub-set of protein-protein interactions?</a:t>
-            </a:r>
-          </a:p>
-          <a:p>
-            <a:pPr lvl="1"/>
-            <a:endParaRPr lang="en-US" sz="2000" dirty="0"/>
-          </a:p>
-        </p:txBody>
-      </p:sp>
-      <p:pic>
-        <p:nvPicPr>
-          <p:cNvPr id="2" name="Picture 1" descr="intro_15.png"/>
-          <p:cNvPicPr>
-            <a:picLocks noChangeAspect="1"/>
-          </p:cNvPicPr>
-          <p:nvPr/>
-        </p:nvPicPr>
-        <p:blipFill>
-          <a:blip r:embed="rId3">
-            <a:extLst>
-              <a:ext uri="{28A0092B-C50C-407E-A947-70E740481C1C}">
-                <a14:useLocalDpi xmlns:a14="http://schemas.microsoft.com/office/drawing/2010/main" val="0"/>
-              </a:ext>
-            </a:extLst>
-          </a:blip>
-          <a:stretch>
-            <a:fillRect/>
-          </a:stretch>
-        </p:blipFill>
-        <p:spPr>
-          <a:xfrm>
-            <a:off x="467544" y="3861047"/>
-            <a:ext cx="5832648" cy="2617909"/>
-          </a:xfrm>
-          <a:prstGeom prst="rect">
-            <a:avLst/>
-          </a:prstGeom>
-        </p:spPr>
-      </p:pic>
+        </p:txBody>
+      </p:sp>
     </p:spTree>
     <p:extLst>
       <p:ext uri="{BB962C8B-B14F-4D97-AF65-F5344CB8AC3E}">
-        <p14:creationId xmlns:p14="http://schemas.microsoft.com/office/powerpoint/2010/main" val="1436383456"/>
+        <p14:creationId xmlns:p14="http://schemas.microsoft.com/office/powerpoint/2010/main" val="1895329202"/>
       </p:ext>
     </p:extLst>
   </p:cSld>
@@ -8603,7 +8824,7 @@
             <a:pPr algn="l" eaLnBrk="1" hangingPunct="1"/>
             <a:r>
               <a:rPr lang="en-US" sz="3200" b="1" dirty="0"/>
-              <a:t>Connections &amp; Cross-References</a:t>
+              <a:t>Data Formats &amp; Software</a:t>
             </a:r>
             <a:endParaRPr lang="en-US" sz="3200" dirty="0"/>
           </a:p>
@@ -8611,7 +8832,7 @@
       </p:sp>
       <p:sp>
         <p:nvSpPr>
-          <p:cNvPr id="4" name="Text Box 14"/>
+          <p:cNvPr id="3" name="Text Box 14"/>
           <p:cNvSpPr txBox="1">
             <a:spLocks noChangeArrowheads="1"/>
           </p:cNvSpPr>
@@ -8620,7 +8841,7 @@
         <p:spPr bwMode="auto">
           <a:xfrm>
             <a:off x="467544" y="1011500"/>
-            <a:ext cx="8064896" cy="6247864"/>
+            <a:ext cx="8280920" cy="2862322"/>
           </a:xfrm>
           <a:prstGeom prst="rect">
             <a:avLst/>
@@ -8648,160 +8869,145 @@
             </a:pPr>
             <a:r>
               <a:rPr lang="en-US" sz="2000" dirty="0"/>
-              <a:t>Connections &amp; Cross-References lead to standardization &amp; normalization</a:t>
-            </a:r>
+              <a:t>The most popular software for analysis of </a:t>
+            </a:r>
+            <a:r>
+              <a:rPr lang="en-US" sz="2000" dirty="0" err="1"/>
+              <a:t>interactome</a:t>
+            </a:r>
+            <a:r>
+              <a:rPr lang="en-US" sz="2000" dirty="0"/>
+              <a:t> data is </a:t>
+            </a:r>
+            <a:r>
+              <a:rPr lang="en-US" sz="2000" dirty="0" err="1"/>
+              <a:t>Cytoscape</a:t>
+            </a:r>
+            <a:r>
+              <a:rPr lang="en-US" sz="2000" dirty="0"/>
+              <a:t>, </a:t>
+            </a:r>
+            <a:r>
+              <a:rPr lang="en-US" sz="2000" dirty="0" err="1"/>
+              <a:t>www.cytoscape.org</a:t>
+            </a:r>
+            <a:endParaRPr lang="en-US" sz="2000" dirty="0"/>
+          </a:p>
+          <a:p>
+            <a:pPr marL="285750" indent="-285750">
+              <a:buFont typeface="Arial"/>
+              <a:buChar char="•"/>
+            </a:pPr>
+            <a:endParaRPr lang="en-US" sz="2000" dirty="0"/>
+          </a:p>
+          <a:p>
+            <a:pPr marL="285750" indent="-285750">
+              <a:buFont typeface="Arial"/>
+              <a:buChar char="•"/>
+            </a:pPr>
+            <a:r>
+              <a:rPr lang="en-US" sz="2000" dirty="0" err="1"/>
+              <a:t>Cytoscape</a:t>
+            </a:r>
+            <a:r>
+              <a:rPr lang="en-US" sz="2000" dirty="0"/>
+              <a:t> allows </a:t>
+            </a:r>
+            <a:r>
+              <a:rPr lang="en-US" sz="2000" dirty="0" err="1"/>
+              <a:t>interactome</a:t>
+            </a:r>
+            <a:r>
+              <a:rPr lang="en-US" sz="2000" dirty="0"/>
+              <a:t> mining and visualization but also analysis of outside data (e.g. RNA-</a:t>
+            </a:r>
+            <a:r>
+              <a:rPr lang="en-US" sz="2000" dirty="0" err="1"/>
+              <a:t>Seq</a:t>
+            </a:r>
+            <a:r>
+              <a:rPr lang="en-US" sz="2000" dirty="0"/>
+              <a:t>) in the context of observed </a:t>
+            </a:r>
+            <a:r>
+              <a:rPr lang="en-US" sz="2000" dirty="0" err="1"/>
+              <a:t>interactomes</a:t>
+            </a:r>
+            <a:endParaRPr lang="en-US" sz="2000" dirty="0"/>
+          </a:p>
+          <a:p>
+            <a:pPr marL="285750" indent="-285750">
+              <a:buFont typeface="Arial"/>
+              <a:buChar char="•"/>
+            </a:pPr>
+            <a:endParaRPr lang="en-US" sz="2000" dirty="0"/>
           </a:p>
           <a:p>
             <a:pPr marL="742950" lvl="1" indent="-285750">
               <a:buFont typeface="Arial"/>
               <a:buChar char="•"/>
             </a:pPr>
+            <a:r>
+              <a:rPr lang="en-US" sz="2000" dirty="0"/>
+              <a:t>e.g. are the genes </a:t>
+            </a:r>
+            <a:r>
+              <a:rPr lang="en-US" sz="2000" dirty="0" err="1"/>
+              <a:t>upregulated</a:t>
+            </a:r>
+            <a:r>
+              <a:rPr lang="en-US" sz="2000" dirty="0"/>
+              <a:t> in my RNA-</a:t>
+            </a:r>
+            <a:r>
+              <a:rPr lang="en-US" sz="2000" dirty="0" err="1"/>
+              <a:t>Seq</a:t>
+            </a:r>
+            <a:r>
+              <a:rPr lang="en-US" sz="2000" dirty="0"/>
+              <a:t> experiment reflective of a specific sub-set of protein-protein interactions?</a:t>
+            </a:r>
+          </a:p>
+          <a:p>
+            <a:pPr lvl="1"/>
             <a:endParaRPr lang="en-US" sz="2000" dirty="0"/>
           </a:p>
-          <a:p>
-            <a:pPr marL="742950" lvl="1" indent="-285750">
-              <a:buFont typeface="Arial"/>
-              <a:buChar char="•"/>
-            </a:pPr>
-            <a:r>
-              <a:rPr lang="en-US" sz="2000" dirty="0"/>
-              <a:t>Standardization – a common language is used to describe biological phenomena</a:t>
-            </a:r>
-          </a:p>
-          <a:p>
-            <a:pPr marL="742950" lvl="1" indent="-285750">
-              <a:buFont typeface="Arial"/>
-              <a:buChar char="•"/>
-            </a:pPr>
-            <a:endParaRPr lang="en-US" sz="2000" dirty="0"/>
-          </a:p>
-          <a:p>
-            <a:pPr marL="742950" lvl="1" indent="-285750">
-              <a:buFont typeface="Arial"/>
-              <a:buChar char="•"/>
-            </a:pPr>
-            <a:r>
-              <a:rPr lang="en-US" sz="2000" dirty="0"/>
-              <a:t>Normalization – data, models, citations, and algorithms are annotated using the same common language, allowing easier sharing and comparison of data</a:t>
-            </a:r>
-          </a:p>
-          <a:p>
-            <a:pPr marL="742950" lvl="1" indent="-285750">
-              <a:buFont typeface="Arial"/>
-              <a:buChar char="•"/>
-            </a:pPr>
-            <a:endParaRPr lang="en-US" sz="2000" dirty="0"/>
-          </a:p>
-          <a:p>
-            <a:pPr marL="285750" indent="-285750">
-              <a:buFont typeface="Arial"/>
-              <a:buChar char="•"/>
-            </a:pPr>
-            <a:r>
-              <a:rPr lang="en-US" sz="2000" dirty="0"/>
-              <a:t>Connections &amp; Cross-Reference combined with computer-readable representations leads to powerful analytical tools</a:t>
-            </a:r>
-          </a:p>
-          <a:p>
-            <a:pPr marL="285750" indent="-285750">
-              <a:buFont typeface="Arial"/>
-              <a:buChar char="•"/>
-            </a:pPr>
-            <a:endParaRPr lang="en-US" sz="2000" dirty="0"/>
-          </a:p>
-          <a:p>
-            <a:pPr marL="285750" indent="-285750">
-              <a:buFont typeface="Arial"/>
-              <a:buChar char="•"/>
-            </a:pPr>
-            <a:r>
-              <a:rPr lang="en-US" sz="2000" dirty="0"/>
-              <a:t>Examples</a:t>
-            </a:r>
-          </a:p>
-          <a:p>
-            <a:pPr marL="742950" lvl="1" indent="-285750">
-              <a:buFont typeface="Arial"/>
-              <a:buChar char="•"/>
-            </a:pPr>
-            <a:r>
-              <a:rPr lang="en-US" sz="1800" dirty="0"/>
-              <a:t>A protein-protein </a:t>
-            </a:r>
-            <a:r>
-              <a:rPr lang="en-US" sz="1800" dirty="0" err="1"/>
-              <a:t>interactome</a:t>
-            </a:r>
-            <a:r>
-              <a:rPr lang="en-US" sz="1800" dirty="0"/>
-              <a:t> dataset uses </a:t>
-            </a:r>
-            <a:r>
-              <a:rPr lang="en-US" sz="1800" dirty="0" err="1"/>
-              <a:t>GenBank</a:t>
-            </a:r>
-            <a:r>
-              <a:rPr lang="en-US" sz="1800" dirty="0"/>
-              <a:t> accessions for all the proteins observed</a:t>
-            </a:r>
-          </a:p>
-          <a:p>
-            <a:pPr marL="742950" lvl="1" indent="-285750">
-              <a:buFont typeface="Arial"/>
-              <a:buChar char="•"/>
-            </a:pPr>
-            <a:r>
-              <a:rPr lang="en-US" sz="1800" dirty="0"/>
-              <a:t>Gene Ontology annotates </a:t>
-            </a:r>
-            <a:r>
-              <a:rPr lang="en-US" sz="1800" dirty="0" err="1"/>
-              <a:t>GenBank</a:t>
-            </a:r>
-            <a:r>
-              <a:rPr lang="en-US" sz="1800" dirty="0"/>
-              <a:t> so all protein </a:t>
-            </a:r>
-            <a:r>
-              <a:rPr lang="en-US" sz="1800" dirty="0" err="1"/>
-              <a:t>GenBank</a:t>
-            </a:r>
-            <a:r>
-              <a:rPr lang="en-US" sz="1800" dirty="0"/>
-              <a:t> accessions are associated with GO terms</a:t>
-            </a:r>
-          </a:p>
-          <a:p>
-            <a:pPr marL="742950" lvl="1" indent="-285750">
-              <a:buFont typeface="Arial"/>
-              <a:buChar char="•"/>
-            </a:pPr>
-            <a:r>
-              <a:rPr lang="en-US" sz="1800" dirty="0" err="1"/>
-              <a:t>InterPro</a:t>
-            </a:r>
-            <a:r>
-              <a:rPr lang="en-US" sz="1800" dirty="0"/>
-              <a:t> curates connections between </a:t>
-            </a:r>
-            <a:r>
-              <a:rPr lang="en-US" sz="1800" dirty="0" err="1"/>
-              <a:t>Pfam</a:t>
-            </a:r>
-            <a:r>
-              <a:rPr lang="en-US" sz="1800" dirty="0"/>
-              <a:t> and PROSITE models and Gene Ontology terms</a:t>
-            </a:r>
-          </a:p>
-          <a:p>
-            <a:endParaRPr lang="en-US" sz="2000" dirty="0"/>
-          </a:p>
-        </p:txBody>
-      </p:sp>
+        </p:txBody>
+      </p:sp>
+      <p:pic>
+        <p:nvPicPr>
+          <p:cNvPr id="2" name="Picture 1" descr="intro_15.png"/>
+          <p:cNvPicPr>
+            <a:picLocks noChangeAspect="1"/>
+          </p:cNvPicPr>
+          <p:nvPr/>
+        </p:nvPicPr>
+        <p:blipFill>
+          <a:blip r:embed="rId3">
+            <a:extLst>
+              <a:ext uri="{28A0092B-C50C-407E-A947-70E740481C1C}">
+                <a14:useLocalDpi xmlns:a14="http://schemas.microsoft.com/office/drawing/2010/main" val="0"/>
+              </a:ext>
+            </a:extLst>
+          </a:blip>
+          <a:stretch>
+            <a:fillRect/>
+          </a:stretch>
+        </p:blipFill>
+        <p:spPr>
+          <a:xfrm>
+            <a:off x="467544" y="3861047"/>
+            <a:ext cx="5832648" cy="2617909"/>
+          </a:xfrm>
+          <a:prstGeom prst="rect">
+            <a:avLst/>
+          </a:prstGeom>
+        </p:spPr>
+      </p:pic>
     </p:spTree>
     <p:extLst>
       <p:ext uri="{BB962C8B-B14F-4D97-AF65-F5344CB8AC3E}">
-        <p14:creationId xmlns:p14="http://schemas.microsoft.com/office/powerpoint/2010/main" val="3425134106"/>
+        <p14:creationId xmlns:p14="http://schemas.microsoft.com/office/powerpoint/2010/main" val="1436383456"/>
       </p:ext>
     </p:extLst>
   </p:cSld>
@@ -8828,128 +9034,43 @@
           <a:chExt cx="0" cy="0"/>
         </a:xfrm>
       </p:grpSpPr>
-      <p:sp>
-        <p:nvSpPr>
-          <p:cNvPr id="9" name="Rectangle 2"/>
-          <p:cNvSpPr>
-            <a:spLocks noGrp="1" noChangeArrowheads="1"/>
-          </p:cNvSpPr>
-          <p:nvPr>
-            <p:ph type="ctrTitle"/>
-          </p:nvPr>
-        </p:nvSpPr>
+      <p:pic>
+        <p:nvPicPr>
+          <p:cNvPr id="6" name="Picture 5" descr="A close up of a logo&#10;&#10;Description automatically generated">
+            <a:extLst>
+              <a:ext uri="{FF2B5EF4-FFF2-40B4-BE49-F238E27FC236}">
+                <a16:creationId xmlns:a16="http://schemas.microsoft.com/office/drawing/2014/main" id="{C3355115-0F85-8C41-A4F0-2EFBBEDCE100}"/>
+              </a:ext>
+            </a:extLst>
+          </p:cNvPr>
+          <p:cNvPicPr>
+            <a:picLocks noChangeAspect="1"/>
+          </p:cNvPicPr>
+          <p:nvPr/>
+        </p:nvPicPr>
+        <p:blipFill>
+          <a:blip r:embed="rId3"/>
+          <a:stretch>
+            <a:fillRect/>
+          </a:stretch>
+        </p:blipFill>
         <p:spPr>
           <a:xfrm>
-            <a:off x="323528" y="-171400"/>
-            <a:ext cx="8568952" cy="1535832"/>
-          </a:xfrm>
-        </p:spPr>
-        <p:txBody>
-          <a:bodyPr/>
-          <a:lstStyle/>
-          <a:p>
-            <a:pPr algn="l" eaLnBrk="1" hangingPunct="1"/>
-            <a:r>
-              <a:rPr lang="en-US" sz="3200" b="1" dirty="0"/>
-              <a:t>Enrichment</a:t>
-            </a:r>
-            <a:endParaRPr lang="en-US" sz="3200" dirty="0"/>
-          </a:p>
-        </p:txBody>
-      </p:sp>
-      <p:sp>
-        <p:nvSpPr>
-          <p:cNvPr id="6" name="Text Box 14"/>
-          <p:cNvSpPr txBox="1">
-            <a:spLocks noChangeArrowheads="1"/>
-          </p:cNvSpPr>
-          <p:nvPr/>
-        </p:nvSpPr>
-        <p:spPr bwMode="auto">
-          <a:xfrm>
-            <a:off x="467544" y="1011500"/>
-            <a:ext cx="8064896" cy="3785652"/>
+            <a:off x="3302000" y="2159000"/>
+            <a:ext cx="2540000" cy="2540000"/>
           </a:xfrm>
           <a:prstGeom prst="rect">
             <a:avLst/>
           </a:prstGeom>
-          <a:noFill/>
-          <a:ln w="9525">
-            <a:noFill/>
-            <a:miter lim="800000"/>
-            <a:headEnd/>
-            <a:tailEnd/>
-          </a:ln>
-        </p:spPr>
-        <p:txBody>
-          <a:bodyPr wrap="square">
-            <a:prstTxWarp prst="textNoShape">
-              <a:avLst/>
-            </a:prstTxWarp>
-            <a:spAutoFit/>
-          </a:bodyPr>
-          <a:lstStyle/>
-          <a:p>
-            <a:pPr marL="285750" indent="-285750">
-              <a:buFont typeface="Arial"/>
-              <a:buChar char="•"/>
-            </a:pPr>
-            <a:r>
-              <a:rPr lang="en-US" sz="2000" dirty="0"/>
-              <a:t>A powerful tool for high-level interpretation of complex experimental data, allowing investigator to detect biological processes otherwise not apparent</a:t>
-            </a:r>
-          </a:p>
-          <a:p>
-            <a:pPr marL="285750" indent="-285750">
-              <a:buFont typeface="Arial"/>
-              <a:buChar char="•"/>
-            </a:pPr>
-            <a:endParaRPr lang="en-US" sz="2000" dirty="0"/>
-          </a:p>
-          <a:p>
-            <a:pPr marL="285750" indent="-285750">
-              <a:buFont typeface="Arial"/>
-              <a:buChar char="•"/>
-            </a:pPr>
-            <a:r>
-              <a:rPr lang="en-US" sz="2000" dirty="0"/>
-              <a:t>Computational and statistical in nature – uses ontologies, networks, or </a:t>
-            </a:r>
-            <a:r>
-              <a:rPr lang="en-US" sz="2000" dirty="0" err="1"/>
-              <a:t>interactomes</a:t>
-            </a:r>
-            <a:r>
-              <a:rPr lang="en-US" sz="2000" dirty="0"/>
-              <a:t> to test if a specific biological process, pathway, or interaction is highlighted by the data</a:t>
-            </a:r>
-          </a:p>
-          <a:p>
-            <a:pPr marL="285750" indent="-285750">
-              <a:buFont typeface="Arial"/>
-              <a:buChar char="•"/>
-            </a:pPr>
-            <a:endParaRPr lang="en-US" sz="2000" dirty="0"/>
-          </a:p>
-          <a:p>
-            <a:pPr marL="285750" indent="-285750">
-              <a:buFont typeface="Arial"/>
-              <a:buChar char="•"/>
-            </a:pPr>
-            <a:r>
-              <a:rPr lang="en-US" sz="2000" dirty="0"/>
-              <a:t>Null hypothesis – no ontological term, biochemical or regulatory network, or known interactions are over-represented in my data (relative to controls or background signal)</a:t>
-            </a:r>
-          </a:p>
-          <a:p>
-            <a:endParaRPr lang="en-US" sz="2000" dirty="0"/>
-          </a:p>
-        </p:txBody>
-      </p:sp>
+          <a:solidFill>
+            <a:schemeClr val="tx1"/>
+          </a:solidFill>
+        </p:spPr>
+      </p:pic>
     </p:spTree>
     <p:extLst>
       <p:ext uri="{BB962C8B-B14F-4D97-AF65-F5344CB8AC3E}">
-        <p14:creationId xmlns:p14="http://schemas.microsoft.com/office/powerpoint/2010/main" val="2604912252"/>
+        <p14:creationId xmlns:p14="http://schemas.microsoft.com/office/powerpoint/2010/main" val="3425134106"/>
       </p:ext>
     </p:extLst>
   </p:cSld>
@@ -8999,7 +9120,7 @@
             <a:pPr algn="l" eaLnBrk="1" hangingPunct="1"/>
             <a:r>
               <a:rPr lang="en-US" sz="3200" b="1" dirty="0"/>
-              <a:t>Enrichment Example:</a:t>
+              <a:t>Connections &amp; Cross-References</a:t>
             </a:r>
             <a:endParaRPr lang="en-US" sz="3200" dirty="0"/>
           </a:p>
@@ -9015,122 +9136,8 @@
         </p:nvSpPr>
         <p:spPr bwMode="auto">
           <a:xfrm>
-            <a:off x="6012160" y="1196752"/>
-            <a:ext cx="2664296" cy="646331"/>
-          </a:xfrm>
-          <a:prstGeom prst="rect">
-            <a:avLst/>
-          </a:prstGeom>
-          <a:noFill/>
-          <a:ln w="9525">
-            <a:solidFill>
-              <a:schemeClr val="tx1"/>
-            </a:solidFill>
-            <a:miter lim="800000"/>
-            <a:headEnd/>
-            <a:tailEnd/>
-          </a:ln>
-        </p:spPr>
-        <p:txBody>
-          <a:bodyPr wrap="square">
-            <a:prstTxWarp prst="textNoShape">
-              <a:avLst/>
-            </a:prstTxWarp>
-            <a:spAutoFit/>
-          </a:bodyPr>
-          <a:lstStyle/>
-          <a:p>
-            <a:r>
-              <a:rPr lang="en-US" sz="1800" dirty="0"/>
-              <a:t>1300 genes up-regulated in response to dioxin</a:t>
-            </a:r>
-          </a:p>
-        </p:txBody>
-      </p:sp>
-      <p:sp>
-        <p:nvSpPr>
-          <p:cNvPr id="5" name="Text Box 14"/>
-          <p:cNvSpPr txBox="1">
-            <a:spLocks noChangeArrowheads="1"/>
-          </p:cNvSpPr>
-          <p:nvPr/>
-        </p:nvSpPr>
-        <p:spPr bwMode="auto">
-          <a:xfrm>
-            <a:off x="6012160" y="2276872"/>
-            <a:ext cx="2736304" cy="369332"/>
-          </a:xfrm>
-          <a:prstGeom prst="rect">
-            <a:avLst/>
-          </a:prstGeom>
-          <a:noFill/>
-          <a:ln w="9525">
-            <a:solidFill>
-              <a:schemeClr val="tx1"/>
-            </a:solidFill>
-            <a:miter lim="800000"/>
-            <a:headEnd/>
-            <a:tailEnd/>
-          </a:ln>
-        </p:spPr>
-        <p:txBody>
-          <a:bodyPr wrap="square">
-            <a:prstTxWarp prst="textNoShape">
-              <a:avLst/>
-            </a:prstTxWarp>
-            <a:spAutoFit/>
-          </a:bodyPr>
-          <a:lstStyle/>
-          <a:p>
-            <a:r>
-              <a:rPr lang="en-US" sz="1800" dirty="0"/>
-              <a:t>All genes in the genome</a:t>
-            </a:r>
-          </a:p>
-        </p:txBody>
-      </p:sp>
-      <p:pic>
-        <p:nvPicPr>
-          <p:cNvPr id="2" name="Picture 1" descr="Unknown.jpeg"/>
-          <p:cNvPicPr>
-            <a:picLocks noChangeAspect="1"/>
-          </p:cNvPicPr>
-          <p:nvPr/>
-        </p:nvPicPr>
-        <p:blipFill>
-          <a:blip r:embed="rId3">
-            <a:extLst>
-              <a:ext uri="{28A0092B-C50C-407E-A947-70E740481C1C}">
-                <a14:useLocalDpi xmlns:a14="http://schemas.microsoft.com/office/drawing/2010/main" val="0"/>
-              </a:ext>
-            </a:extLst>
-          </a:blip>
-          <a:stretch>
-            <a:fillRect/>
-          </a:stretch>
-        </p:blipFill>
-        <p:spPr>
-          <a:xfrm>
-            <a:off x="179512" y="1331476"/>
-            <a:ext cx="1545161" cy="1028234"/>
-          </a:xfrm>
-          <a:prstGeom prst="rect">
-            <a:avLst/>
-          </a:prstGeom>
-        </p:spPr>
-      </p:pic>
-      <p:sp>
-        <p:nvSpPr>
-          <p:cNvPr id="7" name="Text Box 14"/>
-          <p:cNvSpPr txBox="1">
-            <a:spLocks noChangeArrowheads="1"/>
-          </p:cNvSpPr>
-          <p:nvPr/>
-        </p:nvSpPr>
-        <p:spPr bwMode="auto">
-          <a:xfrm>
-            <a:off x="179512" y="2339588"/>
-            <a:ext cx="1512168" cy="369332"/>
+            <a:off x="467544" y="1011500"/>
+            <a:ext cx="8064896" cy="6247864"/>
           </a:xfrm>
           <a:prstGeom prst="rect">
             <a:avLst/>
@@ -9152,503 +9159,166 @@
           </a:bodyPr>
           <a:lstStyle/>
           <a:p>
-            <a:r>
-              <a:rPr lang="en-US" sz="1800" i="1" dirty="0" err="1"/>
-              <a:t>Danio</a:t>
-            </a:r>
-            <a:r>
-              <a:rPr lang="en-US" sz="1800" i="1" dirty="0"/>
-              <a:t> </a:t>
-            </a:r>
-            <a:r>
-              <a:rPr lang="en-US" sz="1800" i="1" dirty="0" err="1"/>
-              <a:t>rerio</a:t>
-            </a:r>
-            <a:endParaRPr lang="en-US" sz="1800" i="1" dirty="0"/>
-          </a:p>
-        </p:txBody>
-      </p:sp>
-      <p:pic>
-        <p:nvPicPr>
-          <p:cNvPr id="3" name="Picture 2" descr="Unknown-1.jpeg"/>
-          <p:cNvPicPr>
-            <a:picLocks noChangeAspect="1"/>
-          </p:cNvPicPr>
-          <p:nvPr/>
-        </p:nvPicPr>
-        <p:blipFill>
-          <a:blip r:embed="rId4">
-            <a:extLst>
-              <a:ext uri="{28A0092B-C50C-407E-A947-70E740481C1C}">
-                <a14:useLocalDpi xmlns:a14="http://schemas.microsoft.com/office/drawing/2010/main" val="0"/>
-              </a:ext>
-            </a:extLst>
-          </a:blip>
-          <a:stretch>
-            <a:fillRect/>
-          </a:stretch>
-        </p:blipFill>
-        <p:spPr>
-          <a:xfrm>
-            <a:off x="1475656" y="1187460"/>
-            <a:ext cx="864096" cy="490041"/>
-          </a:xfrm>
-          <a:prstGeom prst="rect">
-            <a:avLst/>
-          </a:prstGeom>
-        </p:spPr>
-      </p:pic>
-      <p:sp>
-        <p:nvSpPr>
-          <p:cNvPr id="10" name="Text Box 14"/>
-          <p:cNvSpPr txBox="1">
-            <a:spLocks noChangeArrowheads="1"/>
-          </p:cNvSpPr>
-          <p:nvPr/>
-        </p:nvSpPr>
-        <p:spPr bwMode="auto">
-          <a:xfrm>
-            <a:off x="6948264" y="1844824"/>
-            <a:ext cx="2736304" cy="369332"/>
-          </a:xfrm>
-          <a:prstGeom prst="rect">
-            <a:avLst/>
-          </a:prstGeom>
-          <a:noFill/>
-          <a:ln w="9525">
-            <a:noFill/>
-            <a:miter lim="800000"/>
-            <a:headEnd/>
-            <a:tailEnd/>
-          </a:ln>
-        </p:spPr>
-        <p:txBody>
-          <a:bodyPr wrap="square">
-            <a:prstTxWarp prst="textNoShape">
-              <a:avLst/>
-            </a:prstTxWarp>
-            <a:spAutoFit/>
-          </a:bodyPr>
-          <a:lstStyle/>
-          <a:p>
-            <a:r>
-              <a:rPr lang="en-US" sz="1800" i="1" dirty="0"/>
-              <a:t>versus</a:t>
-            </a:r>
-          </a:p>
-        </p:txBody>
-      </p:sp>
-      <p:sp>
-        <p:nvSpPr>
-          <p:cNvPr id="8" name="Down Arrow 7"/>
-          <p:cNvSpPr/>
-          <p:nvPr/>
-        </p:nvSpPr>
-        <p:spPr bwMode="auto">
-          <a:xfrm>
-            <a:off x="6948264" y="3140968"/>
-            <a:ext cx="484632" cy="1770496"/>
-          </a:xfrm>
-          <a:prstGeom prst="downArrow">
-            <a:avLst/>
-          </a:prstGeom>
-          <a:solidFill>
-            <a:schemeClr val="accent1"/>
-          </a:solidFill>
-          <a:ln w="9525" cap="flat" cmpd="sng" algn="ctr">
-            <a:solidFill>
-              <a:schemeClr val="tx1"/>
-            </a:solidFill>
-            <a:prstDash val="solid"/>
-            <a:round/>
-            <a:headEnd type="none" w="med" len="med"/>
-            <a:tailEnd type="none" w="med" len="med"/>
-          </a:ln>
-          <a:effectLst/>
-        </p:spPr>
-        <p:txBody>
-          <a:bodyPr vert="horz" wrap="square" lIns="91440" tIns="45720" rIns="91440" bIns="45720" numCol="1" rtlCol="0" anchor="t" anchorCtr="0" compatLnSpc="1">
-            <a:prstTxWarp prst="textNoShape">
-              <a:avLst/>
-            </a:prstTxWarp>
-          </a:bodyPr>
-          <a:lstStyle/>
-          <a:p>
-            <a:pPr marL="0" marR="0" indent="0" algn="l" defTabSz="914400" rtl="0" eaLnBrk="0" fontAlgn="base" latinLnBrk="0" hangingPunct="0">
-              <a:lnSpc>
-                <a:spcPct val="100000"/>
-              </a:lnSpc>
-              <a:spcBef>
-                <a:spcPct val="0"/>
-              </a:spcBef>
-              <a:spcAft>
-                <a:spcPct val="0"/>
-              </a:spcAft>
-              <a:buClrTx/>
-              <a:buSzTx/>
-              <a:buFontTx/>
-              <a:buNone/>
-              <a:tabLst/>
-            </a:pPr>
-            <a:endParaRPr kumimoji="0" lang="en-US" sz="2400" b="0" i="0" u="none" strike="noStrike" cap="none" normalizeH="0" baseline="0">
-              <a:ln>
-                <a:noFill/>
-              </a:ln>
-              <a:solidFill>
-                <a:schemeClr val="tx1"/>
-              </a:solidFill>
-              <a:effectLst/>
-              <a:latin typeface="Times" charset="0"/>
-            </a:endParaRPr>
-          </a:p>
-        </p:txBody>
-      </p:sp>
-      <p:sp>
-        <p:nvSpPr>
-          <p:cNvPr id="11" name="Text Box 14"/>
-          <p:cNvSpPr txBox="1">
-            <a:spLocks noChangeArrowheads="1"/>
-          </p:cNvSpPr>
-          <p:nvPr/>
-        </p:nvSpPr>
-        <p:spPr bwMode="auto">
-          <a:xfrm>
-            <a:off x="6012160" y="5157192"/>
-            <a:ext cx="2736304" cy="1477328"/>
-          </a:xfrm>
-          <a:prstGeom prst="rect">
-            <a:avLst/>
-          </a:prstGeom>
-          <a:noFill/>
-          <a:ln w="9525">
-            <a:solidFill>
-              <a:schemeClr val="tx1"/>
-            </a:solidFill>
-            <a:miter lim="800000"/>
-            <a:headEnd/>
-            <a:tailEnd/>
-          </a:ln>
-        </p:spPr>
-        <p:txBody>
-          <a:bodyPr wrap="square">
-            <a:prstTxWarp prst="textNoShape">
-              <a:avLst/>
-            </a:prstTxWarp>
-            <a:spAutoFit/>
-          </a:bodyPr>
-          <a:lstStyle/>
-          <a:p>
+            <a:pPr marL="285750" indent="-285750">
+              <a:buFont typeface="Arial"/>
+              <a:buChar char="•"/>
+            </a:pPr>
+            <a:r>
+              <a:rPr lang="en-US" sz="2000" dirty="0"/>
+              <a:t>Connections &amp; Cross-References lead to standardization &amp; normalization</a:t>
+            </a:r>
+          </a:p>
+          <a:p>
+            <a:pPr marL="742950" lvl="1" indent="-285750">
+              <a:buFont typeface="Arial"/>
+              <a:buChar char="•"/>
+            </a:pPr>
+            <a:endParaRPr lang="en-US" sz="2000" dirty="0"/>
+          </a:p>
+          <a:p>
+            <a:pPr marL="742950" lvl="1" indent="-285750">
+              <a:buFont typeface="Arial"/>
+              <a:buChar char="•"/>
+            </a:pPr>
+            <a:r>
+              <a:rPr lang="en-US" sz="2000" dirty="0"/>
+              <a:t>Standardization – a common language is used to describe biological phenomena</a:t>
+            </a:r>
+          </a:p>
+          <a:p>
+            <a:pPr marL="742950" lvl="1" indent="-285750">
+              <a:buFont typeface="Arial"/>
+              <a:buChar char="•"/>
+            </a:pPr>
+            <a:endParaRPr lang="en-US" sz="2000" dirty="0"/>
+          </a:p>
+          <a:p>
+            <a:pPr marL="742950" lvl="1" indent="-285750">
+              <a:buFont typeface="Arial"/>
+              <a:buChar char="•"/>
+            </a:pPr>
+            <a:r>
+              <a:rPr lang="en-US" sz="2000" dirty="0"/>
+              <a:t>Normalization – data, models, citations, and algorithms are annotated using the same common language, allowing easier sharing and comparison of data</a:t>
+            </a:r>
+          </a:p>
+          <a:p>
+            <a:pPr marL="742950" lvl="1" indent="-285750">
+              <a:buFont typeface="Arial"/>
+              <a:buChar char="•"/>
+            </a:pPr>
+            <a:endParaRPr lang="en-US" sz="2000" dirty="0"/>
+          </a:p>
+          <a:p>
+            <a:pPr marL="285750" indent="-285750">
+              <a:buFont typeface="Arial"/>
+              <a:buChar char="•"/>
+            </a:pPr>
+            <a:r>
+              <a:rPr lang="en-US" sz="2000" dirty="0"/>
+              <a:t>Connections &amp; Cross-Reference combined with computer-readable representations leads to powerful analytical tools</a:t>
+            </a:r>
+          </a:p>
+          <a:p>
+            <a:pPr marL="285750" indent="-285750">
+              <a:buFont typeface="Arial"/>
+              <a:buChar char="•"/>
+            </a:pPr>
+            <a:endParaRPr lang="en-US" sz="2000" dirty="0"/>
+          </a:p>
+          <a:p>
+            <a:pPr marL="285750" indent="-285750">
+              <a:buFont typeface="Arial"/>
+              <a:buChar char="•"/>
+            </a:pPr>
+            <a:r>
+              <a:rPr lang="en-US" sz="2000" dirty="0"/>
+              <a:t>Examples</a:t>
+            </a:r>
+          </a:p>
+          <a:p>
+            <a:pPr marL="742950" lvl="1" indent="-285750">
+              <a:buFont typeface="Arial"/>
+              <a:buChar char="•"/>
+            </a:pPr>
             <a:r>
               <a:rPr lang="en-US" sz="1800" dirty="0"/>
-              <a:t>GO terms for oxidative stress response, DNA damage repair statistically enriched in the up-regulated genes</a:t>
-            </a:r>
-          </a:p>
-        </p:txBody>
-      </p:sp>
-      <p:sp>
-        <p:nvSpPr>
-          <p:cNvPr id="12" name="Text Box 14"/>
-          <p:cNvSpPr txBox="1">
-            <a:spLocks noChangeArrowheads="1"/>
-          </p:cNvSpPr>
-          <p:nvPr/>
-        </p:nvSpPr>
-        <p:spPr bwMode="auto">
-          <a:xfrm>
-            <a:off x="5004048" y="3646765"/>
-            <a:ext cx="2736304" cy="646331"/>
-          </a:xfrm>
-          <a:prstGeom prst="rect">
-            <a:avLst/>
-          </a:prstGeom>
-          <a:noFill/>
-          <a:ln w="9525">
-            <a:noFill/>
-            <a:miter lim="800000"/>
-            <a:headEnd/>
-            <a:tailEnd/>
-          </a:ln>
-        </p:spPr>
-        <p:txBody>
-          <a:bodyPr wrap="square">
-            <a:prstTxWarp prst="textNoShape">
-              <a:avLst/>
-            </a:prstTxWarp>
-            <a:spAutoFit/>
-          </a:bodyPr>
-          <a:lstStyle/>
-          <a:p>
-            <a:r>
-              <a:rPr lang="en-US" sz="1800" i="1" dirty="0"/>
-              <a:t>Gene Ontology</a:t>
-            </a:r>
-          </a:p>
-          <a:p>
-            <a:r>
-              <a:rPr lang="en-US" sz="1800" i="1" dirty="0"/>
-              <a:t>enrichment analysis</a:t>
-            </a:r>
-          </a:p>
-        </p:txBody>
-      </p:sp>
-      <p:sp>
-        <p:nvSpPr>
-          <p:cNvPr id="13" name="Text Box 14"/>
-          <p:cNvSpPr txBox="1">
-            <a:spLocks noChangeArrowheads="1"/>
-          </p:cNvSpPr>
-          <p:nvPr/>
-        </p:nvSpPr>
-        <p:spPr bwMode="auto">
-          <a:xfrm>
-            <a:off x="1691680" y="1619508"/>
-            <a:ext cx="864096" cy="338554"/>
-          </a:xfrm>
-          <a:prstGeom prst="rect">
-            <a:avLst/>
-          </a:prstGeom>
-          <a:noFill/>
-          <a:ln w="9525">
-            <a:solidFill>
-              <a:schemeClr val="tx1"/>
-            </a:solidFill>
-            <a:miter lim="800000"/>
-            <a:headEnd/>
-            <a:tailEnd/>
-          </a:ln>
-        </p:spPr>
-        <p:txBody>
-          <a:bodyPr wrap="square">
-            <a:prstTxWarp prst="textNoShape">
-              <a:avLst/>
-            </a:prstTxWarp>
-            <a:spAutoFit/>
-          </a:bodyPr>
-          <a:lstStyle/>
-          <a:p>
-            <a:r>
-              <a:rPr lang="en-US" sz="1600" i="1" dirty="0"/>
-              <a:t>dioxin</a:t>
-            </a:r>
-          </a:p>
-        </p:txBody>
-      </p:sp>
-      <p:sp>
-        <p:nvSpPr>
-          <p:cNvPr id="14" name="Text Box 14"/>
-          <p:cNvSpPr txBox="1">
-            <a:spLocks noChangeArrowheads="1"/>
-          </p:cNvSpPr>
-          <p:nvPr/>
-        </p:nvSpPr>
-        <p:spPr bwMode="auto">
-          <a:xfrm>
-            <a:off x="2771800" y="1475492"/>
-            <a:ext cx="1368152" cy="369332"/>
-          </a:xfrm>
-          <a:prstGeom prst="rect">
-            <a:avLst/>
-          </a:prstGeom>
-          <a:solidFill>
-            <a:schemeClr val="accent1">
-              <a:lumMod val="40000"/>
-              <a:lumOff val="60000"/>
-            </a:schemeClr>
-          </a:solidFill>
-          <a:ln w="9525">
-            <a:solidFill>
-              <a:schemeClr val="tx1"/>
-            </a:solidFill>
-            <a:miter lim="800000"/>
-            <a:headEnd/>
-            <a:tailEnd/>
-          </a:ln>
-        </p:spPr>
-        <p:txBody>
-          <a:bodyPr wrap="square">
-            <a:prstTxWarp prst="textNoShape">
-              <a:avLst/>
-            </a:prstTxWarp>
-            <a:spAutoFit/>
-          </a:bodyPr>
-          <a:lstStyle/>
-          <a:p>
-            <a:r>
-              <a:rPr lang="en-US" sz="1800" dirty="0">
-                <a:solidFill>
-                  <a:schemeClr val="bg2"/>
-                </a:solidFill>
-              </a:rPr>
-              <a:t>CONTROL</a:t>
-            </a:r>
-          </a:p>
-        </p:txBody>
-      </p:sp>
-      <p:sp>
-        <p:nvSpPr>
-          <p:cNvPr id="15" name="Text Box 14"/>
-          <p:cNvSpPr txBox="1">
-            <a:spLocks noChangeArrowheads="1"/>
-          </p:cNvSpPr>
-          <p:nvPr/>
-        </p:nvSpPr>
-        <p:spPr bwMode="auto">
-          <a:xfrm>
-            <a:off x="2771800" y="2051556"/>
-            <a:ext cx="1368152" cy="369332"/>
-          </a:xfrm>
-          <a:prstGeom prst="rect">
-            <a:avLst/>
-          </a:prstGeom>
-          <a:solidFill>
-            <a:schemeClr val="accent1">
-              <a:lumMod val="40000"/>
-              <a:lumOff val="60000"/>
-            </a:schemeClr>
-          </a:solidFill>
-          <a:ln w="9525">
-            <a:solidFill>
-              <a:schemeClr val="tx1"/>
-            </a:solidFill>
-            <a:miter lim="800000"/>
-            <a:headEnd/>
-            <a:tailEnd/>
-          </a:ln>
-        </p:spPr>
-        <p:txBody>
-          <a:bodyPr wrap="square">
-            <a:prstTxWarp prst="textNoShape">
-              <a:avLst/>
-            </a:prstTxWarp>
-            <a:spAutoFit/>
-          </a:bodyPr>
-          <a:lstStyle/>
-          <a:p>
-            <a:r>
-              <a:rPr lang="en-US" sz="1800" dirty="0">
-                <a:solidFill>
-                  <a:schemeClr val="bg2"/>
-                </a:solidFill>
-              </a:rPr>
-              <a:t>EXPOSED</a:t>
-            </a:r>
-          </a:p>
-        </p:txBody>
-      </p:sp>
-      <p:sp>
-        <p:nvSpPr>
-          <p:cNvPr id="6" name="Right Arrow 5"/>
-          <p:cNvSpPr/>
-          <p:nvPr/>
-        </p:nvSpPr>
-        <p:spPr bwMode="auto">
-          <a:xfrm>
-            <a:off x="4355976" y="1700808"/>
-            <a:ext cx="1512168" cy="484632"/>
-          </a:xfrm>
-          <a:prstGeom prst="rightArrow">
-            <a:avLst/>
-          </a:prstGeom>
-          <a:solidFill>
-            <a:schemeClr val="accent1"/>
-          </a:solidFill>
-          <a:ln w="9525" cap="flat" cmpd="sng" algn="ctr">
-            <a:solidFill>
-              <a:schemeClr val="tx1"/>
-            </a:solidFill>
-            <a:prstDash val="solid"/>
-            <a:round/>
-            <a:headEnd type="none" w="med" len="med"/>
-            <a:tailEnd type="none" w="med" len="med"/>
-          </a:ln>
-          <a:effectLst/>
-        </p:spPr>
-        <p:txBody>
-          <a:bodyPr vert="horz" wrap="square" lIns="91440" tIns="45720" rIns="91440" bIns="45720" numCol="1" rtlCol="0" anchor="t" anchorCtr="0" compatLnSpc="1">
-            <a:prstTxWarp prst="textNoShape">
-              <a:avLst/>
-            </a:prstTxWarp>
-          </a:bodyPr>
-          <a:lstStyle/>
-          <a:p>
-            <a:pPr marL="0" marR="0" indent="0" algn="l" defTabSz="914400" rtl="0" eaLnBrk="0" fontAlgn="base" latinLnBrk="0" hangingPunct="0">
-              <a:lnSpc>
-                <a:spcPct val="100000"/>
-              </a:lnSpc>
-              <a:spcBef>
-                <a:spcPct val="0"/>
-              </a:spcBef>
-              <a:spcAft>
-                <a:spcPct val="0"/>
-              </a:spcAft>
-              <a:buClrTx/>
-              <a:buSzTx/>
-              <a:buFontTx/>
-              <a:buNone/>
-              <a:tabLst/>
-            </a:pPr>
-            <a:endParaRPr kumimoji="0" lang="en-US" sz="2400" b="0" i="0" u="none" strike="noStrike" cap="none" normalizeH="0" baseline="0">
-              <a:ln>
-                <a:noFill/>
-              </a:ln>
-              <a:solidFill>
-                <a:schemeClr val="tx1"/>
-              </a:solidFill>
-              <a:effectLst/>
-              <a:latin typeface="Times" charset="0"/>
-            </a:endParaRPr>
-          </a:p>
-        </p:txBody>
-      </p:sp>
-      <p:sp>
-        <p:nvSpPr>
-          <p:cNvPr id="16" name="Text Box 14"/>
-          <p:cNvSpPr txBox="1">
-            <a:spLocks noChangeArrowheads="1"/>
-          </p:cNvSpPr>
-          <p:nvPr/>
-        </p:nvSpPr>
-        <p:spPr bwMode="auto">
-          <a:xfrm>
-            <a:off x="4499992" y="1412776"/>
-            <a:ext cx="2736304" cy="369332"/>
-          </a:xfrm>
-          <a:prstGeom prst="rect">
-            <a:avLst/>
-          </a:prstGeom>
-          <a:noFill/>
-          <a:ln w="9525">
-            <a:noFill/>
-            <a:miter lim="800000"/>
-            <a:headEnd/>
-            <a:tailEnd/>
-          </a:ln>
-        </p:spPr>
-        <p:txBody>
-          <a:bodyPr wrap="square">
-            <a:prstTxWarp prst="textNoShape">
-              <a:avLst/>
-            </a:prstTxWarp>
-            <a:spAutoFit/>
-          </a:bodyPr>
-          <a:lstStyle/>
-          <a:p>
-            <a:r>
-              <a:rPr lang="en-US" sz="1800" i="1" dirty="0"/>
-              <a:t>RNA-</a:t>
-            </a:r>
-            <a:r>
-              <a:rPr lang="en-US" sz="1800" i="1" dirty="0" err="1"/>
-              <a:t>Seq</a:t>
-            </a:r>
-            <a:endParaRPr lang="en-US" sz="1800" i="1" dirty="0"/>
+              <a:t>A protein-protein </a:t>
+            </a:r>
+            <a:r>
+              <a:rPr lang="en-US" sz="1800" dirty="0" err="1"/>
+              <a:t>interactome</a:t>
+            </a:r>
+            <a:r>
+              <a:rPr lang="en-US" sz="1800" dirty="0"/>
+              <a:t> dataset uses </a:t>
+            </a:r>
+            <a:r>
+              <a:rPr lang="en-US" sz="1800" dirty="0" err="1"/>
+              <a:t>GenBank</a:t>
+            </a:r>
+            <a:r>
+              <a:rPr lang="en-US" sz="1800" dirty="0"/>
+              <a:t> accessions for all the proteins observed</a:t>
+            </a:r>
+          </a:p>
+          <a:p>
+            <a:pPr marL="742950" lvl="1" indent="-285750">
+              <a:buFont typeface="Arial"/>
+              <a:buChar char="•"/>
+            </a:pPr>
+            <a:r>
+              <a:rPr lang="en-US" sz="1800" dirty="0"/>
+              <a:t>Gene Ontology annotates </a:t>
+            </a:r>
+            <a:r>
+              <a:rPr lang="en-US" sz="1800" dirty="0" err="1"/>
+              <a:t>GenBank</a:t>
+            </a:r>
+            <a:r>
+              <a:rPr lang="en-US" sz="1800" dirty="0"/>
+              <a:t> so all protein </a:t>
+            </a:r>
+            <a:r>
+              <a:rPr lang="en-US" sz="1800" dirty="0" err="1"/>
+              <a:t>GenBank</a:t>
+            </a:r>
+            <a:r>
+              <a:rPr lang="en-US" sz="1800" dirty="0"/>
+              <a:t> accessions are associated with GO terms</a:t>
+            </a:r>
+          </a:p>
+          <a:p>
+            <a:pPr marL="742950" lvl="1" indent="-285750">
+              <a:buFont typeface="Arial"/>
+              <a:buChar char="•"/>
+            </a:pPr>
+            <a:r>
+              <a:rPr lang="en-US" sz="1800" dirty="0" err="1"/>
+              <a:t>InterPro</a:t>
+            </a:r>
+            <a:r>
+              <a:rPr lang="en-US" sz="1800" dirty="0"/>
+              <a:t> curates connections between </a:t>
+            </a:r>
+            <a:r>
+              <a:rPr lang="en-US" sz="1800" dirty="0" err="1"/>
+              <a:t>Pfam</a:t>
+            </a:r>
+            <a:r>
+              <a:rPr lang="en-US" sz="1800" dirty="0"/>
+              <a:t> and PROSITE models and Gene Ontology terms</a:t>
+            </a:r>
+          </a:p>
+          <a:p>
+            <a:endParaRPr lang="en-US" sz="2000" dirty="0"/>
           </a:p>
         </p:txBody>
       </p:sp>
     </p:spTree>
     <p:extLst>
       <p:ext uri="{BB962C8B-B14F-4D97-AF65-F5344CB8AC3E}">
-        <p14:creationId xmlns:p14="http://schemas.microsoft.com/office/powerpoint/2010/main" val="2151705758"/>
+        <p14:creationId xmlns:p14="http://schemas.microsoft.com/office/powerpoint/2010/main" val="651894161"/>
       </p:ext>
     </p:extLst>
   </p:cSld>
@@ -9698,7 +9368,7 @@
             <a:pPr algn="l" eaLnBrk="1" hangingPunct="1"/>
             <a:r>
               <a:rPr lang="en-US" sz="3200" b="1" dirty="0"/>
-              <a:t>Enrichment Example:</a:t>
+              <a:t>Enrichment</a:t>
             </a:r>
             <a:endParaRPr lang="en-US" sz="3200" dirty="0"/>
           </a:p>
@@ -9706,7 +9376,7 @@
       </p:sp>
       <p:sp>
         <p:nvSpPr>
-          <p:cNvPr id="4" name="Text Box 14"/>
+          <p:cNvPr id="6" name="Text Box 14"/>
           <p:cNvSpPr txBox="1">
             <a:spLocks noChangeArrowheads="1"/>
           </p:cNvSpPr>
@@ -9714,122 +9384,8 @@
         </p:nvSpPr>
         <p:spPr bwMode="auto">
           <a:xfrm>
-            <a:off x="6012160" y="1196752"/>
-            <a:ext cx="2664296" cy="646331"/>
-          </a:xfrm>
-          <a:prstGeom prst="rect">
-            <a:avLst/>
-          </a:prstGeom>
-          <a:noFill/>
-          <a:ln w="9525">
-            <a:solidFill>
-              <a:schemeClr val="tx1"/>
-            </a:solidFill>
-            <a:miter lim="800000"/>
-            <a:headEnd/>
-            <a:tailEnd/>
-          </a:ln>
-        </p:spPr>
-        <p:txBody>
-          <a:bodyPr wrap="square">
-            <a:prstTxWarp prst="textNoShape">
-              <a:avLst/>
-            </a:prstTxWarp>
-            <a:spAutoFit/>
-          </a:bodyPr>
-          <a:lstStyle/>
-          <a:p>
-            <a:r>
-              <a:rPr lang="en-US" sz="1800" dirty="0"/>
-              <a:t>1300 genes up-regulated in response to dioxin</a:t>
-            </a:r>
-          </a:p>
-        </p:txBody>
-      </p:sp>
-      <p:sp>
-        <p:nvSpPr>
-          <p:cNvPr id="5" name="Text Box 14"/>
-          <p:cNvSpPr txBox="1">
-            <a:spLocks noChangeArrowheads="1"/>
-          </p:cNvSpPr>
-          <p:nvPr/>
-        </p:nvSpPr>
-        <p:spPr bwMode="auto">
-          <a:xfrm>
-            <a:off x="6012160" y="2276872"/>
-            <a:ext cx="2736304" cy="369332"/>
-          </a:xfrm>
-          <a:prstGeom prst="rect">
-            <a:avLst/>
-          </a:prstGeom>
-          <a:noFill/>
-          <a:ln w="9525">
-            <a:solidFill>
-              <a:schemeClr val="tx1"/>
-            </a:solidFill>
-            <a:miter lim="800000"/>
-            <a:headEnd/>
-            <a:tailEnd/>
-          </a:ln>
-        </p:spPr>
-        <p:txBody>
-          <a:bodyPr wrap="square">
-            <a:prstTxWarp prst="textNoShape">
-              <a:avLst/>
-            </a:prstTxWarp>
-            <a:spAutoFit/>
-          </a:bodyPr>
-          <a:lstStyle/>
-          <a:p>
-            <a:r>
-              <a:rPr lang="en-US" sz="1800" dirty="0"/>
-              <a:t>All genes in the genome</a:t>
-            </a:r>
-          </a:p>
-        </p:txBody>
-      </p:sp>
-      <p:pic>
-        <p:nvPicPr>
-          <p:cNvPr id="2" name="Picture 1" descr="Unknown.jpeg"/>
-          <p:cNvPicPr>
-            <a:picLocks noChangeAspect="1"/>
-          </p:cNvPicPr>
-          <p:nvPr/>
-        </p:nvPicPr>
-        <p:blipFill>
-          <a:blip r:embed="rId3">
-            <a:extLst>
-              <a:ext uri="{28A0092B-C50C-407E-A947-70E740481C1C}">
-                <a14:useLocalDpi xmlns:a14="http://schemas.microsoft.com/office/drawing/2010/main" val="0"/>
-              </a:ext>
-            </a:extLst>
-          </a:blip>
-          <a:stretch>
-            <a:fillRect/>
-          </a:stretch>
-        </p:blipFill>
-        <p:spPr>
-          <a:xfrm>
-            <a:off x="179512" y="1331476"/>
-            <a:ext cx="1545161" cy="1028234"/>
-          </a:xfrm>
-          <a:prstGeom prst="rect">
-            <a:avLst/>
-          </a:prstGeom>
-        </p:spPr>
-      </p:pic>
-      <p:sp>
-        <p:nvSpPr>
-          <p:cNvPr id="7" name="Text Box 14"/>
-          <p:cNvSpPr txBox="1">
-            <a:spLocks noChangeArrowheads="1"/>
-          </p:cNvSpPr>
-          <p:nvPr/>
-        </p:nvSpPr>
-        <p:spPr bwMode="auto">
-          <a:xfrm>
-            <a:off x="179512" y="2339588"/>
-            <a:ext cx="1512168" cy="369332"/>
+            <a:off x="467544" y="1011500"/>
+            <a:ext cx="8064896" cy="3785652"/>
           </a:xfrm>
           <a:prstGeom prst="rect">
             <a:avLst/>
@@ -9851,591 +9407,66 @@
           </a:bodyPr>
           <a:lstStyle/>
           <a:p>
-            <a:r>
-              <a:rPr lang="en-US" sz="1800" i="1" dirty="0" err="1"/>
-              <a:t>Danio</a:t>
-            </a:r>
-            <a:r>
-              <a:rPr lang="en-US" sz="1800" i="1" dirty="0"/>
-              <a:t> </a:t>
-            </a:r>
-            <a:r>
-              <a:rPr lang="en-US" sz="1800" i="1" dirty="0" err="1"/>
-              <a:t>rerio</a:t>
-            </a:r>
-            <a:endParaRPr lang="en-US" sz="1800" i="1" dirty="0"/>
-          </a:p>
-        </p:txBody>
-      </p:sp>
-      <p:pic>
-        <p:nvPicPr>
-          <p:cNvPr id="3" name="Picture 2" descr="Unknown-1.jpeg"/>
-          <p:cNvPicPr>
-            <a:picLocks noChangeAspect="1"/>
-          </p:cNvPicPr>
-          <p:nvPr/>
-        </p:nvPicPr>
-        <p:blipFill>
-          <a:blip r:embed="rId4">
-            <a:extLst>
-              <a:ext uri="{28A0092B-C50C-407E-A947-70E740481C1C}">
-                <a14:useLocalDpi xmlns:a14="http://schemas.microsoft.com/office/drawing/2010/main" val="0"/>
-              </a:ext>
-            </a:extLst>
-          </a:blip>
-          <a:stretch>
-            <a:fillRect/>
-          </a:stretch>
-        </p:blipFill>
-        <p:spPr>
-          <a:xfrm>
-            <a:off x="1475656" y="1187460"/>
-            <a:ext cx="864096" cy="490041"/>
-          </a:xfrm>
-          <a:prstGeom prst="rect">
-            <a:avLst/>
-          </a:prstGeom>
-        </p:spPr>
-      </p:pic>
-      <p:sp>
-        <p:nvSpPr>
-          <p:cNvPr id="10" name="Text Box 14"/>
-          <p:cNvSpPr txBox="1">
-            <a:spLocks noChangeArrowheads="1"/>
-          </p:cNvSpPr>
-          <p:nvPr/>
-        </p:nvSpPr>
-        <p:spPr bwMode="auto">
-          <a:xfrm>
-            <a:off x="6948264" y="1844824"/>
-            <a:ext cx="2736304" cy="369332"/>
-          </a:xfrm>
-          <a:prstGeom prst="rect">
-            <a:avLst/>
-          </a:prstGeom>
-          <a:noFill/>
-          <a:ln w="9525">
-            <a:noFill/>
-            <a:miter lim="800000"/>
-            <a:headEnd/>
-            <a:tailEnd/>
-          </a:ln>
-        </p:spPr>
-        <p:txBody>
-          <a:bodyPr wrap="square">
-            <a:prstTxWarp prst="textNoShape">
-              <a:avLst/>
-            </a:prstTxWarp>
-            <a:spAutoFit/>
-          </a:bodyPr>
-          <a:lstStyle/>
-          <a:p>
-            <a:r>
-              <a:rPr lang="en-US" sz="1800" i="1" dirty="0"/>
-              <a:t>versus</a:t>
-            </a:r>
-          </a:p>
-        </p:txBody>
-      </p:sp>
-      <p:sp>
-        <p:nvSpPr>
-          <p:cNvPr id="8" name="Down Arrow 7"/>
-          <p:cNvSpPr/>
-          <p:nvPr/>
-        </p:nvSpPr>
-        <p:spPr bwMode="auto">
-          <a:xfrm>
-            <a:off x="6948264" y="3140968"/>
-            <a:ext cx="484632" cy="1770496"/>
-          </a:xfrm>
-          <a:prstGeom prst="downArrow">
-            <a:avLst/>
-          </a:prstGeom>
-          <a:solidFill>
-            <a:schemeClr val="accent1"/>
-          </a:solidFill>
-          <a:ln w="9525" cap="flat" cmpd="sng" algn="ctr">
-            <a:solidFill>
-              <a:schemeClr val="tx1"/>
-            </a:solidFill>
-            <a:prstDash val="solid"/>
-            <a:round/>
-            <a:headEnd type="none" w="med" len="med"/>
-            <a:tailEnd type="none" w="med" len="med"/>
-          </a:ln>
-          <a:effectLst/>
-        </p:spPr>
-        <p:txBody>
-          <a:bodyPr vert="horz" wrap="square" lIns="91440" tIns="45720" rIns="91440" bIns="45720" numCol="1" rtlCol="0" anchor="t" anchorCtr="0" compatLnSpc="1">
-            <a:prstTxWarp prst="textNoShape">
-              <a:avLst/>
-            </a:prstTxWarp>
-          </a:bodyPr>
-          <a:lstStyle/>
-          <a:p>
-            <a:pPr marL="0" marR="0" indent="0" algn="l" defTabSz="914400" rtl="0" eaLnBrk="0" fontAlgn="base" latinLnBrk="0" hangingPunct="0">
-              <a:lnSpc>
-                <a:spcPct val="100000"/>
-              </a:lnSpc>
-              <a:spcBef>
-                <a:spcPct val="0"/>
-              </a:spcBef>
-              <a:spcAft>
-                <a:spcPct val="0"/>
-              </a:spcAft>
-              <a:buClrTx/>
-              <a:buSzTx/>
-              <a:buFontTx/>
-              <a:buNone/>
-              <a:tabLst/>
-            </a:pPr>
-            <a:endParaRPr kumimoji="0" lang="en-US" sz="2400" b="0" i="0" u="none" strike="noStrike" cap="none" normalizeH="0" baseline="0">
-              <a:ln>
-                <a:noFill/>
-              </a:ln>
-              <a:solidFill>
-                <a:schemeClr val="tx1"/>
-              </a:solidFill>
-              <a:effectLst/>
-              <a:latin typeface="Times" charset="0"/>
-            </a:endParaRPr>
-          </a:p>
-        </p:txBody>
-      </p:sp>
-      <p:sp>
-        <p:nvSpPr>
-          <p:cNvPr id="11" name="Text Box 14"/>
-          <p:cNvSpPr txBox="1">
-            <a:spLocks noChangeArrowheads="1"/>
-          </p:cNvSpPr>
-          <p:nvPr/>
-        </p:nvSpPr>
-        <p:spPr bwMode="auto">
-          <a:xfrm>
-            <a:off x="6012160" y="5157192"/>
-            <a:ext cx="2736304" cy="1477328"/>
-          </a:xfrm>
-          <a:prstGeom prst="rect">
-            <a:avLst/>
-          </a:prstGeom>
-          <a:noFill/>
-          <a:ln w="9525">
-            <a:solidFill>
-              <a:schemeClr val="tx1"/>
-            </a:solidFill>
-            <a:miter lim="800000"/>
-            <a:headEnd/>
-            <a:tailEnd/>
-          </a:ln>
-        </p:spPr>
-        <p:txBody>
-          <a:bodyPr wrap="square">
-            <a:prstTxWarp prst="textNoShape">
-              <a:avLst/>
-            </a:prstTxWarp>
-            <a:spAutoFit/>
-          </a:bodyPr>
-          <a:lstStyle/>
-          <a:p>
-            <a:r>
-              <a:rPr lang="en-US" sz="1800" dirty="0"/>
-              <a:t>GO terms for oxidative stress response, DNA damage repair statistically enriched in the up-regulated genes</a:t>
-            </a:r>
-          </a:p>
-        </p:txBody>
-      </p:sp>
-      <p:sp>
-        <p:nvSpPr>
-          <p:cNvPr id="12" name="Text Box 14"/>
-          <p:cNvSpPr txBox="1">
-            <a:spLocks noChangeArrowheads="1"/>
-          </p:cNvSpPr>
-          <p:nvPr/>
-        </p:nvSpPr>
-        <p:spPr bwMode="auto">
-          <a:xfrm>
-            <a:off x="5004048" y="3646765"/>
-            <a:ext cx="2736304" cy="646331"/>
-          </a:xfrm>
-          <a:prstGeom prst="rect">
-            <a:avLst/>
-          </a:prstGeom>
-          <a:noFill/>
-          <a:ln w="9525">
-            <a:noFill/>
-            <a:miter lim="800000"/>
-            <a:headEnd/>
-            <a:tailEnd/>
-          </a:ln>
-        </p:spPr>
-        <p:txBody>
-          <a:bodyPr wrap="square">
-            <a:prstTxWarp prst="textNoShape">
-              <a:avLst/>
-            </a:prstTxWarp>
-            <a:spAutoFit/>
-          </a:bodyPr>
-          <a:lstStyle/>
-          <a:p>
-            <a:r>
-              <a:rPr lang="en-US" sz="1800" i="1" dirty="0"/>
-              <a:t>Gene Ontology</a:t>
-            </a:r>
-          </a:p>
-          <a:p>
-            <a:r>
-              <a:rPr lang="en-US" sz="1800" i="1" dirty="0"/>
-              <a:t>enrichment analysis</a:t>
-            </a:r>
-          </a:p>
-        </p:txBody>
-      </p:sp>
-      <p:sp>
-        <p:nvSpPr>
-          <p:cNvPr id="13" name="Text Box 14"/>
-          <p:cNvSpPr txBox="1">
-            <a:spLocks noChangeArrowheads="1"/>
-          </p:cNvSpPr>
-          <p:nvPr/>
-        </p:nvSpPr>
-        <p:spPr bwMode="auto">
-          <a:xfrm>
-            <a:off x="1691680" y="1619508"/>
-            <a:ext cx="864096" cy="338554"/>
-          </a:xfrm>
-          <a:prstGeom prst="rect">
-            <a:avLst/>
-          </a:prstGeom>
-          <a:noFill/>
-          <a:ln w="9525">
-            <a:solidFill>
-              <a:schemeClr val="tx1"/>
-            </a:solidFill>
-            <a:miter lim="800000"/>
-            <a:headEnd/>
-            <a:tailEnd/>
-          </a:ln>
-        </p:spPr>
-        <p:txBody>
-          <a:bodyPr wrap="square">
-            <a:prstTxWarp prst="textNoShape">
-              <a:avLst/>
-            </a:prstTxWarp>
-            <a:spAutoFit/>
-          </a:bodyPr>
-          <a:lstStyle/>
-          <a:p>
-            <a:r>
-              <a:rPr lang="en-US" sz="1600" i="1" dirty="0"/>
-              <a:t>dioxin</a:t>
-            </a:r>
-          </a:p>
-        </p:txBody>
-      </p:sp>
-      <p:sp>
-        <p:nvSpPr>
-          <p:cNvPr id="14" name="Text Box 14"/>
-          <p:cNvSpPr txBox="1">
-            <a:spLocks noChangeArrowheads="1"/>
-          </p:cNvSpPr>
-          <p:nvPr/>
-        </p:nvSpPr>
-        <p:spPr bwMode="auto">
-          <a:xfrm>
-            <a:off x="2771800" y="1475492"/>
-            <a:ext cx="1368152" cy="369332"/>
-          </a:xfrm>
-          <a:prstGeom prst="rect">
-            <a:avLst/>
-          </a:prstGeom>
-          <a:solidFill>
-            <a:schemeClr val="accent1">
-              <a:lumMod val="40000"/>
-              <a:lumOff val="60000"/>
-            </a:schemeClr>
-          </a:solidFill>
-          <a:ln w="9525">
-            <a:solidFill>
-              <a:schemeClr val="tx1"/>
-            </a:solidFill>
-            <a:miter lim="800000"/>
-            <a:headEnd/>
-            <a:tailEnd/>
-          </a:ln>
-        </p:spPr>
-        <p:txBody>
-          <a:bodyPr wrap="square">
-            <a:prstTxWarp prst="textNoShape">
-              <a:avLst/>
-            </a:prstTxWarp>
-            <a:spAutoFit/>
-          </a:bodyPr>
-          <a:lstStyle/>
-          <a:p>
-            <a:r>
-              <a:rPr lang="en-US" sz="1800" dirty="0">
-                <a:solidFill>
-                  <a:schemeClr val="bg2"/>
-                </a:solidFill>
-              </a:rPr>
-              <a:t>CONTROL</a:t>
-            </a:r>
-          </a:p>
-        </p:txBody>
-      </p:sp>
-      <p:sp>
-        <p:nvSpPr>
-          <p:cNvPr id="15" name="Text Box 14"/>
-          <p:cNvSpPr txBox="1">
-            <a:spLocks noChangeArrowheads="1"/>
-          </p:cNvSpPr>
-          <p:nvPr/>
-        </p:nvSpPr>
-        <p:spPr bwMode="auto">
-          <a:xfrm>
-            <a:off x="2771800" y="2051556"/>
-            <a:ext cx="1368152" cy="369332"/>
-          </a:xfrm>
-          <a:prstGeom prst="rect">
-            <a:avLst/>
-          </a:prstGeom>
-          <a:solidFill>
-            <a:schemeClr val="accent1">
-              <a:lumMod val="40000"/>
-              <a:lumOff val="60000"/>
-            </a:schemeClr>
-          </a:solidFill>
-          <a:ln w="9525">
-            <a:solidFill>
-              <a:schemeClr val="tx1"/>
-            </a:solidFill>
-            <a:miter lim="800000"/>
-            <a:headEnd/>
-            <a:tailEnd/>
-          </a:ln>
-        </p:spPr>
-        <p:txBody>
-          <a:bodyPr wrap="square">
-            <a:prstTxWarp prst="textNoShape">
-              <a:avLst/>
-            </a:prstTxWarp>
-            <a:spAutoFit/>
-          </a:bodyPr>
-          <a:lstStyle/>
-          <a:p>
-            <a:r>
-              <a:rPr lang="en-US" sz="1800" dirty="0">
-                <a:solidFill>
-                  <a:schemeClr val="bg2"/>
-                </a:solidFill>
-              </a:rPr>
-              <a:t>EXPOSED</a:t>
-            </a:r>
-          </a:p>
-        </p:txBody>
-      </p:sp>
-      <p:sp>
-        <p:nvSpPr>
-          <p:cNvPr id="6" name="Right Arrow 5"/>
-          <p:cNvSpPr/>
-          <p:nvPr/>
-        </p:nvSpPr>
-        <p:spPr bwMode="auto">
-          <a:xfrm>
-            <a:off x="4355976" y="1700808"/>
-            <a:ext cx="1512168" cy="484632"/>
-          </a:xfrm>
-          <a:prstGeom prst="rightArrow">
-            <a:avLst/>
-          </a:prstGeom>
-          <a:solidFill>
-            <a:schemeClr val="accent1"/>
-          </a:solidFill>
-          <a:ln w="9525" cap="flat" cmpd="sng" algn="ctr">
-            <a:solidFill>
-              <a:schemeClr val="tx1"/>
-            </a:solidFill>
-            <a:prstDash val="solid"/>
-            <a:round/>
-            <a:headEnd type="none" w="med" len="med"/>
-            <a:tailEnd type="none" w="med" len="med"/>
-          </a:ln>
-          <a:effectLst/>
-        </p:spPr>
-        <p:txBody>
-          <a:bodyPr vert="horz" wrap="square" lIns="91440" tIns="45720" rIns="91440" bIns="45720" numCol="1" rtlCol="0" anchor="t" anchorCtr="0" compatLnSpc="1">
-            <a:prstTxWarp prst="textNoShape">
-              <a:avLst/>
-            </a:prstTxWarp>
-          </a:bodyPr>
-          <a:lstStyle/>
-          <a:p>
-            <a:pPr marL="0" marR="0" indent="0" algn="l" defTabSz="914400" rtl="0" eaLnBrk="0" fontAlgn="base" latinLnBrk="0" hangingPunct="0">
-              <a:lnSpc>
-                <a:spcPct val="100000"/>
-              </a:lnSpc>
-              <a:spcBef>
-                <a:spcPct val="0"/>
-              </a:spcBef>
-              <a:spcAft>
-                <a:spcPct val="0"/>
-              </a:spcAft>
-              <a:buClrTx/>
-              <a:buSzTx/>
-              <a:buFontTx/>
-              <a:buNone/>
-              <a:tabLst/>
-            </a:pPr>
-            <a:endParaRPr kumimoji="0" lang="en-US" sz="2400" b="0" i="0" u="none" strike="noStrike" cap="none" normalizeH="0" baseline="0">
-              <a:ln>
-                <a:noFill/>
-              </a:ln>
-              <a:solidFill>
-                <a:schemeClr val="tx1"/>
-              </a:solidFill>
-              <a:effectLst/>
-              <a:latin typeface="Times" charset="0"/>
-            </a:endParaRPr>
-          </a:p>
-        </p:txBody>
-      </p:sp>
-      <p:sp>
-        <p:nvSpPr>
-          <p:cNvPr id="16" name="Text Box 14"/>
-          <p:cNvSpPr txBox="1">
-            <a:spLocks noChangeArrowheads="1"/>
-          </p:cNvSpPr>
-          <p:nvPr/>
-        </p:nvSpPr>
-        <p:spPr bwMode="auto">
-          <a:xfrm>
-            <a:off x="4499992" y="1412776"/>
-            <a:ext cx="2736304" cy="369332"/>
-          </a:xfrm>
-          <a:prstGeom prst="rect">
-            <a:avLst/>
-          </a:prstGeom>
-          <a:noFill/>
-          <a:ln w="9525">
-            <a:noFill/>
-            <a:miter lim="800000"/>
-            <a:headEnd/>
-            <a:tailEnd/>
-          </a:ln>
-        </p:spPr>
-        <p:txBody>
-          <a:bodyPr wrap="square">
-            <a:prstTxWarp prst="textNoShape">
-              <a:avLst/>
-            </a:prstTxWarp>
-            <a:spAutoFit/>
-          </a:bodyPr>
-          <a:lstStyle/>
-          <a:p>
-            <a:r>
-              <a:rPr lang="en-US" sz="1800" i="1" dirty="0"/>
-              <a:t>RNA-</a:t>
-            </a:r>
-            <a:r>
-              <a:rPr lang="en-US" sz="1800" i="1" dirty="0" err="1"/>
-              <a:t>Seq</a:t>
-            </a:r>
-            <a:endParaRPr lang="en-US" sz="1800" i="1" dirty="0"/>
-          </a:p>
-        </p:txBody>
-      </p:sp>
-      <p:sp>
-        <p:nvSpPr>
-          <p:cNvPr id="17" name="Text Box 14"/>
-          <p:cNvSpPr txBox="1">
-            <a:spLocks noChangeArrowheads="1"/>
-          </p:cNvSpPr>
-          <p:nvPr/>
-        </p:nvSpPr>
-        <p:spPr bwMode="auto">
-          <a:xfrm>
-            <a:off x="1043608" y="3501008"/>
-            <a:ext cx="2736304" cy="1200329"/>
-          </a:xfrm>
-          <a:prstGeom prst="rect">
-            <a:avLst/>
-          </a:prstGeom>
-          <a:noFill/>
-          <a:ln w="9525">
-            <a:noFill/>
-            <a:miter lim="800000"/>
-            <a:headEnd/>
-            <a:tailEnd/>
-          </a:ln>
-        </p:spPr>
-        <p:txBody>
-          <a:bodyPr wrap="square">
-            <a:prstTxWarp prst="textNoShape">
-              <a:avLst/>
-            </a:prstTxWarp>
-            <a:spAutoFit/>
-          </a:bodyPr>
-          <a:lstStyle/>
-          <a:p>
-            <a:r>
-              <a:rPr lang="en-US" sz="1800" i="1" dirty="0">
-                <a:solidFill>
-                  <a:srgbClr val="FFFF00"/>
-                </a:solidFill>
-              </a:rPr>
-              <a:t>Each gene tagged with a different set of ontology terms in the genome annotation</a:t>
-            </a:r>
-          </a:p>
-        </p:txBody>
-      </p:sp>
-      <p:sp>
-        <p:nvSpPr>
-          <p:cNvPr id="18" name="Text Box 14"/>
-          <p:cNvSpPr txBox="1">
-            <a:spLocks noChangeArrowheads="1"/>
-          </p:cNvSpPr>
-          <p:nvPr/>
-        </p:nvSpPr>
-        <p:spPr bwMode="auto">
-          <a:xfrm>
-            <a:off x="1043608" y="4759984"/>
-            <a:ext cx="2736304" cy="1477328"/>
-          </a:xfrm>
-          <a:prstGeom prst="rect">
-            <a:avLst/>
-          </a:prstGeom>
-          <a:noFill/>
-          <a:ln w="9525">
-            <a:noFill/>
-            <a:miter lim="800000"/>
-            <a:headEnd/>
-            <a:tailEnd/>
-          </a:ln>
-        </p:spPr>
-        <p:txBody>
-          <a:bodyPr wrap="square">
-            <a:prstTxWarp prst="textNoShape">
-              <a:avLst/>
-            </a:prstTxWarp>
-            <a:spAutoFit/>
-          </a:bodyPr>
-          <a:lstStyle/>
-          <a:p>
-            <a:r>
-              <a:rPr lang="en-US" sz="1800" i="1" dirty="0">
-                <a:solidFill>
-                  <a:srgbClr val="FFFF00"/>
-                </a:solidFill>
-              </a:rPr>
-              <a:t>Algorithm traverses the entire ontology to determine which higher-level ontology terms are involved in enrichment</a:t>
-            </a:r>
+            <a:pPr marL="285750" indent="-285750">
+              <a:buFont typeface="Arial"/>
+              <a:buChar char="•"/>
+            </a:pPr>
+            <a:r>
+              <a:rPr lang="en-US" sz="2000" dirty="0"/>
+              <a:t>A powerful tool for high-level interpretation of complex experimental data, allowing investigator to detect biological processes otherwise not apparent</a:t>
+            </a:r>
+          </a:p>
+          <a:p>
+            <a:pPr marL="285750" indent="-285750">
+              <a:buFont typeface="Arial"/>
+              <a:buChar char="•"/>
+            </a:pPr>
+            <a:endParaRPr lang="en-US" sz="2000" dirty="0"/>
+          </a:p>
+          <a:p>
+            <a:pPr marL="285750" indent="-285750">
+              <a:buFont typeface="Arial"/>
+              <a:buChar char="•"/>
+            </a:pPr>
+            <a:r>
+              <a:rPr lang="en-US" sz="2000" dirty="0"/>
+              <a:t>Computational and statistical in nature – uses ontologies, networks, or </a:t>
+            </a:r>
+            <a:r>
+              <a:rPr lang="en-US" sz="2000" dirty="0" err="1"/>
+              <a:t>interactomes</a:t>
+            </a:r>
+            <a:r>
+              <a:rPr lang="en-US" sz="2000" dirty="0"/>
+              <a:t> to test if a specific biological process, pathway, or interaction is highlighted by the data</a:t>
+            </a:r>
+          </a:p>
+          <a:p>
+            <a:pPr marL="285750" indent="-285750">
+              <a:buFont typeface="Arial"/>
+              <a:buChar char="•"/>
+            </a:pPr>
+            <a:endParaRPr lang="en-US" sz="2000" dirty="0"/>
+          </a:p>
+          <a:p>
+            <a:pPr marL="285750" indent="-285750">
+              <a:buFont typeface="Arial"/>
+              <a:buChar char="•"/>
+            </a:pPr>
+            <a:r>
+              <a:rPr lang="en-US" sz="2000" dirty="0"/>
+              <a:t>Null hypothesis – no ontological term, biochemical or regulatory network, or known interactions are over-represented in my data (relative to controls or background signal)</a:t>
+            </a:r>
+          </a:p>
+          <a:p>
+            <a:endParaRPr lang="en-US" sz="2000" dirty="0"/>
           </a:p>
         </p:txBody>
       </p:sp>
     </p:spTree>
     <p:extLst>
       <p:ext uri="{BB962C8B-B14F-4D97-AF65-F5344CB8AC3E}">
-        <p14:creationId xmlns:p14="http://schemas.microsoft.com/office/powerpoint/2010/main" val="1060999368"/>
+        <p14:creationId xmlns:p14="http://schemas.microsoft.com/office/powerpoint/2010/main" val="2604912252"/>
       </p:ext>
     </p:extLst>
   </p:cSld>
@@ -10485,15 +9516,99 @@
             <a:pPr algn="l" eaLnBrk="1" hangingPunct="1"/>
             <a:r>
               <a:rPr lang="en-US" sz="3200" b="1" dirty="0"/>
-              <a:t>Enrichment Example - KEGG</a:t>
+              <a:t>Enrichment Example:</a:t>
             </a:r>
             <a:endParaRPr lang="en-US" sz="3200" dirty="0"/>
+          </a:p>
+        </p:txBody>
+      </p:sp>
+      <p:sp>
+        <p:nvSpPr>
+          <p:cNvPr id="4" name="Text Box 14"/>
+          <p:cNvSpPr txBox="1">
+            <a:spLocks noChangeArrowheads="1"/>
+          </p:cNvSpPr>
+          <p:nvPr/>
+        </p:nvSpPr>
+        <p:spPr bwMode="auto">
+          <a:xfrm>
+            <a:off x="6012160" y="1196752"/>
+            <a:ext cx="2664296" cy="646331"/>
+          </a:xfrm>
+          <a:prstGeom prst="rect">
+            <a:avLst/>
+          </a:prstGeom>
+          <a:noFill/>
+          <a:ln w="9525">
+            <a:solidFill>
+              <a:schemeClr val="tx1"/>
+            </a:solidFill>
+            <a:miter lim="800000"/>
+            <a:headEnd/>
+            <a:tailEnd/>
+          </a:ln>
+        </p:spPr>
+        <p:txBody>
+          <a:bodyPr wrap="square">
+            <a:prstTxWarp prst="textNoShape">
+              <a:avLst/>
+            </a:prstTxWarp>
+            <a:spAutoFit/>
+          </a:bodyPr>
+          <a:lstStyle/>
+          <a:p>
+            <a:r>
+              <a:rPr lang="en-US" sz="1800" dirty="0"/>
+              <a:t>1300 genes up-regulated in response to dioxin</a:t>
+            </a:r>
+          </a:p>
+        </p:txBody>
+      </p:sp>
+      <p:sp>
+        <p:nvSpPr>
+          <p:cNvPr id="5" name="Text Box 14"/>
+          <p:cNvSpPr txBox="1">
+            <a:spLocks noChangeArrowheads="1"/>
+          </p:cNvSpPr>
+          <p:nvPr/>
+        </p:nvSpPr>
+        <p:spPr bwMode="auto">
+          <a:xfrm>
+            <a:off x="6012160" y="2276872"/>
+            <a:ext cx="2736304" cy="369332"/>
+          </a:xfrm>
+          <a:prstGeom prst="rect">
+            <a:avLst/>
+          </a:prstGeom>
+          <a:noFill/>
+          <a:ln w="9525">
+            <a:solidFill>
+              <a:schemeClr val="tx1"/>
+            </a:solidFill>
+            <a:miter lim="800000"/>
+            <a:headEnd/>
+            <a:tailEnd/>
+          </a:ln>
+        </p:spPr>
+        <p:txBody>
+          <a:bodyPr wrap="square">
+            <a:prstTxWarp prst="textNoShape">
+              <a:avLst/>
+            </a:prstTxWarp>
+            <a:spAutoFit/>
+          </a:bodyPr>
+          <a:lstStyle/>
+          <a:p>
+            <a:r>
+              <a:rPr lang="en-US" sz="1800" dirty="0"/>
+              <a:t>All genes in the genome</a:t>
+            </a:r>
           </a:p>
         </p:txBody>
       </p:sp>
       <p:pic>
         <p:nvPicPr>
-          <p:cNvPr id="3" name="Picture 2" descr="Figure_4.tif"/>
+          <p:cNvPr id="2" name="Picture 1" descr="Unknown.jpeg"/>
           <p:cNvPicPr>
             <a:picLocks noChangeAspect="1"/>
           </p:cNvPicPr>
@@ -10513,8 +9628,8 @@
         </p:blipFill>
         <p:spPr>
           <a:xfrm>
-            <a:off x="323528" y="1052736"/>
-            <a:ext cx="6192688" cy="4732703"/>
+            <a:off x="179512" y="1331476"/>
+            <a:ext cx="1545161" cy="1028234"/>
           </a:xfrm>
           <a:prstGeom prst="rect">
             <a:avLst/>
@@ -10523,7 +9638,7 @@
       </p:pic>
       <p:sp>
         <p:nvSpPr>
-          <p:cNvPr id="5" name="Text Box 14"/>
+          <p:cNvPr id="7" name="Text Box 14"/>
           <p:cNvSpPr txBox="1">
             <a:spLocks noChangeArrowheads="1"/>
           </p:cNvSpPr>
@@ -10531,8 +9646,8 @@
         </p:nvSpPr>
         <p:spPr bwMode="auto">
           <a:xfrm>
-            <a:off x="251520" y="5805264"/>
-            <a:ext cx="8064896" cy="584776"/>
+            <a:off x="179512" y="2339588"/>
+            <a:ext cx="1512168" cy="369332"/>
           </a:xfrm>
           <a:prstGeom prst="rect">
             <a:avLst/>
@@ -10555,67 +9670,54 @@
           <a:lstStyle/>
           <a:p>
             <a:r>
-              <a:rPr lang="en-US" sz="1600" dirty="0"/>
-              <a:t>Bowman </a:t>
-            </a:r>
-            <a:r>
-              <a:rPr lang="en-US" sz="1600" i="1" dirty="0"/>
-              <a:t>et al</a:t>
-            </a:r>
-            <a:r>
-              <a:rPr lang="en-US" sz="1600" dirty="0"/>
-              <a:t>. 2013. RNA-</a:t>
-            </a:r>
-            <a:r>
-              <a:rPr lang="en-US" sz="1600" dirty="0" err="1"/>
-              <a:t>Seq</a:t>
-            </a:r>
-            <a:r>
-              <a:rPr lang="en-US" sz="1600" dirty="0"/>
+              <a:rPr lang="en-US" sz="1800" i="1" dirty="0" err="1"/>
+              <a:t>Danio</a:t>
+            </a:r>
+            <a:r>
+              <a:rPr lang="en-US" sz="1800" i="1" dirty="0"/>
               <a:t> </a:t>
             </a:r>
             <a:r>
-              <a:rPr lang="en-US" sz="1600" dirty="0" err="1"/>
-              <a:t>Transcriptome</a:t>
-            </a:r>
-            <a:r>
-              <a:rPr lang="en-US" sz="1600" dirty="0"/>
-              <a:t> Profiling of Upland Cotton (</a:t>
-            </a:r>
-            <a:r>
-              <a:rPr lang="en-US" sz="1600" dirty="0" err="1"/>
-              <a:t>Gossypium</a:t>
-            </a:r>
-            <a:r>
-              <a:rPr lang="en-US" sz="1600" dirty="0"/>
-              <a:t> </a:t>
-            </a:r>
-            <a:r>
-              <a:rPr lang="en-US" sz="1600" dirty="0" err="1"/>
-              <a:t>hirsutum</a:t>
-            </a:r>
-            <a:r>
-              <a:rPr lang="en-US" sz="1600" dirty="0"/>
-              <a:t> L.) Root Tissue under Water-Deficit Stress. </a:t>
-            </a:r>
-            <a:r>
-              <a:rPr lang="en-US" sz="1600" i="1" dirty="0" err="1"/>
-              <a:t>PLoS</a:t>
-            </a:r>
-            <a:r>
-              <a:rPr lang="en-US" sz="1600" i="1" dirty="0"/>
-              <a:t> ONE</a:t>
-            </a:r>
-            <a:r>
-              <a:rPr lang="en-US" sz="1600" dirty="0"/>
-              <a:t> 8(12):e82634</a:t>
-            </a:r>
-          </a:p>
-        </p:txBody>
-      </p:sp>
-      <p:sp>
-        <p:nvSpPr>
-          <p:cNvPr id="6" name="Text Box 14"/>
+              <a:rPr lang="en-US" sz="1800" i="1" dirty="0" err="1"/>
+              <a:t>rerio</a:t>
+            </a:r>
+            <a:endParaRPr lang="en-US" sz="1800" i="1" dirty="0"/>
+          </a:p>
+        </p:txBody>
+      </p:sp>
+      <p:pic>
+        <p:nvPicPr>
+          <p:cNvPr id="3" name="Picture 2" descr="Unknown-1.jpeg"/>
+          <p:cNvPicPr>
+            <a:picLocks noChangeAspect="1"/>
+          </p:cNvPicPr>
+          <p:nvPr/>
+        </p:nvPicPr>
+        <p:blipFill>
+          <a:blip r:embed="rId4">
+            <a:extLst>
+              <a:ext uri="{28A0092B-C50C-407E-A947-70E740481C1C}">
+                <a14:useLocalDpi xmlns:a14="http://schemas.microsoft.com/office/drawing/2010/main" val="0"/>
+              </a:ext>
+            </a:extLst>
+          </a:blip>
+          <a:stretch>
+            <a:fillRect/>
+          </a:stretch>
+        </p:blipFill>
+        <p:spPr>
+          <a:xfrm>
+            <a:off x="1475656" y="1187460"/>
+            <a:ext cx="864096" cy="490041"/>
+          </a:xfrm>
+          <a:prstGeom prst="rect">
+            <a:avLst/>
+          </a:prstGeom>
+        </p:spPr>
+      </p:pic>
+      <p:sp>
+        <p:nvSpPr>
+          <p:cNvPr id="10" name="Text Box 14"/>
           <p:cNvSpPr txBox="1">
             <a:spLocks noChangeArrowheads="1"/>
           </p:cNvSpPr>
@@ -10623,8 +9725,8 @@
         </p:nvSpPr>
         <p:spPr bwMode="auto">
           <a:xfrm>
-            <a:off x="6588224" y="1052736"/>
-            <a:ext cx="2448272" cy="1815882"/>
+            <a:off x="6948264" y="1844824"/>
+            <a:ext cx="2736304" cy="369332"/>
           </a:xfrm>
           <a:prstGeom prst="rect">
             <a:avLst/>
@@ -10647,44 +9749,423 @@
           <a:lstStyle/>
           <a:p>
             <a:r>
-              <a:rPr lang="en-US" sz="1600" dirty="0"/>
-              <a:t>Purple – enzyme in cotton but not differentially regulated</a:t>
-            </a:r>
-          </a:p>
-          <a:p>
-            <a:endParaRPr lang="en-US" sz="1600" dirty="0"/>
-          </a:p>
-          <a:p>
-            <a:r>
-              <a:rPr lang="en-US" sz="1600" dirty="0"/>
-              <a:t>Blue – </a:t>
-            </a:r>
-            <a:r>
-              <a:rPr lang="en-US" sz="1600" dirty="0" err="1"/>
-              <a:t>downregulated</a:t>
-            </a:r>
-            <a:endParaRPr lang="en-US" sz="1600" dirty="0"/>
-          </a:p>
-          <a:p>
-            <a:endParaRPr lang="en-US" sz="1600" dirty="0"/>
-          </a:p>
-          <a:p>
-            <a:r>
-              <a:rPr lang="en-US" sz="1600" dirty="0"/>
-              <a:t>Red - </a:t>
-            </a:r>
-            <a:r>
-              <a:rPr lang="en-US" sz="1600" dirty="0" err="1"/>
-              <a:t>upregulated</a:t>
-            </a:r>
-            <a:endParaRPr lang="en-US" sz="1600" dirty="0"/>
+              <a:rPr lang="en-US" sz="1800" i="1" dirty="0"/>
+              <a:t>versus</a:t>
+            </a:r>
+          </a:p>
+        </p:txBody>
+      </p:sp>
+      <p:sp>
+        <p:nvSpPr>
+          <p:cNvPr id="8" name="Down Arrow 7"/>
+          <p:cNvSpPr/>
+          <p:nvPr/>
+        </p:nvSpPr>
+        <p:spPr bwMode="auto">
+          <a:xfrm>
+            <a:off x="6948264" y="3140968"/>
+            <a:ext cx="484632" cy="1770496"/>
+          </a:xfrm>
+          <a:prstGeom prst="downArrow">
+            <a:avLst/>
+          </a:prstGeom>
+          <a:solidFill>
+            <a:schemeClr val="accent1"/>
+          </a:solidFill>
+          <a:ln w="9525" cap="flat" cmpd="sng" algn="ctr">
+            <a:solidFill>
+              <a:schemeClr val="tx1"/>
+            </a:solidFill>
+            <a:prstDash val="solid"/>
+            <a:round/>
+            <a:headEnd type="none" w="med" len="med"/>
+            <a:tailEnd type="none" w="med" len="med"/>
+          </a:ln>
+          <a:effectLst/>
+        </p:spPr>
+        <p:txBody>
+          <a:bodyPr vert="horz" wrap="square" lIns="91440" tIns="45720" rIns="91440" bIns="45720" numCol="1" rtlCol="0" anchor="t" anchorCtr="0" compatLnSpc="1">
+            <a:prstTxWarp prst="textNoShape">
+              <a:avLst/>
+            </a:prstTxWarp>
+          </a:bodyPr>
+          <a:lstStyle/>
+          <a:p>
+            <a:pPr marL="0" marR="0" indent="0" algn="l" defTabSz="914400" rtl="0" eaLnBrk="0" fontAlgn="base" latinLnBrk="0" hangingPunct="0">
+              <a:lnSpc>
+                <a:spcPct val="100000"/>
+              </a:lnSpc>
+              <a:spcBef>
+                <a:spcPct val="0"/>
+              </a:spcBef>
+              <a:spcAft>
+                <a:spcPct val="0"/>
+              </a:spcAft>
+              <a:buClrTx/>
+              <a:buSzTx/>
+              <a:buFontTx/>
+              <a:buNone/>
+              <a:tabLst/>
+            </a:pPr>
+            <a:endParaRPr kumimoji="0" lang="en-US" sz="2400" b="0" i="0" u="none" strike="noStrike" cap="none" normalizeH="0" baseline="0">
+              <a:ln>
+                <a:noFill/>
+              </a:ln>
+              <a:solidFill>
+                <a:schemeClr val="tx1"/>
+              </a:solidFill>
+              <a:effectLst/>
+              <a:latin typeface="Times" charset="0"/>
+            </a:endParaRPr>
+          </a:p>
+        </p:txBody>
+      </p:sp>
+      <p:sp>
+        <p:nvSpPr>
+          <p:cNvPr id="11" name="Text Box 14"/>
+          <p:cNvSpPr txBox="1">
+            <a:spLocks noChangeArrowheads="1"/>
+          </p:cNvSpPr>
+          <p:nvPr/>
+        </p:nvSpPr>
+        <p:spPr bwMode="auto">
+          <a:xfrm>
+            <a:off x="6012160" y="5157192"/>
+            <a:ext cx="2736304" cy="1477328"/>
+          </a:xfrm>
+          <a:prstGeom prst="rect">
+            <a:avLst/>
+          </a:prstGeom>
+          <a:noFill/>
+          <a:ln w="9525">
+            <a:solidFill>
+              <a:schemeClr val="tx1"/>
+            </a:solidFill>
+            <a:miter lim="800000"/>
+            <a:headEnd/>
+            <a:tailEnd/>
+          </a:ln>
+        </p:spPr>
+        <p:txBody>
+          <a:bodyPr wrap="square">
+            <a:prstTxWarp prst="textNoShape">
+              <a:avLst/>
+            </a:prstTxWarp>
+            <a:spAutoFit/>
+          </a:bodyPr>
+          <a:lstStyle/>
+          <a:p>
+            <a:r>
+              <a:rPr lang="en-US" sz="1800" dirty="0"/>
+              <a:t>GO terms for oxidative stress response, DNA damage repair statistically enriched in the up-regulated genes</a:t>
+            </a:r>
+          </a:p>
+        </p:txBody>
+      </p:sp>
+      <p:sp>
+        <p:nvSpPr>
+          <p:cNvPr id="12" name="Text Box 14"/>
+          <p:cNvSpPr txBox="1">
+            <a:spLocks noChangeArrowheads="1"/>
+          </p:cNvSpPr>
+          <p:nvPr/>
+        </p:nvSpPr>
+        <p:spPr bwMode="auto">
+          <a:xfrm>
+            <a:off x="5004048" y="3646765"/>
+            <a:ext cx="2736304" cy="646331"/>
+          </a:xfrm>
+          <a:prstGeom prst="rect">
+            <a:avLst/>
+          </a:prstGeom>
+          <a:noFill/>
+          <a:ln w="9525">
+            <a:noFill/>
+            <a:miter lim="800000"/>
+            <a:headEnd/>
+            <a:tailEnd/>
+          </a:ln>
+        </p:spPr>
+        <p:txBody>
+          <a:bodyPr wrap="square">
+            <a:prstTxWarp prst="textNoShape">
+              <a:avLst/>
+            </a:prstTxWarp>
+            <a:spAutoFit/>
+          </a:bodyPr>
+          <a:lstStyle/>
+          <a:p>
+            <a:r>
+              <a:rPr lang="en-US" sz="1800" i="1" dirty="0"/>
+              <a:t>Gene Ontology</a:t>
+            </a:r>
+          </a:p>
+          <a:p>
+            <a:r>
+              <a:rPr lang="en-US" sz="1800" i="1" dirty="0"/>
+              <a:t>enrichment analysis</a:t>
+            </a:r>
+          </a:p>
+        </p:txBody>
+      </p:sp>
+      <p:sp>
+        <p:nvSpPr>
+          <p:cNvPr id="13" name="Text Box 14"/>
+          <p:cNvSpPr txBox="1">
+            <a:spLocks noChangeArrowheads="1"/>
+          </p:cNvSpPr>
+          <p:nvPr/>
+        </p:nvSpPr>
+        <p:spPr bwMode="auto">
+          <a:xfrm>
+            <a:off x="1691680" y="1619508"/>
+            <a:ext cx="864096" cy="338554"/>
+          </a:xfrm>
+          <a:prstGeom prst="rect">
+            <a:avLst/>
+          </a:prstGeom>
+          <a:noFill/>
+          <a:ln w="9525">
+            <a:solidFill>
+              <a:schemeClr val="tx1"/>
+            </a:solidFill>
+            <a:miter lim="800000"/>
+            <a:headEnd/>
+            <a:tailEnd/>
+          </a:ln>
+        </p:spPr>
+        <p:txBody>
+          <a:bodyPr wrap="square">
+            <a:prstTxWarp prst="textNoShape">
+              <a:avLst/>
+            </a:prstTxWarp>
+            <a:spAutoFit/>
+          </a:bodyPr>
+          <a:lstStyle/>
+          <a:p>
+            <a:r>
+              <a:rPr lang="en-US" sz="1600" i="1" dirty="0"/>
+              <a:t>dioxin</a:t>
+            </a:r>
+          </a:p>
+        </p:txBody>
+      </p:sp>
+      <p:sp>
+        <p:nvSpPr>
+          <p:cNvPr id="14" name="Text Box 14"/>
+          <p:cNvSpPr txBox="1">
+            <a:spLocks noChangeArrowheads="1"/>
+          </p:cNvSpPr>
+          <p:nvPr/>
+        </p:nvSpPr>
+        <p:spPr bwMode="auto">
+          <a:xfrm>
+            <a:off x="2771800" y="1475492"/>
+            <a:ext cx="1368152" cy="369332"/>
+          </a:xfrm>
+          <a:prstGeom prst="rect">
+            <a:avLst/>
+          </a:prstGeom>
+          <a:solidFill>
+            <a:schemeClr val="accent1">
+              <a:lumMod val="40000"/>
+              <a:lumOff val="60000"/>
+            </a:schemeClr>
+          </a:solidFill>
+          <a:ln w="9525">
+            <a:solidFill>
+              <a:schemeClr val="tx1"/>
+            </a:solidFill>
+            <a:miter lim="800000"/>
+            <a:headEnd/>
+            <a:tailEnd/>
+          </a:ln>
+        </p:spPr>
+        <p:txBody>
+          <a:bodyPr wrap="square">
+            <a:prstTxWarp prst="textNoShape">
+              <a:avLst/>
+            </a:prstTxWarp>
+            <a:spAutoFit/>
+          </a:bodyPr>
+          <a:lstStyle/>
+          <a:p>
+            <a:r>
+              <a:rPr lang="en-US" sz="1800" dirty="0">
+                <a:solidFill>
+                  <a:schemeClr val="bg2"/>
+                </a:solidFill>
+              </a:rPr>
+              <a:t>CONTROL</a:t>
+            </a:r>
+          </a:p>
+        </p:txBody>
+      </p:sp>
+      <p:sp>
+        <p:nvSpPr>
+          <p:cNvPr id="15" name="Text Box 14"/>
+          <p:cNvSpPr txBox="1">
+            <a:spLocks noChangeArrowheads="1"/>
+          </p:cNvSpPr>
+          <p:nvPr/>
+        </p:nvSpPr>
+        <p:spPr bwMode="auto">
+          <a:xfrm>
+            <a:off x="2771800" y="2051556"/>
+            <a:ext cx="1368152" cy="369332"/>
+          </a:xfrm>
+          <a:prstGeom prst="rect">
+            <a:avLst/>
+          </a:prstGeom>
+          <a:solidFill>
+            <a:schemeClr val="accent1">
+              <a:lumMod val="40000"/>
+              <a:lumOff val="60000"/>
+            </a:schemeClr>
+          </a:solidFill>
+          <a:ln w="9525">
+            <a:solidFill>
+              <a:schemeClr val="tx1"/>
+            </a:solidFill>
+            <a:miter lim="800000"/>
+            <a:headEnd/>
+            <a:tailEnd/>
+          </a:ln>
+        </p:spPr>
+        <p:txBody>
+          <a:bodyPr wrap="square">
+            <a:prstTxWarp prst="textNoShape">
+              <a:avLst/>
+            </a:prstTxWarp>
+            <a:spAutoFit/>
+          </a:bodyPr>
+          <a:lstStyle/>
+          <a:p>
+            <a:r>
+              <a:rPr lang="en-US" sz="1800" dirty="0">
+                <a:solidFill>
+                  <a:schemeClr val="bg2"/>
+                </a:solidFill>
+              </a:rPr>
+              <a:t>EXPOSED</a:t>
+            </a:r>
+          </a:p>
+        </p:txBody>
+      </p:sp>
+      <p:sp>
+        <p:nvSpPr>
+          <p:cNvPr id="6" name="Right Arrow 5"/>
+          <p:cNvSpPr/>
+          <p:nvPr/>
+        </p:nvSpPr>
+        <p:spPr bwMode="auto">
+          <a:xfrm>
+            <a:off x="4355976" y="1700808"/>
+            <a:ext cx="1512168" cy="484632"/>
+          </a:xfrm>
+          <a:prstGeom prst="rightArrow">
+            <a:avLst/>
+          </a:prstGeom>
+          <a:solidFill>
+            <a:schemeClr val="accent1"/>
+          </a:solidFill>
+          <a:ln w="9525" cap="flat" cmpd="sng" algn="ctr">
+            <a:solidFill>
+              <a:schemeClr val="tx1"/>
+            </a:solidFill>
+            <a:prstDash val="solid"/>
+            <a:round/>
+            <a:headEnd type="none" w="med" len="med"/>
+            <a:tailEnd type="none" w="med" len="med"/>
+          </a:ln>
+          <a:effectLst/>
+        </p:spPr>
+        <p:txBody>
+          <a:bodyPr vert="horz" wrap="square" lIns="91440" tIns="45720" rIns="91440" bIns="45720" numCol="1" rtlCol="0" anchor="t" anchorCtr="0" compatLnSpc="1">
+            <a:prstTxWarp prst="textNoShape">
+              <a:avLst/>
+            </a:prstTxWarp>
+          </a:bodyPr>
+          <a:lstStyle/>
+          <a:p>
+            <a:pPr marL="0" marR="0" indent="0" algn="l" defTabSz="914400" rtl="0" eaLnBrk="0" fontAlgn="base" latinLnBrk="0" hangingPunct="0">
+              <a:lnSpc>
+                <a:spcPct val="100000"/>
+              </a:lnSpc>
+              <a:spcBef>
+                <a:spcPct val="0"/>
+              </a:spcBef>
+              <a:spcAft>
+                <a:spcPct val="0"/>
+              </a:spcAft>
+              <a:buClrTx/>
+              <a:buSzTx/>
+              <a:buFontTx/>
+              <a:buNone/>
+              <a:tabLst/>
+            </a:pPr>
+            <a:endParaRPr kumimoji="0" lang="en-US" sz="2400" b="0" i="0" u="none" strike="noStrike" cap="none" normalizeH="0" baseline="0">
+              <a:ln>
+                <a:noFill/>
+              </a:ln>
+              <a:solidFill>
+                <a:schemeClr val="tx1"/>
+              </a:solidFill>
+              <a:effectLst/>
+              <a:latin typeface="Times" charset="0"/>
+            </a:endParaRPr>
+          </a:p>
+        </p:txBody>
+      </p:sp>
+      <p:sp>
+        <p:nvSpPr>
+          <p:cNvPr id="16" name="Text Box 14"/>
+          <p:cNvSpPr txBox="1">
+            <a:spLocks noChangeArrowheads="1"/>
+          </p:cNvSpPr>
+          <p:nvPr/>
+        </p:nvSpPr>
+        <p:spPr bwMode="auto">
+          <a:xfrm>
+            <a:off x="4499992" y="1412776"/>
+            <a:ext cx="2736304" cy="369332"/>
+          </a:xfrm>
+          <a:prstGeom prst="rect">
+            <a:avLst/>
+          </a:prstGeom>
+          <a:noFill/>
+          <a:ln w="9525">
+            <a:noFill/>
+            <a:miter lim="800000"/>
+            <a:headEnd/>
+            <a:tailEnd/>
+          </a:ln>
+        </p:spPr>
+        <p:txBody>
+          <a:bodyPr wrap="square">
+            <a:prstTxWarp prst="textNoShape">
+              <a:avLst/>
+            </a:prstTxWarp>
+            <a:spAutoFit/>
+          </a:bodyPr>
+          <a:lstStyle/>
+          <a:p>
+            <a:r>
+              <a:rPr lang="en-US" sz="1800" i="1" dirty="0"/>
+              <a:t>RNA-</a:t>
+            </a:r>
+            <a:r>
+              <a:rPr lang="en-US" sz="1800" i="1" dirty="0" err="1"/>
+              <a:t>Seq</a:t>
+            </a:r>
+            <a:endParaRPr lang="en-US" sz="1800" i="1" dirty="0"/>
           </a:p>
         </p:txBody>
       </p:sp>
     </p:spTree>
     <p:extLst>
       <p:ext uri="{BB962C8B-B14F-4D97-AF65-F5344CB8AC3E}">
-        <p14:creationId xmlns:p14="http://schemas.microsoft.com/office/powerpoint/2010/main" val="4181129222"/>
+        <p14:creationId xmlns:p14="http://schemas.microsoft.com/office/powerpoint/2010/main" val="2151705758"/>
       </p:ext>
     </p:extLst>
   </p:cSld>
@@ -10734,19 +10215,99 @@
             <a:pPr algn="l" eaLnBrk="1" hangingPunct="1"/>
             <a:r>
               <a:rPr lang="en-US" sz="3200" b="1" dirty="0"/>
-              <a:t>Enrichment Example - </a:t>
-            </a:r>
-            <a:r>
-              <a:rPr lang="en-US" sz="3200" b="1" dirty="0" err="1"/>
-              <a:t>Interactomes</a:t>
+              <a:t>Enrichment Example:</a:t>
             </a:r>
             <a:endParaRPr lang="en-US" sz="3200" dirty="0"/>
+          </a:p>
+        </p:txBody>
+      </p:sp>
+      <p:sp>
+        <p:nvSpPr>
+          <p:cNvPr id="4" name="Text Box 14"/>
+          <p:cNvSpPr txBox="1">
+            <a:spLocks noChangeArrowheads="1"/>
+          </p:cNvSpPr>
+          <p:nvPr/>
+        </p:nvSpPr>
+        <p:spPr bwMode="auto">
+          <a:xfrm>
+            <a:off x="6012160" y="1196752"/>
+            <a:ext cx="2664296" cy="646331"/>
+          </a:xfrm>
+          <a:prstGeom prst="rect">
+            <a:avLst/>
+          </a:prstGeom>
+          <a:noFill/>
+          <a:ln w="9525">
+            <a:solidFill>
+              <a:schemeClr val="tx1"/>
+            </a:solidFill>
+            <a:miter lim="800000"/>
+            <a:headEnd/>
+            <a:tailEnd/>
+          </a:ln>
+        </p:spPr>
+        <p:txBody>
+          <a:bodyPr wrap="square">
+            <a:prstTxWarp prst="textNoShape">
+              <a:avLst/>
+            </a:prstTxWarp>
+            <a:spAutoFit/>
+          </a:bodyPr>
+          <a:lstStyle/>
+          <a:p>
+            <a:r>
+              <a:rPr lang="en-US" sz="1800" dirty="0"/>
+              <a:t>1300 genes up-regulated in response to dioxin</a:t>
+            </a:r>
+          </a:p>
+        </p:txBody>
+      </p:sp>
+      <p:sp>
+        <p:nvSpPr>
+          <p:cNvPr id="5" name="Text Box 14"/>
+          <p:cNvSpPr txBox="1">
+            <a:spLocks noChangeArrowheads="1"/>
+          </p:cNvSpPr>
+          <p:nvPr/>
+        </p:nvSpPr>
+        <p:spPr bwMode="auto">
+          <a:xfrm>
+            <a:off x="6012160" y="2276872"/>
+            <a:ext cx="2736304" cy="369332"/>
+          </a:xfrm>
+          <a:prstGeom prst="rect">
+            <a:avLst/>
+          </a:prstGeom>
+          <a:noFill/>
+          <a:ln w="9525">
+            <a:solidFill>
+              <a:schemeClr val="tx1"/>
+            </a:solidFill>
+            <a:miter lim="800000"/>
+            <a:headEnd/>
+            <a:tailEnd/>
+          </a:ln>
+        </p:spPr>
+        <p:txBody>
+          <a:bodyPr wrap="square">
+            <a:prstTxWarp prst="textNoShape">
+              <a:avLst/>
+            </a:prstTxWarp>
+            <a:spAutoFit/>
+          </a:bodyPr>
+          <a:lstStyle/>
+          <a:p>
+            <a:r>
+              <a:rPr lang="en-US" sz="1800" dirty="0"/>
+              <a:t>All genes in the genome</a:t>
+            </a:r>
           </a:p>
         </p:txBody>
       </p:sp>
       <p:pic>
         <p:nvPicPr>
-          <p:cNvPr id="2" name="Picture 1" descr="enrichmentmap2.png"/>
+          <p:cNvPr id="2" name="Picture 1" descr="Unknown.jpeg"/>
           <p:cNvPicPr>
             <a:picLocks noChangeAspect="1"/>
           </p:cNvPicPr>
@@ -10766,8 +10327,8 @@
         </p:blipFill>
         <p:spPr>
           <a:xfrm>
-            <a:off x="323528" y="1268760"/>
-            <a:ext cx="6588224" cy="5119991"/>
+            <a:off x="179512" y="1331476"/>
+            <a:ext cx="1545161" cy="1028234"/>
           </a:xfrm>
           <a:prstGeom prst="rect">
             <a:avLst/>
@@ -10776,7 +10337,7 @@
       </p:pic>
       <p:sp>
         <p:nvSpPr>
-          <p:cNvPr id="4" name="Text Box 14"/>
+          <p:cNvPr id="7" name="Text Box 14"/>
           <p:cNvSpPr txBox="1">
             <a:spLocks noChangeArrowheads="1"/>
           </p:cNvSpPr>
@@ -10784,8 +10345,8 @@
         </p:nvSpPr>
         <p:spPr bwMode="auto">
           <a:xfrm>
-            <a:off x="251520" y="6362164"/>
-            <a:ext cx="8064896" cy="523220"/>
+            <a:off x="179512" y="2339588"/>
+            <a:ext cx="1512168" cy="369332"/>
           </a:xfrm>
           <a:prstGeom prst="rect">
             <a:avLst/>
@@ -10808,39 +10369,54 @@
           <a:lstStyle/>
           <a:p>
             <a:r>
-              <a:rPr lang="en-US" sz="1400" dirty="0" err="1"/>
-              <a:t>Merico</a:t>
-            </a:r>
-            <a:r>
-              <a:rPr lang="en-US" sz="1400" dirty="0"/>
+              <a:rPr lang="en-US" sz="1800" i="1" dirty="0" err="1"/>
+              <a:t>Danio</a:t>
+            </a:r>
+            <a:r>
+              <a:rPr lang="en-US" sz="1800" i="1" dirty="0"/>
               <a:t> </a:t>
             </a:r>
             <a:r>
-              <a:rPr lang="en-US" sz="1400" i="1" dirty="0"/>
-              <a:t>et al</a:t>
-            </a:r>
-            <a:r>
-              <a:rPr lang="en-US" sz="1400" dirty="0"/>
-              <a:t>. 2010. Enrichment Map: A Network-Based Method for Gene-Set Enrichment Visualization and Interpretation. </a:t>
-            </a:r>
-            <a:r>
-              <a:rPr lang="en-US" sz="1400" i="1" dirty="0" err="1"/>
-              <a:t>PLoS</a:t>
-            </a:r>
-            <a:r>
-              <a:rPr lang="en-US" sz="1400" i="1" dirty="0"/>
-              <a:t> One</a:t>
-            </a:r>
-            <a:r>
-              <a:rPr lang="en-US" sz="1400" dirty="0"/>
-              <a:t> 5(11):e13984.</a:t>
-            </a:r>
-          </a:p>
-        </p:txBody>
-      </p:sp>
-      <p:sp>
-        <p:nvSpPr>
-          <p:cNvPr id="5" name="Text Box 14"/>
+              <a:rPr lang="en-US" sz="1800" i="1" dirty="0" err="1"/>
+              <a:t>rerio</a:t>
+            </a:r>
+            <a:endParaRPr lang="en-US" sz="1800" i="1" dirty="0"/>
+          </a:p>
+        </p:txBody>
+      </p:sp>
+      <p:pic>
+        <p:nvPicPr>
+          <p:cNvPr id="3" name="Picture 2" descr="Unknown-1.jpeg"/>
+          <p:cNvPicPr>
+            <a:picLocks noChangeAspect="1"/>
+          </p:cNvPicPr>
+          <p:nvPr/>
+        </p:nvPicPr>
+        <p:blipFill>
+          <a:blip r:embed="rId4">
+            <a:extLst>
+              <a:ext uri="{28A0092B-C50C-407E-A947-70E740481C1C}">
+                <a14:useLocalDpi xmlns:a14="http://schemas.microsoft.com/office/drawing/2010/main" val="0"/>
+              </a:ext>
+            </a:extLst>
+          </a:blip>
+          <a:stretch>
+            <a:fillRect/>
+          </a:stretch>
+        </p:blipFill>
+        <p:spPr>
+          <a:xfrm>
+            <a:off x="1475656" y="1187460"/>
+            <a:ext cx="864096" cy="490041"/>
+          </a:xfrm>
+          <a:prstGeom prst="rect">
+            <a:avLst/>
+          </a:prstGeom>
+        </p:spPr>
+      </p:pic>
+      <p:sp>
+        <p:nvSpPr>
+          <p:cNvPr id="10" name="Text Box 14"/>
           <p:cNvSpPr txBox="1">
             <a:spLocks noChangeArrowheads="1"/>
           </p:cNvSpPr>
@@ -10848,8 +10424,8 @@
         </p:nvSpPr>
         <p:spPr bwMode="auto">
           <a:xfrm>
-            <a:off x="251520" y="908720"/>
-            <a:ext cx="8064896" cy="338554"/>
+            <a:off x="6948264" y="1844824"/>
+            <a:ext cx="2736304" cy="369332"/>
           </a:xfrm>
           <a:prstGeom prst="rect">
             <a:avLst/>
@@ -10872,15 +10448,80 @@
           <a:lstStyle/>
           <a:p>
             <a:r>
-              <a:rPr lang="en-US" sz="1600" dirty="0"/>
-              <a:t>Enrichment map for estrogen treatment of breast cancer cells at 24 hours of culture.</a:t>
-            </a:r>
-          </a:p>
-        </p:txBody>
-      </p:sp>
-      <p:sp>
-        <p:nvSpPr>
-          <p:cNvPr id="6" name="Text Box 14"/>
+              <a:rPr lang="en-US" sz="1800" i="1" dirty="0"/>
+              <a:t>versus</a:t>
+            </a:r>
+          </a:p>
+        </p:txBody>
+      </p:sp>
+      <p:sp>
+        <p:nvSpPr>
+          <p:cNvPr id="8" name="Down Arrow 7"/>
+          <p:cNvSpPr/>
+          <p:nvPr/>
+        </p:nvSpPr>
+        <p:spPr bwMode="auto">
+          <a:xfrm>
+            <a:off x="6948264" y="3140968"/>
+            <a:ext cx="484632" cy="1770496"/>
+          </a:xfrm>
+          <a:prstGeom prst="downArrow">
+            <a:avLst/>
+          </a:prstGeom>
+          <a:solidFill>
+            <a:schemeClr val="accent1"/>
+          </a:solidFill>
+          <a:ln w="9525" cap="flat" cmpd="sng" algn="ctr">
+            <a:solidFill>
+              <a:schemeClr val="tx1"/>
+            </a:solidFill>
+            <a:prstDash val="solid"/>
+            <a:round/>
+            <a:headEnd type="none" w="med" len="med"/>
+            <a:tailEnd type="none" w="med" len="med"/>
+          </a:ln>
+          <a:effectLst/>
+        </p:spPr>
+        <p:txBody>
+          <a:bodyPr vert="horz" wrap="square" lIns="91440" tIns="45720" rIns="91440" bIns="45720" numCol="1" rtlCol="0" anchor="t" anchorCtr="0" compatLnSpc="1">
+            <a:prstTxWarp prst="textNoShape">
+              <a:avLst/>
+            </a:prstTxWarp>
+          </a:bodyPr>
+          <a:lstStyle/>
+          <a:p>
+            <a:pPr marL="0" marR="0" indent="0" algn="l" defTabSz="914400" rtl="0" eaLnBrk="0" fontAlgn="base" latinLnBrk="0" hangingPunct="0">
+              <a:lnSpc>
+                <a:spcPct val="100000"/>
+              </a:lnSpc>
+              <a:spcBef>
+                <a:spcPct val="0"/>
+              </a:spcBef>
+              <a:spcAft>
+                <a:spcPct val="0"/>
+              </a:spcAft>
+              <a:buClrTx/>
+              <a:buSzTx/>
+              <a:buFontTx/>
+              <a:buNone/>
+              <a:tabLst/>
+            </a:pPr>
+            <a:endParaRPr kumimoji="0" lang="en-US" sz="2400" b="0" i="0" u="none" strike="noStrike" cap="none" normalizeH="0" baseline="0">
+              <a:ln>
+                <a:noFill/>
+              </a:ln>
+              <a:solidFill>
+                <a:schemeClr val="tx1"/>
+              </a:solidFill>
+              <a:effectLst/>
+              <a:latin typeface="Times" charset="0"/>
+            </a:endParaRPr>
+          </a:p>
+        </p:txBody>
+      </p:sp>
+      <p:sp>
+        <p:nvSpPr>
+          <p:cNvPr id="11" name="Text Box 14"/>
           <p:cNvSpPr txBox="1">
             <a:spLocks noChangeArrowheads="1"/>
           </p:cNvSpPr>
@@ -10888,8 +10529,50 @@
         </p:nvSpPr>
         <p:spPr bwMode="auto">
           <a:xfrm>
-            <a:off x="7020272" y="1340768"/>
-            <a:ext cx="2123728" cy="2308324"/>
+            <a:off x="6012160" y="5157192"/>
+            <a:ext cx="2736304" cy="1477328"/>
+          </a:xfrm>
+          <a:prstGeom prst="rect">
+            <a:avLst/>
+          </a:prstGeom>
+          <a:noFill/>
+          <a:ln w="9525">
+            <a:solidFill>
+              <a:schemeClr val="tx1"/>
+            </a:solidFill>
+            <a:miter lim="800000"/>
+            <a:headEnd/>
+            <a:tailEnd/>
+          </a:ln>
+        </p:spPr>
+        <p:txBody>
+          <a:bodyPr wrap="square">
+            <a:prstTxWarp prst="textNoShape">
+              <a:avLst/>
+            </a:prstTxWarp>
+            <a:spAutoFit/>
+          </a:bodyPr>
+          <a:lstStyle/>
+          <a:p>
+            <a:r>
+              <a:rPr lang="en-US" sz="1800" dirty="0"/>
+              <a:t>GO terms for oxidative stress response, DNA damage repair statistically enriched in the up-regulated genes</a:t>
+            </a:r>
+          </a:p>
+        </p:txBody>
+      </p:sp>
+      <p:sp>
+        <p:nvSpPr>
+          <p:cNvPr id="12" name="Text Box 14"/>
+          <p:cNvSpPr txBox="1">
+            <a:spLocks noChangeArrowheads="1"/>
+          </p:cNvSpPr>
+          <p:nvPr/>
+        </p:nvSpPr>
+        <p:spPr bwMode="auto">
+          <a:xfrm>
+            <a:off x="5004048" y="3646765"/>
+            <a:ext cx="2736304" cy="646331"/>
           </a:xfrm>
           <a:prstGeom prst="rect">
             <a:avLst/>
@@ -10912,25 +10595,356 @@
           <a:lstStyle/>
           <a:p>
             <a:r>
-              <a:rPr lang="en-US" sz="1600" dirty="0"/>
-              <a:t>Gene expression with estrogen treatment examined</a:t>
-            </a:r>
-          </a:p>
-          <a:p>
-            <a:endParaRPr lang="en-US" sz="1600" dirty="0"/>
-          </a:p>
-          <a:p>
-            <a:r>
-              <a:rPr lang="en-US" sz="1600" dirty="0"/>
-              <a:t>Down- and </a:t>
-            </a:r>
-            <a:r>
-              <a:rPr lang="en-US" sz="1600" dirty="0" err="1"/>
-              <a:t>upregulated</a:t>
-            </a:r>
-            <a:r>
-              <a:rPr lang="en-US" sz="1600" dirty="0"/>
-              <a:t> genes examined in the context of known protein and other interactions</a:t>
+              <a:rPr lang="en-US" sz="1800" i="1" dirty="0"/>
+              <a:t>Gene Ontology</a:t>
+            </a:r>
+          </a:p>
+          <a:p>
+            <a:r>
+              <a:rPr lang="en-US" sz="1800" i="1" dirty="0"/>
+              <a:t>enrichment analysis</a:t>
+            </a:r>
+          </a:p>
+        </p:txBody>
+      </p:sp>
+      <p:sp>
+        <p:nvSpPr>
+          <p:cNvPr id="13" name="Text Box 14"/>
+          <p:cNvSpPr txBox="1">
+            <a:spLocks noChangeArrowheads="1"/>
+          </p:cNvSpPr>
+          <p:nvPr/>
+        </p:nvSpPr>
+        <p:spPr bwMode="auto">
+          <a:xfrm>
+            <a:off x="1691680" y="1619508"/>
+            <a:ext cx="864096" cy="338554"/>
+          </a:xfrm>
+          <a:prstGeom prst="rect">
+            <a:avLst/>
+          </a:prstGeom>
+          <a:noFill/>
+          <a:ln w="9525">
+            <a:solidFill>
+              <a:schemeClr val="tx1"/>
+            </a:solidFill>
+            <a:miter lim="800000"/>
+            <a:headEnd/>
+            <a:tailEnd/>
+          </a:ln>
+        </p:spPr>
+        <p:txBody>
+          <a:bodyPr wrap="square">
+            <a:prstTxWarp prst="textNoShape">
+              <a:avLst/>
+            </a:prstTxWarp>
+            <a:spAutoFit/>
+          </a:bodyPr>
+          <a:lstStyle/>
+          <a:p>
+            <a:r>
+              <a:rPr lang="en-US" sz="1600" i="1" dirty="0"/>
+              <a:t>dioxin</a:t>
+            </a:r>
+          </a:p>
+        </p:txBody>
+      </p:sp>
+      <p:sp>
+        <p:nvSpPr>
+          <p:cNvPr id="14" name="Text Box 14"/>
+          <p:cNvSpPr txBox="1">
+            <a:spLocks noChangeArrowheads="1"/>
+          </p:cNvSpPr>
+          <p:nvPr/>
+        </p:nvSpPr>
+        <p:spPr bwMode="auto">
+          <a:xfrm>
+            <a:off x="2771800" y="1475492"/>
+            <a:ext cx="1368152" cy="369332"/>
+          </a:xfrm>
+          <a:prstGeom prst="rect">
+            <a:avLst/>
+          </a:prstGeom>
+          <a:solidFill>
+            <a:schemeClr val="accent1">
+              <a:lumMod val="40000"/>
+              <a:lumOff val="60000"/>
+            </a:schemeClr>
+          </a:solidFill>
+          <a:ln w="9525">
+            <a:solidFill>
+              <a:schemeClr val="tx1"/>
+            </a:solidFill>
+            <a:miter lim="800000"/>
+            <a:headEnd/>
+            <a:tailEnd/>
+          </a:ln>
+        </p:spPr>
+        <p:txBody>
+          <a:bodyPr wrap="square">
+            <a:prstTxWarp prst="textNoShape">
+              <a:avLst/>
+            </a:prstTxWarp>
+            <a:spAutoFit/>
+          </a:bodyPr>
+          <a:lstStyle/>
+          <a:p>
+            <a:r>
+              <a:rPr lang="en-US" sz="1800" dirty="0">
+                <a:solidFill>
+                  <a:schemeClr val="bg2"/>
+                </a:solidFill>
+              </a:rPr>
+              <a:t>CONTROL</a:t>
+            </a:r>
+          </a:p>
+        </p:txBody>
+      </p:sp>
+      <p:sp>
+        <p:nvSpPr>
+          <p:cNvPr id="15" name="Text Box 14"/>
+          <p:cNvSpPr txBox="1">
+            <a:spLocks noChangeArrowheads="1"/>
+          </p:cNvSpPr>
+          <p:nvPr/>
+        </p:nvSpPr>
+        <p:spPr bwMode="auto">
+          <a:xfrm>
+            <a:off x="2771800" y="2051556"/>
+            <a:ext cx="1368152" cy="369332"/>
+          </a:xfrm>
+          <a:prstGeom prst="rect">
+            <a:avLst/>
+          </a:prstGeom>
+          <a:solidFill>
+            <a:schemeClr val="accent1">
+              <a:lumMod val="40000"/>
+              <a:lumOff val="60000"/>
+            </a:schemeClr>
+          </a:solidFill>
+          <a:ln w="9525">
+            <a:solidFill>
+              <a:schemeClr val="tx1"/>
+            </a:solidFill>
+            <a:miter lim="800000"/>
+            <a:headEnd/>
+            <a:tailEnd/>
+          </a:ln>
+        </p:spPr>
+        <p:txBody>
+          <a:bodyPr wrap="square">
+            <a:prstTxWarp prst="textNoShape">
+              <a:avLst/>
+            </a:prstTxWarp>
+            <a:spAutoFit/>
+          </a:bodyPr>
+          <a:lstStyle/>
+          <a:p>
+            <a:r>
+              <a:rPr lang="en-US" sz="1800" dirty="0">
+                <a:solidFill>
+                  <a:schemeClr val="bg2"/>
+                </a:solidFill>
+              </a:rPr>
+              <a:t>EXPOSED</a:t>
+            </a:r>
+          </a:p>
+        </p:txBody>
+      </p:sp>
+      <p:sp>
+        <p:nvSpPr>
+          <p:cNvPr id="6" name="Right Arrow 5"/>
+          <p:cNvSpPr/>
+          <p:nvPr/>
+        </p:nvSpPr>
+        <p:spPr bwMode="auto">
+          <a:xfrm>
+            <a:off x="4355976" y="1700808"/>
+            <a:ext cx="1512168" cy="484632"/>
+          </a:xfrm>
+          <a:prstGeom prst="rightArrow">
+            <a:avLst/>
+          </a:prstGeom>
+          <a:solidFill>
+            <a:schemeClr val="accent1"/>
+          </a:solidFill>
+          <a:ln w="9525" cap="flat" cmpd="sng" algn="ctr">
+            <a:solidFill>
+              <a:schemeClr val="tx1"/>
+            </a:solidFill>
+            <a:prstDash val="solid"/>
+            <a:round/>
+            <a:headEnd type="none" w="med" len="med"/>
+            <a:tailEnd type="none" w="med" len="med"/>
+          </a:ln>
+          <a:effectLst/>
+        </p:spPr>
+        <p:txBody>
+          <a:bodyPr vert="horz" wrap="square" lIns="91440" tIns="45720" rIns="91440" bIns="45720" numCol="1" rtlCol="0" anchor="t" anchorCtr="0" compatLnSpc="1">
+            <a:prstTxWarp prst="textNoShape">
+              <a:avLst/>
+            </a:prstTxWarp>
+          </a:bodyPr>
+          <a:lstStyle/>
+          <a:p>
+            <a:pPr marL="0" marR="0" indent="0" algn="l" defTabSz="914400" rtl="0" eaLnBrk="0" fontAlgn="base" latinLnBrk="0" hangingPunct="0">
+              <a:lnSpc>
+                <a:spcPct val="100000"/>
+              </a:lnSpc>
+              <a:spcBef>
+                <a:spcPct val="0"/>
+              </a:spcBef>
+              <a:spcAft>
+                <a:spcPct val="0"/>
+              </a:spcAft>
+              <a:buClrTx/>
+              <a:buSzTx/>
+              <a:buFontTx/>
+              <a:buNone/>
+              <a:tabLst/>
+            </a:pPr>
+            <a:endParaRPr kumimoji="0" lang="en-US" sz="2400" b="0" i="0" u="none" strike="noStrike" cap="none" normalizeH="0" baseline="0">
+              <a:ln>
+                <a:noFill/>
+              </a:ln>
+              <a:solidFill>
+                <a:schemeClr val="tx1"/>
+              </a:solidFill>
+              <a:effectLst/>
+              <a:latin typeface="Times" charset="0"/>
+            </a:endParaRPr>
+          </a:p>
+        </p:txBody>
+      </p:sp>
+      <p:sp>
+        <p:nvSpPr>
+          <p:cNvPr id="16" name="Text Box 14"/>
+          <p:cNvSpPr txBox="1">
+            <a:spLocks noChangeArrowheads="1"/>
+          </p:cNvSpPr>
+          <p:nvPr/>
+        </p:nvSpPr>
+        <p:spPr bwMode="auto">
+          <a:xfrm>
+            <a:off x="4499992" y="1412776"/>
+            <a:ext cx="2736304" cy="369332"/>
+          </a:xfrm>
+          <a:prstGeom prst="rect">
+            <a:avLst/>
+          </a:prstGeom>
+          <a:noFill/>
+          <a:ln w="9525">
+            <a:noFill/>
+            <a:miter lim="800000"/>
+            <a:headEnd/>
+            <a:tailEnd/>
+          </a:ln>
+        </p:spPr>
+        <p:txBody>
+          <a:bodyPr wrap="square">
+            <a:prstTxWarp prst="textNoShape">
+              <a:avLst/>
+            </a:prstTxWarp>
+            <a:spAutoFit/>
+          </a:bodyPr>
+          <a:lstStyle/>
+          <a:p>
+            <a:r>
+              <a:rPr lang="en-US" sz="1800" i="1" dirty="0"/>
+              <a:t>RNA-</a:t>
+            </a:r>
+            <a:r>
+              <a:rPr lang="en-US" sz="1800" i="1" dirty="0" err="1"/>
+              <a:t>Seq</a:t>
+            </a:r>
+            <a:endParaRPr lang="en-US" sz="1800" i="1" dirty="0"/>
+          </a:p>
+        </p:txBody>
+      </p:sp>
+      <p:sp>
+        <p:nvSpPr>
+          <p:cNvPr id="17" name="Text Box 14"/>
+          <p:cNvSpPr txBox="1">
+            <a:spLocks noChangeArrowheads="1"/>
+          </p:cNvSpPr>
+          <p:nvPr/>
+        </p:nvSpPr>
+        <p:spPr bwMode="auto">
+          <a:xfrm>
+            <a:off x="1043608" y="3501008"/>
+            <a:ext cx="2736304" cy="1200329"/>
+          </a:xfrm>
+          <a:prstGeom prst="rect">
+            <a:avLst/>
+          </a:prstGeom>
+          <a:noFill/>
+          <a:ln w="9525">
+            <a:noFill/>
+            <a:miter lim="800000"/>
+            <a:headEnd/>
+            <a:tailEnd/>
+          </a:ln>
+        </p:spPr>
+        <p:txBody>
+          <a:bodyPr wrap="square">
+            <a:prstTxWarp prst="textNoShape">
+              <a:avLst/>
+            </a:prstTxWarp>
+            <a:spAutoFit/>
+          </a:bodyPr>
+          <a:lstStyle/>
+          <a:p>
+            <a:r>
+              <a:rPr lang="en-US" sz="1800" i="1" dirty="0">
+                <a:solidFill>
+                  <a:srgbClr val="FFFF00"/>
+                </a:solidFill>
+              </a:rPr>
+              <a:t>Each gene tagged with a different set of ontology terms in the genome annotation</a:t>
+            </a:r>
+          </a:p>
+        </p:txBody>
+      </p:sp>
+      <p:sp>
+        <p:nvSpPr>
+          <p:cNvPr id="18" name="Text Box 14"/>
+          <p:cNvSpPr txBox="1">
+            <a:spLocks noChangeArrowheads="1"/>
+          </p:cNvSpPr>
+          <p:nvPr/>
+        </p:nvSpPr>
+        <p:spPr bwMode="auto">
+          <a:xfrm>
+            <a:off x="1043608" y="4759984"/>
+            <a:ext cx="2736304" cy="1477328"/>
+          </a:xfrm>
+          <a:prstGeom prst="rect">
+            <a:avLst/>
+          </a:prstGeom>
+          <a:noFill/>
+          <a:ln w="9525">
+            <a:noFill/>
+            <a:miter lim="800000"/>
+            <a:headEnd/>
+            <a:tailEnd/>
+          </a:ln>
+        </p:spPr>
+        <p:txBody>
+          <a:bodyPr wrap="square">
+            <a:prstTxWarp prst="textNoShape">
+              <a:avLst/>
+            </a:prstTxWarp>
+            <a:spAutoFit/>
+          </a:bodyPr>
+          <a:lstStyle/>
+          <a:p>
+            <a:r>
+              <a:rPr lang="en-US" sz="1800" i="1" dirty="0">
+                <a:solidFill>
+                  <a:srgbClr val="FFFF00"/>
+                </a:solidFill>
+              </a:rPr>
+              <a:t>Algorithm traverses the entire ontology to determine which higher-level ontology terms are involved in enrichment</a:t>
             </a:r>
           </a:p>
         </p:txBody>
@@ -10938,7 +10952,7 @@
     </p:spTree>
     <p:extLst>
       <p:ext uri="{BB962C8B-B14F-4D97-AF65-F5344CB8AC3E}">
-        <p14:creationId xmlns:p14="http://schemas.microsoft.com/office/powerpoint/2010/main" val="706925454"/>
+        <p14:creationId xmlns:p14="http://schemas.microsoft.com/office/powerpoint/2010/main" val="1060999368"/>
       </p:ext>
     </p:extLst>
   </p:cSld>
@@ -10988,123 +11002,15 @@
             <a:pPr algn="l" eaLnBrk="1" hangingPunct="1"/>
             <a:r>
               <a:rPr lang="en-US" sz="3200" b="1" dirty="0"/>
-              <a:t>Enrichment Example - </a:t>
-            </a:r>
-            <a:r>
-              <a:rPr lang="en-US" sz="3200" b="1" dirty="0" err="1"/>
-              <a:t>Interactomes</a:t>
+              <a:t>Enrichment Example - KEGG</a:t>
             </a:r>
             <a:endParaRPr lang="en-US" sz="3200" dirty="0"/>
-          </a:p>
-        </p:txBody>
-      </p:sp>
-      <p:sp>
-        <p:nvSpPr>
-          <p:cNvPr id="4" name="Text Box 14"/>
-          <p:cNvSpPr txBox="1">
-            <a:spLocks noChangeArrowheads="1"/>
-          </p:cNvSpPr>
-          <p:nvPr/>
-        </p:nvSpPr>
-        <p:spPr bwMode="auto">
-          <a:xfrm>
-            <a:off x="251520" y="6362164"/>
-            <a:ext cx="8064896" cy="523220"/>
-          </a:xfrm>
-          <a:prstGeom prst="rect">
-            <a:avLst/>
-          </a:prstGeom>
-          <a:noFill/>
-          <a:ln w="9525">
-            <a:noFill/>
-            <a:miter lim="800000"/>
-            <a:headEnd/>
-            <a:tailEnd/>
-          </a:ln>
-        </p:spPr>
-        <p:txBody>
-          <a:bodyPr wrap="square">
-            <a:prstTxWarp prst="textNoShape">
-              <a:avLst/>
-            </a:prstTxWarp>
-            <a:spAutoFit/>
-          </a:bodyPr>
-          <a:lstStyle/>
-          <a:p>
-            <a:r>
-              <a:rPr lang="en-US" sz="1400" dirty="0" err="1"/>
-              <a:t>Merico</a:t>
-            </a:r>
-            <a:r>
-              <a:rPr lang="en-US" sz="1400" dirty="0"/>
-              <a:t> </a:t>
-            </a:r>
-            <a:r>
-              <a:rPr lang="en-US" sz="1400" i="1" dirty="0"/>
-              <a:t>et al</a:t>
-            </a:r>
-            <a:r>
-              <a:rPr lang="en-US" sz="1400" dirty="0"/>
-              <a:t>. 2010. Enrichment Map: A Network-Based Method for Gene-Set Enrichment Visualization and Interpretation. </a:t>
-            </a:r>
-            <a:r>
-              <a:rPr lang="en-US" sz="1400" i="1" dirty="0" err="1"/>
-              <a:t>PLoS</a:t>
-            </a:r>
-            <a:r>
-              <a:rPr lang="en-US" sz="1400" i="1" dirty="0"/>
-              <a:t> One</a:t>
-            </a:r>
-            <a:r>
-              <a:rPr lang="en-US" sz="1400" dirty="0"/>
-              <a:t> 5(11):e13984.</a:t>
-            </a:r>
-          </a:p>
-        </p:txBody>
-      </p:sp>
-      <p:sp>
-        <p:nvSpPr>
-          <p:cNvPr id="5" name="Text Box 14"/>
-          <p:cNvSpPr txBox="1">
-            <a:spLocks noChangeArrowheads="1"/>
-          </p:cNvSpPr>
-          <p:nvPr/>
-        </p:nvSpPr>
-        <p:spPr bwMode="auto">
-          <a:xfrm>
-            <a:off x="251520" y="908720"/>
-            <a:ext cx="8064896" cy="338554"/>
-          </a:xfrm>
-          <a:prstGeom prst="rect">
-            <a:avLst/>
-          </a:prstGeom>
-          <a:noFill/>
-          <a:ln w="9525">
-            <a:noFill/>
-            <a:miter lim="800000"/>
-            <a:headEnd/>
-            <a:tailEnd/>
-          </a:ln>
-        </p:spPr>
-        <p:txBody>
-          <a:bodyPr wrap="square">
-            <a:prstTxWarp prst="textNoShape">
-              <a:avLst/>
-            </a:prstTxWarp>
-            <a:spAutoFit/>
-          </a:bodyPr>
-          <a:lstStyle/>
-          <a:p>
-            <a:r>
-              <a:rPr lang="en-US" sz="1600" dirty="0"/>
-              <a:t>Enrichment map for estrogen treatment of breast cancer cells at 24 hours of culture.</a:t>
-            </a:r>
           </a:p>
         </p:txBody>
       </p:sp>
       <p:pic>
         <p:nvPicPr>
-          <p:cNvPr id="3" name="Picture 2" descr="enrichmentmap3.png"/>
+          <p:cNvPr id="3" name="Picture 2" descr="Figure_4.tif"/>
           <p:cNvPicPr>
             <a:picLocks noChangeAspect="1"/>
           </p:cNvPicPr>
@@ -11124,8 +11030,8 @@
         </p:blipFill>
         <p:spPr>
           <a:xfrm>
-            <a:off x="323528" y="1340768"/>
-            <a:ext cx="8543322" cy="4032448"/>
+            <a:off x="323528" y="1052736"/>
+            <a:ext cx="6192688" cy="4732703"/>
           </a:xfrm>
           <a:prstGeom prst="rect">
             <a:avLst/>
@@ -11134,7 +11040,7 @@
       </p:pic>
       <p:sp>
         <p:nvSpPr>
-          <p:cNvPr id="8" name="Text Box 14"/>
+          <p:cNvPr id="5" name="Text Box 14"/>
           <p:cNvSpPr txBox="1">
             <a:spLocks noChangeArrowheads="1"/>
           </p:cNvSpPr>
@@ -11142,7 +11048,7 @@
         </p:nvSpPr>
         <p:spPr bwMode="auto">
           <a:xfrm>
-            <a:off x="323528" y="5445224"/>
+            <a:off x="251520" y="5805264"/>
             <a:ext cx="8064896" cy="584776"/>
           </a:xfrm>
           <a:prstGeom prst="rect">
@@ -11167,15 +11073,135 @@
           <a:p>
             <a:r>
               <a:rPr lang="en-US" sz="1600" dirty="0"/>
-              <a:t>Cell cycle &amp; microtubule cytoskeleton genes and processes are up-regulated at the transcript level – can this help guide drug discovery?</a:t>
-            </a:r>
+              <a:t>Bowman </a:t>
+            </a:r>
+            <a:r>
+              <a:rPr lang="en-US" sz="1600" i="1" dirty="0"/>
+              <a:t>et al</a:t>
+            </a:r>
+            <a:r>
+              <a:rPr lang="en-US" sz="1600" dirty="0"/>
+              <a:t>. 2013. RNA-</a:t>
+            </a:r>
+            <a:r>
+              <a:rPr lang="en-US" sz="1600" dirty="0" err="1"/>
+              <a:t>Seq</a:t>
+            </a:r>
+            <a:r>
+              <a:rPr lang="en-US" sz="1600" dirty="0"/>
+              <a:t> </a:t>
+            </a:r>
+            <a:r>
+              <a:rPr lang="en-US" sz="1600" dirty="0" err="1"/>
+              <a:t>Transcriptome</a:t>
+            </a:r>
+            <a:r>
+              <a:rPr lang="en-US" sz="1600" dirty="0"/>
+              <a:t> Profiling of Upland Cotton (</a:t>
+            </a:r>
+            <a:r>
+              <a:rPr lang="en-US" sz="1600" dirty="0" err="1"/>
+              <a:t>Gossypium</a:t>
+            </a:r>
+            <a:r>
+              <a:rPr lang="en-US" sz="1600" dirty="0"/>
+              <a:t> </a:t>
+            </a:r>
+            <a:r>
+              <a:rPr lang="en-US" sz="1600" dirty="0" err="1"/>
+              <a:t>hirsutum</a:t>
+            </a:r>
+            <a:r>
+              <a:rPr lang="en-US" sz="1600" dirty="0"/>
+              <a:t> L.) Root Tissue under Water-Deficit Stress. </a:t>
+            </a:r>
+            <a:r>
+              <a:rPr lang="en-US" sz="1600" i="1" dirty="0" err="1"/>
+              <a:t>PLoS</a:t>
+            </a:r>
+            <a:r>
+              <a:rPr lang="en-US" sz="1600" i="1" dirty="0"/>
+              <a:t> ONE</a:t>
+            </a:r>
+            <a:r>
+              <a:rPr lang="en-US" sz="1600" dirty="0"/>
+              <a:t> 8(12):e82634</a:t>
+            </a:r>
+          </a:p>
+        </p:txBody>
+      </p:sp>
+      <p:sp>
+        <p:nvSpPr>
+          <p:cNvPr id="6" name="Text Box 14"/>
+          <p:cNvSpPr txBox="1">
+            <a:spLocks noChangeArrowheads="1"/>
+          </p:cNvSpPr>
+          <p:nvPr/>
+        </p:nvSpPr>
+        <p:spPr bwMode="auto">
+          <a:xfrm>
+            <a:off x="6588224" y="1052736"/>
+            <a:ext cx="2448272" cy="1815882"/>
+          </a:xfrm>
+          <a:prstGeom prst="rect">
+            <a:avLst/>
+          </a:prstGeom>
+          <a:noFill/>
+          <a:ln w="9525">
+            <a:noFill/>
+            <a:miter lim="800000"/>
+            <a:headEnd/>
+            <a:tailEnd/>
+          </a:ln>
+        </p:spPr>
+        <p:txBody>
+          <a:bodyPr wrap="square">
+            <a:prstTxWarp prst="textNoShape">
+              <a:avLst/>
+            </a:prstTxWarp>
+            <a:spAutoFit/>
+          </a:bodyPr>
+          <a:lstStyle/>
+          <a:p>
+            <a:r>
+              <a:rPr lang="en-US" sz="1600" dirty="0"/>
+              <a:t>Purple – enzyme in cotton but not differentially regulated</a:t>
+            </a:r>
+          </a:p>
+          <a:p>
+            <a:endParaRPr lang="en-US" sz="1600" dirty="0"/>
+          </a:p>
+          <a:p>
+            <a:r>
+              <a:rPr lang="en-US" sz="1600" dirty="0"/>
+              <a:t>Blue – </a:t>
+            </a:r>
+            <a:r>
+              <a:rPr lang="en-US" sz="1600" dirty="0" err="1"/>
+              <a:t>downregulated</a:t>
+            </a:r>
+            <a:endParaRPr lang="en-US" sz="1600" dirty="0"/>
+          </a:p>
+          <a:p>
+            <a:endParaRPr lang="en-US" sz="1600" dirty="0"/>
+          </a:p>
+          <a:p>
+            <a:r>
+              <a:rPr lang="en-US" sz="1600" dirty="0"/>
+              <a:t>Red - </a:t>
+            </a:r>
+            <a:r>
+              <a:rPr lang="en-US" sz="1600" dirty="0" err="1"/>
+              <a:t>upregulated</a:t>
+            </a:r>
+            <a:endParaRPr lang="en-US" sz="1600" dirty="0"/>
           </a:p>
         </p:txBody>
       </p:sp>
     </p:spTree>
     <p:extLst>
       <p:ext uri="{BB962C8B-B14F-4D97-AF65-F5344CB8AC3E}">
-        <p14:creationId xmlns:p14="http://schemas.microsoft.com/office/powerpoint/2010/main" val="2159558986"/>
+        <p14:creationId xmlns:p14="http://schemas.microsoft.com/office/powerpoint/2010/main" val="4181129222"/>
       </p:ext>
     </p:extLst>
   </p:cSld>
@@ -11225,6 +11251,767 @@
             <a:pPr algn="l" eaLnBrk="1" hangingPunct="1"/>
             <a:r>
               <a:rPr lang="en-US" sz="3200" b="1" dirty="0"/>
+              <a:t>Enrichment Example - </a:t>
+            </a:r>
+            <a:r>
+              <a:rPr lang="en-US" sz="3200" b="1" dirty="0" err="1"/>
+              <a:t>Interactomes</a:t>
+            </a:r>
+            <a:endParaRPr lang="en-US" sz="3200" dirty="0"/>
+          </a:p>
+        </p:txBody>
+      </p:sp>
+      <p:pic>
+        <p:nvPicPr>
+          <p:cNvPr id="2" name="Picture 1" descr="enrichmentmap2.png"/>
+          <p:cNvPicPr>
+            <a:picLocks noChangeAspect="1"/>
+          </p:cNvPicPr>
+          <p:nvPr/>
+        </p:nvPicPr>
+        <p:blipFill>
+          <a:blip r:embed="rId3">
+            <a:extLst>
+              <a:ext uri="{28A0092B-C50C-407E-A947-70E740481C1C}">
+                <a14:useLocalDpi xmlns:a14="http://schemas.microsoft.com/office/drawing/2010/main" val="0"/>
+              </a:ext>
+            </a:extLst>
+          </a:blip>
+          <a:stretch>
+            <a:fillRect/>
+          </a:stretch>
+        </p:blipFill>
+        <p:spPr>
+          <a:xfrm>
+            <a:off x="323528" y="1268760"/>
+            <a:ext cx="6588224" cy="5119991"/>
+          </a:xfrm>
+          <a:prstGeom prst="rect">
+            <a:avLst/>
+          </a:prstGeom>
+        </p:spPr>
+      </p:pic>
+      <p:sp>
+        <p:nvSpPr>
+          <p:cNvPr id="4" name="Text Box 14"/>
+          <p:cNvSpPr txBox="1">
+            <a:spLocks noChangeArrowheads="1"/>
+          </p:cNvSpPr>
+          <p:nvPr/>
+        </p:nvSpPr>
+        <p:spPr bwMode="auto">
+          <a:xfrm>
+            <a:off x="251520" y="6362164"/>
+            <a:ext cx="8064896" cy="523220"/>
+          </a:xfrm>
+          <a:prstGeom prst="rect">
+            <a:avLst/>
+          </a:prstGeom>
+          <a:noFill/>
+          <a:ln w="9525">
+            <a:noFill/>
+            <a:miter lim="800000"/>
+            <a:headEnd/>
+            <a:tailEnd/>
+          </a:ln>
+        </p:spPr>
+        <p:txBody>
+          <a:bodyPr wrap="square">
+            <a:prstTxWarp prst="textNoShape">
+              <a:avLst/>
+            </a:prstTxWarp>
+            <a:spAutoFit/>
+          </a:bodyPr>
+          <a:lstStyle/>
+          <a:p>
+            <a:r>
+              <a:rPr lang="en-US" sz="1400" dirty="0" err="1"/>
+              <a:t>Merico</a:t>
+            </a:r>
+            <a:r>
+              <a:rPr lang="en-US" sz="1400" dirty="0"/>
+              <a:t> </a:t>
+            </a:r>
+            <a:r>
+              <a:rPr lang="en-US" sz="1400" i="1" dirty="0"/>
+              <a:t>et al</a:t>
+            </a:r>
+            <a:r>
+              <a:rPr lang="en-US" sz="1400" dirty="0"/>
+              <a:t>. 2010. Enrichment Map: A Network-Based Method for Gene-Set Enrichment Visualization and Interpretation. </a:t>
+            </a:r>
+            <a:r>
+              <a:rPr lang="en-US" sz="1400" i="1" dirty="0" err="1"/>
+              <a:t>PLoS</a:t>
+            </a:r>
+            <a:r>
+              <a:rPr lang="en-US" sz="1400" i="1" dirty="0"/>
+              <a:t> One</a:t>
+            </a:r>
+            <a:r>
+              <a:rPr lang="en-US" sz="1400" dirty="0"/>
+              <a:t> 5(11):e13984.</a:t>
+            </a:r>
+          </a:p>
+        </p:txBody>
+      </p:sp>
+      <p:sp>
+        <p:nvSpPr>
+          <p:cNvPr id="5" name="Text Box 14"/>
+          <p:cNvSpPr txBox="1">
+            <a:spLocks noChangeArrowheads="1"/>
+          </p:cNvSpPr>
+          <p:nvPr/>
+        </p:nvSpPr>
+        <p:spPr bwMode="auto">
+          <a:xfrm>
+            <a:off x="251520" y="908720"/>
+            <a:ext cx="8064896" cy="338554"/>
+          </a:xfrm>
+          <a:prstGeom prst="rect">
+            <a:avLst/>
+          </a:prstGeom>
+          <a:noFill/>
+          <a:ln w="9525">
+            <a:noFill/>
+            <a:miter lim="800000"/>
+            <a:headEnd/>
+            <a:tailEnd/>
+          </a:ln>
+        </p:spPr>
+        <p:txBody>
+          <a:bodyPr wrap="square">
+            <a:prstTxWarp prst="textNoShape">
+              <a:avLst/>
+            </a:prstTxWarp>
+            <a:spAutoFit/>
+          </a:bodyPr>
+          <a:lstStyle/>
+          <a:p>
+            <a:r>
+              <a:rPr lang="en-US" sz="1600" dirty="0"/>
+              <a:t>Enrichment map for estrogen treatment of breast cancer cells at 24 hours of culture.</a:t>
+            </a:r>
+          </a:p>
+        </p:txBody>
+      </p:sp>
+      <p:sp>
+        <p:nvSpPr>
+          <p:cNvPr id="6" name="Text Box 14"/>
+          <p:cNvSpPr txBox="1">
+            <a:spLocks noChangeArrowheads="1"/>
+          </p:cNvSpPr>
+          <p:nvPr/>
+        </p:nvSpPr>
+        <p:spPr bwMode="auto">
+          <a:xfrm>
+            <a:off x="7020272" y="1340768"/>
+            <a:ext cx="2123728" cy="2308324"/>
+          </a:xfrm>
+          <a:prstGeom prst="rect">
+            <a:avLst/>
+          </a:prstGeom>
+          <a:noFill/>
+          <a:ln w="9525">
+            <a:noFill/>
+            <a:miter lim="800000"/>
+            <a:headEnd/>
+            <a:tailEnd/>
+          </a:ln>
+        </p:spPr>
+        <p:txBody>
+          <a:bodyPr wrap="square">
+            <a:prstTxWarp prst="textNoShape">
+              <a:avLst/>
+            </a:prstTxWarp>
+            <a:spAutoFit/>
+          </a:bodyPr>
+          <a:lstStyle/>
+          <a:p>
+            <a:r>
+              <a:rPr lang="en-US" sz="1600" dirty="0"/>
+              <a:t>Gene expression with estrogen treatment examined</a:t>
+            </a:r>
+          </a:p>
+          <a:p>
+            <a:endParaRPr lang="en-US" sz="1600" dirty="0"/>
+          </a:p>
+          <a:p>
+            <a:r>
+              <a:rPr lang="en-US" sz="1600" dirty="0"/>
+              <a:t>Down- and </a:t>
+            </a:r>
+            <a:r>
+              <a:rPr lang="en-US" sz="1600" dirty="0" err="1"/>
+              <a:t>upregulated</a:t>
+            </a:r>
+            <a:r>
+              <a:rPr lang="en-US" sz="1600" dirty="0"/>
+              <a:t> genes examined in the context of known protein and other interactions</a:t>
+            </a:r>
+          </a:p>
+        </p:txBody>
+      </p:sp>
+    </p:spTree>
+    <p:extLst>
+      <p:ext uri="{BB962C8B-B14F-4D97-AF65-F5344CB8AC3E}">
+        <p14:creationId xmlns:p14="http://schemas.microsoft.com/office/powerpoint/2010/main" val="706925454"/>
+      </p:ext>
+    </p:extLst>
+  </p:cSld>
+  <p:clrMapOvr>
+    <a:masterClrMapping/>
+  </p:clrMapOvr>
+</p:sld>
+</file>
+
+<file path=ppt/slides/slide28.xml><?xml version="1.0" encoding="utf-8"?>
+<p:sld xmlns:a="http://schemas.openxmlformats.org/drawingml/2006/main" xmlns:r="http://schemas.openxmlformats.org/officeDocument/2006/relationships" xmlns:p="http://schemas.openxmlformats.org/presentationml/2006/main">
+  <p:cSld>
+    <p:spTree>
+      <p:nvGrpSpPr>
+        <p:cNvPr id="1" name=""/>
+        <p:cNvGrpSpPr/>
+        <p:nvPr/>
+      </p:nvGrpSpPr>
+      <p:grpSpPr>
+        <a:xfrm>
+          <a:off x="0" y="0"/>
+          <a:ext cx="0" cy="0"/>
+          <a:chOff x="0" y="0"/>
+          <a:chExt cx="0" cy="0"/>
+        </a:xfrm>
+      </p:grpSpPr>
+      <p:sp>
+        <p:nvSpPr>
+          <p:cNvPr id="9" name="Rectangle 2"/>
+          <p:cNvSpPr>
+            <a:spLocks noGrp="1" noChangeArrowheads="1"/>
+          </p:cNvSpPr>
+          <p:nvPr>
+            <p:ph type="ctrTitle"/>
+          </p:nvPr>
+        </p:nvSpPr>
+        <p:spPr>
+          <a:xfrm>
+            <a:off x="323528" y="-171400"/>
+            <a:ext cx="8568952" cy="1535832"/>
+          </a:xfrm>
+        </p:spPr>
+        <p:txBody>
+          <a:bodyPr/>
+          <a:lstStyle/>
+          <a:p>
+            <a:pPr algn="l" eaLnBrk="1" hangingPunct="1"/>
+            <a:r>
+              <a:rPr lang="en-US" sz="3200" b="1" dirty="0"/>
+              <a:t>Enrichment Example - </a:t>
+            </a:r>
+            <a:r>
+              <a:rPr lang="en-US" sz="3200" b="1" dirty="0" err="1"/>
+              <a:t>Interactomes</a:t>
+            </a:r>
+            <a:endParaRPr lang="en-US" sz="3200" dirty="0"/>
+          </a:p>
+        </p:txBody>
+      </p:sp>
+      <p:sp>
+        <p:nvSpPr>
+          <p:cNvPr id="4" name="Text Box 14"/>
+          <p:cNvSpPr txBox="1">
+            <a:spLocks noChangeArrowheads="1"/>
+          </p:cNvSpPr>
+          <p:nvPr/>
+        </p:nvSpPr>
+        <p:spPr bwMode="auto">
+          <a:xfrm>
+            <a:off x="251520" y="6362164"/>
+            <a:ext cx="8064896" cy="523220"/>
+          </a:xfrm>
+          <a:prstGeom prst="rect">
+            <a:avLst/>
+          </a:prstGeom>
+          <a:noFill/>
+          <a:ln w="9525">
+            <a:noFill/>
+            <a:miter lim="800000"/>
+            <a:headEnd/>
+            <a:tailEnd/>
+          </a:ln>
+        </p:spPr>
+        <p:txBody>
+          <a:bodyPr wrap="square">
+            <a:prstTxWarp prst="textNoShape">
+              <a:avLst/>
+            </a:prstTxWarp>
+            <a:spAutoFit/>
+          </a:bodyPr>
+          <a:lstStyle/>
+          <a:p>
+            <a:r>
+              <a:rPr lang="en-US" sz="1400" dirty="0" err="1"/>
+              <a:t>Merico</a:t>
+            </a:r>
+            <a:r>
+              <a:rPr lang="en-US" sz="1400" dirty="0"/>
+              <a:t> </a:t>
+            </a:r>
+            <a:r>
+              <a:rPr lang="en-US" sz="1400" i="1" dirty="0"/>
+              <a:t>et al</a:t>
+            </a:r>
+            <a:r>
+              <a:rPr lang="en-US" sz="1400" dirty="0"/>
+              <a:t>. 2010. Enrichment Map: A Network-Based Method for Gene-Set Enrichment Visualization and Interpretation. </a:t>
+            </a:r>
+            <a:r>
+              <a:rPr lang="en-US" sz="1400" i="1" dirty="0" err="1"/>
+              <a:t>PLoS</a:t>
+            </a:r>
+            <a:r>
+              <a:rPr lang="en-US" sz="1400" i="1" dirty="0"/>
+              <a:t> One</a:t>
+            </a:r>
+            <a:r>
+              <a:rPr lang="en-US" sz="1400" dirty="0"/>
+              <a:t> 5(11):e13984.</a:t>
+            </a:r>
+          </a:p>
+        </p:txBody>
+      </p:sp>
+      <p:sp>
+        <p:nvSpPr>
+          <p:cNvPr id="5" name="Text Box 14"/>
+          <p:cNvSpPr txBox="1">
+            <a:spLocks noChangeArrowheads="1"/>
+          </p:cNvSpPr>
+          <p:nvPr/>
+        </p:nvSpPr>
+        <p:spPr bwMode="auto">
+          <a:xfrm>
+            <a:off x="251520" y="908720"/>
+            <a:ext cx="8064896" cy="338554"/>
+          </a:xfrm>
+          <a:prstGeom prst="rect">
+            <a:avLst/>
+          </a:prstGeom>
+          <a:noFill/>
+          <a:ln w="9525">
+            <a:noFill/>
+            <a:miter lim="800000"/>
+            <a:headEnd/>
+            <a:tailEnd/>
+          </a:ln>
+        </p:spPr>
+        <p:txBody>
+          <a:bodyPr wrap="square">
+            <a:prstTxWarp prst="textNoShape">
+              <a:avLst/>
+            </a:prstTxWarp>
+            <a:spAutoFit/>
+          </a:bodyPr>
+          <a:lstStyle/>
+          <a:p>
+            <a:r>
+              <a:rPr lang="en-US" sz="1600" dirty="0"/>
+              <a:t>Enrichment map for estrogen treatment of breast cancer cells at 24 hours of culture.</a:t>
+            </a:r>
+          </a:p>
+        </p:txBody>
+      </p:sp>
+      <p:pic>
+        <p:nvPicPr>
+          <p:cNvPr id="3" name="Picture 2" descr="enrichmentmap3.png"/>
+          <p:cNvPicPr>
+            <a:picLocks noChangeAspect="1"/>
+          </p:cNvPicPr>
+          <p:nvPr/>
+        </p:nvPicPr>
+        <p:blipFill>
+          <a:blip r:embed="rId3">
+            <a:extLst>
+              <a:ext uri="{28A0092B-C50C-407E-A947-70E740481C1C}">
+                <a14:useLocalDpi xmlns:a14="http://schemas.microsoft.com/office/drawing/2010/main" val="0"/>
+              </a:ext>
+            </a:extLst>
+          </a:blip>
+          <a:stretch>
+            <a:fillRect/>
+          </a:stretch>
+        </p:blipFill>
+        <p:spPr>
+          <a:xfrm>
+            <a:off x="323528" y="1340768"/>
+            <a:ext cx="8543322" cy="4032448"/>
+          </a:xfrm>
+          <a:prstGeom prst="rect">
+            <a:avLst/>
+          </a:prstGeom>
+        </p:spPr>
+      </p:pic>
+      <p:sp>
+        <p:nvSpPr>
+          <p:cNvPr id="8" name="Text Box 14"/>
+          <p:cNvSpPr txBox="1">
+            <a:spLocks noChangeArrowheads="1"/>
+          </p:cNvSpPr>
+          <p:nvPr/>
+        </p:nvSpPr>
+        <p:spPr bwMode="auto">
+          <a:xfrm>
+            <a:off x="323528" y="5445224"/>
+            <a:ext cx="8064896" cy="584776"/>
+          </a:xfrm>
+          <a:prstGeom prst="rect">
+            <a:avLst/>
+          </a:prstGeom>
+          <a:noFill/>
+          <a:ln w="9525">
+            <a:noFill/>
+            <a:miter lim="800000"/>
+            <a:headEnd/>
+            <a:tailEnd/>
+          </a:ln>
+        </p:spPr>
+        <p:txBody>
+          <a:bodyPr wrap="square">
+            <a:prstTxWarp prst="textNoShape">
+              <a:avLst/>
+            </a:prstTxWarp>
+            <a:spAutoFit/>
+          </a:bodyPr>
+          <a:lstStyle/>
+          <a:p>
+            <a:r>
+              <a:rPr lang="en-US" sz="1600" dirty="0"/>
+              <a:t>Cell cycle &amp; microtubule cytoskeleton genes and processes are up-regulated at the transcript level – can this help guide drug discovery?</a:t>
+            </a:r>
+          </a:p>
+        </p:txBody>
+      </p:sp>
+    </p:spTree>
+    <p:extLst>
+      <p:ext uri="{BB962C8B-B14F-4D97-AF65-F5344CB8AC3E}">
+        <p14:creationId xmlns:p14="http://schemas.microsoft.com/office/powerpoint/2010/main" val="2159558986"/>
+      </p:ext>
+    </p:extLst>
+  </p:cSld>
+  <p:clrMapOvr>
+    <a:masterClrMapping/>
+  </p:clrMapOvr>
+</p:sld>
+</file>
+
+<file path=ppt/slides/slide29.xml><?xml version="1.0" encoding="utf-8"?>
+<p:sld xmlns:a="http://schemas.openxmlformats.org/drawingml/2006/main" xmlns:r="http://schemas.openxmlformats.org/officeDocument/2006/relationships" xmlns:p="http://schemas.openxmlformats.org/presentationml/2006/main">
+  <p:cSld>
+    <p:spTree>
+      <p:nvGrpSpPr>
+        <p:cNvPr id="1" name=""/>
+        <p:cNvGrpSpPr/>
+        <p:nvPr/>
+      </p:nvGrpSpPr>
+      <p:grpSpPr>
+        <a:xfrm>
+          <a:off x="0" y="0"/>
+          <a:ext cx="0" cy="0"/>
+          <a:chOff x="0" y="0"/>
+          <a:chExt cx="0" cy="0"/>
+        </a:xfrm>
+      </p:grpSpPr>
+      <p:pic>
+        <p:nvPicPr>
+          <p:cNvPr id="7" name="Picture 6" descr="A close up of a logo&#10;&#10;Description automatically generated">
+            <a:extLst>
+              <a:ext uri="{FF2B5EF4-FFF2-40B4-BE49-F238E27FC236}">
+                <a16:creationId xmlns:a16="http://schemas.microsoft.com/office/drawing/2014/main" id="{B96AD303-3ECC-F44E-80DD-5B92C4BEC912}"/>
+              </a:ext>
+            </a:extLst>
+          </p:cNvPr>
+          <p:cNvPicPr>
+            <a:picLocks noChangeAspect="1"/>
+          </p:cNvPicPr>
+          <p:nvPr/>
+        </p:nvPicPr>
+        <p:blipFill>
+          <a:blip r:embed="rId3"/>
+          <a:stretch>
+            <a:fillRect/>
+          </a:stretch>
+        </p:blipFill>
+        <p:spPr>
+          <a:xfrm>
+            <a:off x="3302000" y="2159000"/>
+            <a:ext cx="2540000" cy="2540000"/>
+          </a:xfrm>
+          <a:prstGeom prst="rect">
+            <a:avLst/>
+          </a:prstGeom>
+          <a:solidFill>
+            <a:schemeClr val="tx1"/>
+          </a:solidFill>
+        </p:spPr>
+      </p:pic>
+    </p:spTree>
+    <p:extLst>
+      <p:ext uri="{BB962C8B-B14F-4D97-AF65-F5344CB8AC3E}">
+        <p14:creationId xmlns:p14="http://schemas.microsoft.com/office/powerpoint/2010/main" val="1247236998"/>
+      </p:ext>
+    </p:extLst>
+  </p:cSld>
+  <p:clrMapOvr>
+    <a:masterClrMapping/>
+  </p:clrMapOvr>
+</p:sld>
+</file>
+
+<file path=ppt/slides/slide3.xml><?xml version="1.0" encoding="utf-8"?>
+<p:sld xmlns:a="http://schemas.openxmlformats.org/drawingml/2006/main" xmlns:r="http://schemas.openxmlformats.org/officeDocument/2006/relationships" xmlns:p="http://schemas.openxmlformats.org/presentationml/2006/main">
+  <p:cSld>
+    <p:spTree>
+      <p:nvGrpSpPr>
+        <p:cNvPr id="1" name=""/>
+        <p:cNvGrpSpPr/>
+        <p:nvPr/>
+      </p:nvGrpSpPr>
+      <p:grpSpPr>
+        <a:xfrm>
+          <a:off x="0" y="0"/>
+          <a:ext cx="0" cy="0"/>
+          <a:chOff x="0" y="0"/>
+          <a:chExt cx="0" cy="0"/>
+        </a:xfrm>
+      </p:grpSpPr>
+      <p:sp>
+        <p:nvSpPr>
+          <p:cNvPr id="9" name="Rectangle 2"/>
+          <p:cNvSpPr>
+            <a:spLocks noGrp="1" noChangeArrowheads="1"/>
+          </p:cNvSpPr>
+          <p:nvPr>
+            <p:ph type="ctrTitle"/>
+          </p:nvPr>
+        </p:nvSpPr>
+        <p:spPr>
+          <a:xfrm>
+            <a:off x="323528" y="-171400"/>
+            <a:ext cx="8568952" cy="1535832"/>
+          </a:xfrm>
+        </p:spPr>
+        <p:txBody>
+          <a:bodyPr/>
+          <a:lstStyle/>
+          <a:p>
+            <a:pPr algn="l" eaLnBrk="1" hangingPunct="1"/>
+            <a:r>
+              <a:rPr lang="en-US" sz="3200" b="1" dirty="0"/>
+              <a:t>Integrating Knowledge</a:t>
+            </a:r>
+            <a:endParaRPr lang="en-US" sz="3200" dirty="0"/>
+          </a:p>
+        </p:txBody>
+      </p:sp>
+      <p:sp>
+        <p:nvSpPr>
+          <p:cNvPr id="4" name="Text Box 14"/>
+          <p:cNvSpPr txBox="1">
+            <a:spLocks noChangeArrowheads="1"/>
+          </p:cNvSpPr>
+          <p:nvPr/>
+        </p:nvSpPr>
+        <p:spPr bwMode="auto">
+          <a:xfrm>
+            <a:off x="467544" y="1196752"/>
+            <a:ext cx="7704856" cy="646331"/>
+          </a:xfrm>
+          <a:prstGeom prst="rect">
+            <a:avLst/>
+          </a:prstGeom>
+          <a:noFill/>
+          <a:ln w="9525">
+            <a:noFill/>
+            <a:miter lim="800000"/>
+            <a:headEnd/>
+            <a:tailEnd/>
+          </a:ln>
+        </p:spPr>
+        <p:txBody>
+          <a:bodyPr wrap="square">
+            <a:prstTxWarp prst="textNoShape">
+              <a:avLst/>
+            </a:prstTxWarp>
+            <a:spAutoFit/>
+          </a:bodyPr>
+          <a:lstStyle/>
+          <a:p>
+            <a:r>
+              <a:rPr lang="en-US" sz="1800" dirty="0"/>
+              <a:t>“Literature is informative but is not information”</a:t>
+            </a:r>
+          </a:p>
+          <a:p>
+            <a:r>
+              <a:rPr lang="en-US" sz="1800" dirty="0"/>
+              <a:t>	 – Dr. Suzanna Lewis, Lawrence Berkeley National Laboratory</a:t>
+            </a:r>
+          </a:p>
+        </p:txBody>
+      </p:sp>
+      <p:sp>
+        <p:nvSpPr>
+          <p:cNvPr id="6" name="Text Box 14"/>
+          <p:cNvSpPr txBox="1">
+            <a:spLocks noChangeArrowheads="1"/>
+          </p:cNvSpPr>
+          <p:nvPr/>
+        </p:nvSpPr>
+        <p:spPr bwMode="auto">
+          <a:xfrm>
+            <a:off x="467544" y="2348880"/>
+            <a:ext cx="8064896" cy="3785652"/>
+          </a:xfrm>
+          <a:prstGeom prst="rect">
+            <a:avLst/>
+          </a:prstGeom>
+          <a:noFill/>
+          <a:ln w="9525">
+            <a:noFill/>
+            <a:miter lim="800000"/>
+            <a:headEnd/>
+            <a:tailEnd/>
+          </a:ln>
+        </p:spPr>
+        <p:txBody>
+          <a:bodyPr wrap="square">
+            <a:prstTxWarp prst="textNoShape">
+              <a:avLst/>
+            </a:prstTxWarp>
+            <a:spAutoFit/>
+          </a:bodyPr>
+          <a:lstStyle/>
+          <a:p>
+            <a:pPr marL="285750" indent="-285750">
+              <a:buFont typeface="Arial"/>
+              <a:buChar char="•"/>
+            </a:pPr>
+            <a:r>
+              <a:rPr lang="en-US" sz="2000" dirty="0"/>
+              <a:t>The scientific literature and the peer-reviewed publication system that drives it is at the heart of scientific advancement</a:t>
+            </a:r>
+          </a:p>
+          <a:p>
+            <a:pPr marL="285750" indent="-285750">
+              <a:buFont typeface="Arial"/>
+              <a:buChar char="•"/>
+            </a:pPr>
+            <a:endParaRPr lang="en-US" sz="2000" dirty="0"/>
+          </a:p>
+          <a:p>
+            <a:pPr marL="285750" indent="-285750">
+              <a:buFont typeface="Arial"/>
+              <a:buChar char="•"/>
+            </a:pPr>
+            <a:r>
+              <a:rPr lang="en-US" sz="2000" dirty="0"/>
+              <a:t>Transparency, repeatability, and readability are important aspects of scientific publishing</a:t>
+            </a:r>
+          </a:p>
+          <a:p>
+            <a:pPr marL="285750" indent="-285750">
+              <a:buFont typeface="Arial"/>
+              <a:buChar char="•"/>
+            </a:pPr>
+            <a:endParaRPr lang="en-US" sz="2000" dirty="0"/>
+          </a:p>
+          <a:p>
+            <a:pPr marL="285750" indent="-285750">
+              <a:buFont typeface="Arial"/>
+              <a:buChar char="•"/>
+            </a:pPr>
+            <a:r>
+              <a:rPr lang="en-US" sz="2000" dirty="0"/>
+              <a:t>A good scientific publication is highly informative – to a human reader – but very hard for a computer to work with</a:t>
+            </a:r>
+          </a:p>
+          <a:p>
+            <a:pPr marL="285750" indent="-285750">
+              <a:buFont typeface="Arial"/>
+              <a:buChar char="•"/>
+            </a:pPr>
+            <a:endParaRPr lang="en-US" sz="2000" dirty="0"/>
+          </a:p>
+          <a:p>
+            <a:pPr marL="285750" indent="-285750">
+              <a:buFont typeface="Arial"/>
+              <a:buChar char="•"/>
+            </a:pPr>
+            <a:r>
+              <a:rPr lang="en-US" sz="2000" dirty="0"/>
+              <a:t>To a computer scientist, information is “bits” organized via strict rules –good digital representations of knowledge </a:t>
+            </a:r>
+          </a:p>
+          <a:p>
+            <a:pPr marL="285750" indent="-285750">
+              <a:buFont typeface="Arial"/>
+              <a:buChar char="•"/>
+            </a:pPr>
+            <a:endParaRPr lang="en-US" sz="2000" dirty="0"/>
+          </a:p>
+        </p:txBody>
+      </p:sp>
+    </p:spTree>
+    <p:extLst>
+      <p:ext uri="{BB962C8B-B14F-4D97-AF65-F5344CB8AC3E}">
+        <p14:creationId xmlns:p14="http://schemas.microsoft.com/office/powerpoint/2010/main" val="1976379784"/>
+      </p:ext>
+    </p:extLst>
+  </p:cSld>
+  <p:clrMapOvr>
+    <a:masterClrMapping/>
+  </p:clrMapOvr>
+</p:sld>
+</file>
+
+<file path=ppt/slides/slide30.xml><?xml version="1.0" encoding="utf-8"?>
+<p:sld xmlns:a="http://schemas.openxmlformats.org/drawingml/2006/main" xmlns:r="http://schemas.openxmlformats.org/officeDocument/2006/relationships" xmlns:p="http://schemas.openxmlformats.org/presentationml/2006/main">
+  <p:cSld>
+    <p:spTree>
+      <p:nvGrpSpPr>
+        <p:cNvPr id="1" name=""/>
+        <p:cNvGrpSpPr/>
+        <p:nvPr/>
+      </p:nvGrpSpPr>
+      <p:grpSpPr>
+        <a:xfrm>
+          <a:off x="0" y="0"/>
+          <a:ext cx="0" cy="0"/>
+          <a:chOff x="0" y="0"/>
+          <a:chExt cx="0" cy="0"/>
+        </a:xfrm>
+      </p:grpSpPr>
+      <p:sp>
+        <p:nvSpPr>
+          <p:cNvPr id="9" name="Rectangle 2"/>
+          <p:cNvSpPr>
+            <a:spLocks noGrp="1" noChangeArrowheads="1"/>
+          </p:cNvSpPr>
+          <p:nvPr>
+            <p:ph type="ctrTitle"/>
+          </p:nvPr>
+        </p:nvSpPr>
+        <p:spPr>
+          <a:xfrm>
+            <a:off x="323528" y="-171400"/>
+            <a:ext cx="8568952" cy="1535832"/>
+          </a:xfrm>
+        </p:spPr>
+        <p:txBody>
+          <a:bodyPr/>
+          <a:lstStyle/>
+          <a:p>
+            <a:pPr algn="l" eaLnBrk="1" hangingPunct="1"/>
+            <a:r>
+              <a:rPr lang="en-US" sz="3200" b="1" dirty="0"/>
               <a:t>Enrichment </a:t>
             </a:r>
             <a:r>
@@ -11381,13 +12168,7 @@
           <p:cNvGraphicFramePr>
             <a:graphicFrameLocks noGrp="1"/>
           </p:cNvGraphicFramePr>
-          <p:nvPr>
-            <p:extLst>
-              <p:ext uri="{D42A27DB-BD31-4B8C-83A1-F6EECF244321}">
-                <p14:modId xmlns:p14="http://schemas.microsoft.com/office/powerpoint/2010/main" val="1204354466"/>
-              </p:ext>
-            </p:extLst>
-          </p:nvPr>
+          <p:nvPr/>
         </p:nvGraphicFramePr>
         <p:xfrm>
           <a:off x="1475656" y="3789040"/>
@@ -11583,7 +12364,7 @@
     </p:spTree>
     <p:extLst>
       <p:ext uri="{BB962C8B-B14F-4D97-AF65-F5344CB8AC3E}">
-        <p14:creationId xmlns:p14="http://schemas.microsoft.com/office/powerpoint/2010/main" val="1247236998"/>
+        <p14:creationId xmlns:p14="http://schemas.microsoft.com/office/powerpoint/2010/main" val="816785478"/>
       </p:ext>
     </p:extLst>
   </p:cSld>
@@ -11593,7 +12374,7 @@
 </p:sld>
 </file>
 
-<file path=ppt/slides/slide28.xml><?xml version="1.0" encoding="utf-8"?>
+<file path=ppt/slides/slide31.xml><?xml version="1.0" encoding="utf-8"?>
 <p:sld xmlns:a="http://schemas.openxmlformats.org/drawingml/2006/main" xmlns:r="http://schemas.openxmlformats.org/officeDocument/2006/relationships" xmlns:p="http://schemas.openxmlformats.org/presentationml/2006/main">
   <p:cSld>
     <p:spTree>
@@ -12005,7 +12786,7 @@
 </p:sld>
 </file>
 
-<file path=ppt/slides/slide29.xml><?xml version="1.0" encoding="utf-8"?>
+<file path=ppt/slides/slide32.xml><?xml version="1.0" encoding="utf-8"?>
 <p:sld xmlns:a="http://schemas.openxmlformats.org/drawingml/2006/main" xmlns:r="http://schemas.openxmlformats.org/officeDocument/2006/relationships" xmlns:p="http://schemas.openxmlformats.org/presentationml/2006/main">
   <p:cSld>
     <p:spTree>
@@ -12206,7 +12987,7 @@
 </p:sld>
 </file>
 
-<file path=ppt/slides/slide3.xml><?xml version="1.0" encoding="utf-8"?>
+<file path=ppt/slides/slide33.xml><?xml version="1.0" encoding="utf-8"?>
 <p:sld xmlns:a="http://schemas.openxmlformats.org/drawingml/2006/main" xmlns:r="http://schemas.openxmlformats.org/officeDocument/2006/relationships" xmlns:p="http://schemas.openxmlformats.org/presentationml/2006/main">
   <p:cSld>
     <p:spTree>
@@ -12225,7 +13006,7 @@
       </p:grpSpPr>
       <p:sp>
         <p:nvSpPr>
-          <p:cNvPr id="9" name="Rectangle 2"/>
+          <p:cNvPr id="8" name="Rectangle 2"/>
           <p:cNvSpPr>
             <a:spLocks noGrp="1" noChangeArrowheads="1"/>
           </p:cNvSpPr>
@@ -12246,164 +13027,46 @@
             <a:pPr algn="l" eaLnBrk="1" hangingPunct="1"/>
             <a:r>
               <a:rPr lang="en-US" sz="3200" b="1" dirty="0"/>
-              <a:t>Integrating Knowledge</a:t>
+              <a:t>This week...</a:t>
             </a:r>
             <a:endParaRPr lang="en-US" sz="3200" dirty="0"/>
           </a:p>
         </p:txBody>
       </p:sp>
-      <p:sp>
-        <p:nvSpPr>
-          <p:cNvPr id="4" name="Text Box 14"/>
-          <p:cNvSpPr txBox="1">
-            <a:spLocks noChangeArrowheads="1"/>
-          </p:cNvSpPr>
+      <p:pic>
+        <p:nvPicPr>
+          <p:cNvPr id="4" name="Picture 3" descr="A screenshot of a cell phone&#10;&#10;Description automatically generated">
+            <a:extLst>
+              <a:ext uri="{FF2B5EF4-FFF2-40B4-BE49-F238E27FC236}">
+                <a16:creationId xmlns:a16="http://schemas.microsoft.com/office/drawing/2014/main" id="{87E49246-DA00-8541-9FEB-B17EAA41596B}"/>
+              </a:ext>
+            </a:extLst>
+          </p:cNvPr>
+          <p:cNvPicPr>
+            <a:picLocks noChangeAspect="1"/>
+          </p:cNvPicPr>
           <p:nvPr/>
-        </p:nvSpPr>
-        <p:spPr bwMode="auto">
+        </p:nvPicPr>
+        <p:blipFill>
+          <a:blip r:embed="rId3"/>
+          <a:stretch>
+            <a:fillRect/>
+          </a:stretch>
+        </p:blipFill>
+        <p:spPr>
           <a:xfrm>
-            <a:off x="467544" y="1196752"/>
-            <a:ext cx="7704856" cy="646331"/>
+            <a:off x="721006" y="1277682"/>
+            <a:ext cx="8063880" cy="4302636"/>
           </a:xfrm>
           <a:prstGeom prst="rect">
             <a:avLst/>
           </a:prstGeom>
-          <a:noFill/>
-          <a:ln w="9525">
-            <a:noFill/>
-            <a:miter lim="800000"/>
-            <a:headEnd/>
-            <a:tailEnd/>
-          </a:ln>
-        </p:spPr>
-        <p:txBody>
-          <a:bodyPr wrap="square">
-            <a:prstTxWarp prst="textNoShape">
-              <a:avLst/>
-            </a:prstTxWarp>
-            <a:spAutoFit/>
-          </a:bodyPr>
-          <a:lstStyle/>
-          <a:p>
-            <a:r>
-              <a:rPr lang="en-US" sz="1800" dirty="0"/>
-              <a:t>“Literature is informative but is not information”</a:t>
-            </a:r>
-          </a:p>
-          <a:p>
-            <a:r>
-              <a:rPr lang="en-US" sz="1800" dirty="0"/>
-              <a:t>	 – Dr. Suzanna Lewis, Lawrence Berkeley National Laboratory</a:t>
-            </a:r>
-          </a:p>
-        </p:txBody>
-      </p:sp>
-      <p:sp>
-        <p:nvSpPr>
-          <p:cNvPr id="6" name="Text Box 14"/>
-          <p:cNvSpPr txBox="1">
-            <a:spLocks noChangeArrowheads="1"/>
-          </p:cNvSpPr>
-          <p:nvPr/>
-        </p:nvSpPr>
-        <p:spPr bwMode="auto">
-          <a:xfrm>
-            <a:off x="467544" y="2348880"/>
-            <a:ext cx="8064896" cy="3785652"/>
-          </a:xfrm>
-          <a:prstGeom prst="rect">
-            <a:avLst/>
-          </a:prstGeom>
-          <a:noFill/>
-          <a:ln w="9525">
-            <a:noFill/>
-            <a:miter lim="800000"/>
-            <a:headEnd/>
-            <a:tailEnd/>
-          </a:ln>
-        </p:spPr>
-        <p:txBody>
-          <a:bodyPr wrap="square">
-            <a:prstTxWarp prst="textNoShape">
-              <a:avLst/>
-            </a:prstTxWarp>
-            <a:spAutoFit/>
-          </a:bodyPr>
-          <a:lstStyle/>
-          <a:p>
-            <a:pPr marL="285750" indent="-285750">
-              <a:buFont typeface="Arial"/>
-              <a:buChar char="•"/>
-            </a:pPr>
-            <a:r>
-              <a:rPr lang="en-US" sz="2000" dirty="0"/>
-              <a:t>The scientific literature and the peer-reviewed publication system that drives it is at the heart of scientific advancement</a:t>
-            </a:r>
-          </a:p>
-          <a:p>
-            <a:pPr marL="285750" indent="-285750">
-              <a:buFont typeface="Arial"/>
-              <a:buChar char="•"/>
-            </a:pPr>
-            <a:endParaRPr lang="en-US" sz="2000" dirty="0"/>
-          </a:p>
-          <a:p>
-            <a:pPr marL="285750" indent="-285750">
-              <a:buFont typeface="Arial"/>
-              <a:buChar char="•"/>
-            </a:pPr>
-            <a:r>
-              <a:rPr lang="en-US" sz="2000" dirty="0"/>
-              <a:t>Transparency, repeatability, and readability are important aspects of scientific publishing</a:t>
-            </a:r>
-          </a:p>
-          <a:p>
-            <a:pPr marL="285750" indent="-285750">
-              <a:buFont typeface="Arial"/>
-              <a:buChar char="•"/>
-            </a:pPr>
-            <a:endParaRPr lang="en-US" sz="2000" dirty="0"/>
-          </a:p>
-          <a:p>
-            <a:pPr marL="285750" indent="-285750">
-              <a:buFont typeface="Arial"/>
-              <a:buChar char="•"/>
-            </a:pPr>
-            <a:r>
-              <a:rPr lang="en-US" sz="2000" dirty="0"/>
-              <a:t>A good scientific publication is highly informative – to a human reader – but very hard for a computer to work with</a:t>
-            </a:r>
-          </a:p>
-          <a:p>
-            <a:pPr marL="285750" indent="-285750">
-              <a:buFont typeface="Arial"/>
-              <a:buChar char="•"/>
-            </a:pPr>
-            <a:endParaRPr lang="en-US" sz="2000" dirty="0"/>
-          </a:p>
-          <a:p>
-            <a:pPr marL="285750" indent="-285750">
-              <a:buFont typeface="Arial"/>
-              <a:buChar char="•"/>
-            </a:pPr>
-            <a:r>
-              <a:rPr lang="en-US" sz="2000" dirty="0"/>
-              <a:t>To a computer scientist, information is “bits” organized via strict rules –good digital representations of knowledge </a:t>
-            </a:r>
-          </a:p>
-          <a:p>
-            <a:pPr marL="285750" indent="-285750">
-              <a:buFont typeface="Arial"/>
-              <a:buChar char="•"/>
-            </a:pPr>
-            <a:endParaRPr lang="en-US" sz="2000" dirty="0"/>
-          </a:p>
-        </p:txBody>
-      </p:sp>
+        </p:spPr>
+      </p:pic>
     </p:spTree>
     <p:extLst>
       <p:ext uri="{BB962C8B-B14F-4D97-AF65-F5344CB8AC3E}">
-        <p14:creationId xmlns:p14="http://schemas.microsoft.com/office/powerpoint/2010/main" val="1976379784"/>
+        <p14:creationId xmlns:p14="http://schemas.microsoft.com/office/powerpoint/2010/main" val="904162487"/>
       </p:ext>
     </p:extLst>
   </p:cSld>
@@ -12413,7 +13076,7 @@
 </p:sld>
 </file>
 
-<file path=ppt/slides/slide30.xml><?xml version="1.0" encoding="utf-8"?>
+<file path=ppt/slides/slide34.xml><?xml version="1.0" encoding="utf-8"?>
 <p:sld xmlns:a="http://schemas.openxmlformats.org/drawingml/2006/main" xmlns:r="http://schemas.openxmlformats.org/officeDocument/2006/relationships" xmlns:p="http://schemas.openxmlformats.org/presentationml/2006/main">
   <p:cSld>
     <p:spTree>
@@ -12432,67 +13095,200 @@
       </p:grpSpPr>
       <p:sp>
         <p:nvSpPr>
-          <p:cNvPr id="8" name="Rectangle 2"/>
-          <p:cNvSpPr>
-            <a:spLocks noGrp="1" noChangeArrowheads="1"/>
-          </p:cNvSpPr>
-          <p:nvPr>
-            <p:ph type="ctrTitle"/>
-          </p:nvPr>
-        </p:nvSpPr>
-        <p:spPr>
-          <a:xfrm>
-            <a:off x="323528" y="-171400"/>
-            <a:ext cx="8568952" cy="1535832"/>
-          </a:xfrm>
-        </p:spPr>
-        <p:txBody>
-          <a:bodyPr/>
-          <a:lstStyle/>
-          <a:p>
-            <a:pPr algn="l" eaLnBrk="1" hangingPunct="1"/>
-            <a:r>
-              <a:rPr lang="en-US" sz="3200" b="1" dirty="0"/>
-              <a:t>This week...</a:t>
-            </a:r>
-            <a:endParaRPr lang="en-US" sz="3200" dirty="0"/>
-          </a:p>
-        </p:txBody>
-      </p:sp>
-      <p:pic>
-        <p:nvPicPr>
-          <p:cNvPr id="3" name="Picture 2">
+          <p:cNvPr id="6" name="Rectangle 2">
             <a:extLst>
               <a:ext uri="{FF2B5EF4-FFF2-40B4-BE49-F238E27FC236}">
-                <a16:creationId xmlns:a16="http://schemas.microsoft.com/office/drawing/2014/main" id="{2DC6F8C1-044A-134F-B6FC-2B9D85E477F8}"/>
+                <a16:creationId xmlns:a16="http://schemas.microsoft.com/office/drawing/2014/main" id="{9ABB6552-A457-9C4B-977D-9E153FE26BE7}"/>
               </a:ext>
             </a:extLst>
           </p:cNvPr>
-          <p:cNvPicPr>
-            <a:picLocks noChangeAspect="1"/>
-          </p:cNvPicPr>
+          <p:cNvSpPr txBox="1">
+            <a:spLocks noChangeArrowheads="1"/>
+          </p:cNvSpPr>
           <p:nvPr/>
-        </p:nvPicPr>
-        <p:blipFill>
-          <a:blip r:embed="rId3"/>
-          <a:stretch>
-            <a:fillRect/>
-          </a:stretch>
-        </p:blipFill>
-        <p:spPr>
+        </p:nvSpPr>
+        <p:spPr bwMode="auto">
           <a:xfrm>
-            <a:off x="323528" y="1700808"/>
-            <a:ext cx="8618886" cy="2592288"/>
+            <a:off x="220988" y="2256656"/>
+            <a:ext cx="8686800" cy="1676400"/>
           </a:xfrm>
           <a:prstGeom prst="rect">
             <a:avLst/>
           </a:prstGeom>
-        </p:spPr>
-      </p:pic>
+          <a:noFill/>
+          <a:ln w="9525">
+            <a:noFill/>
+            <a:miter lim="800000"/>
+            <a:headEnd/>
+            <a:tailEnd/>
+          </a:ln>
+        </p:spPr>
+        <p:txBody>
+          <a:bodyPr vert="horz" wrap="square" lIns="91440" tIns="45720" rIns="91440" bIns="45720" numCol="1" anchor="ctr" anchorCtr="0" compatLnSpc="1">
+            <a:prstTxWarp prst="textNoShape">
+              <a:avLst/>
+            </a:prstTxWarp>
+          </a:bodyPr>
+          <a:lstStyle>
+            <a:lvl1pPr algn="ctr" rtl="0" eaLnBrk="0" fontAlgn="base" hangingPunct="0">
+              <a:spcBef>
+                <a:spcPct val="0"/>
+              </a:spcBef>
+              <a:spcAft>
+                <a:spcPct val="0"/>
+              </a:spcAft>
+              <a:defRPr sz="4400">
+                <a:solidFill>
+                  <a:schemeClr val="tx2"/>
+                </a:solidFill>
+                <a:latin typeface="+mj-lt"/>
+                <a:ea typeface="ＭＳ Ｐゴシック" charset="-128"/>
+                <a:cs typeface="ＭＳ Ｐゴシック" charset="-128"/>
+              </a:defRPr>
+            </a:lvl1pPr>
+            <a:lvl2pPr algn="ctr" rtl="0" eaLnBrk="0" fontAlgn="base" hangingPunct="0">
+              <a:spcBef>
+                <a:spcPct val="0"/>
+              </a:spcBef>
+              <a:spcAft>
+                <a:spcPct val="0"/>
+              </a:spcAft>
+              <a:defRPr sz="4400">
+                <a:solidFill>
+                  <a:schemeClr val="tx2"/>
+                </a:solidFill>
+                <a:latin typeface="Times New Roman" charset="0"/>
+                <a:ea typeface="ＭＳ Ｐゴシック" charset="-128"/>
+                <a:cs typeface="ＭＳ Ｐゴシック" charset="-128"/>
+              </a:defRPr>
+            </a:lvl2pPr>
+            <a:lvl3pPr algn="ctr" rtl="0" eaLnBrk="0" fontAlgn="base" hangingPunct="0">
+              <a:spcBef>
+                <a:spcPct val="0"/>
+              </a:spcBef>
+              <a:spcAft>
+                <a:spcPct val="0"/>
+              </a:spcAft>
+              <a:defRPr sz="4400">
+                <a:solidFill>
+                  <a:schemeClr val="tx2"/>
+                </a:solidFill>
+                <a:latin typeface="Times New Roman" charset="0"/>
+                <a:ea typeface="ＭＳ Ｐゴシック" charset="-128"/>
+                <a:cs typeface="ＭＳ Ｐゴシック" charset="-128"/>
+              </a:defRPr>
+            </a:lvl3pPr>
+            <a:lvl4pPr algn="ctr" rtl="0" eaLnBrk="0" fontAlgn="base" hangingPunct="0">
+              <a:spcBef>
+                <a:spcPct val="0"/>
+              </a:spcBef>
+              <a:spcAft>
+                <a:spcPct val="0"/>
+              </a:spcAft>
+              <a:defRPr sz="4400">
+                <a:solidFill>
+                  <a:schemeClr val="tx2"/>
+                </a:solidFill>
+                <a:latin typeface="Times New Roman" charset="0"/>
+                <a:ea typeface="ＭＳ Ｐゴシック" charset="-128"/>
+                <a:cs typeface="ＭＳ Ｐゴシック" charset="-128"/>
+              </a:defRPr>
+            </a:lvl4pPr>
+            <a:lvl5pPr algn="ctr" rtl="0" eaLnBrk="0" fontAlgn="base" hangingPunct="0">
+              <a:spcBef>
+                <a:spcPct val="0"/>
+              </a:spcBef>
+              <a:spcAft>
+                <a:spcPct val="0"/>
+              </a:spcAft>
+              <a:defRPr sz="4400">
+                <a:solidFill>
+                  <a:schemeClr val="tx2"/>
+                </a:solidFill>
+                <a:latin typeface="Times New Roman" charset="0"/>
+                <a:ea typeface="ＭＳ Ｐゴシック" charset="-128"/>
+                <a:cs typeface="ＭＳ Ｐゴシック" charset="-128"/>
+              </a:defRPr>
+            </a:lvl5pPr>
+            <a:lvl6pPr marL="457200" algn="ctr" rtl="0" fontAlgn="base">
+              <a:spcBef>
+                <a:spcPct val="0"/>
+              </a:spcBef>
+              <a:spcAft>
+                <a:spcPct val="0"/>
+              </a:spcAft>
+              <a:defRPr sz="4400">
+                <a:solidFill>
+                  <a:schemeClr val="tx2"/>
+                </a:solidFill>
+                <a:latin typeface="Times New Roman" charset="0"/>
+              </a:defRPr>
+            </a:lvl6pPr>
+            <a:lvl7pPr marL="914400" algn="ctr" rtl="0" fontAlgn="base">
+              <a:spcBef>
+                <a:spcPct val="0"/>
+              </a:spcBef>
+              <a:spcAft>
+                <a:spcPct val="0"/>
+              </a:spcAft>
+              <a:defRPr sz="4400">
+                <a:solidFill>
+                  <a:schemeClr val="tx2"/>
+                </a:solidFill>
+                <a:latin typeface="Times New Roman" charset="0"/>
+              </a:defRPr>
+            </a:lvl7pPr>
+            <a:lvl8pPr marL="1371600" algn="ctr" rtl="0" fontAlgn="base">
+              <a:spcBef>
+                <a:spcPct val="0"/>
+              </a:spcBef>
+              <a:spcAft>
+                <a:spcPct val="0"/>
+              </a:spcAft>
+              <a:defRPr sz="4400">
+                <a:solidFill>
+                  <a:schemeClr val="tx2"/>
+                </a:solidFill>
+                <a:latin typeface="Times New Roman" charset="0"/>
+              </a:defRPr>
+            </a:lvl8pPr>
+            <a:lvl9pPr marL="1828800" algn="ctr" rtl="0" fontAlgn="base">
+              <a:spcBef>
+                <a:spcPct val="0"/>
+              </a:spcBef>
+              <a:spcAft>
+                <a:spcPct val="0"/>
+              </a:spcAft>
+              <a:defRPr sz="4400">
+                <a:solidFill>
+                  <a:schemeClr val="tx2"/>
+                </a:solidFill>
+                <a:latin typeface="Times New Roman" charset="0"/>
+              </a:defRPr>
+            </a:lvl9pPr>
+          </a:lstStyle>
+          <a:p>
+            <a:pPr eaLnBrk="1" hangingPunct="1"/>
+            <a:r>
+              <a:rPr lang="en-US" sz="1800" b="1" dirty="0">
+                <a:solidFill>
+                  <a:schemeClr val="tx1"/>
+                </a:solidFill>
+              </a:rPr>
+              <a:t>End</a:t>
+            </a:r>
+            <a:endParaRPr lang="en-US" sz="1800" dirty="0">
+              <a:solidFill>
+                <a:schemeClr val="tx1"/>
+              </a:solidFill>
+            </a:endParaRPr>
+          </a:p>
+        </p:txBody>
+      </p:sp>
     </p:spTree>
     <p:extLst>
       <p:ext uri="{BB962C8B-B14F-4D97-AF65-F5344CB8AC3E}">
-        <p14:creationId xmlns:p14="http://schemas.microsoft.com/office/powerpoint/2010/main" val="904162487"/>
+        <p14:creationId xmlns:p14="http://schemas.microsoft.com/office/powerpoint/2010/main" val="2461884596"/>
       </p:ext>
     </p:extLst>
   </p:cSld>

--- a/Lectures/Lecture 4 - Beyond the Gene.pptx
+++ b/Lectures/Lecture 4 - Beyond the Gene.pptx
@@ -7289,7 +7289,7 @@
             </a:pPr>
             <a:r>
               <a:rPr lang="en-US" sz="2000" dirty="0"/>
-              <a:t>Kara &amp; Andrew are ‘domain experts’ in Antibiotic Resistance and have developed the Antibiotic Resistance Ontology</a:t>
+              <a:t>Andrew’s lab are ‘domain experts’ in Antibiotic Resistance and have developed the Antibiotic Resistance Ontology</a:t>
             </a:r>
           </a:p>
         </p:txBody>

--- a/Lectures/Lecture 4 - Beyond the Gene.pptx
+++ b/Lectures/Lecture 4 - Beyond the Gene.pptx
@@ -5,7 +5,7 @@
     <p:sldMasterId id="2147483649" r:id="rId1"/>
   </p:sldMasterIdLst>
   <p:notesMasterIdLst>
-    <p:notesMasterId r:id="rId36"/>
+    <p:notesMasterId r:id="rId35"/>
   </p:notesMasterIdLst>
   <p:sldIdLst>
     <p:sldId id="662" r:id="rId2"/>
@@ -41,7 +41,6 @@
     <p:sldId id="693" r:id="rId32"/>
     <p:sldId id="679" r:id="rId33"/>
     <p:sldId id="564" r:id="rId34"/>
-    <p:sldId id="697" r:id="rId35"/>
   </p:sldIdLst>
   <p:sldSz cx="9144000" cy="6858000" type="screen4x3"/>
   <p:notesSz cx="6858000" cy="9144000"/>
@@ -3022,99 +3021,6 @@
         </p:txBody>
       </p:sp>
     </p:spTree>
-  </p:cSld>
-  <p:clrMapOvr>
-    <a:masterClrMapping/>
-  </p:clrMapOvr>
-</p:notes>
-</file>
-
-<file path=ppt/notesSlides/notesSlide34.xml><?xml version="1.0" encoding="utf-8"?>
-<p:notes xmlns:a="http://schemas.openxmlformats.org/drawingml/2006/main" xmlns:r="http://schemas.openxmlformats.org/officeDocument/2006/relationships" xmlns:p="http://schemas.openxmlformats.org/presentationml/2006/main">
-  <p:cSld>
-    <p:spTree>
-      <p:nvGrpSpPr>
-        <p:cNvPr id="1" name=""/>
-        <p:cNvGrpSpPr/>
-        <p:nvPr/>
-      </p:nvGrpSpPr>
-      <p:grpSpPr>
-        <a:xfrm>
-          <a:off x="0" y="0"/>
-          <a:ext cx="0" cy="0"/>
-          <a:chOff x="0" y="0"/>
-          <a:chExt cx="0" cy="0"/>
-        </a:xfrm>
-      </p:grpSpPr>
-      <p:sp>
-        <p:nvSpPr>
-          <p:cNvPr id="15362" name="Rectangle 7"/>
-          <p:cNvSpPr>
-            <a:spLocks noGrp="1" noChangeArrowheads="1"/>
-          </p:cNvSpPr>
-          <p:nvPr>
-            <p:ph type="sldNum" sz="quarter" idx="5"/>
-          </p:nvPr>
-        </p:nvSpPr>
-        <p:spPr>
-          <a:noFill/>
-        </p:spPr>
-        <p:txBody>
-          <a:bodyPr/>
-          <a:lstStyle/>
-          <a:p>
-            <a:fld id="{C3095A83-93CF-9340-9B73-54644CC0C2D9}" type="slidenum">
-              <a:rPr lang="en-US"/>
-              <a:pPr/>
-              <a:t>34</a:t>
-            </a:fld>
-            <a:endParaRPr lang="en-US"/>
-          </a:p>
-        </p:txBody>
-      </p:sp>
-      <p:sp>
-        <p:nvSpPr>
-          <p:cNvPr id="15363" name="Rectangle 2"/>
-          <p:cNvSpPr>
-            <a:spLocks noGrp="1" noRot="1" noChangeAspect="1" noChangeArrowheads="1" noTextEdit="1"/>
-          </p:cNvSpPr>
-          <p:nvPr>
-            <p:ph type="sldImg"/>
-          </p:nvPr>
-        </p:nvSpPr>
-        <p:spPr>
-          <a:ln/>
-        </p:spPr>
-      </p:sp>
-      <p:sp>
-        <p:nvSpPr>
-          <p:cNvPr id="15364" name="Rectangle 3"/>
-          <p:cNvSpPr>
-            <a:spLocks noGrp="1" noChangeArrowheads="1"/>
-          </p:cNvSpPr>
-          <p:nvPr>
-            <p:ph type="body" idx="1"/>
-          </p:nvPr>
-        </p:nvSpPr>
-        <p:spPr>
-          <a:noFill/>
-          <a:ln/>
-        </p:spPr>
-        <p:txBody>
-          <a:bodyPr/>
-          <a:lstStyle/>
-          <a:p>
-            <a:pPr eaLnBrk="1" hangingPunct="1"/>
-            <a:endParaRPr lang="en-US"/>
-          </a:p>
-        </p:txBody>
-      </p:sp>
-    </p:spTree>
-    <p:extLst>
-      <p:ext uri="{BB962C8B-B14F-4D97-AF65-F5344CB8AC3E}">
-        <p14:creationId xmlns:p14="http://schemas.microsoft.com/office/powerpoint/2010/main" val="1042685492"/>
-      </p:ext>
-    </p:extLst>
   </p:cSld>
   <p:clrMapOvr>
     <a:masterClrMapping/>
@@ -13016,7 +12922,7 @@
         </p:nvSpPr>
         <p:spPr>
           <a:xfrm>
-            <a:off x="323528" y="-171400"/>
+            <a:off x="287524" y="-243408"/>
             <a:ext cx="8568952" cy="1535832"/>
           </a:xfrm>
         </p:spPr>
@@ -13027,7 +12933,7 @@
             <a:pPr algn="l" eaLnBrk="1" hangingPunct="1"/>
             <a:r>
               <a:rPr lang="en-US" sz="3200" b="1" dirty="0"/>
-              <a:t>This week...</a:t>
+              <a:t>Next 3 weeks...</a:t>
             </a:r>
             <a:endParaRPr lang="en-US" sz="3200" dirty="0"/>
           </a:p>
@@ -13035,10 +12941,10 @@
       </p:sp>
       <p:pic>
         <p:nvPicPr>
-          <p:cNvPr id="4" name="Picture 3" descr="A screenshot of a cell phone&#10;&#10;Description automatically generated">
+          <p:cNvPr id="9" name="Picture 8" descr="A screenshot of a cell phone&#10;&#10;Description automatically generated">
             <a:extLst>
               <a:ext uri="{FF2B5EF4-FFF2-40B4-BE49-F238E27FC236}">
-                <a16:creationId xmlns:a16="http://schemas.microsoft.com/office/drawing/2014/main" id="{87E49246-DA00-8541-9FEB-B17EAA41596B}"/>
+                <a16:creationId xmlns:a16="http://schemas.microsoft.com/office/drawing/2014/main" id="{6F9DD9A3-2C63-7A7A-AA57-6557A2E321E7}"/>
               </a:ext>
             </a:extLst>
           </p:cNvPr>
@@ -13055,8 +12961,38 @@
         </p:blipFill>
         <p:spPr>
           <a:xfrm>
-            <a:off x="721006" y="1277682"/>
-            <a:ext cx="8063880" cy="4302636"/>
+            <a:off x="395536" y="1052736"/>
+            <a:ext cx="5205074" cy="1800200"/>
+          </a:xfrm>
+          <a:prstGeom prst="rect">
+            <a:avLst/>
+          </a:prstGeom>
+        </p:spPr>
+      </p:pic>
+      <p:pic>
+        <p:nvPicPr>
+          <p:cNvPr id="11" name="Picture 10" descr="A screenshot of a computer&#10;&#10;Description automatically generated">
+            <a:extLst>
+              <a:ext uri="{FF2B5EF4-FFF2-40B4-BE49-F238E27FC236}">
+                <a16:creationId xmlns:a16="http://schemas.microsoft.com/office/drawing/2014/main" id="{AB5A8241-F578-2965-65C6-159520EB9028}"/>
+              </a:ext>
+            </a:extLst>
+          </p:cNvPr>
+          <p:cNvPicPr>
+            <a:picLocks noChangeAspect="1"/>
+          </p:cNvPicPr>
+          <p:nvPr/>
+        </p:nvPicPr>
+        <p:blipFill>
+          <a:blip r:embed="rId4"/>
+          <a:stretch>
+            <a:fillRect/>
+          </a:stretch>
+        </p:blipFill>
+        <p:spPr>
+          <a:xfrm>
+            <a:off x="3759414" y="3026718"/>
+            <a:ext cx="5205074" cy="3710128"/>
           </a:xfrm>
           <a:prstGeom prst="rect">
             <a:avLst/>
@@ -13067,228 +13003,6 @@
     <p:extLst>
       <p:ext uri="{BB962C8B-B14F-4D97-AF65-F5344CB8AC3E}">
         <p14:creationId xmlns:p14="http://schemas.microsoft.com/office/powerpoint/2010/main" val="904162487"/>
-      </p:ext>
-    </p:extLst>
-  </p:cSld>
-  <p:clrMapOvr>
-    <a:masterClrMapping/>
-  </p:clrMapOvr>
-</p:sld>
-</file>
-
-<file path=ppt/slides/slide34.xml><?xml version="1.0" encoding="utf-8"?>
-<p:sld xmlns:a="http://schemas.openxmlformats.org/drawingml/2006/main" xmlns:r="http://schemas.openxmlformats.org/officeDocument/2006/relationships" xmlns:p="http://schemas.openxmlformats.org/presentationml/2006/main">
-  <p:cSld>
-    <p:spTree>
-      <p:nvGrpSpPr>
-        <p:cNvPr id="1" name=""/>
-        <p:cNvGrpSpPr/>
-        <p:nvPr/>
-      </p:nvGrpSpPr>
-      <p:grpSpPr>
-        <a:xfrm>
-          <a:off x="0" y="0"/>
-          <a:ext cx="0" cy="0"/>
-          <a:chOff x="0" y="0"/>
-          <a:chExt cx="0" cy="0"/>
-        </a:xfrm>
-      </p:grpSpPr>
-      <p:sp>
-        <p:nvSpPr>
-          <p:cNvPr id="6" name="Rectangle 2">
-            <a:extLst>
-              <a:ext uri="{FF2B5EF4-FFF2-40B4-BE49-F238E27FC236}">
-                <a16:creationId xmlns:a16="http://schemas.microsoft.com/office/drawing/2014/main" id="{9ABB6552-A457-9C4B-977D-9E153FE26BE7}"/>
-              </a:ext>
-            </a:extLst>
-          </p:cNvPr>
-          <p:cNvSpPr txBox="1">
-            <a:spLocks noChangeArrowheads="1"/>
-          </p:cNvSpPr>
-          <p:nvPr/>
-        </p:nvSpPr>
-        <p:spPr bwMode="auto">
-          <a:xfrm>
-            <a:off x="220988" y="2256656"/>
-            <a:ext cx="8686800" cy="1676400"/>
-          </a:xfrm>
-          <a:prstGeom prst="rect">
-            <a:avLst/>
-          </a:prstGeom>
-          <a:noFill/>
-          <a:ln w="9525">
-            <a:noFill/>
-            <a:miter lim="800000"/>
-            <a:headEnd/>
-            <a:tailEnd/>
-          </a:ln>
-        </p:spPr>
-        <p:txBody>
-          <a:bodyPr vert="horz" wrap="square" lIns="91440" tIns="45720" rIns="91440" bIns="45720" numCol="1" anchor="ctr" anchorCtr="0" compatLnSpc="1">
-            <a:prstTxWarp prst="textNoShape">
-              <a:avLst/>
-            </a:prstTxWarp>
-          </a:bodyPr>
-          <a:lstStyle>
-            <a:lvl1pPr algn="ctr" rtl="0" eaLnBrk="0" fontAlgn="base" hangingPunct="0">
-              <a:spcBef>
-                <a:spcPct val="0"/>
-              </a:spcBef>
-              <a:spcAft>
-                <a:spcPct val="0"/>
-              </a:spcAft>
-              <a:defRPr sz="4400">
-                <a:solidFill>
-                  <a:schemeClr val="tx2"/>
-                </a:solidFill>
-                <a:latin typeface="+mj-lt"/>
-                <a:ea typeface="ＭＳ Ｐゴシック" charset="-128"/>
-                <a:cs typeface="ＭＳ Ｐゴシック" charset="-128"/>
-              </a:defRPr>
-            </a:lvl1pPr>
-            <a:lvl2pPr algn="ctr" rtl="0" eaLnBrk="0" fontAlgn="base" hangingPunct="0">
-              <a:spcBef>
-                <a:spcPct val="0"/>
-              </a:spcBef>
-              <a:spcAft>
-                <a:spcPct val="0"/>
-              </a:spcAft>
-              <a:defRPr sz="4400">
-                <a:solidFill>
-                  <a:schemeClr val="tx2"/>
-                </a:solidFill>
-                <a:latin typeface="Times New Roman" charset="0"/>
-                <a:ea typeface="ＭＳ Ｐゴシック" charset="-128"/>
-                <a:cs typeface="ＭＳ Ｐゴシック" charset="-128"/>
-              </a:defRPr>
-            </a:lvl2pPr>
-            <a:lvl3pPr algn="ctr" rtl="0" eaLnBrk="0" fontAlgn="base" hangingPunct="0">
-              <a:spcBef>
-                <a:spcPct val="0"/>
-              </a:spcBef>
-              <a:spcAft>
-                <a:spcPct val="0"/>
-              </a:spcAft>
-              <a:defRPr sz="4400">
-                <a:solidFill>
-                  <a:schemeClr val="tx2"/>
-                </a:solidFill>
-                <a:latin typeface="Times New Roman" charset="0"/>
-                <a:ea typeface="ＭＳ Ｐゴシック" charset="-128"/>
-                <a:cs typeface="ＭＳ Ｐゴシック" charset="-128"/>
-              </a:defRPr>
-            </a:lvl3pPr>
-            <a:lvl4pPr algn="ctr" rtl="0" eaLnBrk="0" fontAlgn="base" hangingPunct="0">
-              <a:spcBef>
-                <a:spcPct val="0"/>
-              </a:spcBef>
-              <a:spcAft>
-                <a:spcPct val="0"/>
-              </a:spcAft>
-              <a:defRPr sz="4400">
-                <a:solidFill>
-                  <a:schemeClr val="tx2"/>
-                </a:solidFill>
-                <a:latin typeface="Times New Roman" charset="0"/>
-                <a:ea typeface="ＭＳ Ｐゴシック" charset="-128"/>
-                <a:cs typeface="ＭＳ Ｐゴシック" charset="-128"/>
-              </a:defRPr>
-            </a:lvl4pPr>
-            <a:lvl5pPr algn="ctr" rtl="0" eaLnBrk="0" fontAlgn="base" hangingPunct="0">
-              <a:spcBef>
-                <a:spcPct val="0"/>
-              </a:spcBef>
-              <a:spcAft>
-                <a:spcPct val="0"/>
-              </a:spcAft>
-              <a:defRPr sz="4400">
-                <a:solidFill>
-                  <a:schemeClr val="tx2"/>
-                </a:solidFill>
-                <a:latin typeface="Times New Roman" charset="0"/>
-                <a:ea typeface="ＭＳ Ｐゴシック" charset="-128"/>
-                <a:cs typeface="ＭＳ Ｐゴシック" charset="-128"/>
-              </a:defRPr>
-            </a:lvl5pPr>
-            <a:lvl6pPr marL="457200" algn="ctr" rtl="0" fontAlgn="base">
-              <a:spcBef>
-                <a:spcPct val="0"/>
-              </a:spcBef>
-              <a:spcAft>
-                <a:spcPct val="0"/>
-              </a:spcAft>
-              <a:defRPr sz="4400">
-                <a:solidFill>
-                  <a:schemeClr val="tx2"/>
-                </a:solidFill>
-                <a:latin typeface="Times New Roman" charset="0"/>
-              </a:defRPr>
-            </a:lvl6pPr>
-            <a:lvl7pPr marL="914400" algn="ctr" rtl="0" fontAlgn="base">
-              <a:spcBef>
-                <a:spcPct val="0"/>
-              </a:spcBef>
-              <a:spcAft>
-                <a:spcPct val="0"/>
-              </a:spcAft>
-              <a:defRPr sz="4400">
-                <a:solidFill>
-                  <a:schemeClr val="tx2"/>
-                </a:solidFill>
-                <a:latin typeface="Times New Roman" charset="0"/>
-              </a:defRPr>
-            </a:lvl7pPr>
-            <a:lvl8pPr marL="1371600" algn="ctr" rtl="0" fontAlgn="base">
-              <a:spcBef>
-                <a:spcPct val="0"/>
-              </a:spcBef>
-              <a:spcAft>
-                <a:spcPct val="0"/>
-              </a:spcAft>
-              <a:defRPr sz="4400">
-                <a:solidFill>
-                  <a:schemeClr val="tx2"/>
-                </a:solidFill>
-                <a:latin typeface="Times New Roman" charset="0"/>
-              </a:defRPr>
-            </a:lvl8pPr>
-            <a:lvl9pPr marL="1828800" algn="ctr" rtl="0" fontAlgn="base">
-              <a:spcBef>
-                <a:spcPct val="0"/>
-              </a:spcBef>
-              <a:spcAft>
-                <a:spcPct val="0"/>
-              </a:spcAft>
-              <a:defRPr sz="4400">
-                <a:solidFill>
-                  <a:schemeClr val="tx2"/>
-                </a:solidFill>
-                <a:latin typeface="Times New Roman" charset="0"/>
-              </a:defRPr>
-            </a:lvl9pPr>
-          </a:lstStyle>
-          <a:p>
-            <a:pPr eaLnBrk="1" hangingPunct="1"/>
-            <a:r>
-              <a:rPr lang="en-US" sz="1800" b="1" dirty="0">
-                <a:solidFill>
-                  <a:schemeClr val="tx1"/>
-                </a:solidFill>
-              </a:rPr>
-              <a:t>End</a:t>
-            </a:r>
-            <a:endParaRPr lang="en-US" sz="1800" dirty="0">
-              <a:solidFill>
-                <a:schemeClr val="tx1"/>
-              </a:solidFill>
-            </a:endParaRPr>
-          </a:p>
-        </p:txBody>
-      </p:sp>
-    </p:spTree>
-    <p:extLst>
-      <p:ext uri="{BB962C8B-B14F-4D97-AF65-F5344CB8AC3E}">
-        <p14:creationId xmlns:p14="http://schemas.microsoft.com/office/powerpoint/2010/main" val="2461884596"/>
       </p:ext>
     </p:extLst>
   </p:cSld>

--- a/Lectures/Lecture 4 - Beyond the Gene.pptx
+++ b/Lectures/Lecture 4 - Beyond the Gene.pptx
@@ -5,7 +5,7 @@
     <p:sldMasterId id="2147483649" r:id="rId1"/>
   </p:sldMasterIdLst>
   <p:notesMasterIdLst>
-    <p:notesMasterId r:id="rId35"/>
+    <p:notesMasterId r:id="rId32"/>
   </p:notesMasterIdLst>
   <p:sldIdLst>
     <p:sldId id="662" r:id="rId2"/>
@@ -21,26 +21,23 @@
     <p:sldId id="681" r:id="rId12"/>
     <p:sldId id="682" r:id="rId13"/>
     <p:sldId id="688" r:id="rId14"/>
-    <p:sldId id="672" r:id="rId15"/>
-    <p:sldId id="694" r:id="rId16"/>
-    <p:sldId id="675" r:id="rId17"/>
-    <p:sldId id="673" r:id="rId18"/>
-    <p:sldId id="676" r:id="rId19"/>
-    <p:sldId id="684" r:id="rId20"/>
-    <p:sldId id="689" r:id="rId21"/>
-    <p:sldId id="680" r:id="rId22"/>
-    <p:sldId id="695" r:id="rId23"/>
-    <p:sldId id="685" r:id="rId24"/>
-    <p:sldId id="677" r:id="rId25"/>
-    <p:sldId id="690" r:id="rId26"/>
-    <p:sldId id="686" r:id="rId27"/>
-    <p:sldId id="687" r:id="rId28"/>
-    <p:sldId id="691" r:id="rId29"/>
-    <p:sldId id="692" r:id="rId30"/>
-    <p:sldId id="696" r:id="rId31"/>
-    <p:sldId id="693" r:id="rId32"/>
-    <p:sldId id="679" r:id="rId33"/>
-    <p:sldId id="564" r:id="rId34"/>
+    <p:sldId id="694" r:id="rId15"/>
+    <p:sldId id="675" r:id="rId16"/>
+    <p:sldId id="673" r:id="rId17"/>
+    <p:sldId id="676" r:id="rId18"/>
+    <p:sldId id="684" r:id="rId19"/>
+    <p:sldId id="689" r:id="rId20"/>
+    <p:sldId id="695" r:id="rId21"/>
+    <p:sldId id="685" r:id="rId22"/>
+    <p:sldId id="677" r:id="rId23"/>
+    <p:sldId id="690" r:id="rId24"/>
+    <p:sldId id="686" r:id="rId25"/>
+    <p:sldId id="687" r:id="rId26"/>
+    <p:sldId id="691" r:id="rId27"/>
+    <p:sldId id="696" r:id="rId28"/>
+    <p:sldId id="693" r:id="rId29"/>
+    <p:sldId id="679" r:id="rId30"/>
+    <p:sldId id="564" r:id="rId31"/>
   </p:sldIdLst>
   <p:sldSz cx="9144000" cy="6858000" type="screen4x3"/>
   <p:notesSz cx="6858000" cy="9144000"/>
@@ -1158,6 +1155,11 @@
         </p:txBody>
       </p:sp>
     </p:spTree>
+    <p:extLst>
+      <p:ext uri="{BB962C8B-B14F-4D97-AF65-F5344CB8AC3E}">
+        <p14:creationId xmlns:p14="http://schemas.microsoft.com/office/powerpoint/2010/main" val="2820968461"/>
+      </p:ext>
+    </p:extLst>
   </p:cSld>
   <p:clrMapOvr>
     <a:masterClrMapping/>
@@ -1246,11 +1248,6 @@
         </p:txBody>
       </p:sp>
     </p:spTree>
-    <p:extLst>
-      <p:ext uri="{BB962C8B-B14F-4D97-AF65-F5344CB8AC3E}">
-        <p14:creationId xmlns:p14="http://schemas.microsoft.com/office/powerpoint/2010/main" val="2820968461"/>
-      </p:ext>
-    </p:extLst>
   </p:cSld>
   <p:clrMapOvr>
     <a:masterClrMapping/>
@@ -1779,6 +1776,11 @@
         </p:txBody>
       </p:sp>
     </p:spTree>
+    <p:extLst>
+      <p:ext uri="{BB962C8B-B14F-4D97-AF65-F5344CB8AC3E}">
+        <p14:creationId xmlns:p14="http://schemas.microsoft.com/office/powerpoint/2010/main" val="1904286304"/>
+      </p:ext>
+    </p:extLst>
   </p:cSld>
   <p:clrMapOvr>
     <a:masterClrMapping/>
@@ -1955,11 +1957,6 @@
         </p:txBody>
       </p:sp>
     </p:spTree>
-    <p:extLst>
-      <p:ext uri="{BB962C8B-B14F-4D97-AF65-F5344CB8AC3E}">
-        <p14:creationId xmlns:p14="http://schemas.microsoft.com/office/powerpoint/2010/main" val="1904286304"/>
-      </p:ext>
-    </p:extLst>
   </p:cSld>
   <p:clrMapOvr>
     <a:masterClrMapping/>
@@ -2400,6 +2397,11 @@
         </p:txBody>
       </p:sp>
     </p:spTree>
+    <p:extLst>
+      <p:ext uri="{BB962C8B-B14F-4D97-AF65-F5344CB8AC3E}">
+        <p14:creationId xmlns:p14="http://schemas.microsoft.com/office/powerpoint/2010/main" val="3173730234"/>
+      </p:ext>
+    </p:extLst>
   </p:cSld>
   <p:clrMapOvr>
     <a:masterClrMapping/>
@@ -2709,275 +2711,6 @@
               <a:rPr lang="en-US"/>
               <a:pPr/>
               <a:t>30</a:t>
-            </a:fld>
-            <a:endParaRPr lang="en-US"/>
-          </a:p>
-        </p:txBody>
-      </p:sp>
-      <p:sp>
-        <p:nvSpPr>
-          <p:cNvPr id="15363" name="Rectangle 2"/>
-          <p:cNvSpPr>
-            <a:spLocks noGrp="1" noRot="1" noChangeAspect="1" noChangeArrowheads="1" noTextEdit="1"/>
-          </p:cNvSpPr>
-          <p:nvPr>
-            <p:ph type="sldImg"/>
-          </p:nvPr>
-        </p:nvSpPr>
-        <p:spPr>
-          <a:ln/>
-        </p:spPr>
-      </p:sp>
-      <p:sp>
-        <p:nvSpPr>
-          <p:cNvPr id="15364" name="Rectangle 3"/>
-          <p:cNvSpPr>
-            <a:spLocks noGrp="1" noChangeArrowheads="1"/>
-          </p:cNvSpPr>
-          <p:nvPr>
-            <p:ph type="body" idx="1"/>
-          </p:nvPr>
-        </p:nvSpPr>
-        <p:spPr>
-          <a:noFill/>
-          <a:ln/>
-        </p:spPr>
-        <p:txBody>
-          <a:bodyPr/>
-          <a:lstStyle/>
-          <a:p>
-            <a:pPr eaLnBrk="1" hangingPunct="1"/>
-            <a:endParaRPr lang="en-US"/>
-          </a:p>
-        </p:txBody>
-      </p:sp>
-    </p:spTree>
-    <p:extLst>
-      <p:ext uri="{BB962C8B-B14F-4D97-AF65-F5344CB8AC3E}">
-        <p14:creationId xmlns:p14="http://schemas.microsoft.com/office/powerpoint/2010/main" val="3173730234"/>
-      </p:ext>
-    </p:extLst>
-  </p:cSld>
-  <p:clrMapOvr>
-    <a:masterClrMapping/>
-  </p:clrMapOvr>
-</p:notes>
-</file>
-
-<file path=ppt/notesSlides/notesSlide31.xml><?xml version="1.0" encoding="utf-8"?>
-<p:notes xmlns:a="http://schemas.openxmlformats.org/drawingml/2006/main" xmlns:r="http://schemas.openxmlformats.org/officeDocument/2006/relationships" xmlns:p="http://schemas.openxmlformats.org/presentationml/2006/main">
-  <p:cSld>
-    <p:spTree>
-      <p:nvGrpSpPr>
-        <p:cNvPr id="1" name=""/>
-        <p:cNvGrpSpPr/>
-        <p:nvPr/>
-      </p:nvGrpSpPr>
-      <p:grpSpPr>
-        <a:xfrm>
-          <a:off x="0" y="0"/>
-          <a:ext cx="0" cy="0"/>
-          <a:chOff x="0" y="0"/>
-          <a:chExt cx="0" cy="0"/>
-        </a:xfrm>
-      </p:grpSpPr>
-      <p:sp>
-        <p:nvSpPr>
-          <p:cNvPr id="15362" name="Rectangle 7"/>
-          <p:cNvSpPr>
-            <a:spLocks noGrp="1" noChangeArrowheads="1"/>
-          </p:cNvSpPr>
-          <p:nvPr>
-            <p:ph type="sldNum" sz="quarter" idx="5"/>
-          </p:nvPr>
-        </p:nvSpPr>
-        <p:spPr>
-          <a:noFill/>
-        </p:spPr>
-        <p:txBody>
-          <a:bodyPr/>
-          <a:lstStyle/>
-          <a:p>
-            <a:fld id="{C3095A83-93CF-9340-9B73-54644CC0C2D9}" type="slidenum">
-              <a:rPr lang="en-US"/>
-              <a:pPr/>
-              <a:t>31</a:t>
-            </a:fld>
-            <a:endParaRPr lang="en-US"/>
-          </a:p>
-        </p:txBody>
-      </p:sp>
-      <p:sp>
-        <p:nvSpPr>
-          <p:cNvPr id="15363" name="Rectangle 2"/>
-          <p:cNvSpPr>
-            <a:spLocks noGrp="1" noRot="1" noChangeAspect="1" noChangeArrowheads="1" noTextEdit="1"/>
-          </p:cNvSpPr>
-          <p:nvPr>
-            <p:ph type="sldImg"/>
-          </p:nvPr>
-        </p:nvSpPr>
-        <p:spPr>
-          <a:ln/>
-        </p:spPr>
-      </p:sp>
-      <p:sp>
-        <p:nvSpPr>
-          <p:cNvPr id="15364" name="Rectangle 3"/>
-          <p:cNvSpPr>
-            <a:spLocks noGrp="1" noChangeArrowheads="1"/>
-          </p:cNvSpPr>
-          <p:nvPr>
-            <p:ph type="body" idx="1"/>
-          </p:nvPr>
-        </p:nvSpPr>
-        <p:spPr>
-          <a:noFill/>
-          <a:ln/>
-        </p:spPr>
-        <p:txBody>
-          <a:bodyPr/>
-          <a:lstStyle/>
-          <a:p>
-            <a:pPr eaLnBrk="1" hangingPunct="1"/>
-            <a:endParaRPr lang="en-US"/>
-          </a:p>
-        </p:txBody>
-      </p:sp>
-    </p:spTree>
-  </p:cSld>
-  <p:clrMapOvr>
-    <a:masterClrMapping/>
-  </p:clrMapOvr>
-</p:notes>
-</file>
-
-<file path=ppt/notesSlides/notesSlide32.xml><?xml version="1.0" encoding="utf-8"?>
-<p:notes xmlns:a="http://schemas.openxmlformats.org/drawingml/2006/main" xmlns:r="http://schemas.openxmlformats.org/officeDocument/2006/relationships" xmlns:p="http://schemas.openxmlformats.org/presentationml/2006/main">
-  <p:cSld>
-    <p:spTree>
-      <p:nvGrpSpPr>
-        <p:cNvPr id="1" name=""/>
-        <p:cNvGrpSpPr/>
-        <p:nvPr/>
-      </p:nvGrpSpPr>
-      <p:grpSpPr>
-        <a:xfrm>
-          <a:off x="0" y="0"/>
-          <a:ext cx="0" cy="0"/>
-          <a:chOff x="0" y="0"/>
-          <a:chExt cx="0" cy="0"/>
-        </a:xfrm>
-      </p:grpSpPr>
-      <p:sp>
-        <p:nvSpPr>
-          <p:cNvPr id="15362" name="Rectangle 7"/>
-          <p:cNvSpPr>
-            <a:spLocks noGrp="1" noChangeArrowheads="1"/>
-          </p:cNvSpPr>
-          <p:nvPr>
-            <p:ph type="sldNum" sz="quarter" idx="5"/>
-          </p:nvPr>
-        </p:nvSpPr>
-        <p:spPr>
-          <a:noFill/>
-        </p:spPr>
-        <p:txBody>
-          <a:bodyPr/>
-          <a:lstStyle/>
-          <a:p>
-            <a:fld id="{C3095A83-93CF-9340-9B73-54644CC0C2D9}" type="slidenum">
-              <a:rPr lang="en-US"/>
-              <a:pPr/>
-              <a:t>32</a:t>
-            </a:fld>
-            <a:endParaRPr lang="en-US"/>
-          </a:p>
-        </p:txBody>
-      </p:sp>
-      <p:sp>
-        <p:nvSpPr>
-          <p:cNvPr id="15363" name="Rectangle 2"/>
-          <p:cNvSpPr>
-            <a:spLocks noGrp="1" noRot="1" noChangeAspect="1" noChangeArrowheads="1" noTextEdit="1"/>
-          </p:cNvSpPr>
-          <p:nvPr>
-            <p:ph type="sldImg"/>
-          </p:nvPr>
-        </p:nvSpPr>
-        <p:spPr>
-          <a:ln/>
-        </p:spPr>
-      </p:sp>
-      <p:sp>
-        <p:nvSpPr>
-          <p:cNvPr id="15364" name="Rectangle 3"/>
-          <p:cNvSpPr>
-            <a:spLocks noGrp="1" noChangeArrowheads="1"/>
-          </p:cNvSpPr>
-          <p:nvPr>
-            <p:ph type="body" idx="1"/>
-          </p:nvPr>
-        </p:nvSpPr>
-        <p:spPr>
-          <a:noFill/>
-          <a:ln/>
-        </p:spPr>
-        <p:txBody>
-          <a:bodyPr/>
-          <a:lstStyle/>
-          <a:p>
-            <a:pPr eaLnBrk="1" hangingPunct="1"/>
-            <a:endParaRPr lang="en-US"/>
-          </a:p>
-        </p:txBody>
-      </p:sp>
-    </p:spTree>
-  </p:cSld>
-  <p:clrMapOvr>
-    <a:masterClrMapping/>
-  </p:clrMapOvr>
-</p:notes>
-</file>
-
-<file path=ppt/notesSlides/notesSlide33.xml><?xml version="1.0" encoding="utf-8"?>
-<p:notes xmlns:a="http://schemas.openxmlformats.org/drawingml/2006/main" xmlns:r="http://schemas.openxmlformats.org/officeDocument/2006/relationships" xmlns:p="http://schemas.openxmlformats.org/presentationml/2006/main">
-  <p:cSld>
-    <p:spTree>
-      <p:nvGrpSpPr>
-        <p:cNvPr id="1" name=""/>
-        <p:cNvGrpSpPr/>
-        <p:nvPr/>
-      </p:nvGrpSpPr>
-      <p:grpSpPr>
-        <a:xfrm>
-          <a:off x="0" y="0"/>
-          <a:ext cx="0" cy="0"/>
-          <a:chOff x="0" y="0"/>
-          <a:chExt cx="0" cy="0"/>
-        </a:xfrm>
-      </p:grpSpPr>
-      <p:sp>
-        <p:nvSpPr>
-          <p:cNvPr id="15362" name="Rectangle 7"/>
-          <p:cNvSpPr>
-            <a:spLocks noGrp="1" noChangeArrowheads="1"/>
-          </p:cNvSpPr>
-          <p:nvPr>
-            <p:ph type="sldNum" sz="quarter" idx="5"/>
-          </p:nvPr>
-        </p:nvSpPr>
-        <p:spPr>
-          <a:noFill/>
-        </p:spPr>
-        <p:txBody>
-          <a:bodyPr/>
-          <a:lstStyle/>
-          <a:p>
-            <a:fld id="{C3095A83-93CF-9340-9B73-54644CC0C2D9}" type="slidenum">
-              <a:rPr lang="en-US"/>
-              <a:pPr/>
-              <a:t>33</a:t>
             </a:fld>
             <a:endParaRPr lang="en-US"/>
           </a:p>
@@ -7486,43 +7219,151 @@
           <a:chExt cx="0" cy="0"/>
         </a:xfrm>
       </p:grpSpPr>
-      <p:pic>
-        <p:nvPicPr>
-          <p:cNvPr id="7" name="Picture 6" descr="A close up of a logo&#10;&#10;Description automatically generated">
-            <a:extLst>
-              <a:ext uri="{FF2B5EF4-FFF2-40B4-BE49-F238E27FC236}">
-                <a16:creationId xmlns:a16="http://schemas.microsoft.com/office/drawing/2014/main" id="{A8B4DE5D-B270-964C-9ED0-AD80A8C110DD}"/>
-              </a:ext>
-            </a:extLst>
-          </p:cNvPr>
-          <p:cNvPicPr>
-            <a:picLocks noChangeAspect="1"/>
-          </p:cNvPicPr>
+      <p:sp>
+        <p:nvSpPr>
+          <p:cNvPr id="9" name="Rectangle 2"/>
+          <p:cNvSpPr>
+            <a:spLocks noGrp="1" noChangeArrowheads="1"/>
+          </p:cNvSpPr>
+          <p:nvPr>
+            <p:ph type="ctrTitle"/>
+          </p:nvPr>
+        </p:nvSpPr>
+        <p:spPr>
+          <a:xfrm>
+            <a:off x="323528" y="-171400"/>
+            <a:ext cx="8568952" cy="1535832"/>
+          </a:xfrm>
+        </p:spPr>
+        <p:txBody>
+          <a:bodyPr/>
+          <a:lstStyle/>
+          <a:p>
+            <a:pPr algn="l" eaLnBrk="1" hangingPunct="1"/>
+            <a:r>
+              <a:rPr lang="en-US" sz="3200" b="1" dirty="0"/>
+              <a:t>Networks</a:t>
+            </a:r>
+            <a:endParaRPr lang="en-US" sz="3200" dirty="0"/>
+          </a:p>
+        </p:txBody>
+      </p:sp>
+      <p:sp>
+        <p:nvSpPr>
+          <p:cNvPr id="6" name="Text Box 14"/>
+          <p:cNvSpPr txBox="1">
+            <a:spLocks noChangeArrowheads="1"/>
+          </p:cNvSpPr>
           <p:nvPr/>
-        </p:nvPicPr>
-        <p:blipFill>
-          <a:blip r:embed="rId3"/>
-          <a:stretch>
-            <a:fillRect/>
-          </a:stretch>
-        </p:blipFill>
-        <p:spPr>
+        </p:nvSpPr>
+        <p:spPr bwMode="auto">
           <a:xfrm>
-            <a:off x="3302000" y="2159000"/>
-            <a:ext cx="2540000" cy="2540000"/>
+            <a:off x="467544" y="1011500"/>
+            <a:ext cx="8064896" cy="4093428"/>
           </a:xfrm>
           <a:prstGeom prst="rect">
             <a:avLst/>
           </a:prstGeom>
-          <a:solidFill>
-            <a:schemeClr val="tx1"/>
-          </a:solidFill>
-        </p:spPr>
-      </p:pic>
+          <a:noFill/>
+          <a:ln w="9525">
+            <a:noFill/>
+            <a:miter lim="800000"/>
+            <a:headEnd/>
+            <a:tailEnd/>
+          </a:ln>
+        </p:spPr>
+        <p:txBody>
+          <a:bodyPr wrap="square">
+            <a:prstTxWarp prst="textNoShape">
+              <a:avLst/>
+            </a:prstTxWarp>
+            <a:spAutoFit/>
+          </a:bodyPr>
+          <a:lstStyle/>
+          <a:p>
+            <a:pPr marL="285750" indent="-285750">
+              <a:buFont typeface="Arial"/>
+              <a:buChar char="•"/>
+            </a:pPr>
+            <a:r>
+              <a:rPr lang="en-US" sz="2000" dirty="0"/>
+              <a:t>Whereas ontologies map relationships between concepts, networks generally map relationships between real entities that can be measured</a:t>
+            </a:r>
+          </a:p>
+          <a:p>
+            <a:pPr marL="285750" indent="-285750">
+              <a:buFont typeface="Arial"/>
+              <a:buChar char="•"/>
+            </a:pPr>
+            <a:endParaRPr lang="en-US" sz="2000" dirty="0"/>
+          </a:p>
+          <a:p>
+            <a:pPr marL="285750" indent="-285750">
+              <a:buFont typeface="Arial"/>
+              <a:buChar char="•"/>
+            </a:pPr>
+            <a:r>
+              <a:rPr lang="en-US" sz="2000" dirty="0"/>
+              <a:t>Unlike ontologies, networks are generally not hierarchical in nature</a:t>
+            </a:r>
+          </a:p>
+          <a:p>
+            <a:pPr marL="285750" indent="-285750">
+              <a:buFont typeface="Arial"/>
+              <a:buChar char="•"/>
+            </a:pPr>
+            <a:endParaRPr lang="en-US" sz="2000" dirty="0"/>
+          </a:p>
+          <a:p>
+            <a:pPr marL="285750" indent="-285750">
+              <a:buFont typeface="Arial"/>
+              <a:buChar char="•"/>
+            </a:pPr>
+            <a:r>
+              <a:rPr lang="en-US" sz="2000" dirty="0"/>
+              <a:t>The best examples of a familiar network are a biochemical reaction or a regulatory pathway</a:t>
+            </a:r>
+          </a:p>
+          <a:p>
+            <a:pPr marL="285750" indent="-285750">
+              <a:buFont typeface="Arial"/>
+              <a:buChar char="•"/>
+            </a:pPr>
+            <a:endParaRPr lang="en-US" sz="2000" dirty="0"/>
+          </a:p>
+          <a:p>
+            <a:pPr marL="285750" indent="-285750">
+              <a:buFont typeface="Arial"/>
+              <a:buChar char="•"/>
+            </a:pPr>
+            <a:r>
+              <a:rPr lang="en-US" sz="2000" dirty="0"/>
+              <a:t>The most commonly used network resource is the KEGG: Kyoto Encyclopedia of Genes and Genomes</a:t>
+            </a:r>
+          </a:p>
+          <a:p>
+            <a:pPr marL="285750" indent="-285750">
+              <a:buFont typeface="Arial"/>
+              <a:buChar char="•"/>
+            </a:pPr>
+            <a:endParaRPr lang="en-US" sz="2000" dirty="0"/>
+          </a:p>
+          <a:p>
+            <a:pPr marL="285750" indent="-285750">
+              <a:buFont typeface="Arial"/>
+              <a:buChar char="•"/>
+            </a:pPr>
+            <a:r>
+              <a:rPr lang="en-US" sz="2000" dirty="0"/>
+              <a:t>Networks reflect a synthesis of knowledge, particularly around gene regulation and biochemical reactions</a:t>
+            </a:r>
+          </a:p>
+        </p:txBody>
+      </p:sp>
     </p:spTree>
     <p:extLst>
       <p:ext uri="{BB962C8B-B14F-4D97-AF65-F5344CB8AC3E}">
-        <p14:creationId xmlns:p14="http://schemas.microsoft.com/office/powerpoint/2010/main" val="1002982906"/>
+        <p14:creationId xmlns:p14="http://schemas.microsoft.com/office/powerpoint/2010/main" val="1997031883"/>
       </p:ext>
     </p:extLst>
   </p:cSld>
@@ -7561,7 +7402,7 @@
         </p:nvSpPr>
         <p:spPr>
           <a:xfrm>
-            <a:off x="323528" y="-171400"/>
+            <a:off x="323528" y="-267072"/>
             <a:ext cx="8568952" cy="1535832"/>
           </a:xfrm>
         </p:spPr>
@@ -7572,15 +7413,45 @@
             <a:pPr algn="l" eaLnBrk="1" hangingPunct="1"/>
             <a:r>
               <a:rPr lang="en-US" sz="3200" b="1" dirty="0"/>
-              <a:t>Networks</a:t>
+              <a:t>Glycolysis in KEGG</a:t>
             </a:r>
             <a:endParaRPr lang="en-US" sz="3200" dirty="0"/>
           </a:p>
         </p:txBody>
       </p:sp>
-      <p:sp>
-        <p:nvSpPr>
-          <p:cNvPr id="6" name="Text Box 14"/>
+      <p:pic>
+        <p:nvPicPr>
+          <p:cNvPr id="2" name="Picture 1" descr="map00010.png"/>
+          <p:cNvPicPr>
+            <a:picLocks noChangeAspect="1"/>
+          </p:cNvPicPr>
+          <p:nvPr/>
+        </p:nvPicPr>
+        <p:blipFill>
+          <a:blip r:embed="rId3">
+            <a:extLst>
+              <a:ext uri="{28A0092B-C50C-407E-A947-70E740481C1C}">
+                <a14:useLocalDpi xmlns:a14="http://schemas.microsoft.com/office/drawing/2010/main" val="0"/>
+              </a:ext>
+            </a:extLst>
+          </a:blip>
+          <a:stretch>
+            <a:fillRect/>
+          </a:stretch>
+        </p:blipFill>
+        <p:spPr>
+          <a:xfrm>
+            <a:off x="539552" y="986493"/>
+            <a:ext cx="4019991" cy="5754875"/>
+          </a:xfrm>
+          <a:prstGeom prst="rect">
+            <a:avLst/>
+          </a:prstGeom>
+        </p:spPr>
+      </p:pic>
+      <p:sp>
+        <p:nvSpPr>
+          <p:cNvPr id="5" name="Text Box 14"/>
           <p:cNvSpPr txBox="1">
             <a:spLocks noChangeArrowheads="1"/>
           </p:cNvSpPr>
@@ -7588,8 +7459,8 @@
         </p:nvSpPr>
         <p:spPr bwMode="auto">
           <a:xfrm>
-            <a:off x="467544" y="1011500"/>
-            <a:ext cx="8064896" cy="4093428"/>
+            <a:off x="4860032" y="1052736"/>
+            <a:ext cx="4104456" cy="5324535"/>
           </a:xfrm>
           <a:prstGeom prst="rect">
             <a:avLst/>
@@ -7617,7 +7488,7 @@
             </a:pPr>
             <a:r>
               <a:rPr lang="en-US" sz="2000" dirty="0"/>
-              <a:t>Whereas ontologies map relationships between concepts, networks generally map relationships between real entities that can be measured</a:t>
+              <a:t>The glycolysis network in KEGG represents understood relationships among enzymes and compounds</a:t>
             </a:r>
           </a:p>
           <a:p>
@@ -7634,7 +7505,7 @@
             </a:pPr>
             <a:r>
               <a:rPr lang="en-US" sz="2000" dirty="0"/>
-              <a:t>Unlike ontologies, networks are generally not hierarchical in nature</a:t>
+              <a:t>Each enzyme or compound “term” is associated with a large volume of curated information on its classification, association with disease, role in the cell, etc.</a:t>
             </a:r>
           </a:p>
           <a:p>
@@ -7651,7 +7522,7 @@
             </a:pPr>
             <a:r>
               <a:rPr lang="en-US" sz="2000" dirty="0"/>
-              <a:t>The best examples of a familiar network are a biochemical reaction or a regulatory pathway</a:t>
+              <a:t>Networks like KEGG are useful for either learning about a pathway or annotating / analyzing data in the context of a pathway</a:t>
             </a:r>
           </a:p>
           <a:p>
@@ -7668,24 +7539,7 @@
             </a:pPr>
             <a:r>
               <a:rPr lang="en-US" sz="2000" dirty="0"/>
-              <a:t>The most commonly used network resource is the KEGG: Kyoto Encyclopedia of Genes and Genomes</a:t>
-            </a:r>
-          </a:p>
-          <a:p>
-            <a:pPr marL="285750" indent="-285750">
-              <a:buFont typeface="Arial"/>
-              <a:buChar char="•"/>
-            </a:pPr>
-            <a:endParaRPr lang="en-US" sz="2000" dirty="0"/>
-          </a:p>
-          <a:p>
-            <a:pPr marL="285750" indent="-285750">
-              <a:buFont typeface="Arial"/>
-              <a:buChar char="•"/>
-            </a:pPr>
-            <a:r>
-              <a:rPr lang="en-US" sz="2000" dirty="0"/>
-              <a:t>Networks reflect a synthesis of knowledge, particularly around gene regulation and biochemical reactions</a:t>
+              <a:t>KEGG includes computer-readable data formats</a:t>
             </a:r>
           </a:p>
         </p:txBody>
@@ -7693,7 +7547,7 @@
     </p:spTree>
     <p:extLst>
       <p:ext uri="{BB962C8B-B14F-4D97-AF65-F5344CB8AC3E}">
-        <p14:creationId xmlns:p14="http://schemas.microsoft.com/office/powerpoint/2010/main" val="1997031883"/>
+        <p14:creationId xmlns:p14="http://schemas.microsoft.com/office/powerpoint/2010/main" val="362184440"/>
       </p:ext>
     </p:extLst>
   </p:cSld>
@@ -7732,190 +7586,6 @@
         </p:nvSpPr>
         <p:spPr>
           <a:xfrm>
-            <a:off x="323528" y="-267072"/>
-            <a:ext cx="8568952" cy="1535832"/>
-          </a:xfrm>
-        </p:spPr>
-        <p:txBody>
-          <a:bodyPr/>
-          <a:lstStyle/>
-          <a:p>
-            <a:pPr algn="l" eaLnBrk="1" hangingPunct="1"/>
-            <a:r>
-              <a:rPr lang="en-US" sz="3200" b="1" dirty="0"/>
-              <a:t>Glycolysis in KEGG</a:t>
-            </a:r>
-            <a:endParaRPr lang="en-US" sz="3200" dirty="0"/>
-          </a:p>
-        </p:txBody>
-      </p:sp>
-      <p:pic>
-        <p:nvPicPr>
-          <p:cNvPr id="2" name="Picture 1" descr="map00010.png"/>
-          <p:cNvPicPr>
-            <a:picLocks noChangeAspect="1"/>
-          </p:cNvPicPr>
-          <p:nvPr/>
-        </p:nvPicPr>
-        <p:blipFill>
-          <a:blip r:embed="rId3">
-            <a:extLst>
-              <a:ext uri="{28A0092B-C50C-407E-A947-70E740481C1C}">
-                <a14:useLocalDpi xmlns:a14="http://schemas.microsoft.com/office/drawing/2010/main" val="0"/>
-              </a:ext>
-            </a:extLst>
-          </a:blip>
-          <a:stretch>
-            <a:fillRect/>
-          </a:stretch>
-        </p:blipFill>
-        <p:spPr>
-          <a:xfrm>
-            <a:off x="539552" y="986493"/>
-            <a:ext cx="4019991" cy="5754875"/>
-          </a:xfrm>
-          <a:prstGeom prst="rect">
-            <a:avLst/>
-          </a:prstGeom>
-        </p:spPr>
-      </p:pic>
-      <p:sp>
-        <p:nvSpPr>
-          <p:cNvPr id="5" name="Text Box 14"/>
-          <p:cNvSpPr txBox="1">
-            <a:spLocks noChangeArrowheads="1"/>
-          </p:cNvSpPr>
-          <p:nvPr/>
-        </p:nvSpPr>
-        <p:spPr bwMode="auto">
-          <a:xfrm>
-            <a:off x="4860032" y="1052736"/>
-            <a:ext cx="4104456" cy="5324535"/>
-          </a:xfrm>
-          <a:prstGeom prst="rect">
-            <a:avLst/>
-          </a:prstGeom>
-          <a:noFill/>
-          <a:ln w="9525">
-            <a:noFill/>
-            <a:miter lim="800000"/>
-            <a:headEnd/>
-            <a:tailEnd/>
-          </a:ln>
-        </p:spPr>
-        <p:txBody>
-          <a:bodyPr wrap="square">
-            <a:prstTxWarp prst="textNoShape">
-              <a:avLst/>
-            </a:prstTxWarp>
-            <a:spAutoFit/>
-          </a:bodyPr>
-          <a:lstStyle/>
-          <a:p>
-            <a:pPr marL="285750" indent="-285750">
-              <a:buFont typeface="Arial"/>
-              <a:buChar char="•"/>
-            </a:pPr>
-            <a:r>
-              <a:rPr lang="en-US" sz="2000" dirty="0"/>
-              <a:t>The glycolysis network in KEGG represents understood relationships among enzymes and compounds</a:t>
-            </a:r>
-          </a:p>
-          <a:p>
-            <a:pPr marL="285750" indent="-285750">
-              <a:buFont typeface="Arial"/>
-              <a:buChar char="•"/>
-            </a:pPr>
-            <a:endParaRPr lang="en-US" sz="2000" dirty="0"/>
-          </a:p>
-          <a:p>
-            <a:pPr marL="285750" indent="-285750">
-              <a:buFont typeface="Arial"/>
-              <a:buChar char="•"/>
-            </a:pPr>
-            <a:r>
-              <a:rPr lang="en-US" sz="2000" dirty="0"/>
-              <a:t>Each enzyme or compound “term” is associated with a large volume of curated information on its classification, association with disease, role in the cell, etc.</a:t>
-            </a:r>
-          </a:p>
-          <a:p>
-            <a:pPr marL="285750" indent="-285750">
-              <a:buFont typeface="Arial"/>
-              <a:buChar char="•"/>
-            </a:pPr>
-            <a:endParaRPr lang="en-US" sz="2000" dirty="0"/>
-          </a:p>
-          <a:p>
-            <a:pPr marL="285750" indent="-285750">
-              <a:buFont typeface="Arial"/>
-              <a:buChar char="•"/>
-            </a:pPr>
-            <a:r>
-              <a:rPr lang="en-US" sz="2000" dirty="0"/>
-              <a:t>Networks like KEGG are useful for either learning about a pathway or annotating / analyzing data in the context of a pathway</a:t>
-            </a:r>
-          </a:p>
-          <a:p>
-            <a:pPr marL="285750" indent="-285750">
-              <a:buFont typeface="Arial"/>
-              <a:buChar char="•"/>
-            </a:pPr>
-            <a:endParaRPr lang="en-US" sz="2000" dirty="0"/>
-          </a:p>
-          <a:p>
-            <a:pPr marL="285750" indent="-285750">
-              <a:buFont typeface="Arial"/>
-              <a:buChar char="•"/>
-            </a:pPr>
-            <a:r>
-              <a:rPr lang="en-US" sz="2000" dirty="0"/>
-              <a:t>KEGG includes computer-readable data formats</a:t>
-            </a:r>
-          </a:p>
-        </p:txBody>
-      </p:sp>
-    </p:spTree>
-    <p:extLst>
-      <p:ext uri="{BB962C8B-B14F-4D97-AF65-F5344CB8AC3E}">
-        <p14:creationId xmlns:p14="http://schemas.microsoft.com/office/powerpoint/2010/main" val="362184440"/>
-      </p:ext>
-    </p:extLst>
-  </p:cSld>
-  <p:clrMapOvr>
-    <a:masterClrMapping/>
-  </p:clrMapOvr>
-</p:sld>
-</file>
-
-<file path=ppt/slides/slide17.xml><?xml version="1.0" encoding="utf-8"?>
-<p:sld xmlns:a="http://schemas.openxmlformats.org/drawingml/2006/main" xmlns:r="http://schemas.openxmlformats.org/officeDocument/2006/relationships" xmlns:p="http://schemas.openxmlformats.org/presentationml/2006/main">
-  <p:cSld>
-    <p:spTree>
-      <p:nvGrpSpPr>
-        <p:cNvPr id="1" name=""/>
-        <p:cNvGrpSpPr/>
-        <p:nvPr/>
-      </p:nvGrpSpPr>
-      <p:grpSpPr>
-        <a:xfrm>
-          <a:off x="0" y="0"/>
-          <a:ext cx="0" cy="0"/>
-          <a:chOff x="0" y="0"/>
-          <a:chExt cx="0" cy="0"/>
-        </a:xfrm>
-      </p:grpSpPr>
-      <p:sp>
-        <p:nvSpPr>
-          <p:cNvPr id="9" name="Rectangle 2"/>
-          <p:cNvSpPr>
-            <a:spLocks noGrp="1" noChangeArrowheads="1"/>
-          </p:cNvSpPr>
-          <p:nvPr>
-            <p:ph type="ctrTitle"/>
-          </p:nvPr>
-        </p:nvSpPr>
-        <p:spPr>
-          <a:xfrm>
             <a:off x="323528" y="-171400"/>
             <a:ext cx="8568952" cy="1535832"/>
           </a:xfrm>
@@ -8100,7 +7770,7 @@
 </p:sld>
 </file>
 
-<file path=ppt/slides/slide18.xml><?xml version="1.0" encoding="utf-8"?>
+<file path=ppt/slides/slide17.xml><?xml version="1.0" encoding="utf-8"?>
 <p:sld xmlns:a="http://schemas.openxmlformats.org/drawingml/2006/main" xmlns:r="http://schemas.openxmlformats.org/officeDocument/2006/relationships" xmlns:p="http://schemas.openxmlformats.org/presentationml/2006/main">
   <p:cSld>
     <p:spTree>
@@ -8345,6 +8015,164 @@
 </p:sld>
 </file>
 
+<file path=ppt/slides/slide18.xml><?xml version="1.0" encoding="utf-8"?>
+<p:sld xmlns:a="http://schemas.openxmlformats.org/drawingml/2006/main" xmlns:r="http://schemas.openxmlformats.org/officeDocument/2006/relationships" xmlns:p="http://schemas.openxmlformats.org/presentationml/2006/main">
+  <p:cSld>
+    <p:spTree>
+      <p:nvGrpSpPr>
+        <p:cNvPr id="1" name=""/>
+        <p:cNvGrpSpPr/>
+        <p:nvPr/>
+      </p:nvGrpSpPr>
+      <p:grpSpPr>
+        <a:xfrm>
+          <a:off x="0" y="0"/>
+          <a:ext cx="0" cy="0"/>
+          <a:chOff x="0" y="0"/>
+          <a:chExt cx="0" cy="0"/>
+        </a:xfrm>
+      </p:grpSpPr>
+      <p:sp>
+        <p:nvSpPr>
+          <p:cNvPr id="9" name="Rectangle 2"/>
+          <p:cNvSpPr>
+            <a:spLocks noGrp="1" noChangeArrowheads="1"/>
+          </p:cNvSpPr>
+          <p:nvPr>
+            <p:ph type="ctrTitle"/>
+          </p:nvPr>
+        </p:nvSpPr>
+        <p:spPr>
+          <a:xfrm>
+            <a:off x="323528" y="-171400"/>
+            <a:ext cx="8568952" cy="1535832"/>
+          </a:xfrm>
+        </p:spPr>
+        <p:txBody>
+          <a:bodyPr/>
+          <a:lstStyle/>
+          <a:p>
+            <a:pPr algn="l" eaLnBrk="1" hangingPunct="1"/>
+            <a:r>
+              <a:rPr lang="en-US" sz="3200" b="1" dirty="0"/>
+              <a:t>Data Formats &amp; Software</a:t>
+            </a:r>
+            <a:endParaRPr lang="en-US" sz="3200" dirty="0"/>
+          </a:p>
+        </p:txBody>
+      </p:sp>
+      <p:sp>
+        <p:nvSpPr>
+          <p:cNvPr id="3" name="Text Box 14"/>
+          <p:cNvSpPr txBox="1">
+            <a:spLocks noChangeArrowheads="1"/>
+          </p:cNvSpPr>
+          <p:nvPr/>
+        </p:nvSpPr>
+        <p:spPr bwMode="auto">
+          <a:xfrm>
+            <a:off x="467544" y="1011500"/>
+            <a:ext cx="8280920" cy="3170099"/>
+          </a:xfrm>
+          <a:prstGeom prst="rect">
+            <a:avLst/>
+          </a:prstGeom>
+          <a:noFill/>
+          <a:ln w="9525">
+            <a:noFill/>
+            <a:miter lim="800000"/>
+            <a:headEnd/>
+            <a:tailEnd/>
+          </a:ln>
+        </p:spPr>
+        <p:txBody>
+          <a:bodyPr wrap="square">
+            <a:prstTxWarp prst="textNoShape">
+              <a:avLst/>
+            </a:prstTxWarp>
+            <a:spAutoFit/>
+          </a:bodyPr>
+          <a:lstStyle/>
+          <a:p>
+            <a:pPr marL="285750" indent="-285750">
+              <a:buFont typeface="Arial"/>
+              <a:buChar char="•"/>
+            </a:pPr>
+            <a:r>
+              <a:rPr lang="en-US" sz="2000" dirty="0" err="1"/>
+              <a:t>Interactome</a:t>
+            </a:r>
+            <a:r>
+              <a:rPr lang="en-US" sz="2000" dirty="0"/>
+              <a:t> data can be stored in a number of formats (SIF, NNF, XGMML, SBML, etc.)</a:t>
+            </a:r>
+          </a:p>
+          <a:p>
+            <a:pPr marL="285750" indent="-285750">
+              <a:buFont typeface="Arial"/>
+              <a:buChar char="•"/>
+            </a:pPr>
+            <a:endParaRPr lang="en-US" sz="2000" dirty="0"/>
+          </a:p>
+          <a:p>
+            <a:pPr marL="285750" indent="-285750">
+              <a:buFont typeface="Arial"/>
+              <a:buChar char="•"/>
+            </a:pPr>
+            <a:r>
+              <a:rPr lang="en-US" sz="2000" dirty="0"/>
+              <a:t>There are a number of domain specific repositories but not one centralized repository – data files often provided as supplementary files with a scientific publication</a:t>
+            </a:r>
+          </a:p>
+          <a:p>
+            <a:pPr marL="285750" indent="-285750">
+              <a:buFont typeface="Arial"/>
+              <a:buChar char="•"/>
+            </a:pPr>
+            <a:endParaRPr lang="en-US" sz="2000" dirty="0"/>
+          </a:p>
+          <a:p>
+            <a:pPr marL="285750" indent="-285750">
+              <a:buFont typeface="Arial"/>
+              <a:buChar char="•"/>
+            </a:pPr>
+            <a:r>
+              <a:rPr lang="en-US" sz="2000" dirty="0"/>
+              <a:t>Data repositories and the role of publishers in ensuring scientific data is accessible and not lost over time is a very active discussion in the scientific community, e.g. </a:t>
+            </a:r>
+            <a:r>
+              <a:rPr lang="en-US" sz="2000" i="1" dirty="0" err="1"/>
+              <a:t>GigaScience</a:t>
+            </a:r>
+            <a:r>
+              <a:rPr lang="en-US" sz="2000" i="1" dirty="0"/>
+              <a:t> Journal</a:t>
+            </a:r>
+            <a:r>
+              <a:rPr lang="en-US" sz="2000" dirty="0"/>
+              <a:t>, </a:t>
+            </a:r>
+            <a:r>
+              <a:rPr lang="en-US" sz="2000" dirty="0" err="1"/>
+              <a:t>www.gigasciencejournal.com</a:t>
+            </a:r>
+            <a:endParaRPr lang="en-US" sz="2000" dirty="0"/>
+          </a:p>
+        </p:txBody>
+      </p:sp>
+    </p:spTree>
+    <p:extLst>
+      <p:ext uri="{BB962C8B-B14F-4D97-AF65-F5344CB8AC3E}">
+        <p14:creationId xmlns:p14="http://schemas.microsoft.com/office/powerpoint/2010/main" val="1895329202"/>
+      </p:ext>
+    </p:extLst>
+  </p:cSld>
+  <p:clrMapOvr>
+    <a:masterClrMapping/>
+  </p:clrMapOvr>
+</p:sld>
+</file>
+
 <file path=ppt/slides/slide19.xml><?xml version="1.0" encoding="utf-8"?>
 <p:sld xmlns:a="http://schemas.openxmlformats.org/drawingml/2006/main" xmlns:r="http://schemas.openxmlformats.org/officeDocument/2006/relationships" xmlns:p="http://schemas.openxmlformats.org/presentationml/2006/main">
   <p:cSld>
@@ -8402,7 +8230,7 @@
         <p:spPr bwMode="auto">
           <a:xfrm>
             <a:off x="467544" y="1011500"/>
-            <a:ext cx="8280920" cy="3170099"/>
+            <a:ext cx="8280920" cy="2862322"/>
           </a:xfrm>
           <a:prstGeom prst="rect">
             <a:avLst/>
@@ -8429,54 +8257,20 @@
               <a:buChar char="•"/>
             </a:pPr>
             <a:r>
+              <a:rPr lang="en-US" sz="2000" dirty="0"/>
+              <a:t>The most popular software for analysis of </a:t>
+            </a:r>
+            <a:r>
               <a:rPr lang="en-US" sz="2000" dirty="0" err="1"/>
-              <a:t>Interactome</a:t>
+              <a:t>interactome</a:t>
             </a:r>
             <a:r>
               <a:rPr lang="en-US" sz="2000" dirty="0"/>
-              <a:t> data can be stored in a number of formats (SIF, NNF, XGMML, SBML, etc.)</a:t>
-            </a:r>
-          </a:p>
-          <a:p>
-            <a:pPr marL="285750" indent="-285750">
-              <a:buFont typeface="Arial"/>
-              <a:buChar char="•"/>
-            </a:pPr>
-            <a:endParaRPr lang="en-US" sz="2000" dirty="0"/>
-          </a:p>
-          <a:p>
-            <a:pPr marL="285750" indent="-285750">
-              <a:buFont typeface="Arial"/>
-              <a:buChar char="•"/>
-            </a:pPr>
-            <a:r>
-              <a:rPr lang="en-US" sz="2000" dirty="0"/>
-              <a:t>There are a number of domain specific repositories but not one centralized repository – data files often provided as supplementary files with a scientific publication</a:t>
-            </a:r>
-          </a:p>
-          <a:p>
-            <a:pPr marL="285750" indent="-285750">
-              <a:buFont typeface="Arial"/>
-              <a:buChar char="•"/>
-            </a:pPr>
-            <a:endParaRPr lang="en-US" sz="2000" dirty="0"/>
-          </a:p>
-          <a:p>
-            <a:pPr marL="285750" indent="-285750">
-              <a:buFont typeface="Arial"/>
-              <a:buChar char="•"/>
-            </a:pPr>
-            <a:r>
-              <a:rPr lang="en-US" sz="2000" dirty="0"/>
-              <a:t>Data repositories and the role of publishers in ensuring scientific data is accessible and not lost over time is a very active discussion in the scientific community, e.g. </a:t>
-            </a:r>
-            <a:r>
-              <a:rPr lang="en-US" sz="2000" i="1" dirty="0" err="1"/>
-              <a:t>GigaScience</a:t>
-            </a:r>
-            <a:r>
-              <a:rPr lang="en-US" sz="2000" i="1" dirty="0"/>
-              <a:t> Journal</a:t>
+              <a:t> data is </a:t>
+            </a:r>
+            <a:r>
+              <a:rPr lang="en-US" sz="2000" dirty="0" err="1"/>
+              <a:t>Cytoscape</a:t>
             </a:r>
             <a:r>
               <a:rPr lang="en-US" sz="2000" dirty="0"/>
@@ -8484,16 +8278,125 @@
             </a:r>
             <a:r>
               <a:rPr lang="en-US" sz="2000" dirty="0" err="1"/>
-              <a:t>www.gigasciencejournal.com</a:t>
+              <a:t>www.cytoscape.org</a:t>
             </a:r>
             <a:endParaRPr lang="en-US" sz="2000" dirty="0"/>
           </a:p>
-        </p:txBody>
-      </p:sp>
+          <a:p>
+            <a:pPr marL="285750" indent="-285750">
+              <a:buFont typeface="Arial"/>
+              <a:buChar char="•"/>
+            </a:pPr>
+            <a:endParaRPr lang="en-US" sz="2000" dirty="0"/>
+          </a:p>
+          <a:p>
+            <a:pPr marL="285750" indent="-285750">
+              <a:buFont typeface="Arial"/>
+              <a:buChar char="•"/>
+            </a:pPr>
+            <a:r>
+              <a:rPr lang="en-US" sz="2000" dirty="0" err="1"/>
+              <a:t>Cytoscape</a:t>
+            </a:r>
+            <a:r>
+              <a:rPr lang="en-US" sz="2000" dirty="0"/>
+              <a:t> allows </a:t>
+            </a:r>
+            <a:r>
+              <a:rPr lang="en-US" sz="2000" dirty="0" err="1"/>
+              <a:t>interactome</a:t>
+            </a:r>
+            <a:r>
+              <a:rPr lang="en-US" sz="2000" dirty="0"/>
+              <a:t> mining and visualization but also analysis of outside data (e.g. RNA-</a:t>
+            </a:r>
+            <a:r>
+              <a:rPr lang="en-US" sz="2000" dirty="0" err="1"/>
+              <a:t>Seq</a:t>
+            </a:r>
+            <a:r>
+              <a:rPr lang="en-US" sz="2000" dirty="0"/>
+              <a:t>) in the context of observed </a:t>
+            </a:r>
+            <a:r>
+              <a:rPr lang="en-US" sz="2000" dirty="0" err="1"/>
+              <a:t>interactomes</a:t>
+            </a:r>
+            <a:endParaRPr lang="en-US" sz="2000" dirty="0"/>
+          </a:p>
+          <a:p>
+            <a:pPr marL="285750" indent="-285750">
+              <a:buFont typeface="Arial"/>
+              <a:buChar char="•"/>
+            </a:pPr>
+            <a:endParaRPr lang="en-US" sz="2000" dirty="0"/>
+          </a:p>
+          <a:p>
+            <a:pPr marL="742950" lvl="1" indent="-285750">
+              <a:buFont typeface="Arial"/>
+              <a:buChar char="•"/>
+            </a:pPr>
+            <a:r>
+              <a:rPr lang="en-US" sz="2000" dirty="0"/>
+              <a:t>e.g. are the genes </a:t>
+            </a:r>
+            <a:r>
+              <a:rPr lang="en-US" sz="2000" dirty="0" err="1"/>
+              <a:t>upregulated</a:t>
+            </a:r>
+            <a:r>
+              <a:rPr lang="en-US" sz="2000" dirty="0"/>
+              <a:t> in my RNA-</a:t>
+            </a:r>
+            <a:r>
+              <a:rPr lang="en-US" sz="2000" dirty="0" err="1"/>
+              <a:t>Seq</a:t>
+            </a:r>
+            <a:r>
+              <a:rPr lang="en-US" sz="2000" dirty="0"/>
+              <a:t> experiment reflective of a specific sub-set of protein-protein interactions?</a:t>
+            </a:r>
+          </a:p>
+          <a:p>
+            <a:pPr lvl="1"/>
+            <a:endParaRPr lang="en-US" sz="2000" dirty="0"/>
+          </a:p>
+        </p:txBody>
+      </p:sp>
+      <p:pic>
+        <p:nvPicPr>
+          <p:cNvPr id="2" name="Picture 1" descr="intro_15.png"/>
+          <p:cNvPicPr>
+            <a:picLocks noChangeAspect="1"/>
+          </p:cNvPicPr>
+          <p:nvPr/>
+        </p:nvPicPr>
+        <p:blipFill>
+          <a:blip r:embed="rId3">
+            <a:extLst>
+              <a:ext uri="{28A0092B-C50C-407E-A947-70E740481C1C}">
+                <a14:useLocalDpi xmlns:a14="http://schemas.microsoft.com/office/drawing/2010/main" val="0"/>
+              </a:ext>
+            </a:extLst>
+          </a:blip>
+          <a:stretch>
+            <a:fillRect/>
+          </a:stretch>
+        </p:blipFill>
+        <p:spPr>
+          <a:xfrm>
+            <a:off x="467544" y="3861047"/>
+            <a:ext cx="5832648" cy="2617909"/>
+          </a:xfrm>
+          <a:prstGeom prst="rect">
+            <a:avLst/>
+          </a:prstGeom>
+        </p:spPr>
+      </p:pic>
     </p:spTree>
     <p:extLst>
       <p:ext uri="{BB962C8B-B14F-4D97-AF65-F5344CB8AC3E}">
-        <p14:creationId xmlns:p14="http://schemas.microsoft.com/office/powerpoint/2010/main" val="1895329202"/>
+        <p14:creationId xmlns:p14="http://schemas.microsoft.com/office/powerpoint/2010/main" val="1436383456"/>
       </p:ext>
     </p:extLst>
   </p:cSld>
@@ -8730,7 +8633,7 @@
             <a:pPr algn="l" eaLnBrk="1" hangingPunct="1"/>
             <a:r>
               <a:rPr lang="en-US" sz="3200" b="1" dirty="0"/>
-              <a:t>Data Formats &amp; Software</a:t>
+              <a:t>Connections &amp; Cross-References</a:t>
             </a:r>
             <a:endParaRPr lang="en-US" sz="3200" dirty="0"/>
           </a:p>
@@ -8738,7 +8641,7 @@
       </p:sp>
       <p:sp>
         <p:nvSpPr>
-          <p:cNvPr id="3" name="Text Box 14"/>
+          <p:cNvPr id="4" name="Text Box 14"/>
           <p:cNvSpPr txBox="1">
             <a:spLocks noChangeArrowheads="1"/>
           </p:cNvSpPr>
@@ -8747,7 +8650,7 @@
         <p:spPr bwMode="auto">
           <a:xfrm>
             <a:off x="467544" y="1011500"/>
-            <a:ext cx="8280920" cy="2862322"/>
+            <a:ext cx="8064896" cy="6247864"/>
           </a:xfrm>
           <a:prstGeom prst="rect">
             <a:avLst/>
@@ -8775,145 +8678,160 @@
             </a:pPr>
             <a:r>
               <a:rPr lang="en-US" sz="2000" dirty="0"/>
-              <a:t>The most popular software for analysis of </a:t>
-            </a:r>
-            <a:r>
-              <a:rPr lang="en-US" sz="2000" dirty="0" err="1"/>
+              <a:t>Connections &amp; Cross-References lead to standardization &amp; normalization</a:t>
+            </a:r>
+          </a:p>
+          <a:p>
+            <a:pPr marL="742950" lvl="1" indent="-285750">
+              <a:buFont typeface="Arial"/>
+              <a:buChar char="•"/>
+            </a:pPr>
+            <a:endParaRPr lang="en-US" sz="2000" dirty="0"/>
+          </a:p>
+          <a:p>
+            <a:pPr marL="742950" lvl="1" indent="-285750">
+              <a:buFont typeface="Arial"/>
+              <a:buChar char="•"/>
+            </a:pPr>
+            <a:r>
+              <a:rPr lang="en-US" sz="2000" dirty="0"/>
+              <a:t>Standardization – a common language is used to describe biological phenomena</a:t>
+            </a:r>
+          </a:p>
+          <a:p>
+            <a:pPr marL="742950" lvl="1" indent="-285750">
+              <a:buFont typeface="Arial"/>
+              <a:buChar char="•"/>
+            </a:pPr>
+            <a:endParaRPr lang="en-US" sz="2000" dirty="0"/>
+          </a:p>
+          <a:p>
+            <a:pPr marL="742950" lvl="1" indent="-285750">
+              <a:buFont typeface="Arial"/>
+              <a:buChar char="•"/>
+            </a:pPr>
+            <a:r>
+              <a:rPr lang="en-US" sz="2000" dirty="0"/>
+              <a:t>Normalization – data, models, citations, and algorithms are annotated using the same common language, allowing easier sharing and comparison of data</a:t>
+            </a:r>
+          </a:p>
+          <a:p>
+            <a:pPr marL="742950" lvl="1" indent="-285750">
+              <a:buFont typeface="Arial"/>
+              <a:buChar char="•"/>
+            </a:pPr>
+            <a:endParaRPr lang="en-US" sz="2000" dirty="0"/>
+          </a:p>
+          <a:p>
+            <a:pPr marL="285750" indent="-285750">
+              <a:buFont typeface="Arial"/>
+              <a:buChar char="•"/>
+            </a:pPr>
+            <a:r>
+              <a:rPr lang="en-US" sz="2000" dirty="0"/>
+              <a:t>Connections &amp; Cross-Reference combined with computer-readable representations leads to powerful analytical tools</a:t>
+            </a:r>
+          </a:p>
+          <a:p>
+            <a:pPr marL="285750" indent="-285750">
+              <a:buFont typeface="Arial"/>
+              <a:buChar char="•"/>
+            </a:pPr>
+            <a:endParaRPr lang="en-US" sz="2000" dirty="0"/>
+          </a:p>
+          <a:p>
+            <a:pPr marL="285750" indent="-285750">
+              <a:buFont typeface="Arial"/>
+              <a:buChar char="•"/>
+            </a:pPr>
+            <a:r>
+              <a:rPr lang="en-US" sz="2000" dirty="0"/>
+              <a:t>Examples</a:t>
+            </a:r>
+          </a:p>
+          <a:p>
+            <a:pPr marL="742950" lvl="1" indent="-285750">
+              <a:buFont typeface="Arial"/>
+              <a:buChar char="•"/>
+            </a:pPr>
+            <a:r>
+              <a:rPr lang="en-US" sz="1800" dirty="0"/>
+              <a:t>A protein-protein </a:t>
+            </a:r>
+            <a:r>
+              <a:rPr lang="en-US" sz="1800" dirty="0" err="1"/>
               <a:t>interactome</a:t>
             </a:r>
             <a:r>
-              <a:rPr lang="en-US" sz="2000" dirty="0"/>
-              <a:t> data is </a:t>
-            </a:r>
-            <a:r>
-              <a:rPr lang="en-US" sz="2000" dirty="0" err="1"/>
-              <a:t>Cytoscape</a:t>
-            </a:r>
-            <a:r>
-              <a:rPr lang="en-US" sz="2000" dirty="0"/>
-              <a:t>, </a:t>
-            </a:r>
-            <a:r>
-              <a:rPr lang="en-US" sz="2000" dirty="0" err="1"/>
-              <a:t>www.cytoscape.org</a:t>
-            </a:r>
+              <a:rPr lang="en-US" sz="1800" dirty="0"/>
+              <a:t> dataset uses </a:t>
+            </a:r>
+            <a:r>
+              <a:rPr lang="en-US" sz="1800" dirty="0" err="1"/>
+              <a:t>GenBank</a:t>
+            </a:r>
+            <a:r>
+              <a:rPr lang="en-US" sz="1800" dirty="0"/>
+              <a:t> accessions for all the proteins observed</a:t>
+            </a:r>
+          </a:p>
+          <a:p>
+            <a:pPr marL="742950" lvl="1" indent="-285750">
+              <a:buFont typeface="Arial"/>
+              <a:buChar char="•"/>
+            </a:pPr>
+            <a:r>
+              <a:rPr lang="en-US" sz="1800" dirty="0"/>
+              <a:t>Gene Ontology annotates </a:t>
+            </a:r>
+            <a:r>
+              <a:rPr lang="en-US" sz="1800" dirty="0" err="1"/>
+              <a:t>GenBank</a:t>
+            </a:r>
+            <a:r>
+              <a:rPr lang="en-US" sz="1800" dirty="0"/>
+              <a:t> so all protein </a:t>
+            </a:r>
+            <a:r>
+              <a:rPr lang="en-US" sz="1800" dirty="0" err="1"/>
+              <a:t>GenBank</a:t>
+            </a:r>
+            <a:r>
+              <a:rPr lang="en-US" sz="1800" dirty="0"/>
+              <a:t> accessions are associated with GO terms</a:t>
+            </a:r>
+          </a:p>
+          <a:p>
+            <a:pPr marL="742950" lvl="1" indent="-285750">
+              <a:buFont typeface="Arial"/>
+              <a:buChar char="•"/>
+            </a:pPr>
+            <a:r>
+              <a:rPr lang="en-US" sz="1800" dirty="0" err="1"/>
+              <a:t>InterPro</a:t>
+            </a:r>
+            <a:r>
+              <a:rPr lang="en-US" sz="1800" dirty="0"/>
+              <a:t> curates connections between </a:t>
+            </a:r>
+            <a:r>
+              <a:rPr lang="en-US" sz="1800" dirty="0" err="1"/>
+              <a:t>Pfam</a:t>
+            </a:r>
+            <a:r>
+              <a:rPr lang="en-US" sz="1800" dirty="0"/>
+              <a:t> and PROSITE models and Gene Ontology terms</a:t>
+            </a:r>
+          </a:p>
+          <a:p>
             <a:endParaRPr lang="en-US" sz="2000" dirty="0"/>
           </a:p>
-          <a:p>
-            <a:pPr marL="285750" indent="-285750">
-              <a:buFont typeface="Arial"/>
-              <a:buChar char="•"/>
-            </a:pPr>
-            <a:endParaRPr lang="en-US" sz="2000" dirty="0"/>
-          </a:p>
-          <a:p>
-            <a:pPr marL="285750" indent="-285750">
-              <a:buFont typeface="Arial"/>
-              <a:buChar char="•"/>
-            </a:pPr>
-            <a:r>
-              <a:rPr lang="en-US" sz="2000" dirty="0" err="1"/>
-              <a:t>Cytoscape</a:t>
-            </a:r>
-            <a:r>
-              <a:rPr lang="en-US" sz="2000" dirty="0"/>
-              <a:t> allows </a:t>
-            </a:r>
-            <a:r>
-              <a:rPr lang="en-US" sz="2000" dirty="0" err="1"/>
-              <a:t>interactome</a:t>
-            </a:r>
-            <a:r>
-              <a:rPr lang="en-US" sz="2000" dirty="0"/>
-              <a:t> mining and visualization but also analysis of outside data (e.g. RNA-</a:t>
-            </a:r>
-            <a:r>
-              <a:rPr lang="en-US" sz="2000" dirty="0" err="1"/>
-              <a:t>Seq</a:t>
-            </a:r>
-            <a:r>
-              <a:rPr lang="en-US" sz="2000" dirty="0"/>
-              <a:t>) in the context of observed </a:t>
-            </a:r>
-            <a:r>
-              <a:rPr lang="en-US" sz="2000" dirty="0" err="1"/>
-              <a:t>interactomes</a:t>
-            </a:r>
-            <a:endParaRPr lang="en-US" sz="2000" dirty="0"/>
-          </a:p>
-          <a:p>
-            <a:pPr marL="285750" indent="-285750">
-              <a:buFont typeface="Arial"/>
-              <a:buChar char="•"/>
-            </a:pPr>
-            <a:endParaRPr lang="en-US" sz="2000" dirty="0"/>
-          </a:p>
-          <a:p>
-            <a:pPr marL="742950" lvl="1" indent="-285750">
-              <a:buFont typeface="Arial"/>
-              <a:buChar char="•"/>
-            </a:pPr>
-            <a:r>
-              <a:rPr lang="en-US" sz="2000" dirty="0"/>
-              <a:t>e.g. are the genes </a:t>
-            </a:r>
-            <a:r>
-              <a:rPr lang="en-US" sz="2000" dirty="0" err="1"/>
-              <a:t>upregulated</a:t>
-            </a:r>
-            <a:r>
-              <a:rPr lang="en-US" sz="2000" dirty="0"/>
-              <a:t> in my RNA-</a:t>
-            </a:r>
-            <a:r>
-              <a:rPr lang="en-US" sz="2000" dirty="0" err="1"/>
-              <a:t>Seq</a:t>
-            </a:r>
-            <a:r>
-              <a:rPr lang="en-US" sz="2000" dirty="0"/>
-              <a:t> experiment reflective of a specific sub-set of protein-protein interactions?</a:t>
-            </a:r>
-          </a:p>
-          <a:p>
-            <a:pPr lvl="1"/>
-            <a:endParaRPr lang="en-US" sz="2000" dirty="0"/>
-          </a:p>
-        </p:txBody>
-      </p:sp>
-      <p:pic>
-        <p:nvPicPr>
-          <p:cNvPr id="2" name="Picture 1" descr="intro_15.png"/>
-          <p:cNvPicPr>
-            <a:picLocks noChangeAspect="1"/>
-          </p:cNvPicPr>
-          <p:nvPr/>
-        </p:nvPicPr>
-        <p:blipFill>
-          <a:blip r:embed="rId3">
-            <a:extLst>
-              <a:ext uri="{28A0092B-C50C-407E-A947-70E740481C1C}">
-                <a14:useLocalDpi xmlns:a14="http://schemas.microsoft.com/office/drawing/2010/main" val="0"/>
-              </a:ext>
-            </a:extLst>
-          </a:blip>
-          <a:stretch>
-            <a:fillRect/>
-          </a:stretch>
-        </p:blipFill>
-        <p:spPr>
-          <a:xfrm>
-            <a:off x="467544" y="3861047"/>
-            <a:ext cx="5832648" cy="2617909"/>
-          </a:xfrm>
-          <a:prstGeom prst="rect">
-            <a:avLst/>
-          </a:prstGeom>
-        </p:spPr>
-      </p:pic>
+        </p:txBody>
+      </p:sp>
     </p:spTree>
     <p:extLst>
       <p:ext uri="{BB962C8B-B14F-4D97-AF65-F5344CB8AC3E}">
-        <p14:creationId xmlns:p14="http://schemas.microsoft.com/office/powerpoint/2010/main" val="1436383456"/>
+        <p14:creationId xmlns:p14="http://schemas.microsoft.com/office/powerpoint/2010/main" val="651894161"/>
       </p:ext>
     </p:extLst>
   </p:cSld>
@@ -8940,43 +8858,128 @@
           <a:chExt cx="0" cy="0"/>
         </a:xfrm>
       </p:grpSpPr>
-      <p:pic>
-        <p:nvPicPr>
-          <p:cNvPr id="6" name="Picture 5" descr="A close up of a logo&#10;&#10;Description automatically generated">
-            <a:extLst>
-              <a:ext uri="{FF2B5EF4-FFF2-40B4-BE49-F238E27FC236}">
-                <a16:creationId xmlns:a16="http://schemas.microsoft.com/office/drawing/2014/main" id="{C3355115-0F85-8C41-A4F0-2EFBBEDCE100}"/>
-              </a:ext>
-            </a:extLst>
-          </p:cNvPr>
-          <p:cNvPicPr>
-            <a:picLocks noChangeAspect="1"/>
-          </p:cNvPicPr>
+      <p:sp>
+        <p:nvSpPr>
+          <p:cNvPr id="9" name="Rectangle 2"/>
+          <p:cNvSpPr>
+            <a:spLocks noGrp="1" noChangeArrowheads="1"/>
+          </p:cNvSpPr>
+          <p:nvPr>
+            <p:ph type="ctrTitle"/>
+          </p:nvPr>
+        </p:nvSpPr>
+        <p:spPr>
+          <a:xfrm>
+            <a:off x="323528" y="-171400"/>
+            <a:ext cx="8568952" cy="1535832"/>
+          </a:xfrm>
+        </p:spPr>
+        <p:txBody>
+          <a:bodyPr/>
+          <a:lstStyle/>
+          <a:p>
+            <a:pPr algn="l" eaLnBrk="1" hangingPunct="1"/>
+            <a:r>
+              <a:rPr lang="en-US" sz="3200" b="1" dirty="0"/>
+              <a:t>Enrichment</a:t>
+            </a:r>
+            <a:endParaRPr lang="en-US" sz="3200" dirty="0"/>
+          </a:p>
+        </p:txBody>
+      </p:sp>
+      <p:sp>
+        <p:nvSpPr>
+          <p:cNvPr id="6" name="Text Box 14"/>
+          <p:cNvSpPr txBox="1">
+            <a:spLocks noChangeArrowheads="1"/>
+          </p:cNvSpPr>
           <p:nvPr/>
-        </p:nvPicPr>
-        <p:blipFill>
-          <a:blip r:embed="rId3"/>
-          <a:stretch>
-            <a:fillRect/>
-          </a:stretch>
-        </p:blipFill>
-        <p:spPr>
+        </p:nvSpPr>
+        <p:spPr bwMode="auto">
           <a:xfrm>
-            <a:off x="3302000" y="2159000"/>
-            <a:ext cx="2540000" cy="2540000"/>
+            <a:off x="467544" y="1011500"/>
+            <a:ext cx="8064896" cy="3785652"/>
           </a:xfrm>
           <a:prstGeom prst="rect">
             <a:avLst/>
           </a:prstGeom>
-          <a:solidFill>
-            <a:schemeClr val="tx1"/>
-          </a:solidFill>
-        </p:spPr>
-      </p:pic>
+          <a:noFill/>
+          <a:ln w="9525">
+            <a:noFill/>
+            <a:miter lim="800000"/>
+            <a:headEnd/>
+            <a:tailEnd/>
+          </a:ln>
+        </p:spPr>
+        <p:txBody>
+          <a:bodyPr wrap="square">
+            <a:prstTxWarp prst="textNoShape">
+              <a:avLst/>
+            </a:prstTxWarp>
+            <a:spAutoFit/>
+          </a:bodyPr>
+          <a:lstStyle/>
+          <a:p>
+            <a:pPr marL="285750" indent="-285750">
+              <a:buFont typeface="Arial"/>
+              <a:buChar char="•"/>
+            </a:pPr>
+            <a:r>
+              <a:rPr lang="en-US" sz="2000" dirty="0"/>
+              <a:t>A powerful tool for high-level interpretation of complex experimental data, allowing investigator to detect biological processes otherwise not apparent</a:t>
+            </a:r>
+          </a:p>
+          <a:p>
+            <a:pPr marL="285750" indent="-285750">
+              <a:buFont typeface="Arial"/>
+              <a:buChar char="•"/>
+            </a:pPr>
+            <a:endParaRPr lang="en-US" sz="2000" dirty="0"/>
+          </a:p>
+          <a:p>
+            <a:pPr marL="285750" indent="-285750">
+              <a:buFont typeface="Arial"/>
+              <a:buChar char="•"/>
+            </a:pPr>
+            <a:r>
+              <a:rPr lang="en-US" sz="2000" dirty="0"/>
+              <a:t>Computational and statistical in nature – uses ontologies, networks, or </a:t>
+            </a:r>
+            <a:r>
+              <a:rPr lang="en-US" sz="2000" dirty="0" err="1"/>
+              <a:t>interactomes</a:t>
+            </a:r>
+            <a:r>
+              <a:rPr lang="en-US" sz="2000" dirty="0"/>
+              <a:t> to test if a specific biological process, pathway, or interaction is highlighted by the data</a:t>
+            </a:r>
+          </a:p>
+          <a:p>
+            <a:pPr marL="285750" indent="-285750">
+              <a:buFont typeface="Arial"/>
+              <a:buChar char="•"/>
+            </a:pPr>
+            <a:endParaRPr lang="en-US" sz="2000" dirty="0"/>
+          </a:p>
+          <a:p>
+            <a:pPr marL="285750" indent="-285750">
+              <a:buFont typeface="Arial"/>
+              <a:buChar char="•"/>
+            </a:pPr>
+            <a:r>
+              <a:rPr lang="en-US" sz="2000" dirty="0"/>
+              <a:t>Null hypothesis – no ontological term, biochemical or regulatory network, or known interactions are over-represented in my data (relative to controls or background signal)</a:t>
+            </a:r>
+          </a:p>
+          <a:p>
+            <a:endParaRPr lang="en-US" sz="2000" dirty="0"/>
+          </a:p>
+        </p:txBody>
+      </p:sp>
     </p:spTree>
     <p:extLst>
       <p:ext uri="{BB962C8B-B14F-4D97-AF65-F5344CB8AC3E}">
-        <p14:creationId xmlns:p14="http://schemas.microsoft.com/office/powerpoint/2010/main" val="3425134106"/>
+        <p14:creationId xmlns:p14="http://schemas.microsoft.com/office/powerpoint/2010/main" val="2604912252"/>
       </p:ext>
     </p:extLst>
   </p:cSld>
@@ -9026,7 +9029,7 @@
             <a:pPr algn="l" eaLnBrk="1" hangingPunct="1"/>
             <a:r>
               <a:rPr lang="en-US" sz="3200" b="1" dirty="0"/>
-              <a:t>Connections &amp; Cross-References</a:t>
+              <a:t>Enrichment Example:</a:t>
             </a:r>
             <a:endParaRPr lang="en-US" sz="3200" dirty="0"/>
           </a:p>
@@ -9042,8 +9045,122 @@
         </p:nvSpPr>
         <p:spPr bwMode="auto">
           <a:xfrm>
-            <a:off x="467544" y="1011500"/>
-            <a:ext cx="8064896" cy="6247864"/>
+            <a:off x="6012160" y="1196752"/>
+            <a:ext cx="2664296" cy="646331"/>
+          </a:xfrm>
+          <a:prstGeom prst="rect">
+            <a:avLst/>
+          </a:prstGeom>
+          <a:noFill/>
+          <a:ln w="9525">
+            <a:solidFill>
+              <a:schemeClr val="tx1"/>
+            </a:solidFill>
+            <a:miter lim="800000"/>
+            <a:headEnd/>
+            <a:tailEnd/>
+          </a:ln>
+        </p:spPr>
+        <p:txBody>
+          <a:bodyPr wrap="square">
+            <a:prstTxWarp prst="textNoShape">
+              <a:avLst/>
+            </a:prstTxWarp>
+            <a:spAutoFit/>
+          </a:bodyPr>
+          <a:lstStyle/>
+          <a:p>
+            <a:r>
+              <a:rPr lang="en-US" sz="1800" dirty="0"/>
+              <a:t>1300 genes up-regulated in response to dioxin</a:t>
+            </a:r>
+          </a:p>
+        </p:txBody>
+      </p:sp>
+      <p:sp>
+        <p:nvSpPr>
+          <p:cNvPr id="5" name="Text Box 14"/>
+          <p:cNvSpPr txBox="1">
+            <a:spLocks noChangeArrowheads="1"/>
+          </p:cNvSpPr>
+          <p:nvPr/>
+        </p:nvSpPr>
+        <p:spPr bwMode="auto">
+          <a:xfrm>
+            <a:off x="6012160" y="2276872"/>
+            <a:ext cx="2736304" cy="369332"/>
+          </a:xfrm>
+          <a:prstGeom prst="rect">
+            <a:avLst/>
+          </a:prstGeom>
+          <a:noFill/>
+          <a:ln w="9525">
+            <a:solidFill>
+              <a:schemeClr val="tx1"/>
+            </a:solidFill>
+            <a:miter lim="800000"/>
+            <a:headEnd/>
+            <a:tailEnd/>
+          </a:ln>
+        </p:spPr>
+        <p:txBody>
+          <a:bodyPr wrap="square">
+            <a:prstTxWarp prst="textNoShape">
+              <a:avLst/>
+            </a:prstTxWarp>
+            <a:spAutoFit/>
+          </a:bodyPr>
+          <a:lstStyle/>
+          <a:p>
+            <a:r>
+              <a:rPr lang="en-US" sz="1800" dirty="0"/>
+              <a:t>All genes in the genome</a:t>
+            </a:r>
+          </a:p>
+        </p:txBody>
+      </p:sp>
+      <p:pic>
+        <p:nvPicPr>
+          <p:cNvPr id="2" name="Picture 1" descr="Unknown.jpeg"/>
+          <p:cNvPicPr>
+            <a:picLocks noChangeAspect="1"/>
+          </p:cNvPicPr>
+          <p:nvPr/>
+        </p:nvPicPr>
+        <p:blipFill>
+          <a:blip r:embed="rId3">
+            <a:extLst>
+              <a:ext uri="{28A0092B-C50C-407E-A947-70E740481C1C}">
+                <a14:useLocalDpi xmlns:a14="http://schemas.microsoft.com/office/drawing/2010/main" val="0"/>
+              </a:ext>
+            </a:extLst>
+          </a:blip>
+          <a:stretch>
+            <a:fillRect/>
+          </a:stretch>
+        </p:blipFill>
+        <p:spPr>
+          <a:xfrm>
+            <a:off x="179512" y="1331476"/>
+            <a:ext cx="1545161" cy="1028234"/>
+          </a:xfrm>
+          <a:prstGeom prst="rect">
+            <a:avLst/>
+          </a:prstGeom>
+        </p:spPr>
+      </p:pic>
+      <p:sp>
+        <p:nvSpPr>
+          <p:cNvPr id="7" name="Text Box 14"/>
+          <p:cNvSpPr txBox="1">
+            <a:spLocks noChangeArrowheads="1"/>
+          </p:cNvSpPr>
+          <p:nvPr/>
+        </p:nvSpPr>
+        <p:spPr bwMode="auto">
+          <a:xfrm>
+            <a:off x="179512" y="2339588"/>
+            <a:ext cx="1512168" cy="369332"/>
           </a:xfrm>
           <a:prstGeom prst="rect">
             <a:avLst/>
@@ -9065,166 +9182,503 @@
           </a:bodyPr>
           <a:lstStyle/>
           <a:p>
-            <a:pPr marL="285750" indent="-285750">
-              <a:buFont typeface="Arial"/>
-              <a:buChar char="•"/>
-            </a:pPr>
-            <a:r>
-              <a:rPr lang="en-US" sz="2000" dirty="0"/>
-              <a:t>Connections &amp; Cross-References lead to standardization &amp; normalization</a:t>
-            </a:r>
-          </a:p>
-          <a:p>
-            <a:pPr marL="742950" lvl="1" indent="-285750">
-              <a:buFont typeface="Arial"/>
-              <a:buChar char="•"/>
-            </a:pPr>
-            <a:endParaRPr lang="en-US" sz="2000" dirty="0"/>
-          </a:p>
-          <a:p>
-            <a:pPr marL="742950" lvl="1" indent="-285750">
-              <a:buFont typeface="Arial"/>
-              <a:buChar char="•"/>
-            </a:pPr>
-            <a:r>
-              <a:rPr lang="en-US" sz="2000" dirty="0"/>
-              <a:t>Standardization – a common language is used to describe biological phenomena</a:t>
-            </a:r>
-          </a:p>
-          <a:p>
-            <a:pPr marL="742950" lvl="1" indent="-285750">
-              <a:buFont typeface="Arial"/>
-              <a:buChar char="•"/>
-            </a:pPr>
-            <a:endParaRPr lang="en-US" sz="2000" dirty="0"/>
-          </a:p>
-          <a:p>
-            <a:pPr marL="742950" lvl="1" indent="-285750">
-              <a:buFont typeface="Arial"/>
-              <a:buChar char="•"/>
-            </a:pPr>
-            <a:r>
-              <a:rPr lang="en-US" sz="2000" dirty="0"/>
-              <a:t>Normalization – data, models, citations, and algorithms are annotated using the same common language, allowing easier sharing and comparison of data</a:t>
-            </a:r>
-          </a:p>
-          <a:p>
-            <a:pPr marL="742950" lvl="1" indent="-285750">
-              <a:buFont typeface="Arial"/>
-              <a:buChar char="•"/>
-            </a:pPr>
-            <a:endParaRPr lang="en-US" sz="2000" dirty="0"/>
-          </a:p>
-          <a:p>
-            <a:pPr marL="285750" indent="-285750">
-              <a:buFont typeface="Arial"/>
-              <a:buChar char="•"/>
-            </a:pPr>
-            <a:r>
-              <a:rPr lang="en-US" sz="2000" dirty="0"/>
-              <a:t>Connections &amp; Cross-Reference combined with computer-readable representations leads to powerful analytical tools</a:t>
-            </a:r>
-          </a:p>
-          <a:p>
-            <a:pPr marL="285750" indent="-285750">
-              <a:buFont typeface="Arial"/>
-              <a:buChar char="•"/>
-            </a:pPr>
-            <a:endParaRPr lang="en-US" sz="2000" dirty="0"/>
-          </a:p>
-          <a:p>
-            <a:pPr marL="285750" indent="-285750">
-              <a:buFont typeface="Arial"/>
-              <a:buChar char="•"/>
-            </a:pPr>
-            <a:r>
-              <a:rPr lang="en-US" sz="2000" dirty="0"/>
-              <a:t>Examples</a:t>
-            </a:r>
-          </a:p>
-          <a:p>
-            <a:pPr marL="742950" lvl="1" indent="-285750">
-              <a:buFont typeface="Arial"/>
-              <a:buChar char="•"/>
-            </a:pPr>
+            <a:r>
+              <a:rPr lang="en-US" sz="1800" i="1" dirty="0" err="1"/>
+              <a:t>Danio</a:t>
+            </a:r>
+            <a:r>
+              <a:rPr lang="en-US" sz="1800" i="1" dirty="0"/>
+              <a:t> </a:t>
+            </a:r>
+            <a:r>
+              <a:rPr lang="en-US" sz="1800" i="1" dirty="0" err="1"/>
+              <a:t>rerio</a:t>
+            </a:r>
+            <a:endParaRPr lang="en-US" sz="1800" i="1" dirty="0"/>
+          </a:p>
+        </p:txBody>
+      </p:sp>
+      <p:pic>
+        <p:nvPicPr>
+          <p:cNvPr id="3" name="Picture 2" descr="Unknown-1.jpeg"/>
+          <p:cNvPicPr>
+            <a:picLocks noChangeAspect="1"/>
+          </p:cNvPicPr>
+          <p:nvPr/>
+        </p:nvPicPr>
+        <p:blipFill>
+          <a:blip r:embed="rId4">
+            <a:extLst>
+              <a:ext uri="{28A0092B-C50C-407E-A947-70E740481C1C}">
+                <a14:useLocalDpi xmlns:a14="http://schemas.microsoft.com/office/drawing/2010/main" val="0"/>
+              </a:ext>
+            </a:extLst>
+          </a:blip>
+          <a:stretch>
+            <a:fillRect/>
+          </a:stretch>
+        </p:blipFill>
+        <p:spPr>
+          <a:xfrm>
+            <a:off x="1475656" y="1187460"/>
+            <a:ext cx="864096" cy="490041"/>
+          </a:xfrm>
+          <a:prstGeom prst="rect">
+            <a:avLst/>
+          </a:prstGeom>
+        </p:spPr>
+      </p:pic>
+      <p:sp>
+        <p:nvSpPr>
+          <p:cNvPr id="10" name="Text Box 14"/>
+          <p:cNvSpPr txBox="1">
+            <a:spLocks noChangeArrowheads="1"/>
+          </p:cNvSpPr>
+          <p:nvPr/>
+        </p:nvSpPr>
+        <p:spPr bwMode="auto">
+          <a:xfrm>
+            <a:off x="6948264" y="1844824"/>
+            <a:ext cx="2736304" cy="369332"/>
+          </a:xfrm>
+          <a:prstGeom prst="rect">
+            <a:avLst/>
+          </a:prstGeom>
+          <a:noFill/>
+          <a:ln w="9525">
+            <a:noFill/>
+            <a:miter lim="800000"/>
+            <a:headEnd/>
+            <a:tailEnd/>
+          </a:ln>
+        </p:spPr>
+        <p:txBody>
+          <a:bodyPr wrap="square">
+            <a:prstTxWarp prst="textNoShape">
+              <a:avLst/>
+            </a:prstTxWarp>
+            <a:spAutoFit/>
+          </a:bodyPr>
+          <a:lstStyle/>
+          <a:p>
+            <a:r>
+              <a:rPr lang="en-US" sz="1800" i="1" dirty="0"/>
+              <a:t>versus</a:t>
+            </a:r>
+          </a:p>
+        </p:txBody>
+      </p:sp>
+      <p:sp>
+        <p:nvSpPr>
+          <p:cNvPr id="8" name="Down Arrow 7"/>
+          <p:cNvSpPr/>
+          <p:nvPr/>
+        </p:nvSpPr>
+        <p:spPr bwMode="auto">
+          <a:xfrm>
+            <a:off x="6948264" y="3140968"/>
+            <a:ext cx="484632" cy="1770496"/>
+          </a:xfrm>
+          <a:prstGeom prst="downArrow">
+            <a:avLst/>
+          </a:prstGeom>
+          <a:solidFill>
+            <a:schemeClr val="accent1"/>
+          </a:solidFill>
+          <a:ln w="9525" cap="flat" cmpd="sng" algn="ctr">
+            <a:solidFill>
+              <a:schemeClr val="tx1"/>
+            </a:solidFill>
+            <a:prstDash val="solid"/>
+            <a:round/>
+            <a:headEnd type="none" w="med" len="med"/>
+            <a:tailEnd type="none" w="med" len="med"/>
+          </a:ln>
+          <a:effectLst/>
+        </p:spPr>
+        <p:txBody>
+          <a:bodyPr vert="horz" wrap="square" lIns="91440" tIns="45720" rIns="91440" bIns="45720" numCol="1" rtlCol="0" anchor="t" anchorCtr="0" compatLnSpc="1">
+            <a:prstTxWarp prst="textNoShape">
+              <a:avLst/>
+            </a:prstTxWarp>
+          </a:bodyPr>
+          <a:lstStyle/>
+          <a:p>
+            <a:pPr marL="0" marR="0" indent="0" algn="l" defTabSz="914400" rtl="0" eaLnBrk="0" fontAlgn="base" latinLnBrk="0" hangingPunct="0">
+              <a:lnSpc>
+                <a:spcPct val="100000"/>
+              </a:lnSpc>
+              <a:spcBef>
+                <a:spcPct val="0"/>
+              </a:spcBef>
+              <a:spcAft>
+                <a:spcPct val="0"/>
+              </a:spcAft>
+              <a:buClrTx/>
+              <a:buSzTx/>
+              <a:buFontTx/>
+              <a:buNone/>
+              <a:tabLst/>
+            </a:pPr>
+            <a:endParaRPr kumimoji="0" lang="en-US" sz="2400" b="0" i="0" u="none" strike="noStrike" cap="none" normalizeH="0" baseline="0">
+              <a:ln>
+                <a:noFill/>
+              </a:ln>
+              <a:solidFill>
+                <a:schemeClr val="tx1"/>
+              </a:solidFill>
+              <a:effectLst/>
+              <a:latin typeface="Times" charset="0"/>
+            </a:endParaRPr>
+          </a:p>
+        </p:txBody>
+      </p:sp>
+      <p:sp>
+        <p:nvSpPr>
+          <p:cNvPr id="11" name="Text Box 14"/>
+          <p:cNvSpPr txBox="1">
+            <a:spLocks noChangeArrowheads="1"/>
+          </p:cNvSpPr>
+          <p:nvPr/>
+        </p:nvSpPr>
+        <p:spPr bwMode="auto">
+          <a:xfrm>
+            <a:off x="6012160" y="5157192"/>
+            <a:ext cx="2736304" cy="1477328"/>
+          </a:xfrm>
+          <a:prstGeom prst="rect">
+            <a:avLst/>
+          </a:prstGeom>
+          <a:noFill/>
+          <a:ln w="9525">
+            <a:solidFill>
+              <a:schemeClr val="tx1"/>
+            </a:solidFill>
+            <a:miter lim="800000"/>
+            <a:headEnd/>
+            <a:tailEnd/>
+          </a:ln>
+        </p:spPr>
+        <p:txBody>
+          <a:bodyPr wrap="square">
+            <a:prstTxWarp prst="textNoShape">
+              <a:avLst/>
+            </a:prstTxWarp>
+            <a:spAutoFit/>
+          </a:bodyPr>
+          <a:lstStyle/>
+          <a:p>
             <a:r>
               <a:rPr lang="en-US" sz="1800" dirty="0"/>
-              <a:t>A protein-protein </a:t>
-            </a:r>
-            <a:r>
-              <a:rPr lang="en-US" sz="1800" dirty="0" err="1"/>
-              <a:t>interactome</a:t>
-            </a:r>
-            <a:r>
-              <a:rPr lang="en-US" sz="1800" dirty="0"/>
-              <a:t> dataset uses </a:t>
-            </a:r>
-            <a:r>
-              <a:rPr lang="en-US" sz="1800" dirty="0" err="1"/>
-              <a:t>GenBank</a:t>
-            </a:r>
-            <a:r>
-              <a:rPr lang="en-US" sz="1800" dirty="0"/>
-              <a:t> accessions for all the proteins observed</a:t>
-            </a:r>
-          </a:p>
-          <a:p>
-            <a:pPr marL="742950" lvl="1" indent="-285750">
-              <a:buFont typeface="Arial"/>
-              <a:buChar char="•"/>
-            </a:pPr>
-            <a:r>
-              <a:rPr lang="en-US" sz="1800" dirty="0"/>
-              <a:t>Gene Ontology annotates </a:t>
-            </a:r>
-            <a:r>
-              <a:rPr lang="en-US" sz="1800" dirty="0" err="1"/>
-              <a:t>GenBank</a:t>
-            </a:r>
-            <a:r>
-              <a:rPr lang="en-US" sz="1800" dirty="0"/>
-              <a:t> so all protein </a:t>
-            </a:r>
-            <a:r>
-              <a:rPr lang="en-US" sz="1800" dirty="0" err="1"/>
-              <a:t>GenBank</a:t>
-            </a:r>
-            <a:r>
-              <a:rPr lang="en-US" sz="1800" dirty="0"/>
-              <a:t> accessions are associated with GO terms</a:t>
-            </a:r>
-          </a:p>
-          <a:p>
-            <a:pPr marL="742950" lvl="1" indent="-285750">
-              <a:buFont typeface="Arial"/>
-              <a:buChar char="•"/>
-            </a:pPr>
-            <a:r>
-              <a:rPr lang="en-US" sz="1800" dirty="0" err="1"/>
-              <a:t>InterPro</a:t>
-            </a:r>
-            <a:r>
-              <a:rPr lang="en-US" sz="1800" dirty="0"/>
-              <a:t> curates connections between </a:t>
-            </a:r>
-            <a:r>
-              <a:rPr lang="en-US" sz="1800" dirty="0" err="1"/>
-              <a:t>Pfam</a:t>
-            </a:r>
-            <a:r>
-              <a:rPr lang="en-US" sz="1800" dirty="0"/>
-              <a:t> and PROSITE models and Gene Ontology terms</a:t>
-            </a:r>
-          </a:p>
-          <a:p>
-            <a:endParaRPr lang="en-US" sz="2000" dirty="0"/>
+              <a:t>GO terms for oxidative stress response, DNA damage repair statistically enriched in the up-regulated genes</a:t>
+            </a:r>
+          </a:p>
+        </p:txBody>
+      </p:sp>
+      <p:sp>
+        <p:nvSpPr>
+          <p:cNvPr id="12" name="Text Box 14"/>
+          <p:cNvSpPr txBox="1">
+            <a:spLocks noChangeArrowheads="1"/>
+          </p:cNvSpPr>
+          <p:nvPr/>
+        </p:nvSpPr>
+        <p:spPr bwMode="auto">
+          <a:xfrm>
+            <a:off x="5004048" y="3646765"/>
+            <a:ext cx="2736304" cy="646331"/>
+          </a:xfrm>
+          <a:prstGeom prst="rect">
+            <a:avLst/>
+          </a:prstGeom>
+          <a:noFill/>
+          <a:ln w="9525">
+            <a:noFill/>
+            <a:miter lim="800000"/>
+            <a:headEnd/>
+            <a:tailEnd/>
+          </a:ln>
+        </p:spPr>
+        <p:txBody>
+          <a:bodyPr wrap="square">
+            <a:prstTxWarp prst="textNoShape">
+              <a:avLst/>
+            </a:prstTxWarp>
+            <a:spAutoFit/>
+          </a:bodyPr>
+          <a:lstStyle/>
+          <a:p>
+            <a:r>
+              <a:rPr lang="en-US" sz="1800" i="1" dirty="0"/>
+              <a:t>Gene Ontology</a:t>
+            </a:r>
+          </a:p>
+          <a:p>
+            <a:r>
+              <a:rPr lang="en-US" sz="1800" i="1" dirty="0"/>
+              <a:t>enrichment analysis</a:t>
+            </a:r>
+          </a:p>
+        </p:txBody>
+      </p:sp>
+      <p:sp>
+        <p:nvSpPr>
+          <p:cNvPr id="13" name="Text Box 14"/>
+          <p:cNvSpPr txBox="1">
+            <a:spLocks noChangeArrowheads="1"/>
+          </p:cNvSpPr>
+          <p:nvPr/>
+        </p:nvSpPr>
+        <p:spPr bwMode="auto">
+          <a:xfrm>
+            <a:off x="1691680" y="1619508"/>
+            <a:ext cx="864096" cy="338554"/>
+          </a:xfrm>
+          <a:prstGeom prst="rect">
+            <a:avLst/>
+          </a:prstGeom>
+          <a:noFill/>
+          <a:ln w="9525">
+            <a:solidFill>
+              <a:schemeClr val="tx1"/>
+            </a:solidFill>
+            <a:miter lim="800000"/>
+            <a:headEnd/>
+            <a:tailEnd/>
+          </a:ln>
+        </p:spPr>
+        <p:txBody>
+          <a:bodyPr wrap="square">
+            <a:prstTxWarp prst="textNoShape">
+              <a:avLst/>
+            </a:prstTxWarp>
+            <a:spAutoFit/>
+          </a:bodyPr>
+          <a:lstStyle/>
+          <a:p>
+            <a:r>
+              <a:rPr lang="en-US" sz="1600" i="1" dirty="0"/>
+              <a:t>dioxin</a:t>
+            </a:r>
+          </a:p>
+        </p:txBody>
+      </p:sp>
+      <p:sp>
+        <p:nvSpPr>
+          <p:cNvPr id="14" name="Text Box 14"/>
+          <p:cNvSpPr txBox="1">
+            <a:spLocks noChangeArrowheads="1"/>
+          </p:cNvSpPr>
+          <p:nvPr/>
+        </p:nvSpPr>
+        <p:spPr bwMode="auto">
+          <a:xfrm>
+            <a:off x="2771800" y="1475492"/>
+            <a:ext cx="1368152" cy="369332"/>
+          </a:xfrm>
+          <a:prstGeom prst="rect">
+            <a:avLst/>
+          </a:prstGeom>
+          <a:solidFill>
+            <a:schemeClr val="accent1">
+              <a:lumMod val="40000"/>
+              <a:lumOff val="60000"/>
+            </a:schemeClr>
+          </a:solidFill>
+          <a:ln w="9525">
+            <a:solidFill>
+              <a:schemeClr val="tx1"/>
+            </a:solidFill>
+            <a:miter lim="800000"/>
+            <a:headEnd/>
+            <a:tailEnd/>
+          </a:ln>
+        </p:spPr>
+        <p:txBody>
+          <a:bodyPr wrap="square">
+            <a:prstTxWarp prst="textNoShape">
+              <a:avLst/>
+            </a:prstTxWarp>
+            <a:spAutoFit/>
+          </a:bodyPr>
+          <a:lstStyle/>
+          <a:p>
+            <a:r>
+              <a:rPr lang="en-US" sz="1800" dirty="0">
+                <a:solidFill>
+                  <a:schemeClr val="bg2"/>
+                </a:solidFill>
+              </a:rPr>
+              <a:t>CONTROL</a:t>
+            </a:r>
+          </a:p>
+        </p:txBody>
+      </p:sp>
+      <p:sp>
+        <p:nvSpPr>
+          <p:cNvPr id="15" name="Text Box 14"/>
+          <p:cNvSpPr txBox="1">
+            <a:spLocks noChangeArrowheads="1"/>
+          </p:cNvSpPr>
+          <p:nvPr/>
+        </p:nvSpPr>
+        <p:spPr bwMode="auto">
+          <a:xfrm>
+            <a:off x="2771800" y="2051556"/>
+            <a:ext cx="1368152" cy="369332"/>
+          </a:xfrm>
+          <a:prstGeom prst="rect">
+            <a:avLst/>
+          </a:prstGeom>
+          <a:solidFill>
+            <a:schemeClr val="accent1">
+              <a:lumMod val="40000"/>
+              <a:lumOff val="60000"/>
+            </a:schemeClr>
+          </a:solidFill>
+          <a:ln w="9525">
+            <a:solidFill>
+              <a:schemeClr val="tx1"/>
+            </a:solidFill>
+            <a:miter lim="800000"/>
+            <a:headEnd/>
+            <a:tailEnd/>
+          </a:ln>
+        </p:spPr>
+        <p:txBody>
+          <a:bodyPr wrap="square">
+            <a:prstTxWarp prst="textNoShape">
+              <a:avLst/>
+            </a:prstTxWarp>
+            <a:spAutoFit/>
+          </a:bodyPr>
+          <a:lstStyle/>
+          <a:p>
+            <a:r>
+              <a:rPr lang="en-US" sz="1800" dirty="0">
+                <a:solidFill>
+                  <a:schemeClr val="bg2"/>
+                </a:solidFill>
+              </a:rPr>
+              <a:t>EXPOSED</a:t>
+            </a:r>
+          </a:p>
+        </p:txBody>
+      </p:sp>
+      <p:sp>
+        <p:nvSpPr>
+          <p:cNvPr id="6" name="Right Arrow 5"/>
+          <p:cNvSpPr/>
+          <p:nvPr/>
+        </p:nvSpPr>
+        <p:spPr bwMode="auto">
+          <a:xfrm>
+            <a:off x="4355976" y="1700808"/>
+            <a:ext cx="1512168" cy="484632"/>
+          </a:xfrm>
+          <a:prstGeom prst="rightArrow">
+            <a:avLst/>
+          </a:prstGeom>
+          <a:solidFill>
+            <a:schemeClr val="accent1"/>
+          </a:solidFill>
+          <a:ln w="9525" cap="flat" cmpd="sng" algn="ctr">
+            <a:solidFill>
+              <a:schemeClr val="tx1"/>
+            </a:solidFill>
+            <a:prstDash val="solid"/>
+            <a:round/>
+            <a:headEnd type="none" w="med" len="med"/>
+            <a:tailEnd type="none" w="med" len="med"/>
+          </a:ln>
+          <a:effectLst/>
+        </p:spPr>
+        <p:txBody>
+          <a:bodyPr vert="horz" wrap="square" lIns="91440" tIns="45720" rIns="91440" bIns="45720" numCol="1" rtlCol="0" anchor="t" anchorCtr="0" compatLnSpc="1">
+            <a:prstTxWarp prst="textNoShape">
+              <a:avLst/>
+            </a:prstTxWarp>
+          </a:bodyPr>
+          <a:lstStyle/>
+          <a:p>
+            <a:pPr marL="0" marR="0" indent="0" algn="l" defTabSz="914400" rtl="0" eaLnBrk="0" fontAlgn="base" latinLnBrk="0" hangingPunct="0">
+              <a:lnSpc>
+                <a:spcPct val="100000"/>
+              </a:lnSpc>
+              <a:spcBef>
+                <a:spcPct val="0"/>
+              </a:spcBef>
+              <a:spcAft>
+                <a:spcPct val="0"/>
+              </a:spcAft>
+              <a:buClrTx/>
+              <a:buSzTx/>
+              <a:buFontTx/>
+              <a:buNone/>
+              <a:tabLst/>
+            </a:pPr>
+            <a:endParaRPr kumimoji="0" lang="en-US" sz="2400" b="0" i="0" u="none" strike="noStrike" cap="none" normalizeH="0" baseline="0">
+              <a:ln>
+                <a:noFill/>
+              </a:ln>
+              <a:solidFill>
+                <a:schemeClr val="tx1"/>
+              </a:solidFill>
+              <a:effectLst/>
+              <a:latin typeface="Times" charset="0"/>
+            </a:endParaRPr>
+          </a:p>
+        </p:txBody>
+      </p:sp>
+      <p:sp>
+        <p:nvSpPr>
+          <p:cNvPr id="16" name="Text Box 14"/>
+          <p:cNvSpPr txBox="1">
+            <a:spLocks noChangeArrowheads="1"/>
+          </p:cNvSpPr>
+          <p:nvPr/>
+        </p:nvSpPr>
+        <p:spPr bwMode="auto">
+          <a:xfrm>
+            <a:off x="4499992" y="1412776"/>
+            <a:ext cx="2736304" cy="369332"/>
+          </a:xfrm>
+          <a:prstGeom prst="rect">
+            <a:avLst/>
+          </a:prstGeom>
+          <a:noFill/>
+          <a:ln w="9525">
+            <a:noFill/>
+            <a:miter lim="800000"/>
+            <a:headEnd/>
+            <a:tailEnd/>
+          </a:ln>
+        </p:spPr>
+        <p:txBody>
+          <a:bodyPr wrap="square">
+            <a:prstTxWarp prst="textNoShape">
+              <a:avLst/>
+            </a:prstTxWarp>
+            <a:spAutoFit/>
+          </a:bodyPr>
+          <a:lstStyle/>
+          <a:p>
+            <a:r>
+              <a:rPr lang="en-US" sz="1800" i="1" dirty="0"/>
+              <a:t>RNA-</a:t>
+            </a:r>
+            <a:r>
+              <a:rPr lang="en-US" sz="1800" i="1" dirty="0" err="1"/>
+              <a:t>Seq</a:t>
+            </a:r>
+            <a:endParaRPr lang="en-US" sz="1800" i="1" dirty="0"/>
           </a:p>
         </p:txBody>
       </p:sp>
     </p:spTree>
     <p:extLst>
       <p:ext uri="{BB962C8B-B14F-4D97-AF65-F5344CB8AC3E}">
-        <p14:creationId xmlns:p14="http://schemas.microsoft.com/office/powerpoint/2010/main" val="651894161"/>
+        <p14:creationId xmlns:p14="http://schemas.microsoft.com/office/powerpoint/2010/main" val="2151705758"/>
       </p:ext>
     </p:extLst>
   </p:cSld>
@@ -9274,7 +9728,7 @@
             <a:pPr algn="l" eaLnBrk="1" hangingPunct="1"/>
             <a:r>
               <a:rPr lang="en-US" sz="3200" b="1" dirty="0"/>
-              <a:t>Enrichment</a:t>
+              <a:t>Enrichment Example:</a:t>
             </a:r>
             <a:endParaRPr lang="en-US" sz="3200" dirty="0"/>
           </a:p>
@@ -9282,7 +9736,7 @@
       </p:sp>
       <p:sp>
         <p:nvSpPr>
-          <p:cNvPr id="6" name="Text Box 14"/>
+          <p:cNvPr id="4" name="Text Box 14"/>
           <p:cNvSpPr txBox="1">
             <a:spLocks noChangeArrowheads="1"/>
           </p:cNvSpPr>
@@ -9290,8 +9744,122 @@
         </p:nvSpPr>
         <p:spPr bwMode="auto">
           <a:xfrm>
-            <a:off x="467544" y="1011500"/>
-            <a:ext cx="8064896" cy="3785652"/>
+            <a:off x="6012160" y="1196752"/>
+            <a:ext cx="2664296" cy="646331"/>
+          </a:xfrm>
+          <a:prstGeom prst="rect">
+            <a:avLst/>
+          </a:prstGeom>
+          <a:noFill/>
+          <a:ln w="9525">
+            <a:solidFill>
+              <a:schemeClr val="tx1"/>
+            </a:solidFill>
+            <a:miter lim="800000"/>
+            <a:headEnd/>
+            <a:tailEnd/>
+          </a:ln>
+        </p:spPr>
+        <p:txBody>
+          <a:bodyPr wrap="square">
+            <a:prstTxWarp prst="textNoShape">
+              <a:avLst/>
+            </a:prstTxWarp>
+            <a:spAutoFit/>
+          </a:bodyPr>
+          <a:lstStyle/>
+          <a:p>
+            <a:r>
+              <a:rPr lang="en-US" sz="1800" dirty="0"/>
+              <a:t>1300 genes up-regulated in response to dioxin</a:t>
+            </a:r>
+          </a:p>
+        </p:txBody>
+      </p:sp>
+      <p:sp>
+        <p:nvSpPr>
+          <p:cNvPr id="5" name="Text Box 14"/>
+          <p:cNvSpPr txBox="1">
+            <a:spLocks noChangeArrowheads="1"/>
+          </p:cNvSpPr>
+          <p:nvPr/>
+        </p:nvSpPr>
+        <p:spPr bwMode="auto">
+          <a:xfrm>
+            <a:off x="6012160" y="2276872"/>
+            <a:ext cx="2736304" cy="369332"/>
+          </a:xfrm>
+          <a:prstGeom prst="rect">
+            <a:avLst/>
+          </a:prstGeom>
+          <a:noFill/>
+          <a:ln w="9525">
+            <a:solidFill>
+              <a:schemeClr val="tx1"/>
+            </a:solidFill>
+            <a:miter lim="800000"/>
+            <a:headEnd/>
+            <a:tailEnd/>
+          </a:ln>
+        </p:spPr>
+        <p:txBody>
+          <a:bodyPr wrap="square">
+            <a:prstTxWarp prst="textNoShape">
+              <a:avLst/>
+            </a:prstTxWarp>
+            <a:spAutoFit/>
+          </a:bodyPr>
+          <a:lstStyle/>
+          <a:p>
+            <a:r>
+              <a:rPr lang="en-US" sz="1800" dirty="0"/>
+              <a:t>All genes in the genome</a:t>
+            </a:r>
+          </a:p>
+        </p:txBody>
+      </p:sp>
+      <p:pic>
+        <p:nvPicPr>
+          <p:cNvPr id="2" name="Picture 1" descr="Unknown.jpeg"/>
+          <p:cNvPicPr>
+            <a:picLocks noChangeAspect="1"/>
+          </p:cNvPicPr>
+          <p:nvPr/>
+        </p:nvPicPr>
+        <p:blipFill>
+          <a:blip r:embed="rId3">
+            <a:extLst>
+              <a:ext uri="{28A0092B-C50C-407E-A947-70E740481C1C}">
+                <a14:useLocalDpi xmlns:a14="http://schemas.microsoft.com/office/drawing/2010/main" val="0"/>
+              </a:ext>
+            </a:extLst>
+          </a:blip>
+          <a:stretch>
+            <a:fillRect/>
+          </a:stretch>
+        </p:blipFill>
+        <p:spPr>
+          <a:xfrm>
+            <a:off x="179512" y="1331476"/>
+            <a:ext cx="1545161" cy="1028234"/>
+          </a:xfrm>
+          <a:prstGeom prst="rect">
+            <a:avLst/>
+          </a:prstGeom>
+        </p:spPr>
+      </p:pic>
+      <p:sp>
+        <p:nvSpPr>
+          <p:cNvPr id="7" name="Text Box 14"/>
+          <p:cNvSpPr txBox="1">
+            <a:spLocks noChangeArrowheads="1"/>
+          </p:cNvSpPr>
+          <p:nvPr/>
+        </p:nvSpPr>
+        <p:spPr bwMode="auto">
+          <a:xfrm>
+            <a:off x="179512" y="2339588"/>
+            <a:ext cx="1512168" cy="369332"/>
           </a:xfrm>
           <a:prstGeom prst="rect">
             <a:avLst/>
@@ -9313,66 +9881,591 @@
           </a:bodyPr>
           <a:lstStyle/>
           <a:p>
-            <a:pPr marL="285750" indent="-285750">
-              <a:buFont typeface="Arial"/>
-              <a:buChar char="•"/>
-            </a:pPr>
-            <a:r>
-              <a:rPr lang="en-US" sz="2000" dirty="0"/>
-              <a:t>A powerful tool for high-level interpretation of complex experimental data, allowing investigator to detect biological processes otherwise not apparent</a:t>
-            </a:r>
-          </a:p>
-          <a:p>
-            <a:pPr marL="285750" indent="-285750">
-              <a:buFont typeface="Arial"/>
-              <a:buChar char="•"/>
-            </a:pPr>
-            <a:endParaRPr lang="en-US" sz="2000" dirty="0"/>
-          </a:p>
-          <a:p>
-            <a:pPr marL="285750" indent="-285750">
-              <a:buFont typeface="Arial"/>
-              <a:buChar char="•"/>
-            </a:pPr>
-            <a:r>
-              <a:rPr lang="en-US" sz="2000" dirty="0"/>
-              <a:t>Computational and statistical in nature – uses ontologies, networks, or </a:t>
-            </a:r>
-            <a:r>
-              <a:rPr lang="en-US" sz="2000" dirty="0" err="1"/>
-              <a:t>interactomes</a:t>
-            </a:r>
-            <a:r>
-              <a:rPr lang="en-US" sz="2000" dirty="0"/>
-              <a:t> to test if a specific biological process, pathway, or interaction is highlighted by the data</a:t>
-            </a:r>
-          </a:p>
-          <a:p>
-            <a:pPr marL="285750" indent="-285750">
-              <a:buFont typeface="Arial"/>
-              <a:buChar char="•"/>
-            </a:pPr>
-            <a:endParaRPr lang="en-US" sz="2000" dirty="0"/>
-          </a:p>
-          <a:p>
-            <a:pPr marL="285750" indent="-285750">
-              <a:buFont typeface="Arial"/>
-              <a:buChar char="•"/>
-            </a:pPr>
-            <a:r>
-              <a:rPr lang="en-US" sz="2000" dirty="0"/>
-              <a:t>Null hypothesis – no ontological term, biochemical or regulatory network, or known interactions are over-represented in my data (relative to controls or background signal)</a:t>
-            </a:r>
-          </a:p>
-          <a:p>
-            <a:endParaRPr lang="en-US" sz="2000" dirty="0"/>
+            <a:r>
+              <a:rPr lang="en-US" sz="1800" i="1" dirty="0" err="1"/>
+              <a:t>Danio</a:t>
+            </a:r>
+            <a:r>
+              <a:rPr lang="en-US" sz="1800" i="1" dirty="0"/>
+              <a:t> </a:t>
+            </a:r>
+            <a:r>
+              <a:rPr lang="en-US" sz="1800" i="1" dirty="0" err="1"/>
+              <a:t>rerio</a:t>
+            </a:r>
+            <a:endParaRPr lang="en-US" sz="1800" i="1" dirty="0"/>
+          </a:p>
+        </p:txBody>
+      </p:sp>
+      <p:pic>
+        <p:nvPicPr>
+          <p:cNvPr id="3" name="Picture 2" descr="Unknown-1.jpeg"/>
+          <p:cNvPicPr>
+            <a:picLocks noChangeAspect="1"/>
+          </p:cNvPicPr>
+          <p:nvPr/>
+        </p:nvPicPr>
+        <p:blipFill>
+          <a:blip r:embed="rId4">
+            <a:extLst>
+              <a:ext uri="{28A0092B-C50C-407E-A947-70E740481C1C}">
+                <a14:useLocalDpi xmlns:a14="http://schemas.microsoft.com/office/drawing/2010/main" val="0"/>
+              </a:ext>
+            </a:extLst>
+          </a:blip>
+          <a:stretch>
+            <a:fillRect/>
+          </a:stretch>
+        </p:blipFill>
+        <p:spPr>
+          <a:xfrm>
+            <a:off x="1475656" y="1187460"/>
+            <a:ext cx="864096" cy="490041"/>
+          </a:xfrm>
+          <a:prstGeom prst="rect">
+            <a:avLst/>
+          </a:prstGeom>
+        </p:spPr>
+      </p:pic>
+      <p:sp>
+        <p:nvSpPr>
+          <p:cNvPr id="10" name="Text Box 14"/>
+          <p:cNvSpPr txBox="1">
+            <a:spLocks noChangeArrowheads="1"/>
+          </p:cNvSpPr>
+          <p:nvPr/>
+        </p:nvSpPr>
+        <p:spPr bwMode="auto">
+          <a:xfrm>
+            <a:off x="6948264" y="1844824"/>
+            <a:ext cx="2736304" cy="369332"/>
+          </a:xfrm>
+          <a:prstGeom prst="rect">
+            <a:avLst/>
+          </a:prstGeom>
+          <a:noFill/>
+          <a:ln w="9525">
+            <a:noFill/>
+            <a:miter lim="800000"/>
+            <a:headEnd/>
+            <a:tailEnd/>
+          </a:ln>
+        </p:spPr>
+        <p:txBody>
+          <a:bodyPr wrap="square">
+            <a:prstTxWarp prst="textNoShape">
+              <a:avLst/>
+            </a:prstTxWarp>
+            <a:spAutoFit/>
+          </a:bodyPr>
+          <a:lstStyle/>
+          <a:p>
+            <a:r>
+              <a:rPr lang="en-US" sz="1800" i="1" dirty="0"/>
+              <a:t>versus</a:t>
+            </a:r>
+          </a:p>
+        </p:txBody>
+      </p:sp>
+      <p:sp>
+        <p:nvSpPr>
+          <p:cNvPr id="8" name="Down Arrow 7"/>
+          <p:cNvSpPr/>
+          <p:nvPr/>
+        </p:nvSpPr>
+        <p:spPr bwMode="auto">
+          <a:xfrm>
+            <a:off x="6948264" y="3140968"/>
+            <a:ext cx="484632" cy="1770496"/>
+          </a:xfrm>
+          <a:prstGeom prst="downArrow">
+            <a:avLst/>
+          </a:prstGeom>
+          <a:solidFill>
+            <a:schemeClr val="accent1"/>
+          </a:solidFill>
+          <a:ln w="9525" cap="flat" cmpd="sng" algn="ctr">
+            <a:solidFill>
+              <a:schemeClr val="tx1"/>
+            </a:solidFill>
+            <a:prstDash val="solid"/>
+            <a:round/>
+            <a:headEnd type="none" w="med" len="med"/>
+            <a:tailEnd type="none" w="med" len="med"/>
+          </a:ln>
+          <a:effectLst/>
+        </p:spPr>
+        <p:txBody>
+          <a:bodyPr vert="horz" wrap="square" lIns="91440" tIns="45720" rIns="91440" bIns="45720" numCol="1" rtlCol="0" anchor="t" anchorCtr="0" compatLnSpc="1">
+            <a:prstTxWarp prst="textNoShape">
+              <a:avLst/>
+            </a:prstTxWarp>
+          </a:bodyPr>
+          <a:lstStyle/>
+          <a:p>
+            <a:pPr marL="0" marR="0" indent="0" algn="l" defTabSz="914400" rtl="0" eaLnBrk="0" fontAlgn="base" latinLnBrk="0" hangingPunct="0">
+              <a:lnSpc>
+                <a:spcPct val="100000"/>
+              </a:lnSpc>
+              <a:spcBef>
+                <a:spcPct val="0"/>
+              </a:spcBef>
+              <a:spcAft>
+                <a:spcPct val="0"/>
+              </a:spcAft>
+              <a:buClrTx/>
+              <a:buSzTx/>
+              <a:buFontTx/>
+              <a:buNone/>
+              <a:tabLst/>
+            </a:pPr>
+            <a:endParaRPr kumimoji="0" lang="en-US" sz="2400" b="0" i="0" u="none" strike="noStrike" cap="none" normalizeH="0" baseline="0">
+              <a:ln>
+                <a:noFill/>
+              </a:ln>
+              <a:solidFill>
+                <a:schemeClr val="tx1"/>
+              </a:solidFill>
+              <a:effectLst/>
+              <a:latin typeface="Times" charset="0"/>
+            </a:endParaRPr>
+          </a:p>
+        </p:txBody>
+      </p:sp>
+      <p:sp>
+        <p:nvSpPr>
+          <p:cNvPr id="11" name="Text Box 14"/>
+          <p:cNvSpPr txBox="1">
+            <a:spLocks noChangeArrowheads="1"/>
+          </p:cNvSpPr>
+          <p:nvPr/>
+        </p:nvSpPr>
+        <p:spPr bwMode="auto">
+          <a:xfrm>
+            <a:off x="6012160" y="5157192"/>
+            <a:ext cx="2736304" cy="1477328"/>
+          </a:xfrm>
+          <a:prstGeom prst="rect">
+            <a:avLst/>
+          </a:prstGeom>
+          <a:noFill/>
+          <a:ln w="9525">
+            <a:solidFill>
+              <a:schemeClr val="tx1"/>
+            </a:solidFill>
+            <a:miter lim="800000"/>
+            <a:headEnd/>
+            <a:tailEnd/>
+          </a:ln>
+        </p:spPr>
+        <p:txBody>
+          <a:bodyPr wrap="square">
+            <a:prstTxWarp prst="textNoShape">
+              <a:avLst/>
+            </a:prstTxWarp>
+            <a:spAutoFit/>
+          </a:bodyPr>
+          <a:lstStyle/>
+          <a:p>
+            <a:r>
+              <a:rPr lang="en-US" sz="1800" dirty="0"/>
+              <a:t>GO terms for oxidative stress response, DNA damage repair statistically enriched in the up-regulated genes</a:t>
+            </a:r>
+          </a:p>
+        </p:txBody>
+      </p:sp>
+      <p:sp>
+        <p:nvSpPr>
+          <p:cNvPr id="12" name="Text Box 14"/>
+          <p:cNvSpPr txBox="1">
+            <a:spLocks noChangeArrowheads="1"/>
+          </p:cNvSpPr>
+          <p:nvPr/>
+        </p:nvSpPr>
+        <p:spPr bwMode="auto">
+          <a:xfrm>
+            <a:off x="5004048" y="3646765"/>
+            <a:ext cx="2736304" cy="646331"/>
+          </a:xfrm>
+          <a:prstGeom prst="rect">
+            <a:avLst/>
+          </a:prstGeom>
+          <a:noFill/>
+          <a:ln w="9525">
+            <a:noFill/>
+            <a:miter lim="800000"/>
+            <a:headEnd/>
+            <a:tailEnd/>
+          </a:ln>
+        </p:spPr>
+        <p:txBody>
+          <a:bodyPr wrap="square">
+            <a:prstTxWarp prst="textNoShape">
+              <a:avLst/>
+            </a:prstTxWarp>
+            <a:spAutoFit/>
+          </a:bodyPr>
+          <a:lstStyle/>
+          <a:p>
+            <a:r>
+              <a:rPr lang="en-US" sz="1800" i="1" dirty="0"/>
+              <a:t>Gene Ontology</a:t>
+            </a:r>
+          </a:p>
+          <a:p>
+            <a:r>
+              <a:rPr lang="en-US" sz="1800" i="1" dirty="0"/>
+              <a:t>enrichment analysis</a:t>
+            </a:r>
+          </a:p>
+        </p:txBody>
+      </p:sp>
+      <p:sp>
+        <p:nvSpPr>
+          <p:cNvPr id="13" name="Text Box 14"/>
+          <p:cNvSpPr txBox="1">
+            <a:spLocks noChangeArrowheads="1"/>
+          </p:cNvSpPr>
+          <p:nvPr/>
+        </p:nvSpPr>
+        <p:spPr bwMode="auto">
+          <a:xfrm>
+            <a:off x="1691680" y="1619508"/>
+            <a:ext cx="864096" cy="338554"/>
+          </a:xfrm>
+          <a:prstGeom prst="rect">
+            <a:avLst/>
+          </a:prstGeom>
+          <a:noFill/>
+          <a:ln w="9525">
+            <a:solidFill>
+              <a:schemeClr val="tx1"/>
+            </a:solidFill>
+            <a:miter lim="800000"/>
+            <a:headEnd/>
+            <a:tailEnd/>
+          </a:ln>
+        </p:spPr>
+        <p:txBody>
+          <a:bodyPr wrap="square">
+            <a:prstTxWarp prst="textNoShape">
+              <a:avLst/>
+            </a:prstTxWarp>
+            <a:spAutoFit/>
+          </a:bodyPr>
+          <a:lstStyle/>
+          <a:p>
+            <a:r>
+              <a:rPr lang="en-US" sz="1600" i="1" dirty="0"/>
+              <a:t>dioxin</a:t>
+            </a:r>
+          </a:p>
+        </p:txBody>
+      </p:sp>
+      <p:sp>
+        <p:nvSpPr>
+          <p:cNvPr id="14" name="Text Box 14"/>
+          <p:cNvSpPr txBox="1">
+            <a:spLocks noChangeArrowheads="1"/>
+          </p:cNvSpPr>
+          <p:nvPr/>
+        </p:nvSpPr>
+        <p:spPr bwMode="auto">
+          <a:xfrm>
+            <a:off x="2771800" y="1475492"/>
+            <a:ext cx="1368152" cy="369332"/>
+          </a:xfrm>
+          <a:prstGeom prst="rect">
+            <a:avLst/>
+          </a:prstGeom>
+          <a:solidFill>
+            <a:schemeClr val="accent1">
+              <a:lumMod val="40000"/>
+              <a:lumOff val="60000"/>
+            </a:schemeClr>
+          </a:solidFill>
+          <a:ln w="9525">
+            <a:solidFill>
+              <a:schemeClr val="tx1"/>
+            </a:solidFill>
+            <a:miter lim="800000"/>
+            <a:headEnd/>
+            <a:tailEnd/>
+          </a:ln>
+        </p:spPr>
+        <p:txBody>
+          <a:bodyPr wrap="square">
+            <a:prstTxWarp prst="textNoShape">
+              <a:avLst/>
+            </a:prstTxWarp>
+            <a:spAutoFit/>
+          </a:bodyPr>
+          <a:lstStyle/>
+          <a:p>
+            <a:r>
+              <a:rPr lang="en-US" sz="1800" dirty="0">
+                <a:solidFill>
+                  <a:schemeClr val="bg2"/>
+                </a:solidFill>
+              </a:rPr>
+              <a:t>CONTROL</a:t>
+            </a:r>
+          </a:p>
+        </p:txBody>
+      </p:sp>
+      <p:sp>
+        <p:nvSpPr>
+          <p:cNvPr id="15" name="Text Box 14"/>
+          <p:cNvSpPr txBox="1">
+            <a:spLocks noChangeArrowheads="1"/>
+          </p:cNvSpPr>
+          <p:nvPr/>
+        </p:nvSpPr>
+        <p:spPr bwMode="auto">
+          <a:xfrm>
+            <a:off x="2771800" y="2051556"/>
+            <a:ext cx="1368152" cy="369332"/>
+          </a:xfrm>
+          <a:prstGeom prst="rect">
+            <a:avLst/>
+          </a:prstGeom>
+          <a:solidFill>
+            <a:schemeClr val="accent1">
+              <a:lumMod val="40000"/>
+              <a:lumOff val="60000"/>
+            </a:schemeClr>
+          </a:solidFill>
+          <a:ln w="9525">
+            <a:solidFill>
+              <a:schemeClr val="tx1"/>
+            </a:solidFill>
+            <a:miter lim="800000"/>
+            <a:headEnd/>
+            <a:tailEnd/>
+          </a:ln>
+        </p:spPr>
+        <p:txBody>
+          <a:bodyPr wrap="square">
+            <a:prstTxWarp prst="textNoShape">
+              <a:avLst/>
+            </a:prstTxWarp>
+            <a:spAutoFit/>
+          </a:bodyPr>
+          <a:lstStyle/>
+          <a:p>
+            <a:r>
+              <a:rPr lang="en-US" sz="1800" dirty="0">
+                <a:solidFill>
+                  <a:schemeClr val="bg2"/>
+                </a:solidFill>
+              </a:rPr>
+              <a:t>EXPOSED</a:t>
+            </a:r>
+          </a:p>
+        </p:txBody>
+      </p:sp>
+      <p:sp>
+        <p:nvSpPr>
+          <p:cNvPr id="6" name="Right Arrow 5"/>
+          <p:cNvSpPr/>
+          <p:nvPr/>
+        </p:nvSpPr>
+        <p:spPr bwMode="auto">
+          <a:xfrm>
+            <a:off x="4355976" y="1700808"/>
+            <a:ext cx="1512168" cy="484632"/>
+          </a:xfrm>
+          <a:prstGeom prst="rightArrow">
+            <a:avLst/>
+          </a:prstGeom>
+          <a:solidFill>
+            <a:schemeClr val="accent1"/>
+          </a:solidFill>
+          <a:ln w="9525" cap="flat" cmpd="sng" algn="ctr">
+            <a:solidFill>
+              <a:schemeClr val="tx1"/>
+            </a:solidFill>
+            <a:prstDash val="solid"/>
+            <a:round/>
+            <a:headEnd type="none" w="med" len="med"/>
+            <a:tailEnd type="none" w="med" len="med"/>
+          </a:ln>
+          <a:effectLst/>
+        </p:spPr>
+        <p:txBody>
+          <a:bodyPr vert="horz" wrap="square" lIns="91440" tIns="45720" rIns="91440" bIns="45720" numCol="1" rtlCol="0" anchor="t" anchorCtr="0" compatLnSpc="1">
+            <a:prstTxWarp prst="textNoShape">
+              <a:avLst/>
+            </a:prstTxWarp>
+          </a:bodyPr>
+          <a:lstStyle/>
+          <a:p>
+            <a:pPr marL="0" marR="0" indent="0" algn="l" defTabSz="914400" rtl="0" eaLnBrk="0" fontAlgn="base" latinLnBrk="0" hangingPunct="0">
+              <a:lnSpc>
+                <a:spcPct val="100000"/>
+              </a:lnSpc>
+              <a:spcBef>
+                <a:spcPct val="0"/>
+              </a:spcBef>
+              <a:spcAft>
+                <a:spcPct val="0"/>
+              </a:spcAft>
+              <a:buClrTx/>
+              <a:buSzTx/>
+              <a:buFontTx/>
+              <a:buNone/>
+              <a:tabLst/>
+            </a:pPr>
+            <a:endParaRPr kumimoji="0" lang="en-US" sz="2400" b="0" i="0" u="none" strike="noStrike" cap="none" normalizeH="0" baseline="0">
+              <a:ln>
+                <a:noFill/>
+              </a:ln>
+              <a:solidFill>
+                <a:schemeClr val="tx1"/>
+              </a:solidFill>
+              <a:effectLst/>
+              <a:latin typeface="Times" charset="0"/>
+            </a:endParaRPr>
+          </a:p>
+        </p:txBody>
+      </p:sp>
+      <p:sp>
+        <p:nvSpPr>
+          <p:cNvPr id="16" name="Text Box 14"/>
+          <p:cNvSpPr txBox="1">
+            <a:spLocks noChangeArrowheads="1"/>
+          </p:cNvSpPr>
+          <p:nvPr/>
+        </p:nvSpPr>
+        <p:spPr bwMode="auto">
+          <a:xfrm>
+            <a:off x="4499992" y="1412776"/>
+            <a:ext cx="2736304" cy="369332"/>
+          </a:xfrm>
+          <a:prstGeom prst="rect">
+            <a:avLst/>
+          </a:prstGeom>
+          <a:noFill/>
+          <a:ln w="9525">
+            <a:noFill/>
+            <a:miter lim="800000"/>
+            <a:headEnd/>
+            <a:tailEnd/>
+          </a:ln>
+        </p:spPr>
+        <p:txBody>
+          <a:bodyPr wrap="square">
+            <a:prstTxWarp prst="textNoShape">
+              <a:avLst/>
+            </a:prstTxWarp>
+            <a:spAutoFit/>
+          </a:bodyPr>
+          <a:lstStyle/>
+          <a:p>
+            <a:r>
+              <a:rPr lang="en-US" sz="1800" i="1" dirty="0"/>
+              <a:t>RNA-</a:t>
+            </a:r>
+            <a:r>
+              <a:rPr lang="en-US" sz="1800" i="1" dirty="0" err="1"/>
+              <a:t>Seq</a:t>
+            </a:r>
+            <a:endParaRPr lang="en-US" sz="1800" i="1" dirty="0"/>
+          </a:p>
+        </p:txBody>
+      </p:sp>
+      <p:sp>
+        <p:nvSpPr>
+          <p:cNvPr id="17" name="Text Box 14"/>
+          <p:cNvSpPr txBox="1">
+            <a:spLocks noChangeArrowheads="1"/>
+          </p:cNvSpPr>
+          <p:nvPr/>
+        </p:nvSpPr>
+        <p:spPr bwMode="auto">
+          <a:xfrm>
+            <a:off x="1043608" y="3501008"/>
+            <a:ext cx="2736304" cy="1200329"/>
+          </a:xfrm>
+          <a:prstGeom prst="rect">
+            <a:avLst/>
+          </a:prstGeom>
+          <a:noFill/>
+          <a:ln w="9525">
+            <a:noFill/>
+            <a:miter lim="800000"/>
+            <a:headEnd/>
+            <a:tailEnd/>
+          </a:ln>
+        </p:spPr>
+        <p:txBody>
+          <a:bodyPr wrap="square">
+            <a:prstTxWarp prst="textNoShape">
+              <a:avLst/>
+            </a:prstTxWarp>
+            <a:spAutoFit/>
+          </a:bodyPr>
+          <a:lstStyle/>
+          <a:p>
+            <a:r>
+              <a:rPr lang="en-US" sz="1800" i="1" dirty="0">
+                <a:solidFill>
+                  <a:srgbClr val="FFFF00"/>
+                </a:solidFill>
+              </a:rPr>
+              <a:t>Each gene tagged with a different set of ontology terms in the genome annotation</a:t>
+            </a:r>
+          </a:p>
+        </p:txBody>
+      </p:sp>
+      <p:sp>
+        <p:nvSpPr>
+          <p:cNvPr id="18" name="Text Box 14"/>
+          <p:cNvSpPr txBox="1">
+            <a:spLocks noChangeArrowheads="1"/>
+          </p:cNvSpPr>
+          <p:nvPr/>
+        </p:nvSpPr>
+        <p:spPr bwMode="auto">
+          <a:xfrm>
+            <a:off x="1043608" y="4759984"/>
+            <a:ext cx="2736304" cy="1477328"/>
+          </a:xfrm>
+          <a:prstGeom prst="rect">
+            <a:avLst/>
+          </a:prstGeom>
+          <a:noFill/>
+          <a:ln w="9525">
+            <a:noFill/>
+            <a:miter lim="800000"/>
+            <a:headEnd/>
+            <a:tailEnd/>
+          </a:ln>
+        </p:spPr>
+        <p:txBody>
+          <a:bodyPr wrap="square">
+            <a:prstTxWarp prst="textNoShape">
+              <a:avLst/>
+            </a:prstTxWarp>
+            <a:spAutoFit/>
+          </a:bodyPr>
+          <a:lstStyle/>
+          <a:p>
+            <a:r>
+              <a:rPr lang="en-US" sz="1800" i="1" dirty="0">
+                <a:solidFill>
+                  <a:srgbClr val="FFFF00"/>
+                </a:solidFill>
+              </a:rPr>
+              <a:t>Algorithm traverses the entire ontology to determine which higher-level ontology terms are involved in enrichment</a:t>
+            </a:r>
           </a:p>
         </p:txBody>
       </p:sp>
     </p:spTree>
     <p:extLst>
       <p:ext uri="{BB962C8B-B14F-4D97-AF65-F5344CB8AC3E}">
-        <p14:creationId xmlns:p14="http://schemas.microsoft.com/office/powerpoint/2010/main" val="2604912252"/>
+        <p14:creationId xmlns:p14="http://schemas.microsoft.com/office/powerpoint/2010/main" val="1060999368"/>
       </p:ext>
     </p:extLst>
   </p:cSld>
@@ -9422,99 +10515,15 @@
             <a:pPr algn="l" eaLnBrk="1" hangingPunct="1"/>
             <a:r>
               <a:rPr lang="en-US" sz="3200" b="1" dirty="0"/>
-              <a:t>Enrichment Example:</a:t>
+              <a:t>Enrichment Example - KEGG</a:t>
             </a:r>
             <a:endParaRPr lang="en-US" sz="3200" dirty="0"/>
-          </a:p>
-        </p:txBody>
-      </p:sp>
-      <p:sp>
-        <p:nvSpPr>
-          <p:cNvPr id="4" name="Text Box 14"/>
-          <p:cNvSpPr txBox="1">
-            <a:spLocks noChangeArrowheads="1"/>
-          </p:cNvSpPr>
-          <p:nvPr/>
-        </p:nvSpPr>
-        <p:spPr bwMode="auto">
-          <a:xfrm>
-            <a:off x="6012160" y="1196752"/>
-            <a:ext cx="2664296" cy="646331"/>
-          </a:xfrm>
-          <a:prstGeom prst="rect">
-            <a:avLst/>
-          </a:prstGeom>
-          <a:noFill/>
-          <a:ln w="9525">
-            <a:solidFill>
-              <a:schemeClr val="tx1"/>
-            </a:solidFill>
-            <a:miter lim="800000"/>
-            <a:headEnd/>
-            <a:tailEnd/>
-          </a:ln>
-        </p:spPr>
-        <p:txBody>
-          <a:bodyPr wrap="square">
-            <a:prstTxWarp prst="textNoShape">
-              <a:avLst/>
-            </a:prstTxWarp>
-            <a:spAutoFit/>
-          </a:bodyPr>
-          <a:lstStyle/>
-          <a:p>
-            <a:r>
-              <a:rPr lang="en-US" sz="1800" dirty="0"/>
-              <a:t>1300 genes up-regulated in response to dioxin</a:t>
-            </a:r>
-          </a:p>
-        </p:txBody>
-      </p:sp>
-      <p:sp>
-        <p:nvSpPr>
-          <p:cNvPr id="5" name="Text Box 14"/>
-          <p:cNvSpPr txBox="1">
-            <a:spLocks noChangeArrowheads="1"/>
-          </p:cNvSpPr>
-          <p:nvPr/>
-        </p:nvSpPr>
-        <p:spPr bwMode="auto">
-          <a:xfrm>
-            <a:off x="6012160" y="2276872"/>
-            <a:ext cx="2736304" cy="369332"/>
-          </a:xfrm>
-          <a:prstGeom prst="rect">
-            <a:avLst/>
-          </a:prstGeom>
-          <a:noFill/>
-          <a:ln w="9525">
-            <a:solidFill>
-              <a:schemeClr val="tx1"/>
-            </a:solidFill>
-            <a:miter lim="800000"/>
-            <a:headEnd/>
-            <a:tailEnd/>
-          </a:ln>
-        </p:spPr>
-        <p:txBody>
-          <a:bodyPr wrap="square">
-            <a:prstTxWarp prst="textNoShape">
-              <a:avLst/>
-            </a:prstTxWarp>
-            <a:spAutoFit/>
-          </a:bodyPr>
-          <a:lstStyle/>
-          <a:p>
-            <a:r>
-              <a:rPr lang="en-US" sz="1800" dirty="0"/>
-              <a:t>All genes in the genome</a:t>
-            </a:r>
           </a:p>
         </p:txBody>
       </p:sp>
       <p:pic>
         <p:nvPicPr>
-          <p:cNvPr id="2" name="Picture 1" descr="Unknown.jpeg"/>
+          <p:cNvPr id="3" name="Picture 2" descr="Figure_4.tif"/>
           <p:cNvPicPr>
             <a:picLocks noChangeAspect="1"/>
           </p:cNvPicPr>
@@ -9534,8 +10543,8 @@
         </p:blipFill>
         <p:spPr>
           <a:xfrm>
-            <a:off x="179512" y="1331476"/>
-            <a:ext cx="1545161" cy="1028234"/>
+            <a:off x="323528" y="1052736"/>
+            <a:ext cx="6192688" cy="4732703"/>
           </a:xfrm>
           <a:prstGeom prst="rect">
             <a:avLst/>
@@ -9544,7 +10553,7 @@
       </p:pic>
       <p:sp>
         <p:nvSpPr>
-          <p:cNvPr id="7" name="Text Box 14"/>
+          <p:cNvPr id="5" name="Text Box 14"/>
           <p:cNvSpPr txBox="1">
             <a:spLocks noChangeArrowheads="1"/>
           </p:cNvSpPr>
@@ -9552,8 +10561,8 @@
         </p:nvSpPr>
         <p:spPr bwMode="auto">
           <a:xfrm>
-            <a:off x="179512" y="2339588"/>
-            <a:ext cx="1512168" cy="369332"/>
+            <a:off x="251520" y="5805264"/>
+            <a:ext cx="8064896" cy="584776"/>
           </a:xfrm>
           <a:prstGeom prst="rect">
             <a:avLst/>
@@ -9576,54 +10585,67 @@
           <a:lstStyle/>
           <a:p>
             <a:r>
-              <a:rPr lang="en-US" sz="1800" i="1" dirty="0" err="1"/>
-              <a:t>Danio</a:t>
-            </a:r>
-            <a:r>
-              <a:rPr lang="en-US" sz="1800" i="1" dirty="0"/>
+              <a:rPr lang="en-US" sz="1600" dirty="0"/>
+              <a:t>Bowman </a:t>
+            </a:r>
+            <a:r>
+              <a:rPr lang="en-US" sz="1600" i="1" dirty="0"/>
+              <a:t>et al</a:t>
+            </a:r>
+            <a:r>
+              <a:rPr lang="en-US" sz="1600" dirty="0"/>
+              <a:t>. 2013. RNA-</a:t>
+            </a:r>
+            <a:r>
+              <a:rPr lang="en-US" sz="1600" dirty="0" err="1"/>
+              <a:t>Seq</a:t>
+            </a:r>
+            <a:r>
+              <a:rPr lang="en-US" sz="1600" dirty="0"/>
               <a:t> </a:t>
             </a:r>
             <a:r>
-              <a:rPr lang="en-US" sz="1800" i="1" dirty="0" err="1"/>
-              <a:t>rerio</a:t>
-            </a:r>
-            <a:endParaRPr lang="en-US" sz="1800" i="1" dirty="0"/>
-          </a:p>
-        </p:txBody>
-      </p:sp>
-      <p:pic>
-        <p:nvPicPr>
-          <p:cNvPr id="3" name="Picture 2" descr="Unknown-1.jpeg"/>
-          <p:cNvPicPr>
-            <a:picLocks noChangeAspect="1"/>
-          </p:cNvPicPr>
-          <p:nvPr/>
-        </p:nvPicPr>
-        <p:blipFill>
-          <a:blip r:embed="rId4">
-            <a:extLst>
-              <a:ext uri="{28A0092B-C50C-407E-A947-70E740481C1C}">
-                <a14:useLocalDpi xmlns:a14="http://schemas.microsoft.com/office/drawing/2010/main" val="0"/>
-              </a:ext>
-            </a:extLst>
-          </a:blip>
-          <a:stretch>
-            <a:fillRect/>
-          </a:stretch>
-        </p:blipFill>
-        <p:spPr>
-          <a:xfrm>
-            <a:off x="1475656" y="1187460"/>
-            <a:ext cx="864096" cy="490041"/>
-          </a:xfrm>
-          <a:prstGeom prst="rect">
-            <a:avLst/>
-          </a:prstGeom>
-        </p:spPr>
-      </p:pic>
-      <p:sp>
-        <p:nvSpPr>
-          <p:cNvPr id="10" name="Text Box 14"/>
+              <a:rPr lang="en-US" sz="1600" dirty="0" err="1"/>
+              <a:t>Transcriptome</a:t>
+            </a:r>
+            <a:r>
+              <a:rPr lang="en-US" sz="1600" dirty="0"/>
+              <a:t> Profiling of Upland Cotton (</a:t>
+            </a:r>
+            <a:r>
+              <a:rPr lang="en-US" sz="1600" dirty="0" err="1"/>
+              <a:t>Gossypium</a:t>
+            </a:r>
+            <a:r>
+              <a:rPr lang="en-US" sz="1600" dirty="0"/>
+              <a:t> </a:t>
+            </a:r>
+            <a:r>
+              <a:rPr lang="en-US" sz="1600" dirty="0" err="1"/>
+              <a:t>hirsutum</a:t>
+            </a:r>
+            <a:r>
+              <a:rPr lang="en-US" sz="1600" dirty="0"/>
+              <a:t> L.) Root Tissue under Water-Deficit Stress. </a:t>
+            </a:r>
+            <a:r>
+              <a:rPr lang="en-US" sz="1600" i="1" dirty="0" err="1"/>
+              <a:t>PLoS</a:t>
+            </a:r>
+            <a:r>
+              <a:rPr lang="en-US" sz="1600" i="1" dirty="0"/>
+              <a:t> ONE</a:t>
+            </a:r>
+            <a:r>
+              <a:rPr lang="en-US" sz="1600" dirty="0"/>
+              <a:t> 8(12):e82634</a:t>
+            </a:r>
+          </a:p>
+        </p:txBody>
+      </p:sp>
+      <p:sp>
+        <p:nvSpPr>
+          <p:cNvPr id="6" name="Text Box 14"/>
           <p:cNvSpPr txBox="1">
             <a:spLocks noChangeArrowheads="1"/>
           </p:cNvSpPr>
@@ -9631,8 +10653,8 @@
         </p:nvSpPr>
         <p:spPr bwMode="auto">
           <a:xfrm>
-            <a:off x="6948264" y="1844824"/>
-            <a:ext cx="2736304" cy="369332"/>
+            <a:off x="6588224" y="1052736"/>
+            <a:ext cx="2448272" cy="1815882"/>
           </a:xfrm>
           <a:prstGeom prst="rect">
             <a:avLst/>
@@ -9655,423 +10677,44 @@
           <a:lstStyle/>
           <a:p>
             <a:r>
-              <a:rPr lang="en-US" sz="1800" i="1" dirty="0"/>
-              <a:t>versus</a:t>
-            </a:r>
-          </a:p>
-        </p:txBody>
-      </p:sp>
-      <p:sp>
-        <p:nvSpPr>
-          <p:cNvPr id="8" name="Down Arrow 7"/>
-          <p:cNvSpPr/>
-          <p:nvPr/>
-        </p:nvSpPr>
-        <p:spPr bwMode="auto">
-          <a:xfrm>
-            <a:off x="6948264" y="3140968"/>
-            <a:ext cx="484632" cy="1770496"/>
-          </a:xfrm>
-          <a:prstGeom prst="downArrow">
-            <a:avLst/>
-          </a:prstGeom>
-          <a:solidFill>
-            <a:schemeClr val="accent1"/>
-          </a:solidFill>
-          <a:ln w="9525" cap="flat" cmpd="sng" algn="ctr">
-            <a:solidFill>
-              <a:schemeClr val="tx1"/>
-            </a:solidFill>
-            <a:prstDash val="solid"/>
-            <a:round/>
-            <a:headEnd type="none" w="med" len="med"/>
-            <a:tailEnd type="none" w="med" len="med"/>
-          </a:ln>
-          <a:effectLst/>
-        </p:spPr>
-        <p:txBody>
-          <a:bodyPr vert="horz" wrap="square" lIns="91440" tIns="45720" rIns="91440" bIns="45720" numCol="1" rtlCol="0" anchor="t" anchorCtr="0" compatLnSpc="1">
-            <a:prstTxWarp prst="textNoShape">
-              <a:avLst/>
-            </a:prstTxWarp>
-          </a:bodyPr>
-          <a:lstStyle/>
-          <a:p>
-            <a:pPr marL="0" marR="0" indent="0" algn="l" defTabSz="914400" rtl="0" eaLnBrk="0" fontAlgn="base" latinLnBrk="0" hangingPunct="0">
-              <a:lnSpc>
-                <a:spcPct val="100000"/>
-              </a:lnSpc>
-              <a:spcBef>
-                <a:spcPct val="0"/>
-              </a:spcBef>
-              <a:spcAft>
-                <a:spcPct val="0"/>
-              </a:spcAft>
-              <a:buClrTx/>
-              <a:buSzTx/>
-              <a:buFontTx/>
-              <a:buNone/>
-              <a:tabLst/>
-            </a:pPr>
-            <a:endParaRPr kumimoji="0" lang="en-US" sz="2400" b="0" i="0" u="none" strike="noStrike" cap="none" normalizeH="0" baseline="0">
-              <a:ln>
-                <a:noFill/>
-              </a:ln>
-              <a:solidFill>
-                <a:schemeClr val="tx1"/>
-              </a:solidFill>
-              <a:effectLst/>
-              <a:latin typeface="Times" charset="0"/>
-            </a:endParaRPr>
-          </a:p>
-        </p:txBody>
-      </p:sp>
-      <p:sp>
-        <p:nvSpPr>
-          <p:cNvPr id="11" name="Text Box 14"/>
-          <p:cNvSpPr txBox="1">
-            <a:spLocks noChangeArrowheads="1"/>
-          </p:cNvSpPr>
-          <p:nvPr/>
-        </p:nvSpPr>
-        <p:spPr bwMode="auto">
-          <a:xfrm>
-            <a:off x="6012160" y="5157192"/>
-            <a:ext cx="2736304" cy="1477328"/>
-          </a:xfrm>
-          <a:prstGeom prst="rect">
-            <a:avLst/>
-          </a:prstGeom>
-          <a:noFill/>
-          <a:ln w="9525">
-            <a:solidFill>
-              <a:schemeClr val="tx1"/>
-            </a:solidFill>
-            <a:miter lim="800000"/>
-            <a:headEnd/>
-            <a:tailEnd/>
-          </a:ln>
-        </p:spPr>
-        <p:txBody>
-          <a:bodyPr wrap="square">
-            <a:prstTxWarp prst="textNoShape">
-              <a:avLst/>
-            </a:prstTxWarp>
-            <a:spAutoFit/>
-          </a:bodyPr>
-          <a:lstStyle/>
-          <a:p>
-            <a:r>
-              <a:rPr lang="en-US" sz="1800" dirty="0"/>
-              <a:t>GO terms for oxidative stress response, DNA damage repair statistically enriched in the up-regulated genes</a:t>
-            </a:r>
-          </a:p>
-        </p:txBody>
-      </p:sp>
-      <p:sp>
-        <p:nvSpPr>
-          <p:cNvPr id="12" name="Text Box 14"/>
-          <p:cNvSpPr txBox="1">
-            <a:spLocks noChangeArrowheads="1"/>
-          </p:cNvSpPr>
-          <p:nvPr/>
-        </p:nvSpPr>
-        <p:spPr bwMode="auto">
-          <a:xfrm>
-            <a:off x="5004048" y="3646765"/>
-            <a:ext cx="2736304" cy="646331"/>
-          </a:xfrm>
-          <a:prstGeom prst="rect">
-            <a:avLst/>
-          </a:prstGeom>
-          <a:noFill/>
-          <a:ln w="9525">
-            <a:noFill/>
-            <a:miter lim="800000"/>
-            <a:headEnd/>
-            <a:tailEnd/>
-          </a:ln>
-        </p:spPr>
-        <p:txBody>
-          <a:bodyPr wrap="square">
-            <a:prstTxWarp prst="textNoShape">
-              <a:avLst/>
-            </a:prstTxWarp>
-            <a:spAutoFit/>
-          </a:bodyPr>
-          <a:lstStyle/>
-          <a:p>
-            <a:r>
-              <a:rPr lang="en-US" sz="1800" i="1" dirty="0"/>
-              <a:t>Gene Ontology</a:t>
-            </a:r>
-          </a:p>
-          <a:p>
-            <a:r>
-              <a:rPr lang="en-US" sz="1800" i="1" dirty="0"/>
-              <a:t>enrichment analysis</a:t>
-            </a:r>
-          </a:p>
-        </p:txBody>
-      </p:sp>
-      <p:sp>
-        <p:nvSpPr>
-          <p:cNvPr id="13" name="Text Box 14"/>
-          <p:cNvSpPr txBox="1">
-            <a:spLocks noChangeArrowheads="1"/>
-          </p:cNvSpPr>
-          <p:nvPr/>
-        </p:nvSpPr>
-        <p:spPr bwMode="auto">
-          <a:xfrm>
-            <a:off x="1691680" y="1619508"/>
-            <a:ext cx="864096" cy="338554"/>
-          </a:xfrm>
-          <a:prstGeom prst="rect">
-            <a:avLst/>
-          </a:prstGeom>
-          <a:noFill/>
-          <a:ln w="9525">
-            <a:solidFill>
-              <a:schemeClr val="tx1"/>
-            </a:solidFill>
-            <a:miter lim="800000"/>
-            <a:headEnd/>
-            <a:tailEnd/>
-          </a:ln>
-        </p:spPr>
-        <p:txBody>
-          <a:bodyPr wrap="square">
-            <a:prstTxWarp prst="textNoShape">
-              <a:avLst/>
-            </a:prstTxWarp>
-            <a:spAutoFit/>
-          </a:bodyPr>
-          <a:lstStyle/>
-          <a:p>
-            <a:r>
-              <a:rPr lang="en-US" sz="1600" i="1" dirty="0"/>
-              <a:t>dioxin</a:t>
-            </a:r>
-          </a:p>
-        </p:txBody>
-      </p:sp>
-      <p:sp>
-        <p:nvSpPr>
-          <p:cNvPr id="14" name="Text Box 14"/>
-          <p:cNvSpPr txBox="1">
-            <a:spLocks noChangeArrowheads="1"/>
-          </p:cNvSpPr>
-          <p:nvPr/>
-        </p:nvSpPr>
-        <p:spPr bwMode="auto">
-          <a:xfrm>
-            <a:off x="2771800" y="1475492"/>
-            <a:ext cx="1368152" cy="369332"/>
-          </a:xfrm>
-          <a:prstGeom prst="rect">
-            <a:avLst/>
-          </a:prstGeom>
-          <a:solidFill>
-            <a:schemeClr val="accent1">
-              <a:lumMod val="40000"/>
-              <a:lumOff val="60000"/>
-            </a:schemeClr>
-          </a:solidFill>
-          <a:ln w="9525">
-            <a:solidFill>
-              <a:schemeClr val="tx1"/>
-            </a:solidFill>
-            <a:miter lim="800000"/>
-            <a:headEnd/>
-            <a:tailEnd/>
-          </a:ln>
-        </p:spPr>
-        <p:txBody>
-          <a:bodyPr wrap="square">
-            <a:prstTxWarp prst="textNoShape">
-              <a:avLst/>
-            </a:prstTxWarp>
-            <a:spAutoFit/>
-          </a:bodyPr>
-          <a:lstStyle/>
-          <a:p>
-            <a:r>
-              <a:rPr lang="en-US" sz="1800" dirty="0">
-                <a:solidFill>
-                  <a:schemeClr val="bg2"/>
-                </a:solidFill>
-              </a:rPr>
-              <a:t>CONTROL</a:t>
-            </a:r>
-          </a:p>
-        </p:txBody>
-      </p:sp>
-      <p:sp>
-        <p:nvSpPr>
-          <p:cNvPr id="15" name="Text Box 14"/>
-          <p:cNvSpPr txBox="1">
-            <a:spLocks noChangeArrowheads="1"/>
-          </p:cNvSpPr>
-          <p:nvPr/>
-        </p:nvSpPr>
-        <p:spPr bwMode="auto">
-          <a:xfrm>
-            <a:off x="2771800" y="2051556"/>
-            <a:ext cx="1368152" cy="369332"/>
-          </a:xfrm>
-          <a:prstGeom prst="rect">
-            <a:avLst/>
-          </a:prstGeom>
-          <a:solidFill>
-            <a:schemeClr val="accent1">
-              <a:lumMod val="40000"/>
-              <a:lumOff val="60000"/>
-            </a:schemeClr>
-          </a:solidFill>
-          <a:ln w="9525">
-            <a:solidFill>
-              <a:schemeClr val="tx1"/>
-            </a:solidFill>
-            <a:miter lim="800000"/>
-            <a:headEnd/>
-            <a:tailEnd/>
-          </a:ln>
-        </p:spPr>
-        <p:txBody>
-          <a:bodyPr wrap="square">
-            <a:prstTxWarp prst="textNoShape">
-              <a:avLst/>
-            </a:prstTxWarp>
-            <a:spAutoFit/>
-          </a:bodyPr>
-          <a:lstStyle/>
-          <a:p>
-            <a:r>
-              <a:rPr lang="en-US" sz="1800" dirty="0">
-                <a:solidFill>
-                  <a:schemeClr val="bg2"/>
-                </a:solidFill>
-              </a:rPr>
-              <a:t>EXPOSED</a:t>
-            </a:r>
-          </a:p>
-        </p:txBody>
-      </p:sp>
-      <p:sp>
-        <p:nvSpPr>
-          <p:cNvPr id="6" name="Right Arrow 5"/>
-          <p:cNvSpPr/>
-          <p:nvPr/>
-        </p:nvSpPr>
-        <p:spPr bwMode="auto">
-          <a:xfrm>
-            <a:off x="4355976" y="1700808"/>
-            <a:ext cx="1512168" cy="484632"/>
-          </a:xfrm>
-          <a:prstGeom prst="rightArrow">
-            <a:avLst/>
-          </a:prstGeom>
-          <a:solidFill>
-            <a:schemeClr val="accent1"/>
-          </a:solidFill>
-          <a:ln w="9525" cap="flat" cmpd="sng" algn="ctr">
-            <a:solidFill>
-              <a:schemeClr val="tx1"/>
-            </a:solidFill>
-            <a:prstDash val="solid"/>
-            <a:round/>
-            <a:headEnd type="none" w="med" len="med"/>
-            <a:tailEnd type="none" w="med" len="med"/>
-          </a:ln>
-          <a:effectLst/>
-        </p:spPr>
-        <p:txBody>
-          <a:bodyPr vert="horz" wrap="square" lIns="91440" tIns="45720" rIns="91440" bIns="45720" numCol="1" rtlCol="0" anchor="t" anchorCtr="0" compatLnSpc="1">
-            <a:prstTxWarp prst="textNoShape">
-              <a:avLst/>
-            </a:prstTxWarp>
-          </a:bodyPr>
-          <a:lstStyle/>
-          <a:p>
-            <a:pPr marL="0" marR="0" indent="0" algn="l" defTabSz="914400" rtl="0" eaLnBrk="0" fontAlgn="base" latinLnBrk="0" hangingPunct="0">
-              <a:lnSpc>
-                <a:spcPct val="100000"/>
-              </a:lnSpc>
-              <a:spcBef>
-                <a:spcPct val="0"/>
-              </a:spcBef>
-              <a:spcAft>
-                <a:spcPct val="0"/>
-              </a:spcAft>
-              <a:buClrTx/>
-              <a:buSzTx/>
-              <a:buFontTx/>
-              <a:buNone/>
-              <a:tabLst/>
-            </a:pPr>
-            <a:endParaRPr kumimoji="0" lang="en-US" sz="2400" b="0" i="0" u="none" strike="noStrike" cap="none" normalizeH="0" baseline="0">
-              <a:ln>
-                <a:noFill/>
-              </a:ln>
-              <a:solidFill>
-                <a:schemeClr val="tx1"/>
-              </a:solidFill>
-              <a:effectLst/>
-              <a:latin typeface="Times" charset="0"/>
-            </a:endParaRPr>
-          </a:p>
-        </p:txBody>
-      </p:sp>
-      <p:sp>
-        <p:nvSpPr>
-          <p:cNvPr id="16" name="Text Box 14"/>
-          <p:cNvSpPr txBox="1">
-            <a:spLocks noChangeArrowheads="1"/>
-          </p:cNvSpPr>
-          <p:nvPr/>
-        </p:nvSpPr>
-        <p:spPr bwMode="auto">
-          <a:xfrm>
-            <a:off x="4499992" y="1412776"/>
-            <a:ext cx="2736304" cy="369332"/>
-          </a:xfrm>
-          <a:prstGeom prst="rect">
-            <a:avLst/>
-          </a:prstGeom>
-          <a:noFill/>
-          <a:ln w="9525">
-            <a:noFill/>
-            <a:miter lim="800000"/>
-            <a:headEnd/>
-            <a:tailEnd/>
-          </a:ln>
-        </p:spPr>
-        <p:txBody>
-          <a:bodyPr wrap="square">
-            <a:prstTxWarp prst="textNoShape">
-              <a:avLst/>
-            </a:prstTxWarp>
-            <a:spAutoFit/>
-          </a:bodyPr>
-          <a:lstStyle/>
-          <a:p>
-            <a:r>
-              <a:rPr lang="en-US" sz="1800" i="1" dirty="0"/>
-              <a:t>RNA-</a:t>
-            </a:r>
-            <a:r>
-              <a:rPr lang="en-US" sz="1800" i="1" dirty="0" err="1"/>
-              <a:t>Seq</a:t>
-            </a:r>
-            <a:endParaRPr lang="en-US" sz="1800" i="1" dirty="0"/>
+              <a:rPr lang="en-US" sz="1600" dirty="0"/>
+              <a:t>Purple – enzyme in cotton but not differentially regulated</a:t>
+            </a:r>
+          </a:p>
+          <a:p>
+            <a:endParaRPr lang="en-US" sz="1600" dirty="0"/>
+          </a:p>
+          <a:p>
+            <a:r>
+              <a:rPr lang="en-US" sz="1600" dirty="0"/>
+              <a:t>Blue – </a:t>
+            </a:r>
+            <a:r>
+              <a:rPr lang="en-US" sz="1600" dirty="0" err="1"/>
+              <a:t>downregulated</a:t>
+            </a:r>
+            <a:endParaRPr lang="en-US" sz="1600" dirty="0"/>
+          </a:p>
+          <a:p>
+            <a:endParaRPr lang="en-US" sz="1600" dirty="0"/>
+          </a:p>
+          <a:p>
+            <a:r>
+              <a:rPr lang="en-US" sz="1600" dirty="0"/>
+              <a:t>Red - </a:t>
+            </a:r>
+            <a:r>
+              <a:rPr lang="en-US" sz="1600" dirty="0" err="1"/>
+              <a:t>upregulated</a:t>
+            </a:r>
+            <a:endParaRPr lang="en-US" sz="1600" dirty="0"/>
           </a:p>
         </p:txBody>
       </p:sp>
     </p:spTree>
     <p:extLst>
       <p:ext uri="{BB962C8B-B14F-4D97-AF65-F5344CB8AC3E}">
-        <p14:creationId xmlns:p14="http://schemas.microsoft.com/office/powerpoint/2010/main" val="2151705758"/>
+        <p14:creationId xmlns:p14="http://schemas.microsoft.com/office/powerpoint/2010/main" val="4181129222"/>
       </p:ext>
     </p:extLst>
   </p:cSld>
@@ -10121,99 +10764,19 @@
             <a:pPr algn="l" eaLnBrk="1" hangingPunct="1"/>
             <a:r>
               <a:rPr lang="en-US" sz="3200" b="1" dirty="0"/>
-              <a:t>Enrichment Example:</a:t>
+              <a:t>Enrichment Example - </a:t>
+            </a:r>
+            <a:r>
+              <a:rPr lang="en-US" sz="3200" b="1" dirty="0" err="1"/>
+              <a:t>Interactomes</a:t>
             </a:r>
             <a:endParaRPr lang="en-US" sz="3200" dirty="0"/>
-          </a:p>
-        </p:txBody>
-      </p:sp>
-      <p:sp>
-        <p:nvSpPr>
-          <p:cNvPr id="4" name="Text Box 14"/>
-          <p:cNvSpPr txBox="1">
-            <a:spLocks noChangeArrowheads="1"/>
-          </p:cNvSpPr>
-          <p:nvPr/>
-        </p:nvSpPr>
-        <p:spPr bwMode="auto">
-          <a:xfrm>
-            <a:off x="6012160" y="1196752"/>
-            <a:ext cx="2664296" cy="646331"/>
-          </a:xfrm>
-          <a:prstGeom prst="rect">
-            <a:avLst/>
-          </a:prstGeom>
-          <a:noFill/>
-          <a:ln w="9525">
-            <a:solidFill>
-              <a:schemeClr val="tx1"/>
-            </a:solidFill>
-            <a:miter lim="800000"/>
-            <a:headEnd/>
-            <a:tailEnd/>
-          </a:ln>
-        </p:spPr>
-        <p:txBody>
-          <a:bodyPr wrap="square">
-            <a:prstTxWarp prst="textNoShape">
-              <a:avLst/>
-            </a:prstTxWarp>
-            <a:spAutoFit/>
-          </a:bodyPr>
-          <a:lstStyle/>
-          <a:p>
-            <a:r>
-              <a:rPr lang="en-US" sz="1800" dirty="0"/>
-              <a:t>1300 genes up-regulated in response to dioxin</a:t>
-            </a:r>
-          </a:p>
-        </p:txBody>
-      </p:sp>
-      <p:sp>
-        <p:nvSpPr>
-          <p:cNvPr id="5" name="Text Box 14"/>
-          <p:cNvSpPr txBox="1">
-            <a:spLocks noChangeArrowheads="1"/>
-          </p:cNvSpPr>
-          <p:nvPr/>
-        </p:nvSpPr>
-        <p:spPr bwMode="auto">
-          <a:xfrm>
-            <a:off x="6012160" y="2276872"/>
-            <a:ext cx="2736304" cy="369332"/>
-          </a:xfrm>
-          <a:prstGeom prst="rect">
-            <a:avLst/>
-          </a:prstGeom>
-          <a:noFill/>
-          <a:ln w="9525">
-            <a:solidFill>
-              <a:schemeClr val="tx1"/>
-            </a:solidFill>
-            <a:miter lim="800000"/>
-            <a:headEnd/>
-            <a:tailEnd/>
-          </a:ln>
-        </p:spPr>
-        <p:txBody>
-          <a:bodyPr wrap="square">
-            <a:prstTxWarp prst="textNoShape">
-              <a:avLst/>
-            </a:prstTxWarp>
-            <a:spAutoFit/>
-          </a:bodyPr>
-          <a:lstStyle/>
-          <a:p>
-            <a:r>
-              <a:rPr lang="en-US" sz="1800" dirty="0"/>
-              <a:t>All genes in the genome</a:t>
-            </a:r>
           </a:p>
         </p:txBody>
       </p:sp>
       <p:pic>
         <p:nvPicPr>
-          <p:cNvPr id="2" name="Picture 1" descr="Unknown.jpeg"/>
+          <p:cNvPr id="2" name="Picture 1" descr="enrichmentmap2.png"/>
           <p:cNvPicPr>
             <a:picLocks noChangeAspect="1"/>
           </p:cNvPicPr>
@@ -10233,8 +10796,8 @@
         </p:blipFill>
         <p:spPr>
           <a:xfrm>
-            <a:off x="179512" y="1331476"/>
-            <a:ext cx="1545161" cy="1028234"/>
+            <a:off x="323528" y="1268760"/>
+            <a:ext cx="6588224" cy="5119991"/>
           </a:xfrm>
           <a:prstGeom prst="rect">
             <a:avLst/>
@@ -10243,7 +10806,7 @@
       </p:pic>
       <p:sp>
         <p:nvSpPr>
-          <p:cNvPr id="7" name="Text Box 14"/>
+          <p:cNvPr id="4" name="Text Box 14"/>
           <p:cNvSpPr txBox="1">
             <a:spLocks noChangeArrowheads="1"/>
           </p:cNvSpPr>
@@ -10251,8 +10814,8 @@
         </p:nvSpPr>
         <p:spPr bwMode="auto">
           <a:xfrm>
-            <a:off x="179512" y="2339588"/>
-            <a:ext cx="1512168" cy="369332"/>
+            <a:off x="251520" y="6362164"/>
+            <a:ext cx="8064896" cy="523220"/>
           </a:xfrm>
           <a:prstGeom prst="rect">
             <a:avLst/>
@@ -10275,54 +10838,39 @@
           <a:lstStyle/>
           <a:p>
             <a:r>
-              <a:rPr lang="en-US" sz="1800" i="1" dirty="0" err="1"/>
-              <a:t>Danio</a:t>
-            </a:r>
-            <a:r>
-              <a:rPr lang="en-US" sz="1800" i="1" dirty="0"/>
+              <a:rPr lang="en-US" sz="1400" dirty="0" err="1"/>
+              <a:t>Merico</a:t>
+            </a:r>
+            <a:r>
+              <a:rPr lang="en-US" sz="1400" dirty="0"/>
               <a:t> </a:t>
             </a:r>
             <a:r>
-              <a:rPr lang="en-US" sz="1800" i="1" dirty="0" err="1"/>
-              <a:t>rerio</a:t>
-            </a:r>
-            <a:endParaRPr lang="en-US" sz="1800" i="1" dirty="0"/>
-          </a:p>
-        </p:txBody>
-      </p:sp>
-      <p:pic>
-        <p:nvPicPr>
-          <p:cNvPr id="3" name="Picture 2" descr="Unknown-1.jpeg"/>
-          <p:cNvPicPr>
-            <a:picLocks noChangeAspect="1"/>
-          </p:cNvPicPr>
-          <p:nvPr/>
-        </p:nvPicPr>
-        <p:blipFill>
-          <a:blip r:embed="rId4">
-            <a:extLst>
-              <a:ext uri="{28A0092B-C50C-407E-A947-70E740481C1C}">
-                <a14:useLocalDpi xmlns:a14="http://schemas.microsoft.com/office/drawing/2010/main" val="0"/>
-              </a:ext>
-            </a:extLst>
-          </a:blip>
-          <a:stretch>
-            <a:fillRect/>
-          </a:stretch>
-        </p:blipFill>
-        <p:spPr>
-          <a:xfrm>
-            <a:off x="1475656" y="1187460"/>
-            <a:ext cx="864096" cy="490041"/>
-          </a:xfrm>
-          <a:prstGeom prst="rect">
-            <a:avLst/>
-          </a:prstGeom>
-        </p:spPr>
-      </p:pic>
-      <p:sp>
-        <p:nvSpPr>
-          <p:cNvPr id="10" name="Text Box 14"/>
+              <a:rPr lang="en-US" sz="1400" i="1" dirty="0"/>
+              <a:t>et al</a:t>
+            </a:r>
+            <a:r>
+              <a:rPr lang="en-US" sz="1400" dirty="0"/>
+              <a:t>. 2010. Enrichment Map: A Network-Based Method for Gene-Set Enrichment Visualization and Interpretation. </a:t>
+            </a:r>
+            <a:r>
+              <a:rPr lang="en-US" sz="1400" i="1" dirty="0" err="1"/>
+              <a:t>PLoS</a:t>
+            </a:r>
+            <a:r>
+              <a:rPr lang="en-US" sz="1400" i="1" dirty="0"/>
+              <a:t> One</a:t>
+            </a:r>
+            <a:r>
+              <a:rPr lang="en-US" sz="1400" dirty="0"/>
+              <a:t> 5(11):e13984.</a:t>
+            </a:r>
+          </a:p>
+        </p:txBody>
+      </p:sp>
+      <p:sp>
+        <p:nvSpPr>
+          <p:cNvPr id="5" name="Text Box 14"/>
           <p:cNvSpPr txBox="1">
             <a:spLocks noChangeArrowheads="1"/>
           </p:cNvSpPr>
@@ -10330,8 +10878,8 @@
         </p:nvSpPr>
         <p:spPr bwMode="auto">
           <a:xfrm>
-            <a:off x="6948264" y="1844824"/>
-            <a:ext cx="2736304" cy="369332"/>
+            <a:off x="251520" y="908720"/>
+            <a:ext cx="8064896" cy="338554"/>
           </a:xfrm>
           <a:prstGeom prst="rect">
             <a:avLst/>
@@ -10354,131 +10902,24 @@
           <a:lstStyle/>
           <a:p>
             <a:r>
-              <a:rPr lang="en-US" sz="1800" i="1" dirty="0"/>
-              <a:t>versus</a:t>
-            </a:r>
-          </a:p>
-        </p:txBody>
-      </p:sp>
-      <p:sp>
-        <p:nvSpPr>
-          <p:cNvPr id="8" name="Down Arrow 7"/>
-          <p:cNvSpPr/>
+              <a:rPr lang="en-US" sz="1600" dirty="0"/>
+              <a:t>Enrichment map for estrogen treatment of breast cancer cells at 24 hours of culture.</a:t>
+            </a:r>
+          </a:p>
+        </p:txBody>
+      </p:sp>
+      <p:sp>
+        <p:nvSpPr>
+          <p:cNvPr id="6" name="Text Box 14"/>
+          <p:cNvSpPr txBox="1">
+            <a:spLocks noChangeArrowheads="1"/>
+          </p:cNvSpPr>
           <p:nvPr/>
         </p:nvSpPr>
         <p:spPr bwMode="auto">
           <a:xfrm>
-            <a:off x="6948264" y="3140968"/>
-            <a:ext cx="484632" cy="1770496"/>
-          </a:xfrm>
-          <a:prstGeom prst="downArrow">
-            <a:avLst/>
-          </a:prstGeom>
-          <a:solidFill>
-            <a:schemeClr val="accent1"/>
-          </a:solidFill>
-          <a:ln w="9525" cap="flat" cmpd="sng" algn="ctr">
-            <a:solidFill>
-              <a:schemeClr val="tx1"/>
-            </a:solidFill>
-            <a:prstDash val="solid"/>
-            <a:round/>
-            <a:headEnd type="none" w="med" len="med"/>
-            <a:tailEnd type="none" w="med" len="med"/>
-          </a:ln>
-          <a:effectLst/>
-        </p:spPr>
-        <p:txBody>
-          <a:bodyPr vert="horz" wrap="square" lIns="91440" tIns="45720" rIns="91440" bIns="45720" numCol="1" rtlCol="0" anchor="t" anchorCtr="0" compatLnSpc="1">
-            <a:prstTxWarp prst="textNoShape">
-              <a:avLst/>
-            </a:prstTxWarp>
-          </a:bodyPr>
-          <a:lstStyle/>
-          <a:p>
-            <a:pPr marL="0" marR="0" indent="0" algn="l" defTabSz="914400" rtl="0" eaLnBrk="0" fontAlgn="base" latinLnBrk="0" hangingPunct="0">
-              <a:lnSpc>
-                <a:spcPct val="100000"/>
-              </a:lnSpc>
-              <a:spcBef>
-                <a:spcPct val="0"/>
-              </a:spcBef>
-              <a:spcAft>
-                <a:spcPct val="0"/>
-              </a:spcAft>
-              <a:buClrTx/>
-              <a:buSzTx/>
-              <a:buFontTx/>
-              <a:buNone/>
-              <a:tabLst/>
-            </a:pPr>
-            <a:endParaRPr kumimoji="0" lang="en-US" sz="2400" b="0" i="0" u="none" strike="noStrike" cap="none" normalizeH="0" baseline="0">
-              <a:ln>
-                <a:noFill/>
-              </a:ln>
-              <a:solidFill>
-                <a:schemeClr val="tx1"/>
-              </a:solidFill>
-              <a:effectLst/>
-              <a:latin typeface="Times" charset="0"/>
-            </a:endParaRPr>
-          </a:p>
-        </p:txBody>
-      </p:sp>
-      <p:sp>
-        <p:nvSpPr>
-          <p:cNvPr id="11" name="Text Box 14"/>
-          <p:cNvSpPr txBox="1">
-            <a:spLocks noChangeArrowheads="1"/>
-          </p:cNvSpPr>
-          <p:nvPr/>
-        </p:nvSpPr>
-        <p:spPr bwMode="auto">
-          <a:xfrm>
-            <a:off x="6012160" y="5157192"/>
-            <a:ext cx="2736304" cy="1477328"/>
-          </a:xfrm>
-          <a:prstGeom prst="rect">
-            <a:avLst/>
-          </a:prstGeom>
-          <a:noFill/>
-          <a:ln w="9525">
-            <a:solidFill>
-              <a:schemeClr val="tx1"/>
-            </a:solidFill>
-            <a:miter lim="800000"/>
-            <a:headEnd/>
-            <a:tailEnd/>
-          </a:ln>
-        </p:spPr>
-        <p:txBody>
-          <a:bodyPr wrap="square">
-            <a:prstTxWarp prst="textNoShape">
-              <a:avLst/>
-            </a:prstTxWarp>
-            <a:spAutoFit/>
-          </a:bodyPr>
-          <a:lstStyle/>
-          <a:p>
-            <a:r>
-              <a:rPr lang="en-US" sz="1800" dirty="0"/>
-              <a:t>GO terms for oxidative stress response, DNA damage repair statistically enriched in the up-regulated genes</a:t>
-            </a:r>
-          </a:p>
-        </p:txBody>
-      </p:sp>
-      <p:sp>
-        <p:nvSpPr>
-          <p:cNvPr id="12" name="Text Box 14"/>
-          <p:cNvSpPr txBox="1">
-            <a:spLocks noChangeArrowheads="1"/>
-          </p:cNvSpPr>
-          <p:nvPr/>
-        </p:nvSpPr>
-        <p:spPr bwMode="auto">
-          <a:xfrm>
-            <a:off x="5004048" y="3646765"/>
-            <a:ext cx="2736304" cy="646331"/>
+            <a:off x="7020272" y="1340768"/>
+            <a:ext cx="2123728" cy="2308324"/>
           </a:xfrm>
           <a:prstGeom prst="rect">
             <a:avLst/>
@@ -10501,356 +10942,25 @@
           <a:lstStyle/>
           <a:p>
             <a:r>
-              <a:rPr lang="en-US" sz="1800" i="1" dirty="0"/>
-              <a:t>Gene Ontology</a:t>
-            </a:r>
-          </a:p>
-          <a:p>
-            <a:r>
-              <a:rPr lang="en-US" sz="1800" i="1" dirty="0"/>
-              <a:t>enrichment analysis</a:t>
-            </a:r>
-          </a:p>
-        </p:txBody>
-      </p:sp>
-      <p:sp>
-        <p:nvSpPr>
-          <p:cNvPr id="13" name="Text Box 14"/>
-          <p:cNvSpPr txBox="1">
-            <a:spLocks noChangeArrowheads="1"/>
-          </p:cNvSpPr>
-          <p:nvPr/>
-        </p:nvSpPr>
-        <p:spPr bwMode="auto">
-          <a:xfrm>
-            <a:off x="1691680" y="1619508"/>
-            <a:ext cx="864096" cy="338554"/>
-          </a:xfrm>
-          <a:prstGeom prst="rect">
-            <a:avLst/>
-          </a:prstGeom>
-          <a:noFill/>
-          <a:ln w="9525">
-            <a:solidFill>
-              <a:schemeClr val="tx1"/>
-            </a:solidFill>
-            <a:miter lim="800000"/>
-            <a:headEnd/>
-            <a:tailEnd/>
-          </a:ln>
-        </p:spPr>
-        <p:txBody>
-          <a:bodyPr wrap="square">
-            <a:prstTxWarp prst="textNoShape">
-              <a:avLst/>
-            </a:prstTxWarp>
-            <a:spAutoFit/>
-          </a:bodyPr>
-          <a:lstStyle/>
-          <a:p>
-            <a:r>
-              <a:rPr lang="en-US" sz="1600" i="1" dirty="0"/>
-              <a:t>dioxin</a:t>
-            </a:r>
-          </a:p>
-        </p:txBody>
-      </p:sp>
-      <p:sp>
-        <p:nvSpPr>
-          <p:cNvPr id="14" name="Text Box 14"/>
-          <p:cNvSpPr txBox="1">
-            <a:spLocks noChangeArrowheads="1"/>
-          </p:cNvSpPr>
-          <p:nvPr/>
-        </p:nvSpPr>
-        <p:spPr bwMode="auto">
-          <a:xfrm>
-            <a:off x="2771800" y="1475492"/>
-            <a:ext cx="1368152" cy="369332"/>
-          </a:xfrm>
-          <a:prstGeom prst="rect">
-            <a:avLst/>
-          </a:prstGeom>
-          <a:solidFill>
-            <a:schemeClr val="accent1">
-              <a:lumMod val="40000"/>
-              <a:lumOff val="60000"/>
-            </a:schemeClr>
-          </a:solidFill>
-          <a:ln w="9525">
-            <a:solidFill>
-              <a:schemeClr val="tx1"/>
-            </a:solidFill>
-            <a:miter lim="800000"/>
-            <a:headEnd/>
-            <a:tailEnd/>
-          </a:ln>
-        </p:spPr>
-        <p:txBody>
-          <a:bodyPr wrap="square">
-            <a:prstTxWarp prst="textNoShape">
-              <a:avLst/>
-            </a:prstTxWarp>
-            <a:spAutoFit/>
-          </a:bodyPr>
-          <a:lstStyle/>
-          <a:p>
-            <a:r>
-              <a:rPr lang="en-US" sz="1800" dirty="0">
-                <a:solidFill>
-                  <a:schemeClr val="bg2"/>
-                </a:solidFill>
-              </a:rPr>
-              <a:t>CONTROL</a:t>
-            </a:r>
-          </a:p>
-        </p:txBody>
-      </p:sp>
-      <p:sp>
-        <p:nvSpPr>
-          <p:cNvPr id="15" name="Text Box 14"/>
-          <p:cNvSpPr txBox="1">
-            <a:spLocks noChangeArrowheads="1"/>
-          </p:cNvSpPr>
-          <p:nvPr/>
-        </p:nvSpPr>
-        <p:spPr bwMode="auto">
-          <a:xfrm>
-            <a:off x="2771800" y="2051556"/>
-            <a:ext cx="1368152" cy="369332"/>
-          </a:xfrm>
-          <a:prstGeom prst="rect">
-            <a:avLst/>
-          </a:prstGeom>
-          <a:solidFill>
-            <a:schemeClr val="accent1">
-              <a:lumMod val="40000"/>
-              <a:lumOff val="60000"/>
-            </a:schemeClr>
-          </a:solidFill>
-          <a:ln w="9525">
-            <a:solidFill>
-              <a:schemeClr val="tx1"/>
-            </a:solidFill>
-            <a:miter lim="800000"/>
-            <a:headEnd/>
-            <a:tailEnd/>
-          </a:ln>
-        </p:spPr>
-        <p:txBody>
-          <a:bodyPr wrap="square">
-            <a:prstTxWarp prst="textNoShape">
-              <a:avLst/>
-            </a:prstTxWarp>
-            <a:spAutoFit/>
-          </a:bodyPr>
-          <a:lstStyle/>
-          <a:p>
-            <a:r>
-              <a:rPr lang="en-US" sz="1800" dirty="0">
-                <a:solidFill>
-                  <a:schemeClr val="bg2"/>
-                </a:solidFill>
-              </a:rPr>
-              <a:t>EXPOSED</a:t>
-            </a:r>
-          </a:p>
-        </p:txBody>
-      </p:sp>
-      <p:sp>
-        <p:nvSpPr>
-          <p:cNvPr id="6" name="Right Arrow 5"/>
-          <p:cNvSpPr/>
-          <p:nvPr/>
-        </p:nvSpPr>
-        <p:spPr bwMode="auto">
-          <a:xfrm>
-            <a:off x="4355976" y="1700808"/>
-            <a:ext cx="1512168" cy="484632"/>
-          </a:xfrm>
-          <a:prstGeom prst="rightArrow">
-            <a:avLst/>
-          </a:prstGeom>
-          <a:solidFill>
-            <a:schemeClr val="accent1"/>
-          </a:solidFill>
-          <a:ln w="9525" cap="flat" cmpd="sng" algn="ctr">
-            <a:solidFill>
-              <a:schemeClr val="tx1"/>
-            </a:solidFill>
-            <a:prstDash val="solid"/>
-            <a:round/>
-            <a:headEnd type="none" w="med" len="med"/>
-            <a:tailEnd type="none" w="med" len="med"/>
-          </a:ln>
-          <a:effectLst/>
-        </p:spPr>
-        <p:txBody>
-          <a:bodyPr vert="horz" wrap="square" lIns="91440" tIns="45720" rIns="91440" bIns="45720" numCol="1" rtlCol="0" anchor="t" anchorCtr="0" compatLnSpc="1">
-            <a:prstTxWarp prst="textNoShape">
-              <a:avLst/>
-            </a:prstTxWarp>
-          </a:bodyPr>
-          <a:lstStyle/>
-          <a:p>
-            <a:pPr marL="0" marR="0" indent="0" algn="l" defTabSz="914400" rtl="0" eaLnBrk="0" fontAlgn="base" latinLnBrk="0" hangingPunct="0">
-              <a:lnSpc>
-                <a:spcPct val="100000"/>
-              </a:lnSpc>
-              <a:spcBef>
-                <a:spcPct val="0"/>
-              </a:spcBef>
-              <a:spcAft>
-                <a:spcPct val="0"/>
-              </a:spcAft>
-              <a:buClrTx/>
-              <a:buSzTx/>
-              <a:buFontTx/>
-              <a:buNone/>
-              <a:tabLst/>
-            </a:pPr>
-            <a:endParaRPr kumimoji="0" lang="en-US" sz="2400" b="0" i="0" u="none" strike="noStrike" cap="none" normalizeH="0" baseline="0">
-              <a:ln>
-                <a:noFill/>
-              </a:ln>
-              <a:solidFill>
-                <a:schemeClr val="tx1"/>
-              </a:solidFill>
-              <a:effectLst/>
-              <a:latin typeface="Times" charset="0"/>
-            </a:endParaRPr>
-          </a:p>
-        </p:txBody>
-      </p:sp>
-      <p:sp>
-        <p:nvSpPr>
-          <p:cNvPr id="16" name="Text Box 14"/>
-          <p:cNvSpPr txBox="1">
-            <a:spLocks noChangeArrowheads="1"/>
-          </p:cNvSpPr>
-          <p:nvPr/>
-        </p:nvSpPr>
-        <p:spPr bwMode="auto">
-          <a:xfrm>
-            <a:off x="4499992" y="1412776"/>
-            <a:ext cx="2736304" cy="369332"/>
-          </a:xfrm>
-          <a:prstGeom prst="rect">
-            <a:avLst/>
-          </a:prstGeom>
-          <a:noFill/>
-          <a:ln w="9525">
-            <a:noFill/>
-            <a:miter lim="800000"/>
-            <a:headEnd/>
-            <a:tailEnd/>
-          </a:ln>
-        </p:spPr>
-        <p:txBody>
-          <a:bodyPr wrap="square">
-            <a:prstTxWarp prst="textNoShape">
-              <a:avLst/>
-            </a:prstTxWarp>
-            <a:spAutoFit/>
-          </a:bodyPr>
-          <a:lstStyle/>
-          <a:p>
-            <a:r>
-              <a:rPr lang="en-US" sz="1800" i="1" dirty="0"/>
-              <a:t>RNA-</a:t>
-            </a:r>
-            <a:r>
-              <a:rPr lang="en-US" sz="1800" i="1" dirty="0" err="1"/>
-              <a:t>Seq</a:t>
-            </a:r>
-            <a:endParaRPr lang="en-US" sz="1800" i="1" dirty="0"/>
-          </a:p>
-        </p:txBody>
-      </p:sp>
-      <p:sp>
-        <p:nvSpPr>
-          <p:cNvPr id="17" name="Text Box 14"/>
-          <p:cNvSpPr txBox="1">
-            <a:spLocks noChangeArrowheads="1"/>
-          </p:cNvSpPr>
-          <p:nvPr/>
-        </p:nvSpPr>
-        <p:spPr bwMode="auto">
-          <a:xfrm>
-            <a:off x="1043608" y="3501008"/>
-            <a:ext cx="2736304" cy="1200329"/>
-          </a:xfrm>
-          <a:prstGeom prst="rect">
-            <a:avLst/>
-          </a:prstGeom>
-          <a:noFill/>
-          <a:ln w="9525">
-            <a:noFill/>
-            <a:miter lim="800000"/>
-            <a:headEnd/>
-            <a:tailEnd/>
-          </a:ln>
-        </p:spPr>
-        <p:txBody>
-          <a:bodyPr wrap="square">
-            <a:prstTxWarp prst="textNoShape">
-              <a:avLst/>
-            </a:prstTxWarp>
-            <a:spAutoFit/>
-          </a:bodyPr>
-          <a:lstStyle/>
-          <a:p>
-            <a:r>
-              <a:rPr lang="en-US" sz="1800" i="1" dirty="0">
-                <a:solidFill>
-                  <a:srgbClr val="FFFF00"/>
-                </a:solidFill>
-              </a:rPr>
-              <a:t>Each gene tagged with a different set of ontology terms in the genome annotation</a:t>
-            </a:r>
-          </a:p>
-        </p:txBody>
-      </p:sp>
-      <p:sp>
-        <p:nvSpPr>
-          <p:cNvPr id="18" name="Text Box 14"/>
-          <p:cNvSpPr txBox="1">
-            <a:spLocks noChangeArrowheads="1"/>
-          </p:cNvSpPr>
-          <p:nvPr/>
-        </p:nvSpPr>
-        <p:spPr bwMode="auto">
-          <a:xfrm>
-            <a:off x="1043608" y="4759984"/>
-            <a:ext cx="2736304" cy="1477328"/>
-          </a:xfrm>
-          <a:prstGeom prst="rect">
-            <a:avLst/>
-          </a:prstGeom>
-          <a:noFill/>
-          <a:ln w="9525">
-            <a:noFill/>
-            <a:miter lim="800000"/>
-            <a:headEnd/>
-            <a:tailEnd/>
-          </a:ln>
-        </p:spPr>
-        <p:txBody>
-          <a:bodyPr wrap="square">
-            <a:prstTxWarp prst="textNoShape">
-              <a:avLst/>
-            </a:prstTxWarp>
-            <a:spAutoFit/>
-          </a:bodyPr>
-          <a:lstStyle/>
-          <a:p>
-            <a:r>
-              <a:rPr lang="en-US" sz="1800" i="1" dirty="0">
-                <a:solidFill>
-                  <a:srgbClr val="FFFF00"/>
-                </a:solidFill>
-              </a:rPr>
-              <a:t>Algorithm traverses the entire ontology to determine which higher-level ontology terms are involved in enrichment</a:t>
+              <a:rPr lang="en-US" sz="1600" dirty="0"/>
+              <a:t>Gene expression with estrogen treatment examined</a:t>
+            </a:r>
+          </a:p>
+          <a:p>
+            <a:endParaRPr lang="en-US" sz="1600" dirty="0"/>
+          </a:p>
+          <a:p>
+            <a:r>
+              <a:rPr lang="en-US" sz="1600" dirty="0"/>
+              <a:t>Down- and </a:t>
+            </a:r>
+            <a:r>
+              <a:rPr lang="en-US" sz="1600" dirty="0" err="1"/>
+              <a:t>upregulated</a:t>
+            </a:r>
+            <a:r>
+              <a:rPr lang="en-US" sz="1600" dirty="0"/>
+              <a:t> genes examined in the context of known protein and other interactions</a:t>
             </a:r>
           </a:p>
         </p:txBody>
@@ -10858,7 +10968,7 @@
     </p:spTree>
     <p:extLst>
       <p:ext uri="{BB962C8B-B14F-4D97-AF65-F5344CB8AC3E}">
-        <p14:creationId xmlns:p14="http://schemas.microsoft.com/office/powerpoint/2010/main" val="1060999368"/>
+        <p14:creationId xmlns:p14="http://schemas.microsoft.com/office/powerpoint/2010/main" val="706925454"/>
       </p:ext>
     </p:extLst>
   </p:cSld>
@@ -10908,509 +11018,6 @@
             <a:pPr algn="l" eaLnBrk="1" hangingPunct="1"/>
             <a:r>
               <a:rPr lang="en-US" sz="3200" b="1" dirty="0"/>
-              <a:t>Enrichment Example - KEGG</a:t>
-            </a:r>
-            <a:endParaRPr lang="en-US" sz="3200" dirty="0"/>
-          </a:p>
-        </p:txBody>
-      </p:sp>
-      <p:pic>
-        <p:nvPicPr>
-          <p:cNvPr id="3" name="Picture 2" descr="Figure_4.tif"/>
-          <p:cNvPicPr>
-            <a:picLocks noChangeAspect="1"/>
-          </p:cNvPicPr>
-          <p:nvPr/>
-        </p:nvPicPr>
-        <p:blipFill>
-          <a:blip r:embed="rId3">
-            <a:extLst>
-              <a:ext uri="{28A0092B-C50C-407E-A947-70E740481C1C}">
-                <a14:useLocalDpi xmlns:a14="http://schemas.microsoft.com/office/drawing/2010/main" val="0"/>
-              </a:ext>
-            </a:extLst>
-          </a:blip>
-          <a:stretch>
-            <a:fillRect/>
-          </a:stretch>
-        </p:blipFill>
-        <p:spPr>
-          <a:xfrm>
-            <a:off x="323528" y="1052736"/>
-            <a:ext cx="6192688" cy="4732703"/>
-          </a:xfrm>
-          <a:prstGeom prst="rect">
-            <a:avLst/>
-          </a:prstGeom>
-        </p:spPr>
-      </p:pic>
-      <p:sp>
-        <p:nvSpPr>
-          <p:cNvPr id="5" name="Text Box 14"/>
-          <p:cNvSpPr txBox="1">
-            <a:spLocks noChangeArrowheads="1"/>
-          </p:cNvSpPr>
-          <p:nvPr/>
-        </p:nvSpPr>
-        <p:spPr bwMode="auto">
-          <a:xfrm>
-            <a:off x="251520" y="5805264"/>
-            <a:ext cx="8064896" cy="584776"/>
-          </a:xfrm>
-          <a:prstGeom prst="rect">
-            <a:avLst/>
-          </a:prstGeom>
-          <a:noFill/>
-          <a:ln w="9525">
-            <a:noFill/>
-            <a:miter lim="800000"/>
-            <a:headEnd/>
-            <a:tailEnd/>
-          </a:ln>
-        </p:spPr>
-        <p:txBody>
-          <a:bodyPr wrap="square">
-            <a:prstTxWarp prst="textNoShape">
-              <a:avLst/>
-            </a:prstTxWarp>
-            <a:spAutoFit/>
-          </a:bodyPr>
-          <a:lstStyle/>
-          <a:p>
-            <a:r>
-              <a:rPr lang="en-US" sz="1600" dirty="0"/>
-              <a:t>Bowman </a:t>
-            </a:r>
-            <a:r>
-              <a:rPr lang="en-US" sz="1600" i="1" dirty="0"/>
-              <a:t>et al</a:t>
-            </a:r>
-            <a:r>
-              <a:rPr lang="en-US" sz="1600" dirty="0"/>
-              <a:t>. 2013. RNA-</a:t>
-            </a:r>
-            <a:r>
-              <a:rPr lang="en-US" sz="1600" dirty="0" err="1"/>
-              <a:t>Seq</a:t>
-            </a:r>
-            <a:r>
-              <a:rPr lang="en-US" sz="1600" dirty="0"/>
-              <a:t> </a:t>
-            </a:r>
-            <a:r>
-              <a:rPr lang="en-US" sz="1600" dirty="0" err="1"/>
-              <a:t>Transcriptome</a:t>
-            </a:r>
-            <a:r>
-              <a:rPr lang="en-US" sz="1600" dirty="0"/>
-              <a:t> Profiling of Upland Cotton (</a:t>
-            </a:r>
-            <a:r>
-              <a:rPr lang="en-US" sz="1600" dirty="0" err="1"/>
-              <a:t>Gossypium</a:t>
-            </a:r>
-            <a:r>
-              <a:rPr lang="en-US" sz="1600" dirty="0"/>
-              <a:t> </a:t>
-            </a:r>
-            <a:r>
-              <a:rPr lang="en-US" sz="1600" dirty="0" err="1"/>
-              <a:t>hirsutum</a:t>
-            </a:r>
-            <a:r>
-              <a:rPr lang="en-US" sz="1600" dirty="0"/>
-              <a:t> L.) Root Tissue under Water-Deficit Stress. </a:t>
-            </a:r>
-            <a:r>
-              <a:rPr lang="en-US" sz="1600" i="1" dirty="0" err="1"/>
-              <a:t>PLoS</a:t>
-            </a:r>
-            <a:r>
-              <a:rPr lang="en-US" sz="1600" i="1" dirty="0"/>
-              <a:t> ONE</a:t>
-            </a:r>
-            <a:r>
-              <a:rPr lang="en-US" sz="1600" dirty="0"/>
-              <a:t> 8(12):e82634</a:t>
-            </a:r>
-          </a:p>
-        </p:txBody>
-      </p:sp>
-      <p:sp>
-        <p:nvSpPr>
-          <p:cNvPr id="6" name="Text Box 14"/>
-          <p:cNvSpPr txBox="1">
-            <a:spLocks noChangeArrowheads="1"/>
-          </p:cNvSpPr>
-          <p:nvPr/>
-        </p:nvSpPr>
-        <p:spPr bwMode="auto">
-          <a:xfrm>
-            <a:off x="6588224" y="1052736"/>
-            <a:ext cx="2448272" cy="1815882"/>
-          </a:xfrm>
-          <a:prstGeom prst="rect">
-            <a:avLst/>
-          </a:prstGeom>
-          <a:noFill/>
-          <a:ln w="9525">
-            <a:noFill/>
-            <a:miter lim="800000"/>
-            <a:headEnd/>
-            <a:tailEnd/>
-          </a:ln>
-        </p:spPr>
-        <p:txBody>
-          <a:bodyPr wrap="square">
-            <a:prstTxWarp prst="textNoShape">
-              <a:avLst/>
-            </a:prstTxWarp>
-            <a:spAutoFit/>
-          </a:bodyPr>
-          <a:lstStyle/>
-          <a:p>
-            <a:r>
-              <a:rPr lang="en-US" sz="1600" dirty="0"/>
-              <a:t>Purple – enzyme in cotton but not differentially regulated</a:t>
-            </a:r>
-          </a:p>
-          <a:p>
-            <a:endParaRPr lang="en-US" sz="1600" dirty="0"/>
-          </a:p>
-          <a:p>
-            <a:r>
-              <a:rPr lang="en-US" sz="1600" dirty="0"/>
-              <a:t>Blue – </a:t>
-            </a:r>
-            <a:r>
-              <a:rPr lang="en-US" sz="1600" dirty="0" err="1"/>
-              <a:t>downregulated</a:t>
-            </a:r>
-            <a:endParaRPr lang="en-US" sz="1600" dirty="0"/>
-          </a:p>
-          <a:p>
-            <a:endParaRPr lang="en-US" sz="1600" dirty="0"/>
-          </a:p>
-          <a:p>
-            <a:r>
-              <a:rPr lang="en-US" sz="1600" dirty="0"/>
-              <a:t>Red - </a:t>
-            </a:r>
-            <a:r>
-              <a:rPr lang="en-US" sz="1600" dirty="0" err="1"/>
-              <a:t>upregulated</a:t>
-            </a:r>
-            <a:endParaRPr lang="en-US" sz="1600" dirty="0"/>
-          </a:p>
-        </p:txBody>
-      </p:sp>
-    </p:spTree>
-    <p:extLst>
-      <p:ext uri="{BB962C8B-B14F-4D97-AF65-F5344CB8AC3E}">
-        <p14:creationId xmlns:p14="http://schemas.microsoft.com/office/powerpoint/2010/main" val="4181129222"/>
-      </p:ext>
-    </p:extLst>
-  </p:cSld>
-  <p:clrMapOvr>
-    <a:masterClrMapping/>
-  </p:clrMapOvr>
-</p:sld>
-</file>
-
-<file path=ppt/slides/slide27.xml><?xml version="1.0" encoding="utf-8"?>
-<p:sld xmlns:a="http://schemas.openxmlformats.org/drawingml/2006/main" xmlns:r="http://schemas.openxmlformats.org/officeDocument/2006/relationships" xmlns:p="http://schemas.openxmlformats.org/presentationml/2006/main">
-  <p:cSld>
-    <p:spTree>
-      <p:nvGrpSpPr>
-        <p:cNvPr id="1" name=""/>
-        <p:cNvGrpSpPr/>
-        <p:nvPr/>
-      </p:nvGrpSpPr>
-      <p:grpSpPr>
-        <a:xfrm>
-          <a:off x="0" y="0"/>
-          <a:ext cx="0" cy="0"/>
-          <a:chOff x="0" y="0"/>
-          <a:chExt cx="0" cy="0"/>
-        </a:xfrm>
-      </p:grpSpPr>
-      <p:sp>
-        <p:nvSpPr>
-          <p:cNvPr id="9" name="Rectangle 2"/>
-          <p:cNvSpPr>
-            <a:spLocks noGrp="1" noChangeArrowheads="1"/>
-          </p:cNvSpPr>
-          <p:nvPr>
-            <p:ph type="ctrTitle"/>
-          </p:nvPr>
-        </p:nvSpPr>
-        <p:spPr>
-          <a:xfrm>
-            <a:off x="323528" y="-171400"/>
-            <a:ext cx="8568952" cy="1535832"/>
-          </a:xfrm>
-        </p:spPr>
-        <p:txBody>
-          <a:bodyPr/>
-          <a:lstStyle/>
-          <a:p>
-            <a:pPr algn="l" eaLnBrk="1" hangingPunct="1"/>
-            <a:r>
-              <a:rPr lang="en-US" sz="3200" b="1" dirty="0"/>
-              <a:t>Enrichment Example - </a:t>
-            </a:r>
-            <a:r>
-              <a:rPr lang="en-US" sz="3200" b="1" dirty="0" err="1"/>
-              <a:t>Interactomes</a:t>
-            </a:r>
-            <a:endParaRPr lang="en-US" sz="3200" dirty="0"/>
-          </a:p>
-        </p:txBody>
-      </p:sp>
-      <p:pic>
-        <p:nvPicPr>
-          <p:cNvPr id="2" name="Picture 1" descr="enrichmentmap2.png"/>
-          <p:cNvPicPr>
-            <a:picLocks noChangeAspect="1"/>
-          </p:cNvPicPr>
-          <p:nvPr/>
-        </p:nvPicPr>
-        <p:blipFill>
-          <a:blip r:embed="rId3">
-            <a:extLst>
-              <a:ext uri="{28A0092B-C50C-407E-A947-70E740481C1C}">
-                <a14:useLocalDpi xmlns:a14="http://schemas.microsoft.com/office/drawing/2010/main" val="0"/>
-              </a:ext>
-            </a:extLst>
-          </a:blip>
-          <a:stretch>
-            <a:fillRect/>
-          </a:stretch>
-        </p:blipFill>
-        <p:spPr>
-          <a:xfrm>
-            <a:off x="323528" y="1268760"/>
-            <a:ext cx="6588224" cy="5119991"/>
-          </a:xfrm>
-          <a:prstGeom prst="rect">
-            <a:avLst/>
-          </a:prstGeom>
-        </p:spPr>
-      </p:pic>
-      <p:sp>
-        <p:nvSpPr>
-          <p:cNvPr id="4" name="Text Box 14"/>
-          <p:cNvSpPr txBox="1">
-            <a:spLocks noChangeArrowheads="1"/>
-          </p:cNvSpPr>
-          <p:nvPr/>
-        </p:nvSpPr>
-        <p:spPr bwMode="auto">
-          <a:xfrm>
-            <a:off x="251520" y="6362164"/>
-            <a:ext cx="8064896" cy="523220"/>
-          </a:xfrm>
-          <a:prstGeom prst="rect">
-            <a:avLst/>
-          </a:prstGeom>
-          <a:noFill/>
-          <a:ln w="9525">
-            <a:noFill/>
-            <a:miter lim="800000"/>
-            <a:headEnd/>
-            <a:tailEnd/>
-          </a:ln>
-        </p:spPr>
-        <p:txBody>
-          <a:bodyPr wrap="square">
-            <a:prstTxWarp prst="textNoShape">
-              <a:avLst/>
-            </a:prstTxWarp>
-            <a:spAutoFit/>
-          </a:bodyPr>
-          <a:lstStyle/>
-          <a:p>
-            <a:r>
-              <a:rPr lang="en-US" sz="1400" dirty="0" err="1"/>
-              <a:t>Merico</a:t>
-            </a:r>
-            <a:r>
-              <a:rPr lang="en-US" sz="1400" dirty="0"/>
-              <a:t> </a:t>
-            </a:r>
-            <a:r>
-              <a:rPr lang="en-US" sz="1400" i="1" dirty="0"/>
-              <a:t>et al</a:t>
-            </a:r>
-            <a:r>
-              <a:rPr lang="en-US" sz="1400" dirty="0"/>
-              <a:t>. 2010. Enrichment Map: A Network-Based Method for Gene-Set Enrichment Visualization and Interpretation. </a:t>
-            </a:r>
-            <a:r>
-              <a:rPr lang="en-US" sz="1400" i="1" dirty="0" err="1"/>
-              <a:t>PLoS</a:t>
-            </a:r>
-            <a:r>
-              <a:rPr lang="en-US" sz="1400" i="1" dirty="0"/>
-              <a:t> One</a:t>
-            </a:r>
-            <a:r>
-              <a:rPr lang="en-US" sz="1400" dirty="0"/>
-              <a:t> 5(11):e13984.</a:t>
-            </a:r>
-          </a:p>
-        </p:txBody>
-      </p:sp>
-      <p:sp>
-        <p:nvSpPr>
-          <p:cNvPr id="5" name="Text Box 14"/>
-          <p:cNvSpPr txBox="1">
-            <a:spLocks noChangeArrowheads="1"/>
-          </p:cNvSpPr>
-          <p:nvPr/>
-        </p:nvSpPr>
-        <p:spPr bwMode="auto">
-          <a:xfrm>
-            <a:off x="251520" y="908720"/>
-            <a:ext cx="8064896" cy="338554"/>
-          </a:xfrm>
-          <a:prstGeom prst="rect">
-            <a:avLst/>
-          </a:prstGeom>
-          <a:noFill/>
-          <a:ln w="9525">
-            <a:noFill/>
-            <a:miter lim="800000"/>
-            <a:headEnd/>
-            <a:tailEnd/>
-          </a:ln>
-        </p:spPr>
-        <p:txBody>
-          <a:bodyPr wrap="square">
-            <a:prstTxWarp prst="textNoShape">
-              <a:avLst/>
-            </a:prstTxWarp>
-            <a:spAutoFit/>
-          </a:bodyPr>
-          <a:lstStyle/>
-          <a:p>
-            <a:r>
-              <a:rPr lang="en-US" sz="1600" dirty="0"/>
-              <a:t>Enrichment map for estrogen treatment of breast cancer cells at 24 hours of culture.</a:t>
-            </a:r>
-          </a:p>
-        </p:txBody>
-      </p:sp>
-      <p:sp>
-        <p:nvSpPr>
-          <p:cNvPr id="6" name="Text Box 14"/>
-          <p:cNvSpPr txBox="1">
-            <a:spLocks noChangeArrowheads="1"/>
-          </p:cNvSpPr>
-          <p:nvPr/>
-        </p:nvSpPr>
-        <p:spPr bwMode="auto">
-          <a:xfrm>
-            <a:off x="7020272" y="1340768"/>
-            <a:ext cx="2123728" cy="2308324"/>
-          </a:xfrm>
-          <a:prstGeom prst="rect">
-            <a:avLst/>
-          </a:prstGeom>
-          <a:noFill/>
-          <a:ln w="9525">
-            <a:noFill/>
-            <a:miter lim="800000"/>
-            <a:headEnd/>
-            <a:tailEnd/>
-          </a:ln>
-        </p:spPr>
-        <p:txBody>
-          <a:bodyPr wrap="square">
-            <a:prstTxWarp prst="textNoShape">
-              <a:avLst/>
-            </a:prstTxWarp>
-            <a:spAutoFit/>
-          </a:bodyPr>
-          <a:lstStyle/>
-          <a:p>
-            <a:r>
-              <a:rPr lang="en-US" sz="1600" dirty="0"/>
-              <a:t>Gene expression with estrogen treatment examined</a:t>
-            </a:r>
-          </a:p>
-          <a:p>
-            <a:endParaRPr lang="en-US" sz="1600" dirty="0"/>
-          </a:p>
-          <a:p>
-            <a:r>
-              <a:rPr lang="en-US" sz="1600" dirty="0"/>
-              <a:t>Down- and </a:t>
-            </a:r>
-            <a:r>
-              <a:rPr lang="en-US" sz="1600" dirty="0" err="1"/>
-              <a:t>upregulated</a:t>
-            </a:r>
-            <a:r>
-              <a:rPr lang="en-US" sz="1600" dirty="0"/>
-              <a:t> genes examined in the context of known protein and other interactions</a:t>
-            </a:r>
-          </a:p>
-        </p:txBody>
-      </p:sp>
-    </p:spTree>
-    <p:extLst>
-      <p:ext uri="{BB962C8B-B14F-4D97-AF65-F5344CB8AC3E}">
-        <p14:creationId xmlns:p14="http://schemas.microsoft.com/office/powerpoint/2010/main" val="706925454"/>
-      </p:ext>
-    </p:extLst>
-  </p:cSld>
-  <p:clrMapOvr>
-    <a:masterClrMapping/>
-  </p:clrMapOvr>
-</p:sld>
-</file>
-
-<file path=ppt/slides/slide28.xml><?xml version="1.0" encoding="utf-8"?>
-<p:sld xmlns:a="http://schemas.openxmlformats.org/drawingml/2006/main" xmlns:r="http://schemas.openxmlformats.org/officeDocument/2006/relationships" xmlns:p="http://schemas.openxmlformats.org/presentationml/2006/main">
-  <p:cSld>
-    <p:spTree>
-      <p:nvGrpSpPr>
-        <p:cNvPr id="1" name=""/>
-        <p:cNvGrpSpPr/>
-        <p:nvPr/>
-      </p:nvGrpSpPr>
-      <p:grpSpPr>
-        <a:xfrm>
-          <a:off x="0" y="0"/>
-          <a:ext cx="0" cy="0"/>
-          <a:chOff x="0" y="0"/>
-          <a:chExt cx="0" cy="0"/>
-        </a:xfrm>
-      </p:grpSpPr>
-      <p:sp>
-        <p:nvSpPr>
-          <p:cNvPr id="9" name="Rectangle 2"/>
-          <p:cNvSpPr>
-            <a:spLocks noGrp="1" noChangeArrowheads="1"/>
-          </p:cNvSpPr>
-          <p:nvPr>
-            <p:ph type="ctrTitle"/>
-          </p:nvPr>
-        </p:nvSpPr>
-        <p:spPr>
-          <a:xfrm>
-            <a:off x="323528" y="-171400"/>
-            <a:ext cx="8568952" cy="1535832"/>
-          </a:xfrm>
-        </p:spPr>
-        <p:txBody>
-          <a:bodyPr/>
-          <a:lstStyle/>
-          <a:p>
-            <a:pPr algn="l" eaLnBrk="1" hangingPunct="1"/>
-            <a:r>
-              <a:rPr lang="en-US" sz="3200" b="1" dirty="0"/>
               <a:t>Enrichment Example - </a:t>
             </a:r>
             <a:r>
@@ -11608,277 +11215,7 @@
 </p:sld>
 </file>
 
-<file path=ppt/slides/slide29.xml><?xml version="1.0" encoding="utf-8"?>
-<p:sld xmlns:a="http://schemas.openxmlformats.org/drawingml/2006/main" xmlns:r="http://schemas.openxmlformats.org/officeDocument/2006/relationships" xmlns:p="http://schemas.openxmlformats.org/presentationml/2006/main">
-  <p:cSld>
-    <p:spTree>
-      <p:nvGrpSpPr>
-        <p:cNvPr id="1" name=""/>
-        <p:cNvGrpSpPr/>
-        <p:nvPr/>
-      </p:nvGrpSpPr>
-      <p:grpSpPr>
-        <a:xfrm>
-          <a:off x="0" y="0"/>
-          <a:ext cx="0" cy="0"/>
-          <a:chOff x="0" y="0"/>
-          <a:chExt cx="0" cy="0"/>
-        </a:xfrm>
-      </p:grpSpPr>
-      <p:pic>
-        <p:nvPicPr>
-          <p:cNvPr id="7" name="Picture 6" descr="A close up of a logo&#10;&#10;Description automatically generated">
-            <a:extLst>
-              <a:ext uri="{FF2B5EF4-FFF2-40B4-BE49-F238E27FC236}">
-                <a16:creationId xmlns:a16="http://schemas.microsoft.com/office/drawing/2014/main" id="{B96AD303-3ECC-F44E-80DD-5B92C4BEC912}"/>
-              </a:ext>
-            </a:extLst>
-          </p:cNvPr>
-          <p:cNvPicPr>
-            <a:picLocks noChangeAspect="1"/>
-          </p:cNvPicPr>
-          <p:nvPr/>
-        </p:nvPicPr>
-        <p:blipFill>
-          <a:blip r:embed="rId3"/>
-          <a:stretch>
-            <a:fillRect/>
-          </a:stretch>
-        </p:blipFill>
-        <p:spPr>
-          <a:xfrm>
-            <a:off x="3302000" y="2159000"/>
-            <a:ext cx="2540000" cy="2540000"/>
-          </a:xfrm>
-          <a:prstGeom prst="rect">
-            <a:avLst/>
-          </a:prstGeom>
-          <a:solidFill>
-            <a:schemeClr val="tx1"/>
-          </a:solidFill>
-        </p:spPr>
-      </p:pic>
-    </p:spTree>
-    <p:extLst>
-      <p:ext uri="{BB962C8B-B14F-4D97-AF65-F5344CB8AC3E}">
-        <p14:creationId xmlns:p14="http://schemas.microsoft.com/office/powerpoint/2010/main" val="1247236998"/>
-      </p:ext>
-    </p:extLst>
-  </p:cSld>
-  <p:clrMapOvr>
-    <a:masterClrMapping/>
-  </p:clrMapOvr>
-</p:sld>
-</file>
-
-<file path=ppt/slides/slide3.xml><?xml version="1.0" encoding="utf-8"?>
-<p:sld xmlns:a="http://schemas.openxmlformats.org/drawingml/2006/main" xmlns:r="http://schemas.openxmlformats.org/officeDocument/2006/relationships" xmlns:p="http://schemas.openxmlformats.org/presentationml/2006/main">
-  <p:cSld>
-    <p:spTree>
-      <p:nvGrpSpPr>
-        <p:cNvPr id="1" name=""/>
-        <p:cNvGrpSpPr/>
-        <p:nvPr/>
-      </p:nvGrpSpPr>
-      <p:grpSpPr>
-        <a:xfrm>
-          <a:off x="0" y="0"/>
-          <a:ext cx="0" cy="0"/>
-          <a:chOff x="0" y="0"/>
-          <a:chExt cx="0" cy="0"/>
-        </a:xfrm>
-      </p:grpSpPr>
-      <p:sp>
-        <p:nvSpPr>
-          <p:cNvPr id="9" name="Rectangle 2"/>
-          <p:cNvSpPr>
-            <a:spLocks noGrp="1" noChangeArrowheads="1"/>
-          </p:cNvSpPr>
-          <p:nvPr>
-            <p:ph type="ctrTitle"/>
-          </p:nvPr>
-        </p:nvSpPr>
-        <p:spPr>
-          <a:xfrm>
-            <a:off x="323528" y="-171400"/>
-            <a:ext cx="8568952" cy="1535832"/>
-          </a:xfrm>
-        </p:spPr>
-        <p:txBody>
-          <a:bodyPr/>
-          <a:lstStyle/>
-          <a:p>
-            <a:pPr algn="l" eaLnBrk="1" hangingPunct="1"/>
-            <a:r>
-              <a:rPr lang="en-US" sz="3200" b="1" dirty="0"/>
-              <a:t>Integrating Knowledge</a:t>
-            </a:r>
-            <a:endParaRPr lang="en-US" sz="3200" dirty="0"/>
-          </a:p>
-        </p:txBody>
-      </p:sp>
-      <p:sp>
-        <p:nvSpPr>
-          <p:cNvPr id="4" name="Text Box 14"/>
-          <p:cNvSpPr txBox="1">
-            <a:spLocks noChangeArrowheads="1"/>
-          </p:cNvSpPr>
-          <p:nvPr/>
-        </p:nvSpPr>
-        <p:spPr bwMode="auto">
-          <a:xfrm>
-            <a:off x="467544" y="1196752"/>
-            <a:ext cx="7704856" cy="646331"/>
-          </a:xfrm>
-          <a:prstGeom prst="rect">
-            <a:avLst/>
-          </a:prstGeom>
-          <a:noFill/>
-          <a:ln w="9525">
-            <a:noFill/>
-            <a:miter lim="800000"/>
-            <a:headEnd/>
-            <a:tailEnd/>
-          </a:ln>
-        </p:spPr>
-        <p:txBody>
-          <a:bodyPr wrap="square">
-            <a:prstTxWarp prst="textNoShape">
-              <a:avLst/>
-            </a:prstTxWarp>
-            <a:spAutoFit/>
-          </a:bodyPr>
-          <a:lstStyle/>
-          <a:p>
-            <a:r>
-              <a:rPr lang="en-US" sz="1800" dirty="0"/>
-              <a:t>“Literature is informative but is not information”</a:t>
-            </a:r>
-          </a:p>
-          <a:p>
-            <a:r>
-              <a:rPr lang="en-US" sz="1800" dirty="0"/>
-              <a:t>	 – Dr. Suzanna Lewis, Lawrence Berkeley National Laboratory</a:t>
-            </a:r>
-          </a:p>
-        </p:txBody>
-      </p:sp>
-      <p:sp>
-        <p:nvSpPr>
-          <p:cNvPr id="6" name="Text Box 14"/>
-          <p:cNvSpPr txBox="1">
-            <a:spLocks noChangeArrowheads="1"/>
-          </p:cNvSpPr>
-          <p:nvPr/>
-        </p:nvSpPr>
-        <p:spPr bwMode="auto">
-          <a:xfrm>
-            <a:off x="467544" y="2348880"/>
-            <a:ext cx="8064896" cy="3785652"/>
-          </a:xfrm>
-          <a:prstGeom prst="rect">
-            <a:avLst/>
-          </a:prstGeom>
-          <a:noFill/>
-          <a:ln w="9525">
-            <a:noFill/>
-            <a:miter lim="800000"/>
-            <a:headEnd/>
-            <a:tailEnd/>
-          </a:ln>
-        </p:spPr>
-        <p:txBody>
-          <a:bodyPr wrap="square">
-            <a:prstTxWarp prst="textNoShape">
-              <a:avLst/>
-            </a:prstTxWarp>
-            <a:spAutoFit/>
-          </a:bodyPr>
-          <a:lstStyle/>
-          <a:p>
-            <a:pPr marL="285750" indent="-285750">
-              <a:buFont typeface="Arial"/>
-              <a:buChar char="•"/>
-            </a:pPr>
-            <a:r>
-              <a:rPr lang="en-US" sz="2000" dirty="0"/>
-              <a:t>The scientific literature and the peer-reviewed publication system that drives it is at the heart of scientific advancement</a:t>
-            </a:r>
-          </a:p>
-          <a:p>
-            <a:pPr marL="285750" indent="-285750">
-              <a:buFont typeface="Arial"/>
-              <a:buChar char="•"/>
-            </a:pPr>
-            <a:endParaRPr lang="en-US" sz="2000" dirty="0"/>
-          </a:p>
-          <a:p>
-            <a:pPr marL="285750" indent="-285750">
-              <a:buFont typeface="Arial"/>
-              <a:buChar char="•"/>
-            </a:pPr>
-            <a:r>
-              <a:rPr lang="en-US" sz="2000" dirty="0"/>
-              <a:t>Transparency, repeatability, and readability are important aspects of scientific publishing</a:t>
-            </a:r>
-          </a:p>
-          <a:p>
-            <a:pPr marL="285750" indent="-285750">
-              <a:buFont typeface="Arial"/>
-              <a:buChar char="•"/>
-            </a:pPr>
-            <a:endParaRPr lang="en-US" sz="2000" dirty="0"/>
-          </a:p>
-          <a:p>
-            <a:pPr marL="285750" indent="-285750">
-              <a:buFont typeface="Arial"/>
-              <a:buChar char="•"/>
-            </a:pPr>
-            <a:r>
-              <a:rPr lang="en-US" sz="2000" dirty="0"/>
-              <a:t>A good scientific publication is highly informative – to a human reader – but very hard for a computer to work with</a:t>
-            </a:r>
-          </a:p>
-          <a:p>
-            <a:pPr marL="285750" indent="-285750">
-              <a:buFont typeface="Arial"/>
-              <a:buChar char="•"/>
-            </a:pPr>
-            <a:endParaRPr lang="en-US" sz="2000" dirty="0"/>
-          </a:p>
-          <a:p>
-            <a:pPr marL="285750" indent="-285750">
-              <a:buFont typeface="Arial"/>
-              <a:buChar char="•"/>
-            </a:pPr>
-            <a:r>
-              <a:rPr lang="en-US" sz="2000" dirty="0"/>
-              <a:t>To a computer scientist, information is “bits” organized via strict rules –good digital representations of knowledge </a:t>
-            </a:r>
-          </a:p>
-          <a:p>
-            <a:pPr marL="285750" indent="-285750">
-              <a:buFont typeface="Arial"/>
-              <a:buChar char="•"/>
-            </a:pPr>
-            <a:endParaRPr lang="en-US" sz="2000" dirty="0"/>
-          </a:p>
-        </p:txBody>
-      </p:sp>
-    </p:spTree>
-    <p:extLst>
-      <p:ext uri="{BB962C8B-B14F-4D97-AF65-F5344CB8AC3E}">
-        <p14:creationId xmlns:p14="http://schemas.microsoft.com/office/powerpoint/2010/main" val="1976379784"/>
-      </p:ext>
-    </p:extLst>
-  </p:cSld>
-  <p:clrMapOvr>
-    <a:masterClrMapping/>
-  </p:clrMapOvr>
-</p:sld>
-</file>
-
-<file path=ppt/slides/slide30.xml><?xml version="1.0" encoding="utf-8"?>
+<file path=ppt/slides/slide27.xml><?xml version="1.0" encoding="utf-8"?>
 <p:sld xmlns:a="http://schemas.openxmlformats.org/drawingml/2006/main" xmlns:r="http://schemas.openxmlformats.org/officeDocument/2006/relationships" xmlns:p="http://schemas.openxmlformats.org/presentationml/2006/main">
   <p:cSld>
     <p:spTree>
@@ -12280,7 +11617,7 @@
 </p:sld>
 </file>
 
-<file path=ppt/slides/slide31.xml><?xml version="1.0" encoding="utf-8"?>
+<file path=ppt/slides/slide28.xml><?xml version="1.0" encoding="utf-8"?>
 <p:sld xmlns:a="http://schemas.openxmlformats.org/drawingml/2006/main" xmlns:r="http://schemas.openxmlformats.org/officeDocument/2006/relationships" xmlns:p="http://schemas.openxmlformats.org/presentationml/2006/main">
   <p:cSld>
     <p:spTree>
@@ -12692,7 +12029,7 @@
 </p:sld>
 </file>
 
-<file path=ppt/slides/slide32.xml><?xml version="1.0" encoding="utf-8"?>
+<file path=ppt/slides/slide29.xml><?xml version="1.0" encoding="utf-8"?>
 <p:sld xmlns:a="http://schemas.openxmlformats.org/drawingml/2006/main" xmlns:r="http://schemas.openxmlformats.org/officeDocument/2006/relationships" xmlns:p="http://schemas.openxmlformats.org/presentationml/2006/main">
   <p:cSld>
     <p:spTree>
@@ -12893,7 +12230,214 @@
 </p:sld>
 </file>
 
-<file path=ppt/slides/slide33.xml><?xml version="1.0" encoding="utf-8"?>
+<file path=ppt/slides/slide3.xml><?xml version="1.0" encoding="utf-8"?>
+<p:sld xmlns:a="http://schemas.openxmlformats.org/drawingml/2006/main" xmlns:r="http://schemas.openxmlformats.org/officeDocument/2006/relationships" xmlns:p="http://schemas.openxmlformats.org/presentationml/2006/main">
+  <p:cSld>
+    <p:spTree>
+      <p:nvGrpSpPr>
+        <p:cNvPr id="1" name=""/>
+        <p:cNvGrpSpPr/>
+        <p:nvPr/>
+      </p:nvGrpSpPr>
+      <p:grpSpPr>
+        <a:xfrm>
+          <a:off x="0" y="0"/>
+          <a:ext cx="0" cy="0"/>
+          <a:chOff x="0" y="0"/>
+          <a:chExt cx="0" cy="0"/>
+        </a:xfrm>
+      </p:grpSpPr>
+      <p:sp>
+        <p:nvSpPr>
+          <p:cNvPr id="9" name="Rectangle 2"/>
+          <p:cNvSpPr>
+            <a:spLocks noGrp="1" noChangeArrowheads="1"/>
+          </p:cNvSpPr>
+          <p:nvPr>
+            <p:ph type="ctrTitle"/>
+          </p:nvPr>
+        </p:nvSpPr>
+        <p:spPr>
+          <a:xfrm>
+            <a:off x="323528" y="-171400"/>
+            <a:ext cx="8568952" cy="1535832"/>
+          </a:xfrm>
+        </p:spPr>
+        <p:txBody>
+          <a:bodyPr/>
+          <a:lstStyle/>
+          <a:p>
+            <a:pPr algn="l" eaLnBrk="1" hangingPunct="1"/>
+            <a:r>
+              <a:rPr lang="en-US" sz="3200" b="1" dirty="0"/>
+              <a:t>Integrating Knowledge</a:t>
+            </a:r>
+            <a:endParaRPr lang="en-US" sz="3200" dirty="0"/>
+          </a:p>
+        </p:txBody>
+      </p:sp>
+      <p:sp>
+        <p:nvSpPr>
+          <p:cNvPr id="4" name="Text Box 14"/>
+          <p:cNvSpPr txBox="1">
+            <a:spLocks noChangeArrowheads="1"/>
+          </p:cNvSpPr>
+          <p:nvPr/>
+        </p:nvSpPr>
+        <p:spPr bwMode="auto">
+          <a:xfrm>
+            <a:off x="467544" y="1196752"/>
+            <a:ext cx="7704856" cy="646331"/>
+          </a:xfrm>
+          <a:prstGeom prst="rect">
+            <a:avLst/>
+          </a:prstGeom>
+          <a:noFill/>
+          <a:ln w="9525">
+            <a:noFill/>
+            <a:miter lim="800000"/>
+            <a:headEnd/>
+            <a:tailEnd/>
+          </a:ln>
+        </p:spPr>
+        <p:txBody>
+          <a:bodyPr wrap="square">
+            <a:prstTxWarp prst="textNoShape">
+              <a:avLst/>
+            </a:prstTxWarp>
+            <a:spAutoFit/>
+          </a:bodyPr>
+          <a:lstStyle/>
+          <a:p>
+            <a:r>
+              <a:rPr lang="en-US" sz="1800" dirty="0"/>
+              <a:t>“Literature is informative but is not information”</a:t>
+            </a:r>
+          </a:p>
+          <a:p>
+            <a:r>
+              <a:rPr lang="en-US" sz="1800" dirty="0"/>
+              <a:t>	 – Dr. Suzanna Lewis, Lawrence Berkeley National Laboratory</a:t>
+            </a:r>
+          </a:p>
+        </p:txBody>
+      </p:sp>
+      <p:sp>
+        <p:nvSpPr>
+          <p:cNvPr id="6" name="Text Box 14"/>
+          <p:cNvSpPr txBox="1">
+            <a:spLocks noChangeArrowheads="1"/>
+          </p:cNvSpPr>
+          <p:nvPr/>
+        </p:nvSpPr>
+        <p:spPr bwMode="auto">
+          <a:xfrm>
+            <a:off x="467544" y="2348880"/>
+            <a:ext cx="8064896" cy="3785652"/>
+          </a:xfrm>
+          <a:prstGeom prst="rect">
+            <a:avLst/>
+          </a:prstGeom>
+          <a:noFill/>
+          <a:ln w="9525">
+            <a:noFill/>
+            <a:miter lim="800000"/>
+            <a:headEnd/>
+            <a:tailEnd/>
+          </a:ln>
+        </p:spPr>
+        <p:txBody>
+          <a:bodyPr wrap="square">
+            <a:prstTxWarp prst="textNoShape">
+              <a:avLst/>
+            </a:prstTxWarp>
+            <a:spAutoFit/>
+          </a:bodyPr>
+          <a:lstStyle/>
+          <a:p>
+            <a:pPr marL="285750" indent="-285750">
+              <a:buFont typeface="Arial"/>
+              <a:buChar char="•"/>
+            </a:pPr>
+            <a:r>
+              <a:rPr lang="en-US" sz="2000" dirty="0"/>
+              <a:t>The scientific literature and the peer-reviewed publication system that drives it is at the heart of scientific advancement</a:t>
+            </a:r>
+          </a:p>
+          <a:p>
+            <a:pPr marL="285750" indent="-285750">
+              <a:buFont typeface="Arial"/>
+              <a:buChar char="•"/>
+            </a:pPr>
+            <a:endParaRPr lang="en-US" sz="2000" dirty="0"/>
+          </a:p>
+          <a:p>
+            <a:pPr marL="285750" indent="-285750">
+              <a:buFont typeface="Arial"/>
+              <a:buChar char="•"/>
+            </a:pPr>
+            <a:r>
+              <a:rPr lang="en-US" sz="2000" dirty="0"/>
+              <a:t>Transparency, repeatability, and readability are important aspects of scientific publishing</a:t>
+            </a:r>
+          </a:p>
+          <a:p>
+            <a:pPr marL="285750" indent="-285750">
+              <a:buFont typeface="Arial"/>
+              <a:buChar char="•"/>
+            </a:pPr>
+            <a:endParaRPr lang="en-US" sz="2000" dirty="0"/>
+          </a:p>
+          <a:p>
+            <a:pPr marL="285750" indent="-285750">
+              <a:buFont typeface="Arial"/>
+              <a:buChar char="•"/>
+            </a:pPr>
+            <a:r>
+              <a:rPr lang="en-US" sz="2000" dirty="0"/>
+              <a:t>A good scientific publication is highly informative – to a human reader – but very hard for a computer to work with</a:t>
+            </a:r>
+          </a:p>
+          <a:p>
+            <a:pPr marL="285750" indent="-285750">
+              <a:buFont typeface="Arial"/>
+              <a:buChar char="•"/>
+            </a:pPr>
+            <a:endParaRPr lang="en-US" sz="2000" dirty="0"/>
+          </a:p>
+          <a:p>
+            <a:pPr marL="285750" indent="-285750">
+              <a:buFont typeface="Arial"/>
+              <a:buChar char="•"/>
+            </a:pPr>
+            <a:r>
+              <a:rPr lang="en-US" sz="2000" dirty="0"/>
+              <a:t>To a computer scientist, information is “bits” organized via strict rules –good digital representations of knowledge </a:t>
+            </a:r>
+          </a:p>
+          <a:p>
+            <a:pPr marL="285750" indent="-285750">
+              <a:buFont typeface="Arial"/>
+              <a:buChar char="•"/>
+            </a:pPr>
+            <a:endParaRPr lang="en-US" sz="2000" dirty="0"/>
+          </a:p>
+        </p:txBody>
+      </p:sp>
+    </p:spTree>
+    <p:extLst>
+      <p:ext uri="{BB962C8B-B14F-4D97-AF65-F5344CB8AC3E}">
+        <p14:creationId xmlns:p14="http://schemas.microsoft.com/office/powerpoint/2010/main" val="1976379784"/>
+      </p:ext>
+    </p:extLst>
+  </p:cSld>
+  <p:clrMapOvr>
+    <a:masterClrMapping/>
+  </p:clrMapOvr>
+</p:sld>
+</file>
+
+<file path=ppt/slides/slide30.xml><?xml version="1.0" encoding="utf-8"?>
 <p:sld xmlns:a="http://schemas.openxmlformats.org/drawingml/2006/main" xmlns:r="http://schemas.openxmlformats.org/officeDocument/2006/relationships" xmlns:p="http://schemas.openxmlformats.org/presentationml/2006/main">
   <p:cSld>
     <p:spTree>
@@ -12999,6 +12543,55 @@
           </a:prstGeom>
         </p:spPr>
       </p:pic>
+      <p:sp>
+        <p:nvSpPr>
+          <p:cNvPr id="2" name="TextBox 1">
+            <a:extLst>
+              <a:ext uri="{FF2B5EF4-FFF2-40B4-BE49-F238E27FC236}">
+                <a16:creationId xmlns:a16="http://schemas.microsoft.com/office/drawing/2014/main" id="{6B34D639-D0D4-6E9E-3C58-3B3B8DB7A24C}"/>
+              </a:ext>
+            </a:extLst>
+          </p:cNvPr>
+          <p:cNvSpPr txBox="1"/>
+          <p:nvPr/>
+        </p:nvSpPr>
+        <p:spPr>
+          <a:xfrm>
+            <a:off x="611560" y="4033893"/>
+            <a:ext cx="2160240" cy="707886"/>
+          </a:xfrm>
+          <a:prstGeom prst="rect">
+            <a:avLst/>
+          </a:prstGeom>
+          <a:noFill/>
+          <a:ln w="25400">
+            <a:solidFill>
+              <a:srgbClr val="FF0000"/>
+            </a:solidFill>
+          </a:ln>
+        </p:spPr>
+        <p:txBody>
+          <a:bodyPr wrap="square" rtlCol="0">
+            <a:spAutoFit/>
+          </a:bodyPr>
+          <a:lstStyle/>
+          <a:p>
+            <a:pPr algn="ctr"/>
+            <a:r>
+              <a:rPr lang="en-US" sz="2000" dirty="0"/>
+              <a:t>Critical Review due October 24</a:t>
+            </a:r>
+            <a:r>
+              <a:rPr lang="en-US" sz="2000" baseline="30000" dirty="0"/>
+              <a:t>th</a:t>
+            </a:r>
+            <a:r>
+              <a:rPr lang="en-US" sz="2000" dirty="0"/>
+              <a:t>!</a:t>
+            </a:r>
+          </a:p>
+        </p:txBody>
+      </p:sp>
     </p:spTree>
     <p:extLst>
       <p:ext uri="{BB962C8B-B14F-4D97-AF65-F5344CB8AC3E}">

--- a/Lectures/Lecture 4 - Beyond the Gene.pptx
+++ b/Lectures/Lecture 4 - Beyond the Gene.pptx
@@ -9370,7 +9370,7 @@
           <a:p>
             <a:r>
               <a:rPr lang="en-US" sz="1800" dirty="0"/>
-              <a:t>GO terms for oxidative stress response, DNA damage repair statistically enriched in the up-regulated genes</a:t>
+              <a:t>GO terms for oxidative stress response, DNA damage repair statistically enriched in the 1300 up-regulated genes</a:t>
             </a:r>
           </a:p>
         </p:txBody>
@@ -10069,7 +10069,7 @@
           <a:p>
             <a:r>
               <a:rPr lang="en-US" sz="1800" dirty="0"/>
-              <a:t>GO terms for oxidative stress response, DNA damage repair statistically enriched in the up-regulated genes</a:t>
+              <a:t>GO terms for oxidative stress response, DNA damage repair statistically enriched in the 1300 up-regulated genes</a:t>
             </a:r>
           </a:p>
         </p:txBody>

--- a/Lectures/Lecture 4 - Beyond the Gene.pptx
+++ b/Lectures/Lecture 4 - Beyond the Gene.pptx
@@ -12485,10 +12485,10 @@
       </p:sp>
       <p:pic>
         <p:nvPicPr>
-          <p:cNvPr id="9" name="Picture 8" descr="A screenshot of a cell phone&#10;&#10;Description automatically generated">
+          <p:cNvPr id="11" name="Picture 10" descr="A screenshot of a computer&#10;&#10;Description automatically generated">
             <a:extLst>
               <a:ext uri="{FF2B5EF4-FFF2-40B4-BE49-F238E27FC236}">
-                <a16:creationId xmlns:a16="http://schemas.microsoft.com/office/drawing/2014/main" id="{6F9DD9A3-2C63-7A7A-AA57-6557A2E321E7}"/>
+                <a16:creationId xmlns:a16="http://schemas.microsoft.com/office/drawing/2014/main" id="{AB5A8241-F578-2965-65C6-159520EB9028}"/>
               </a:ext>
             </a:extLst>
           </p:cNvPr>
@@ -12505,20 +12505,69 @@
         </p:blipFill>
         <p:spPr>
           <a:xfrm>
-            <a:off x="395536" y="1052736"/>
-            <a:ext cx="5205074" cy="1800200"/>
+            <a:off x="3759414" y="3026718"/>
+            <a:ext cx="5205074" cy="3710128"/>
           </a:xfrm>
           <a:prstGeom prst="rect">
             <a:avLst/>
           </a:prstGeom>
         </p:spPr>
       </p:pic>
+      <p:sp>
+        <p:nvSpPr>
+          <p:cNvPr id="2" name="TextBox 1">
+            <a:extLst>
+              <a:ext uri="{FF2B5EF4-FFF2-40B4-BE49-F238E27FC236}">
+                <a16:creationId xmlns:a16="http://schemas.microsoft.com/office/drawing/2014/main" id="{6B34D639-D0D4-6E9E-3C58-3B3B8DB7A24C}"/>
+              </a:ext>
+            </a:extLst>
+          </p:cNvPr>
+          <p:cNvSpPr txBox="1"/>
+          <p:nvPr/>
+        </p:nvSpPr>
+        <p:spPr>
+          <a:xfrm>
+            <a:off x="611560" y="4033893"/>
+            <a:ext cx="2160240" cy="707886"/>
+          </a:xfrm>
+          <a:prstGeom prst="rect">
+            <a:avLst/>
+          </a:prstGeom>
+          <a:noFill/>
+          <a:ln w="25400">
+            <a:solidFill>
+              <a:srgbClr val="FF0000"/>
+            </a:solidFill>
+          </a:ln>
+        </p:spPr>
+        <p:txBody>
+          <a:bodyPr wrap="square" rtlCol="0">
+            <a:spAutoFit/>
+          </a:bodyPr>
+          <a:lstStyle/>
+          <a:p>
+            <a:pPr algn="ctr"/>
+            <a:r>
+              <a:rPr lang="en-US" sz="2000" dirty="0"/>
+              <a:t>Critical Review due October 24</a:t>
+            </a:r>
+            <a:r>
+              <a:rPr lang="en-US" sz="2000" baseline="30000" dirty="0"/>
+              <a:t>th</a:t>
+            </a:r>
+            <a:r>
+              <a:rPr lang="en-US" sz="2000" dirty="0"/>
+              <a:t>!</a:t>
+            </a:r>
+          </a:p>
+        </p:txBody>
+      </p:sp>
       <p:pic>
         <p:nvPicPr>
-          <p:cNvPr id="11" name="Picture 10" descr="A screenshot of a computer&#10;&#10;Description automatically generated">
+          <p:cNvPr id="4" name="Picture 3" descr="A screenshot of a computer&#10;&#10;Description automatically generated">
             <a:extLst>
               <a:ext uri="{FF2B5EF4-FFF2-40B4-BE49-F238E27FC236}">
-                <a16:creationId xmlns:a16="http://schemas.microsoft.com/office/drawing/2014/main" id="{AB5A8241-F578-2965-65C6-159520EB9028}"/>
+                <a16:creationId xmlns:a16="http://schemas.microsoft.com/office/drawing/2014/main" id="{61F9706C-E37D-177A-A6C5-FB004AB2376A}"/>
               </a:ext>
             </a:extLst>
           </p:cNvPr>
@@ -12535,63 +12584,14 @@
         </p:blipFill>
         <p:spPr>
           <a:xfrm>
-            <a:off x="3759414" y="3026718"/>
-            <a:ext cx="5205074" cy="3710128"/>
+            <a:off x="539552" y="1005458"/>
+            <a:ext cx="6264696" cy="1860474"/>
           </a:xfrm>
           <a:prstGeom prst="rect">
             <a:avLst/>
           </a:prstGeom>
         </p:spPr>
       </p:pic>
-      <p:sp>
-        <p:nvSpPr>
-          <p:cNvPr id="2" name="TextBox 1">
-            <a:extLst>
-              <a:ext uri="{FF2B5EF4-FFF2-40B4-BE49-F238E27FC236}">
-                <a16:creationId xmlns:a16="http://schemas.microsoft.com/office/drawing/2014/main" id="{6B34D639-D0D4-6E9E-3C58-3B3B8DB7A24C}"/>
-              </a:ext>
-            </a:extLst>
-          </p:cNvPr>
-          <p:cNvSpPr txBox="1"/>
-          <p:nvPr/>
-        </p:nvSpPr>
-        <p:spPr>
-          <a:xfrm>
-            <a:off x="611560" y="4033893"/>
-            <a:ext cx="2160240" cy="707886"/>
-          </a:xfrm>
-          <a:prstGeom prst="rect">
-            <a:avLst/>
-          </a:prstGeom>
-          <a:noFill/>
-          <a:ln w="25400">
-            <a:solidFill>
-              <a:srgbClr val="FF0000"/>
-            </a:solidFill>
-          </a:ln>
-        </p:spPr>
-        <p:txBody>
-          <a:bodyPr wrap="square" rtlCol="0">
-            <a:spAutoFit/>
-          </a:bodyPr>
-          <a:lstStyle/>
-          <a:p>
-            <a:pPr algn="ctr"/>
-            <a:r>
-              <a:rPr lang="en-US" sz="2000" dirty="0"/>
-              <a:t>Critical Review due October 24</a:t>
-            </a:r>
-            <a:r>
-              <a:rPr lang="en-US" sz="2000" baseline="30000" dirty="0"/>
-              <a:t>th</a:t>
-            </a:r>
-            <a:r>
-              <a:rPr lang="en-US" sz="2000" dirty="0"/>
-              <a:t>!</a:t>
-            </a:r>
-          </a:p>
-        </p:txBody>
-      </p:sp>
     </p:spTree>
     <p:extLst>
       <p:ext uri="{BB962C8B-B14F-4D97-AF65-F5344CB8AC3E}">

--- a/Lectures/Lecture 4 - Beyond the Gene.pptx
+++ b/Lectures/Lecture 4 - Beyond the Gene.pptx
@@ -12477,18 +12477,67 @@
             <a:pPr algn="l" eaLnBrk="1" hangingPunct="1"/>
             <a:r>
               <a:rPr lang="en-US" sz="3200" b="1" dirty="0"/>
-              <a:t>Next 3 weeks...</a:t>
+              <a:t>Next 2 weeks...</a:t>
             </a:r>
             <a:endParaRPr lang="en-US" sz="3200" dirty="0"/>
+          </a:p>
+        </p:txBody>
+      </p:sp>
+      <p:sp>
+        <p:nvSpPr>
+          <p:cNvPr id="2" name="TextBox 1">
+            <a:extLst>
+              <a:ext uri="{FF2B5EF4-FFF2-40B4-BE49-F238E27FC236}">
+                <a16:creationId xmlns:a16="http://schemas.microsoft.com/office/drawing/2014/main" id="{6B34D639-D0D4-6E9E-3C58-3B3B8DB7A24C}"/>
+              </a:ext>
+            </a:extLst>
+          </p:cNvPr>
+          <p:cNvSpPr txBox="1"/>
+          <p:nvPr/>
+        </p:nvSpPr>
+        <p:spPr>
+          <a:xfrm>
+            <a:off x="611560" y="4033893"/>
+            <a:ext cx="2160240" cy="707886"/>
+          </a:xfrm>
+          <a:prstGeom prst="rect">
+            <a:avLst/>
+          </a:prstGeom>
+          <a:noFill/>
+          <a:ln w="25400">
+            <a:solidFill>
+              <a:srgbClr val="FF0000"/>
+            </a:solidFill>
+          </a:ln>
+        </p:spPr>
+        <p:txBody>
+          <a:bodyPr wrap="square" rtlCol="0">
+            <a:spAutoFit/>
+          </a:bodyPr>
+          <a:lstStyle/>
+          <a:p>
+            <a:pPr algn="ctr"/>
+            <a:r>
+              <a:rPr lang="en-US" sz="2000" dirty="0"/>
+              <a:t>Critical Review due October 27</a:t>
+            </a:r>
+            <a:r>
+              <a:rPr lang="en-US" sz="2000" baseline="30000" dirty="0"/>
+              <a:t>th</a:t>
+            </a:r>
+            <a:r>
+              <a:rPr lang="en-US" sz="2000" dirty="0"/>
+              <a:t>!</a:t>
+            </a:r>
           </a:p>
         </p:txBody>
       </p:sp>
       <p:pic>
         <p:nvPicPr>
-          <p:cNvPr id="11" name="Picture 10" descr="A screenshot of a computer&#10;&#10;Description automatically generated">
+          <p:cNvPr id="5" name="Picture 4" descr="A screenshot of a computer&#10;&#10;Description automatically generated">
             <a:extLst>
               <a:ext uri="{FF2B5EF4-FFF2-40B4-BE49-F238E27FC236}">
-                <a16:creationId xmlns:a16="http://schemas.microsoft.com/office/drawing/2014/main" id="{AB5A8241-F578-2965-65C6-159520EB9028}"/>
+                <a16:creationId xmlns:a16="http://schemas.microsoft.com/office/drawing/2014/main" id="{FA30207A-9BE6-35C6-6900-824EF0002AD9}"/>
               </a:ext>
             </a:extLst>
           </p:cNvPr>
@@ -12505,69 +12554,20 @@
         </p:blipFill>
         <p:spPr>
           <a:xfrm>
-            <a:off x="3759414" y="3026718"/>
-            <a:ext cx="5205074" cy="3710128"/>
+            <a:off x="4355976" y="3573016"/>
+            <a:ext cx="4280520" cy="3068205"/>
           </a:xfrm>
           <a:prstGeom prst="rect">
             <a:avLst/>
           </a:prstGeom>
         </p:spPr>
       </p:pic>
-      <p:sp>
-        <p:nvSpPr>
-          <p:cNvPr id="2" name="TextBox 1">
+      <p:pic>
+        <p:nvPicPr>
+          <p:cNvPr id="7" name="Picture 6" descr="A screenshot of a cell phone&#10;&#10;Description automatically generated">
             <a:extLst>
               <a:ext uri="{FF2B5EF4-FFF2-40B4-BE49-F238E27FC236}">
-                <a16:creationId xmlns:a16="http://schemas.microsoft.com/office/drawing/2014/main" id="{6B34D639-D0D4-6E9E-3C58-3B3B8DB7A24C}"/>
-              </a:ext>
-            </a:extLst>
-          </p:cNvPr>
-          <p:cNvSpPr txBox="1"/>
-          <p:nvPr/>
-        </p:nvSpPr>
-        <p:spPr>
-          <a:xfrm>
-            <a:off x="611560" y="4033893"/>
-            <a:ext cx="2160240" cy="707886"/>
-          </a:xfrm>
-          <a:prstGeom prst="rect">
-            <a:avLst/>
-          </a:prstGeom>
-          <a:noFill/>
-          <a:ln w="25400">
-            <a:solidFill>
-              <a:srgbClr val="FF0000"/>
-            </a:solidFill>
-          </a:ln>
-        </p:spPr>
-        <p:txBody>
-          <a:bodyPr wrap="square" rtlCol="0">
-            <a:spAutoFit/>
-          </a:bodyPr>
-          <a:lstStyle/>
-          <a:p>
-            <a:pPr algn="ctr"/>
-            <a:r>
-              <a:rPr lang="en-US" sz="2000" dirty="0"/>
-              <a:t>Critical Review due October 24</a:t>
-            </a:r>
-            <a:r>
-              <a:rPr lang="en-US" sz="2000" baseline="30000" dirty="0"/>
-              <a:t>th</a:t>
-            </a:r>
-            <a:r>
-              <a:rPr lang="en-US" sz="2000" dirty="0"/>
-              <a:t>!</a:t>
-            </a:r>
-          </a:p>
-        </p:txBody>
-      </p:sp>
-      <p:pic>
-        <p:nvPicPr>
-          <p:cNvPr id="4" name="Picture 3" descr="A screenshot of a computer&#10;&#10;Description automatically generated">
-            <a:extLst>
-              <a:ext uri="{FF2B5EF4-FFF2-40B4-BE49-F238E27FC236}">
-                <a16:creationId xmlns:a16="http://schemas.microsoft.com/office/drawing/2014/main" id="{61F9706C-E37D-177A-A6C5-FB004AB2376A}"/>
+                <a16:creationId xmlns:a16="http://schemas.microsoft.com/office/drawing/2014/main" id="{D12C76AD-0AB2-DD50-0A47-A1CC1EE3C5F8}"/>
               </a:ext>
             </a:extLst>
           </p:cNvPr>
@@ -12584,8 +12584,8 @@
         </p:blipFill>
         <p:spPr>
           <a:xfrm>
-            <a:off x="539552" y="1005458"/>
-            <a:ext cx="6264696" cy="1860474"/>
+            <a:off x="899592" y="908720"/>
+            <a:ext cx="6120680" cy="2288397"/>
           </a:xfrm>
           <a:prstGeom prst="rect">
             <a:avLst/>

--- a/Lectures/Lecture 4 - Beyond the Gene.pptx
+++ b/Lectures/Lecture 4 - Beyond the Gene.pptx
@@ -2,7 +2,7 @@
 <file path=ppt/presentation.xml><?xml version="1.0" encoding="utf-8"?>
 <p:presentation xmlns:a="http://schemas.openxmlformats.org/drawingml/2006/main" xmlns:r="http://schemas.openxmlformats.org/officeDocument/2006/relationships" xmlns:p="http://schemas.openxmlformats.org/presentationml/2006/main" strictFirstAndLastChars="0" saveSubsetFonts="1" autoCompressPictures="0">
   <p:sldMasterIdLst>
-    <p:sldMasterId id="2147483649" r:id="rId1"/>
+    <p:sldMasterId id="2147483673" r:id="rId1"/>
   </p:sldMasterIdLst>
   <p:notesMasterIdLst>
     <p:notesMasterId r:id="rId32"/>
@@ -45,122 +45,92 @@
     <a:defPPr>
       <a:defRPr lang="en-US"/>
     </a:defPPr>
-    <a:lvl1pPr algn="l" rtl="0" eaLnBrk="0" fontAlgn="base" hangingPunct="0">
-      <a:spcBef>
-        <a:spcPct val="0"/>
-      </a:spcBef>
-      <a:spcAft>
-        <a:spcPct val="0"/>
-      </a:spcAft>
-      <a:defRPr sz="2400" kern="1200">
+    <a:lvl1pPr marL="0" algn="l" defTabSz="914400" rtl="0" eaLnBrk="1" latinLnBrk="0" hangingPunct="1">
+      <a:defRPr sz="1800" kern="1200">
         <a:solidFill>
           <a:schemeClr val="tx1"/>
         </a:solidFill>
-        <a:latin typeface="Times" charset="0"/>
+        <a:latin typeface="+mn-lt"/>
         <a:ea typeface="+mn-ea"/>
         <a:cs typeface="+mn-cs"/>
       </a:defRPr>
     </a:lvl1pPr>
-    <a:lvl2pPr marL="457200" algn="l" rtl="0" eaLnBrk="0" fontAlgn="base" hangingPunct="0">
-      <a:spcBef>
-        <a:spcPct val="0"/>
-      </a:spcBef>
-      <a:spcAft>
-        <a:spcPct val="0"/>
-      </a:spcAft>
-      <a:defRPr sz="2400" kern="1200">
+    <a:lvl2pPr marL="457200" algn="l" defTabSz="914400" rtl="0" eaLnBrk="1" latinLnBrk="0" hangingPunct="1">
+      <a:defRPr sz="1800" kern="1200">
         <a:solidFill>
           <a:schemeClr val="tx1"/>
         </a:solidFill>
-        <a:latin typeface="Times" charset="0"/>
+        <a:latin typeface="+mn-lt"/>
         <a:ea typeface="+mn-ea"/>
         <a:cs typeface="+mn-cs"/>
       </a:defRPr>
     </a:lvl2pPr>
-    <a:lvl3pPr marL="914400" algn="l" rtl="0" eaLnBrk="0" fontAlgn="base" hangingPunct="0">
-      <a:spcBef>
-        <a:spcPct val="0"/>
-      </a:spcBef>
-      <a:spcAft>
-        <a:spcPct val="0"/>
-      </a:spcAft>
-      <a:defRPr sz="2400" kern="1200">
+    <a:lvl3pPr marL="914400" algn="l" defTabSz="914400" rtl="0" eaLnBrk="1" latinLnBrk="0" hangingPunct="1">
+      <a:defRPr sz="1800" kern="1200">
         <a:solidFill>
           <a:schemeClr val="tx1"/>
         </a:solidFill>
-        <a:latin typeface="Times" charset="0"/>
+        <a:latin typeface="+mn-lt"/>
         <a:ea typeface="+mn-ea"/>
         <a:cs typeface="+mn-cs"/>
       </a:defRPr>
     </a:lvl3pPr>
-    <a:lvl4pPr marL="1371600" algn="l" rtl="0" eaLnBrk="0" fontAlgn="base" hangingPunct="0">
-      <a:spcBef>
-        <a:spcPct val="0"/>
-      </a:spcBef>
-      <a:spcAft>
-        <a:spcPct val="0"/>
-      </a:spcAft>
-      <a:defRPr sz="2400" kern="1200">
+    <a:lvl4pPr marL="1371600" algn="l" defTabSz="914400" rtl="0" eaLnBrk="1" latinLnBrk="0" hangingPunct="1">
+      <a:defRPr sz="1800" kern="1200">
         <a:solidFill>
           <a:schemeClr val="tx1"/>
         </a:solidFill>
-        <a:latin typeface="Times" charset="0"/>
+        <a:latin typeface="+mn-lt"/>
         <a:ea typeface="+mn-ea"/>
         <a:cs typeface="+mn-cs"/>
       </a:defRPr>
     </a:lvl4pPr>
-    <a:lvl5pPr marL="1828800" algn="l" rtl="0" eaLnBrk="0" fontAlgn="base" hangingPunct="0">
-      <a:spcBef>
-        <a:spcPct val="0"/>
-      </a:spcBef>
-      <a:spcAft>
-        <a:spcPct val="0"/>
-      </a:spcAft>
-      <a:defRPr sz="2400" kern="1200">
+    <a:lvl5pPr marL="1828800" algn="l" defTabSz="914400" rtl="0" eaLnBrk="1" latinLnBrk="0" hangingPunct="1">
+      <a:defRPr sz="1800" kern="1200">
         <a:solidFill>
           <a:schemeClr val="tx1"/>
         </a:solidFill>
-        <a:latin typeface="Times" charset="0"/>
+        <a:latin typeface="+mn-lt"/>
         <a:ea typeface="+mn-ea"/>
         <a:cs typeface="+mn-cs"/>
       </a:defRPr>
     </a:lvl5pPr>
-    <a:lvl6pPr marL="2286000" algn="l" defTabSz="457200" rtl="0" eaLnBrk="1" latinLnBrk="0" hangingPunct="1">
-      <a:defRPr sz="2400" kern="1200">
+    <a:lvl6pPr marL="2286000" algn="l" defTabSz="914400" rtl="0" eaLnBrk="1" latinLnBrk="0" hangingPunct="1">
+      <a:defRPr sz="1800" kern="1200">
         <a:solidFill>
           <a:schemeClr val="tx1"/>
         </a:solidFill>
-        <a:latin typeface="Times" charset="0"/>
+        <a:latin typeface="+mn-lt"/>
         <a:ea typeface="+mn-ea"/>
         <a:cs typeface="+mn-cs"/>
       </a:defRPr>
     </a:lvl6pPr>
-    <a:lvl7pPr marL="2743200" algn="l" defTabSz="457200" rtl="0" eaLnBrk="1" latinLnBrk="0" hangingPunct="1">
-      <a:defRPr sz="2400" kern="1200">
+    <a:lvl7pPr marL="2743200" algn="l" defTabSz="914400" rtl="0" eaLnBrk="1" latinLnBrk="0" hangingPunct="1">
+      <a:defRPr sz="1800" kern="1200">
         <a:solidFill>
           <a:schemeClr val="tx1"/>
         </a:solidFill>
-        <a:latin typeface="Times" charset="0"/>
+        <a:latin typeface="+mn-lt"/>
         <a:ea typeface="+mn-ea"/>
         <a:cs typeface="+mn-cs"/>
       </a:defRPr>
     </a:lvl7pPr>
-    <a:lvl8pPr marL="3200400" algn="l" defTabSz="457200" rtl="0" eaLnBrk="1" latinLnBrk="0" hangingPunct="1">
-      <a:defRPr sz="2400" kern="1200">
+    <a:lvl8pPr marL="3200400" algn="l" defTabSz="914400" rtl="0" eaLnBrk="1" latinLnBrk="0" hangingPunct="1">
+      <a:defRPr sz="1800" kern="1200">
         <a:solidFill>
           <a:schemeClr val="tx1"/>
         </a:solidFill>
-        <a:latin typeface="Times" charset="0"/>
+        <a:latin typeface="+mn-lt"/>
         <a:ea typeface="+mn-ea"/>
         <a:cs typeface="+mn-cs"/>
       </a:defRPr>
     </a:lvl8pPr>
-    <a:lvl9pPr marL="3657600" algn="l" defTabSz="457200" rtl="0" eaLnBrk="1" latinLnBrk="0" hangingPunct="1">
-      <a:defRPr sz="2400" kern="1200">
+    <a:lvl9pPr marL="3657600" algn="l" defTabSz="914400" rtl="0" eaLnBrk="1" latinLnBrk="0" hangingPunct="1">
+      <a:defRPr sz="1800" kern="1200">
         <a:solidFill>
           <a:schemeClr val="tx1"/>
         </a:solidFill>
-        <a:latin typeface="Times" charset="0"/>
+        <a:latin typeface="+mn-lt"/>
         <a:ea typeface="+mn-ea"/>
         <a:cs typeface="+mn-cs"/>
       </a:defRPr>
@@ -3308,25 +3278,31 @@
       </p:grpSpPr>
       <p:sp>
         <p:nvSpPr>
-          <p:cNvPr id="4098" name="Rectangle 2"/>
-          <p:cNvSpPr>
-            <a:spLocks noGrp="1" noChangeArrowheads="1"/>
-          </p:cNvSpPr>
-          <p:nvPr>
-            <p:ph type="ctrTitle" sz="quarter"/>
+          <p:cNvPr id="2" name="Title 1">
+            <a:extLst>
+              <a:ext uri="{FF2B5EF4-FFF2-40B4-BE49-F238E27FC236}">
+                <a16:creationId xmlns:a16="http://schemas.microsoft.com/office/drawing/2014/main" id="{4CB1EC72-1DE3-41D1-E93E-EB769E450D5D}"/>
+              </a:ext>
+            </a:extLst>
+          </p:cNvPr>
+          <p:cNvSpPr>
+            <a:spLocks noGrp="1"/>
+          </p:cNvSpPr>
+          <p:nvPr>
+            <p:ph type="ctrTitle"/>
           </p:nvPr>
         </p:nvSpPr>
         <p:spPr>
           <a:xfrm>
-            <a:off x="685800" y="2057400"/>
-            <a:ext cx="7772400" cy="1143000"/>
+            <a:off x="1143000" y="1122363"/>
+            <a:ext cx="6858000" cy="2387600"/>
           </a:xfrm>
         </p:spPr>
         <p:txBody>
-          <a:bodyPr/>
+          <a:bodyPr anchor="b"/>
           <a:lstStyle>
-            <a:lvl1pPr>
-              <a:defRPr/>
+            <a:lvl1pPr algn="ctr">
+              <a:defRPr sz="4500"/>
             </a:lvl1pPr>
           </a:lstStyle>
           <a:p>
@@ -3339,28 +3315,65 @@
       </p:sp>
       <p:sp>
         <p:nvSpPr>
-          <p:cNvPr id="4099" name="Rectangle 3"/>
-          <p:cNvSpPr>
-            <a:spLocks noGrp="1" noChangeArrowheads="1"/>
-          </p:cNvSpPr>
-          <p:nvPr>
-            <p:ph type="subTitle" sz="quarter" idx="1"/>
+          <p:cNvPr id="3" name="Subtitle 2">
+            <a:extLst>
+              <a:ext uri="{FF2B5EF4-FFF2-40B4-BE49-F238E27FC236}">
+                <a16:creationId xmlns:a16="http://schemas.microsoft.com/office/drawing/2014/main" id="{214489AB-98D4-0040-9C4F-4AD2C53E1640}"/>
+              </a:ext>
+            </a:extLst>
+          </p:cNvPr>
+          <p:cNvSpPr>
+            <a:spLocks noGrp="1"/>
+          </p:cNvSpPr>
+          <p:nvPr>
+            <p:ph type="subTitle" idx="1"/>
           </p:nvPr>
         </p:nvSpPr>
         <p:spPr>
           <a:xfrm>
-            <a:off x="1371600" y="3886200"/>
-            <a:ext cx="6400800" cy="1752600"/>
+            <a:off x="1143000" y="3602038"/>
+            <a:ext cx="6858000" cy="1655762"/>
           </a:xfrm>
         </p:spPr>
         <p:txBody>
           <a:bodyPr/>
           <a:lstStyle>
             <a:lvl1pPr marL="0" indent="0" algn="ctr">
-              <a:buFontTx/>
               <a:buNone/>
-              <a:defRPr/>
+              <a:defRPr sz="1800"/>
             </a:lvl1pPr>
+            <a:lvl2pPr marL="342900" indent="0" algn="ctr">
+              <a:buNone/>
+              <a:defRPr sz="1500"/>
+            </a:lvl2pPr>
+            <a:lvl3pPr marL="685800" indent="0" algn="ctr">
+              <a:buNone/>
+              <a:defRPr sz="1350"/>
+            </a:lvl3pPr>
+            <a:lvl4pPr marL="1028700" indent="0" algn="ctr">
+              <a:buNone/>
+              <a:defRPr sz="1200"/>
+            </a:lvl4pPr>
+            <a:lvl5pPr marL="1371600" indent="0" algn="ctr">
+              <a:buNone/>
+              <a:defRPr sz="1200"/>
+            </a:lvl5pPr>
+            <a:lvl6pPr marL="1714500" indent="0" algn="ctr">
+              <a:buNone/>
+              <a:defRPr sz="1200"/>
+            </a:lvl6pPr>
+            <a:lvl7pPr marL="2057400" indent="0" algn="ctr">
+              <a:buNone/>
+              <a:defRPr sz="1200"/>
+            </a:lvl7pPr>
+            <a:lvl8pPr marL="2400300" indent="0" algn="ctr">
+              <a:buNone/>
+              <a:defRPr sz="1200"/>
+            </a:lvl8pPr>
+            <a:lvl9pPr marL="2743200" indent="0" algn="ctr">
+              <a:buNone/>
+              <a:defRPr sz="1200"/>
+            </a:lvl9pPr>
           </a:lstStyle>
           <a:p>
             <a:r>
@@ -3370,7 +3383,95 @@
           </a:p>
         </p:txBody>
       </p:sp>
+      <p:sp>
+        <p:nvSpPr>
+          <p:cNvPr id="4" name="Date Placeholder 3">
+            <a:extLst>
+              <a:ext uri="{FF2B5EF4-FFF2-40B4-BE49-F238E27FC236}">
+                <a16:creationId xmlns:a16="http://schemas.microsoft.com/office/drawing/2014/main" id="{3E644A0E-B14C-CD9F-AB26-A4AA37EA709C}"/>
+              </a:ext>
+            </a:extLst>
+          </p:cNvPr>
+          <p:cNvSpPr>
+            <a:spLocks noGrp="1"/>
+          </p:cNvSpPr>
+          <p:nvPr>
+            <p:ph type="dt" sz="half" idx="10"/>
+          </p:nvPr>
+        </p:nvSpPr>
+        <p:spPr/>
+        <p:txBody>
+          <a:bodyPr/>
+          <a:lstStyle/>
+          <a:p>
+            <a:fld id="{A4B695E8-B580-704C-9FAC-A33F940ECE9B}" type="datetimeFigureOut">
+              <a:rPr lang="en-US" smtClean="0"/>
+              <a:t>8/8/25</a:t>
+            </a:fld>
+            <a:endParaRPr lang="en-US"/>
+          </a:p>
+        </p:txBody>
+      </p:sp>
+      <p:sp>
+        <p:nvSpPr>
+          <p:cNvPr id="5" name="Footer Placeholder 4">
+            <a:extLst>
+              <a:ext uri="{FF2B5EF4-FFF2-40B4-BE49-F238E27FC236}">
+                <a16:creationId xmlns:a16="http://schemas.microsoft.com/office/drawing/2014/main" id="{75340E7A-1AF6-7549-DE71-3C79877489B0}"/>
+              </a:ext>
+            </a:extLst>
+          </p:cNvPr>
+          <p:cNvSpPr>
+            <a:spLocks noGrp="1"/>
+          </p:cNvSpPr>
+          <p:nvPr>
+            <p:ph type="ftr" sz="quarter" idx="11"/>
+          </p:nvPr>
+        </p:nvSpPr>
+        <p:spPr/>
+        <p:txBody>
+          <a:bodyPr/>
+          <a:lstStyle/>
+          <a:p>
+            <a:endParaRPr lang="en-US"/>
+          </a:p>
+        </p:txBody>
+      </p:sp>
+      <p:sp>
+        <p:nvSpPr>
+          <p:cNvPr id="6" name="Slide Number Placeholder 5">
+            <a:extLst>
+              <a:ext uri="{FF2B5EF4-FFF2-40B4-BE49-F238E27FC236}">
+                <a16:creationId xmlns:a16="http://schemas.microsoft.com/office/drawing/2014/main" id="{09AC86DC-3F61-7BF9-9067-3B32A882012D}"/>
+              </a:ext>
+            </a:extLst>
+          </p:cNvPr>
+          <p:cNvSpPr>
+            <a:spLocks noGrp="1"/>
+          </p:cNvSpPr>
+          <p:nvPr>
+            <p:ph type="sldNum" sz="quarter" idx="12"/>
+          </p:nvPr>
+        </p:nvSpPr>
+        <p:spPr/>
+        <p:txBody>
+          <a:bodyPr/>
+          <a:lstStyle/>
+          <a:p>
+            <a:fld id="{0BDDE5B4-BC8F-6545-B0AD-EAAF9CF69432}" type="slidenum">
+              <a:rPr lang="en-US" smtClean="0"/>
+              <a:t>‹#›</a:t>
+            </a:fld>
+            <a:endParaRPr lang="en-US"/>
+          </a:p>
+        </p:txBody>
+      </p:sp>
     </p:spTree>
+    <p:extLst>
+      <p:ext uri="{BB962C8B-B14F-4D97-AF65-F5344CB8AC3E}">
+        <p14:creationId xmlns:p14="http://schemas.microsoft.com/office/powerpoint/2010/main" val="2385196730"/>
+      </p:ext>
+    </p:extLst>
   </p:cSld>
   <p:clrMapOvr>
     <a:masterClrMapping/>
@@ -3397,7 +3498,13 @@
       </p:grpSpPr>
       <p:sp>
         <p:nvSpPr>
-          <p:cNvPr id="2" name="Title 1"/>
+          <p:cNvPr id="2" name="Title 1">
+            <a:extLst>
+              <a:ext uri="{FF2B5EF4-FFF2-40B4-BE49-F238E27FC236}">
+                <a16:creationId xmlns:a16="http://schemas.microsoft.com/office/drawing/2014/main" id="{5CE5CCEF-6562-57BD-6DD9-70FF4AC8BB3B}"/>
+              </a:ext>
+            </a:extLst>
+          </p:cNvPr>
           <p:cNvSpPr>
             <a:spLocks noGrp="1"/>
           </p:cNvSpPr>
@@ -3419,7 +3526,13 @@
       </p:sp>
       <p:sp>
         <p:nvSpPr>
-          <p:cNvPr id="3" name="Vertical Text Placeholder 2"/>
+          <p:cNvPr id="3" name="Vertical Text Placeholder 2">
+            <a:extLst>
+              <a:ext uri="{FF2B5EF4-FFF2-40B4-BE49-F238E27FC236}">
+                <a16:creationId xmlns:a16="http://schemas.microsoft.com/office/drawing/2014/main" id="{05272CDB-A142-1048-7533-D09929EE1C48}"/>
+              </a:ext>
+            </a:extLst>
+          </p:cNvPr>
           <p:cNvSpPr>
             <a:spLocks noGrp="1"/>
           </p:cNvSpPr>
@@ -3470,24 +3583,24 @@
       </p:sp>
       <p:sp>
         <p:nvSpPr>
-          <p:cNvPr id="4" name="Rectangle 14"/>
-          <p:cNvSpPr>
-            <a:spLocks noGrp="1" noChangeArrowheads="1"/>
+          <p:cNvPr id="4" name="Date Placeholder 3">
+            <a:extLst>
+              <a:ext uri="{FF2B5EF4-FFF2-40B4-BE49-F238E27FC236}">
+                <a16:creationId xmlns:a16="http://schemas.microsoft.com/office/drawing/2014/main" id="{60D994CF-CD9E-BE86-F9DD-DC1A09AD76CC}"/>
+              </a:ext>
+            </a:extLst>
+          </p:cNvPr>
+          <p:cNvSpPr>
+            <a:spLocks noGrp="1"/>
           </p:cNvSpPr>
           <p:nvPr>
             <p:ph type="dt" sz="half" idx="10"/>
           </p:nvPr>
         </p:nvSpPr>
-        <p:spPr>
-          <a:ln/>
-        </p:spPr>
+        <p:spPr/>
         <p:txBody>
           <a:bodyPr/>
-          <a:lstStyle>
-            <a:lvl1pPr>
-              <a:defRPr/>
-            </a:lvl1pPr>
-          </a:lstStyle>
+          <a:lstStyle/>
           <a:p>
             <a:pPr>
               <a:defRPr/>
@@ -3498,24 +3611,24 @@
       </p:sp>
       <p:sp>
         <p:nvSpPr>
-          <p:cNvPr id="5" name="Rectangle 15"/>
-          <p:cNvSpPr>
-            <a:spLocks noGrp="1" noChangeArrowheads="1"/>
+          <p:cNvPr id="5" name="Footer Placeholder 4">
+            <a:extLst>
+              <a:ext uri="{FF2B5EF4-FFF2-40B4-BE49-F238E27FC236}">
+                <a16:creationId xmlns:a16="http://schemas.microsoft.com/office/drawing/2014/main" id="{2947FDC8-05B7-248C-0C1F-2FE6EC38CCD7}"/>
+              </a:ext>
+            </a:extLst>
+          </p:cNvPr>
+          <p:cNvSpPr>
+            <a:spLocks noGrp="1"/>
           </p:cNvSpPr>
           <p:nvPr>
             <p:ph type="ftr" sz="quarter" idx="11"/>
           </p:nvPr>
         </p:nvSpPr>
-        <p:spPr>
-          <a:ln/>
-        </p:spPr>
+        <p:spPr/>
         <p:txBody>
           <a:bodyPr/>
-          <a:lstStyle>
-            <a:lvl1pPr>
-              <a:defRPr/>
-            </a:lvl1pPr>
-          </a:lstStyle>
+          <a:lstStyle/>
           <a:p>
             <a:pPr>
               <a:defRPr/>
@@ -3526,30 +3639,30 @@
       </p:sp>
       <p:sp>
         <p:nvSpPr>
-          <p:cNvPr id="6" name="Rectangle 16"/>
-          <p:cNvSpPr>
-            <a:spLocks noGrp="1" noChangeArrowheads="1"/>
+          <p:cNvPr id="6" name="Slide Number Placeholder 5">
+            <a:extLst>
+              <a:ext uri="{FF2B5EF4-FFF2-40B4-BE49-F238E27FC236}">
+                <a16:creationId xmlns:a16="http://schemas.microsoft.com/office/drawing/2014/main" id="{C584E03B-C4AE-3589-AB1C-9B8A577C35E9}"/>
+              </a:ext>
+            </a:extLst>
+          </p:cNvPr>
+          <p:cNvSpPr>
+            <a:spLocks noGrp="1"/>
           </p:cNvSpPr>
           <p:nvPr>
             <p:ph type="sldNum" sz="quarter" idx="12"/>
           </p:nvPr>
         </p:nvSpPr>
-        <p:spPr>
-          <a:ln/>
-        </p:spPr>
+        <p:spPr/>
         <p:txBody>
           <a:bodyPr/>
-          <a:lstStyle>
-            <a:lvl1pPr>
-              <a:defRPr/>
-            </a:lvl1pPr>
-          </a:lstStyle>
+          <a:lstStyle/>
           <a:p>
             <a:pPr>
               <a:defRPr/>
             </a:pPr>
             <a:fld id="{A5A5E3B6-6E25-8746-A1EF-0C61A376E09C}" type="slidenum">
-              <a:rPr lang="en-US"/>
+              <a:rPr lang="en-US" smtClean="0"/>
               <a:pPr>
                 <a:defRPr/>
               </a:pPr>
@@ -3560,6 +3673,11 @@
         </p:txBody>
       </p:sp>
     </p:spTree>
+    <p:extLst>
+      <p:ext uri="{BB962C8B-B14F-4D97-AF65-F5344CB8AC3E}">
+        <p14:creationId xmlns:p14="http://schemas.microsoft.com/office/powerpoint/2010/main" val="2474890212"/>
+      </p:ext>
+    </p:extLst>
   </p:cSld>
   <p:clrMapOvr>
     <a:masterClrMapping/>
@@ -3586,7 +3704,13 @@
       </p:grpSpPr>
       <p:sp>
         <p:nvSpPr>
-          <p:cNvPr id="2" name="Vertical Title 1"/>
+          <p:cNvPr id="2" name="Vertical Title 1">
+            <a:extLst>
+              <a:ext uri="{FF2B5EF4-FFF2-40B4-BE49-F238E27FC236}">
+                <a16:creationId xmlns:a16="http://schemas.microsoft.com/office/drawing/2014/main" id="{7A476739-EF16-E9E3-2EE4-31BCC880C16A}"/>
+              </a:ext>
+            </a:extLst>
+          </p:cNvPr>
           <p:cNvSpPr>
             <a:spLocks noGrp="1"/>
           </p:cNvSpPr>
@@ -3596,8 +3720,8 @@
         </p:nvSpPr>
         <p:spPr>
           <a:xfrm>
-            <a:off x="6343650" y="0"/>
-            <a:ext cx="2114550" cy="6096000"/>
+            <a:off x="6543675" y="365125"/>
+            <a:ext cx="1971675" cy="5811838"/>
           </a:xfrm>
         </p:spPr>
         <p:txBody>
@@ -3613,7 +3737,13 @@
       </p:sp>
       <p:sp>
         <p:nvSpPr>
-          <p:cNvPr id="3" name="Vertical Text Placeholder 2"/>
+          <p:cNvPr id="3" name="Vertical Text Placeholder 2">
+            <a:extLst>
+              <a:ext uri="{FF2B5EF4-FFF2-40B4-BE49-F238E27FC236}">
+                <a16:creationId xmlns:a16="http://schemas.microsoft.com/office/drawing/2014/main" id="{C5BC21FB-DA47-F1AE-A7DD-781A93494001}"/>
+              </a:ext>
+            </a:extLst>
+          </p:cNvPr>
           <p:cNvSpPr>
             <a:spLocks noGrp="1"/>
           </p:cNvSpPr>
@@ -3623,8 +3753,8 @@
         </p:nvSpPr>
         <p:spPr>
           <a:xfrm>
-            <a:off x="0" y="0"/>
-            <a:ext cx="6191250" cy="6096000"/>
+            <a:off x="628650" y="365125"/>
+            <a:ext cx="5800725" cy="5811838"/>
           </a:xfrm>
         </p:spPr>
         <p:txBody>
@@ -3669,24 +3799,24 @@
       </p:sp>
       <p:sp>
         <p:nvSpPr>
-          <p:cNvPr id="4" name="Rectangle 14"/>
-          <p:cNvSpPr>
-            <a:spLocks noGrp="1" noChangeArrowheads="1"/>
+          <p:cNvPr id="4" name="Date Placeholder 3">
+            <a:extLst>
+              <a:ext uri="{FF2B5EF4-FFF2-40B4-BE49-F238E27FC236}">
+                <a16:creationId xmlns:a16="http://schemas.microsoft.com/office/drawing/2014/main" id="{75007604-622F-C801-F01F-679ED4E3B24F}"/>
+              </a:ext>
+            </a:extLst>
+          </p:cNvPr>
+          <p:cNvSpPr>
+            <a:spLocks noGrp="1"/>
           </p:cNvSpPr>
           <p:nvPr>
             <p:ph type="dt" sz="half" idx="10"/>
           </p:nvPr>
         </p:nvSpPr>
-        <p:spPr>
-          <a:ln/>
-        </p:spPr>
+        <p:spPr/>
         <p:txBody>
           <a:bodyPr/>
-          <a:lstStyle>
-            <a:lvl1pPr>
-              <a:defRPr/>
-            </a:lvl1pPr>
-          </a:lstStyle>
+          <a:lstStyle/>
           <a:p>
             <a:pPr>
               <a:defRPr/>
@@ -3697,24 +3827,24 @@
       </p:sp>
       <p:sp>
         <p:nvSpPr>
-          <p:cNvPr id="5" name="Rectangle 15"/>
-          <p:cNvSpPr>
-            <a:spLocks noGrp="1" noChangeArrowheads="1"/>
+          <p:cNvPr id="5" name="Footer Placeholder 4">
+            <a:extLst>
+              <a:ext uri="{FF2B5EF4-FFF2-40B4-BE49-F238E27FC236}">
+                <a16:creationId xmlns:a16="http://schemas.microsoft.com/office/drawing/2014/main" id="{6FDE5C9D-6679-6D92-76E6-69B73B3A8961}"/>
+              </a:ext>
+            </a:extLst>
+          </p:cNvPr>
+          <p:cNvSpPr>
+            <a:spLocks noGrp="1"/>
           </p:cNvSpPr>
           <p:nvPr>
             <p:ph type="ftr" sz="quarter" idx="11"/>
           </p:nvPr>
         </p:nvSpPr>
-        <p:spPr>
-          <a:ln/>
-        </p:spPr>
+        <p:spPr/>
         <p:txBody>
           <a:bodyPr/>
-          <a:lstStyle>
-            <a:lvl1pPr>
-              <a:defRPr/>
-            </a:lvl1pPr>
-          </a:lstStyle>
+          <a:lstStyle/>
           <a:p>
             <a:pPr>
               <a:defRPr/>
@@ -3725,30 +3855,30 @@
       </p:sp>
       <p:sp>
         <p:nvSpPr>
-          <p:cNvPr id="6" name="Rectangle 16"/>
-          <p:cNvSpPr>
-            <a:spLocks noGrp="1" noChangeArrowheads="1"/>
+          <p:cNvPr id="6" name="Slide Number Placeholder 5">
+            <a:extLst>
+              <a:ext uri="{FF2B5EF4-FFF2-40B4-BE49-F238E27FC236}">
+                <a16:creationId xmlns:a16="http://schemas.microsoft.com/office/drawing/2014/main" id="{40A24B21-9A9F-C4FA-642A-A919867EFA41}"/>
+              </a:ext>
+            </a:extLst>
+          </p:cNvPr>
+          <p:cNvSpPr>
+            <a:spLocks noGrp="1"/>
           </p:cNvSpPr>
           <p:nvPr>
             <p:ph type="sldNum" sz="quarter" idx="12"/>
           </p:nvPr>
         </p:nvSpPr>
-        <p:spPr>
-          <a:ln/>
-        </p:spPr>
+        <p:spPr/>
         <p:txBody>
           <a:bodyPr/>
-          <a:lstStyle>
-            <a:lvl1pPr>
-              <a:defRPr/>
-            </a:lvl1pPr>
-          </a:lstStyle>
+          <a:lstStyle/>
           <a:p>
             <a:pPr>
               <a:defRPr/>
             </a:pPr>
             <a:fld id="{E34BA3A9-4E0B-FD49-BE1E-B8179035C6A1}" type="slidenum">
-              <a:rPr lang="en-US"/>
+              <a:rPr lang="en-US" smtClean="0"/>
               <a:pPr>
                 <a:defRPr/>
               </a:pPr>
@@ -3759,6 +3889,11 @@
         </p:txBody>
       </p:sp>
     </p:spTree>
+    <p:extLst>
+      <p:ext uri="{BB962C8B-B14F-4D97-AF65-F5344CB8AC3E}">
+        <p14:creationId xmlns:p14="http://schemas.microsoft.com/office/powerpoint/2010/main" val="3520115463"/>
+      </p:ext>
+    </p:extLst>
   </p:cSld>
   <p:clrMapOvr>
     <a:masterClrMapping/>
@@ -3785,7 +3920,13 @@
       </p:grpSpPr>
       <p:sp>
         <p:nvSpPr>
-          <p:cNvPr id="2" name="Title 1"/>
+          <p:cNvPr id="2" name="Title 1">
+            <a:extLst>
+              <a:ext uri="{FF2B5EF4-FFF2-40B4-BE49-F238E27FC236}">
+                <a16:creationId xmlns:a16="http://schemas.microsoft.com/office/drawing/2014/main" id="{4DF42780-984C-7380-90A7-8E62C35E345A}"/>
+              </a:ext>
+            </a:extLst>
+          </p:cNvPr>
           <p:cNvSpPr>
             <a:spLocks noGrp="1"/>
           </p:cNvSpPr>
@@ -3807,7 +3948,13 @@
       </p:sp>
       <p:sp>
         <p:nvSpPr>
-          <p:cNvPr id="3" name="Content Placeholder 2"/>
+          <p:cNvPr id="3" name="Content Placeholder 2">
+            <a:extLst>
+              <a:ext uri="{FF2B5EF4-FFF2-40B4-BE49-F238E27FC236}">
+                <a16:creationId xmlns:a16="http://schemas.microsoft.com/office/drawing/2014/main" id="{9A8D2387-EA87-1C14-4638-FE3BC957E614}"/>
+              </a:ext>
+            </a:extLst>
+          </p:cNvPr>
           <p:cNvSpPr>
             <a:spLocks noGrp="1"/>
           </p:cNvSpPr>
@@ -3858,24 +4005,24 @@
       </p:sp>
       <p:sp>
         <p:nvSpPr>
-          <p:cNvPr id="4" name="Rectangle 14"/>
-          <p:cNvSpPr>
-            <a:spLocks noGrp="1" noChangeArrowheads="1"/>
+          <p:cNvPr id="4" name="Date Placeholder 3">
+            <a:extLst>
+              <a:ext uri="{FF2B5EF4-FFF2-40B4-BE49-F238E27FC236}">
+                <a16:creationId xmlns:a16="http://schemas.microsoft.com/office/drawing/2014/main" id="{5D8A5B70-3473-BB40-B367-C417333ECFAC}"/>
+              </a:ext>
+            </a:extLst>
+          </p:cNvPr>
+          <p:cNvSpPr>
+            <a:spLocks noGrp="1"/>
           </p:cNvSpPr>
           <p:nvPr>
             <p:ph type="dt" sz="half" idx="10"/>
           </p:nvPr>
         </p:nvSpPr>
-        <p:spPr>
-          <a:ln/>
-        </p:spPr>
+        <p:spPr/>
         <p:txBody>
           <a:bodyPr/>
-          <a:lstStyle>
-            <a:lvl1pPr>
-              <a:defRPr/>
-            </a:lvl1pPr>
-          </a:lstStyle>
+          <a:lstStyle/>
           <a:p>
             <a:pPr>
               <a:defRPr/>
@@ -3886,24 +4033,24 @@
       </p:sp>
       <p:sp>
         <p:nvSpPr>
-          <p:cNvPr id="5" name="Rectangle 15"/>
-          <p:cNvSpPr>
-            <a:spLocks noGrp="1" noChangeArrowheads="1"/>
+          <p:cNvPr id="5" name="Footer Placeholder 4">
+            <a:extLst>
+              <a:ext uri="{FF2B5EF4-FFF2-40B4-BE49-F238E27FC236}">
+                <a16:creationId xmlns:a16="http://schemas.microsoft.com/office/drawing/2014/main" id="{EA141755-770B-38EE-6FB3-C912B739B70B}"/>
+              </a:ext>
+            </a:extLst>
+          </p:cNvPr>
+          <p:cNvSpPr>
+            <a:spLocks noGrp="1"/>
           </p:cNvSpPr>
           <p:nvPr>
             <p:ph type="ftr" sz="quarter" idx="11"/>
           </p:nvPr>
         </p:nvSpPr>
-        <p:spPr>
-          <a:ln/>
-        </p:spPr>
+        <p:spPr/>
         <p:txBody>
           <a:bodyPr/>
-          <a:lstStyle>
-            <a:lvl1pPr>
-              <a:defRPr/>
-            </a:lvl1pPr>
-          </a:lstStyle>
+          <a:lstStyle/>
           <a:p>
             <a:pPr>
               <a:defRPr/>
@@ -3914,30 +4061,30 @@
       </p:sp>
       <p:sp>
         <p:nvSpPr>
-          <p:cNvPr id="6" name="Rectangle 16"/>
-          <p:cNvSpPr>
-            <a:spLocks noGrp="1" noChangeArrowheads="1"/>
+          <p:cNvPr id="6" name="Slide Number Placeholder 5">
+            <a:extLst>
+              <a:ext uri="{FF2B5EF4-FFF2-40B4-BE49-F238E27FC236}">
+                <a16:creationId xmlns:a16="http://schemas.microsoft.com/office/drawing/2014/main" id="{9A125D17-5837-8F5A-D793-D1495DFBF8A9}"/>
+              </a:ext>
+            </a:extLst>
+          </p:cNvPr>
+          <p:cNvSpPr>
+            <a:spLocks noGrp="1"/>
           </p:cNvSpPr>
           <p:nvPr>
             <p:ph type="sldNum" sz="quarter" idx="12"/>
           </p:nvPr>
         </p:nvSpPr>
-        <p:spPr>
-          <a:ln/>
-        </p:spPr>
+        <p:spPr/>
         <p:txBody>
           <a:bodyPr/>
-          <a:lstStyle>
-            <a:lvl1pPr>
-              <a:defRPr/>
-            </a:lvl1pPr>
-          </a:lstStyle>
+          <a:lstStyle/>
           <a:p>
             <a:pPr>
               <a:defRPr/>
             </a:pPr>
             <a:fld id="{18470F46-84F3-4841-A00A-8EAA56A98436}" type="slidenum">
-              <a:rPr lang="en-US"/>
+              <a:rPr lang="en-US" smtClean="0"/>
               <a:pPr>
                 <a:defRPr/>
               </a:pPr>
@@ -3948,6 +4095,11 @@
         </p:txBody>
       </p:sp>
     </p:spTree>
+    <p:extLst>
+      <p:ext uri="{BB962C8B-B14F-4D97-AF65-F5344CB8AC3E}">
+        <p14:creationId xmlns:p14="http://schemas.microsoft.com/office/powerpoint/2010/main" val="2895330281"/>
+      </p:ext>
+    </p:extLst>
   </p:cSld>
   <p:clrMapOvr>
     <a:masterClrMapping/>
@@ -3974,7 +4126,13 @@
       </p:grpSpPr>
       <p:sp>
         <p:nvSpPr>
-          <p:cNvPr id="2" name="Title 1"/>
+          <p:cNvPr id="2" name="Title 1">
+            <a:extLst>
+              <a:ext uri="{FF2B5EF4-FFF2-40B4-BE49-F238E27FC236}">
+                <a16:creationId xmlns:a16="http://schemas.microsoft.com/office/drawing/2014/main" id="{AF8AA46B-EC3F-5CDF-C0C9-052A44B2F252}"/>
+              </a:ext>
+            </a:extLst>
+          </p:cNvPr>
           <p:cNvSpPr>
             <a:spLocks noGrp="1"/>
           </p:cNvSpPr>
@@ -3984,15 +4142,15 @@
         </p:nvSpPr>
         <p:spPr>
           <a:xfrm>
-            <a:off x="722313" y="4406900"/>
-            <a:ext cx="7772400" cy="1362075"/>
+            <a:off x="623887" y="1709738"/>
+            <a:ext cx="7886700" cy="2852737"/>
           </a:xfrm>
         </p:spPr>
         <p:txBody>
-          <a:bodyPr anchor="t"/>
+          <a:bodyPr anchor="b"/>
           <a:lstStyle>
-            <a:lvl1pPr algn="l">
-              <a:defRPr sz="4000" b="1" cap="all"/>
+            <a:lvl1pPr>
+              <a:defRPr sz="4500"/>
             </a:lvl1pPr>
           </a:lstStyle>
           <a:p>
@@ -4005,7 +4163,13 @@
       </p:sp>
       <p:sp>
         <p:nvSpPr>
-          <p:cNvPr id="3" name="Text Placeholder 2"/>
+          <p:cNvPr id="3" name="Text Placeholder 2">
+            <a:extLst>
+              <a:ext uri="{FF2B5EF4-FFF2-40B4-BE49-F238E27FC236}">
+                <a16:creationId xmlns:a16="http://schemas.microsoft.com/office/drawing/2014/main" id="{6B91BB88-11A9-BCBF-16A8-DBF41E050920}"/>
+              </a:ext>
+            </a:extLst>
+          </p:cNvPr>
           <p:cNvSpPr>
             <a:spLocks noGrp="1"/>
           </p:cNvSpPr>
@@ -4015,48 +4179,102 @@
         </p:nvSpPr>
         <p:spPr>
           <a:xfrm>
-            <a:off x="722313" y="2906713"/>
-            <a:ext cx="7772400" cy="1500187"/>
+            <a:off x="623887" y="4589464"/>
+            <a:ext cx="7886700" cy="1500187"/>
           </a:xfrm>
         </p:spPr>
         <p:txBody>
-          <a:bodyPr anchor="b"/>
+          <a:bodyPr/>
           <a:lstStyle>
             <a:lvl1pPr marL="0" indent="0">
               <a:buNone/>
-              <a:defRPr sz="2000"/>
+              <a:defRPr sz="1800">
+                <a:solidFill>
+                  <a:schemeClr val="tx1">
+                    <a:tint val="82000"/>
+                  </a:schemeClr>
+                </a:solidFill>
+              </a:defRPr>
             </a:lvl1pPr>
-            <a:lvl2pPr marL="457200" indent="0">
+            <a:lvl2pPr marL="342900" indent="0">
               <a:buNone/>
-              <a:defRPr sz="1800"/>
+              <a:defRPr sz="1500">
+                <a:solidFill>
+                  <a:schemeClr val="tx1">
+                    <a:tint val="82000"/>
+                  </a:schemeClr>
+                </a:solidFill>
+              </a:defRPr>
             </a:lvl2pPr>
-            <a:lvl3pPr marL="914400" indent="0">
+            <a:lvl3pPr marL="685800" indent="0">
               <a:buNone/>
-              <a:defRPr sz="1600"/>
+              <a:defRPr sz="1350">
+                <a:solidFill>
+                  <a:schemeClr val="tx1">
+                    <a:tint val="82000"/>
+                  </a:schemeClr>
+                </a:solidFill>
+              </a:defRPr>
             </a:lvl3pPr>
-            <a:lvl4pPr marL="1371600" indent="0">
+            <a:lvl4pPr marL="1028700" indent="0">
               <a:buNone/>
-              <a:defRPr sz="1400"/>
+              <a:defRPr sz="1200">
+                <a:solidFill>
+                  <a:schemeClr val="tx1">
+                    <a:tint val="82000"/>
+                  </a:schemeClr>
+                </a:solidFill>
+              </a:defRPr>
             </a:lvl4pPr>
-            <a:lvl5pPr marL="1828800" indent="0">
+            <a:lvl5pPr marL="1371600" indent="0">
               <a:buNone/>
-              <a:defRPr sz="1400"/>
+              <a:defRPr sz="1200">
+                <a:solidFill>
+                  <a:schemeClr val="tx1">
+                    <a:tint val="82000"/>
+                  </a:schemeClr>
+                </a:solidFill>
+              </a:defRPr>
             </a:lvl5pPr>
-            <a:lvl6pPr marL="2286000" indent="0">
+            <a:lvl6pPr marL="1714500" indent="0">
               <a:buNone/>
-              <a:defRPr sz="1400"/>
+              <a:defRPr sz="1200">
+                <a:solidFill>
+                  <a:schemeClr val="tx1">
+                    <a:tint val="82000"/>
+                  </a:schemeClr>
+                </a:solidFill>
+              </a:defRPr>
             </a:lvl6pPr>
-            <a:lvl7pPr marL="2743200" indent="0">
+            <a:lvl7pPr marL="2057400" indent="0">
               <a:buNone/>
-              <a:defRPr sz="1400"/>
+              <a:defRPr sz="1200">
+                <a:solidFill>
+                  <a:schemeClr val="tx1">
+                    <a:tint val="82000"/>
+                  </a:schemeClr>
+                </a:solidFill>
+              </a:defRPr>
             </a:lvl7pPr>
-            <a:lvl8pPr marL="3200400" indent="0">
+            <a:lvl8pPr marL="2400300" indent="0">
               <a:buNone/>
-              <a:defRPr sz="1400"/>
+              <a:defRPr sz="1200">
+                <a:solidFill>
+                  <a:schemeClr val="tx1">
+                    <a:tint val="82000"/>
+                  </a:schemeClr>
+                </a:solidFill>
+              </a:defRPr>
             </a:lvl8pPr>
-            <a:lvl9pPr marL="3657600" indent="0">
+            <a:lvl9pPr marL="2743200" indent="0">
               <a:buNone/>
-              <a:defRPr sz="1400"/>
+              <a:defRPr sz="1200">
+                <a:solidFill>
+                  <a:schemeClr val="tx1">
+                    <a:tint val="82000"/>
+                  </a:schemeClr>
+                </a:solidFill>
+              </a:defRPr>
             </a:lvl9pPr>
           </a:lstStyle>
           <a:p>
@@ -4070,24 +4288,24 @@
       </p:sp>
       <p:sp>
         <p:nvSpPr>
-          <p:cNvPr id="4" name="Rectangle 14"/>
-          <p:cNvSpPr>
-            <a:spLocks noGrp="1" noChangeArrowheads="1"/>
+          <p:cNvPr id="4" name="Date Placeholder 3">
+            <a:extLst>
+              <a:ext uri="{FF2B5EF4-FFF2-40B4-BE49-F238E27FC236}">
+                <a16:creationId xmlns:a16="http://schemas.microsoft.com/office/drawing/2014/main" id="{A325F7B4-7E60-859F-5742-7A6947E72440}"/>
+              </a:ext>
+            </a:extLst>
+          </p:cNvPr>
+          <p:cNvSpPr>
+            <a:spLocks noGrp="1"/>
           </p:cNvSpPr>
           <p:nvPr>
             <p:ph type="dt" sz="half" idx="10"/>
           </p:nvPr>
         </p:nvSpPr>
-        <p:spPr>
-          <a:ln/>
-        </p:spPr>
+        <p:spPr/>
         <p:txBody>
           <a:bodyPr/>
-          <a:lstStyle>
-            <a:lvl1pPr>
-              <a:defRPr/>
-            </a:lvl1pPr>
-          </a:lstStyle>
+          <a:lstStyle/>
           <a:p>
             <a:pPr>
               <a:defRPr/>
@@ -4098,24 +4316,24 @@
       </p:sp>
       <p:sp>
         <p:nvSpPr>
-          <p:cNvPr id="5" name="Rectangle 15"/>
-          <p:cNvSpPr>
-            <a:spLocks noGrp="1" noChangeArrowheads="1"/>
+          <p:cNvPr id="5" name="Footer Placeholder 4">
+            <a:extLst>
+              <a:ext uri="{FF2B5EF4-FFF2-40B4-BE49-F238E27FC236}">
+                <a16:creationId xmlns:a16="http://schemas.microsoft.com/office/drawing/2014/main" id="{907AB20E-FB5D-8AFA-C70F-23D4DE3C05AF}"/>
+              </a:ext>
+            </a:extLst>
+          </p:cNvPr>
+          <p:cNvSpPr>
+            <a:spLocks noGrp="1"/>
           </p:cNvSpPr>
           <p:nvPr>
             <p:ph type="ftr" sz="quarter" idx="11"/>
           </p:nvPr>
         </p:nvSpPr>
-        <p:spPr>
-          <a:ln/>
-        </p:spPr>
+        <p:spPr/>
         <p:txBody>
           <a:bodyPr/>
-          <a:lstStyle>
-            <a:lvl1pPr>
-              <a:defRPr/>
-            </a:lvl1pPr>
-          </a:lstStyle>
+          <a:lstStyle/>
           <a:p>
             <a:pPr>
               <a:defRPr/>
@@ -4126,30 +4344,30 @@
       </p:sp>
       <p:sp>
         <p:nvSpPr>
-          <p:cNvPr id="6" name="Rectangle 16"/>
-          <p:cNvSpPr>
-            <a:spLocks noGrp="1" noChangeArrowheads="1"/>
+          <p:cNvPr id="6" name="Slide Number Placeholder 5">
+            <a:extLst>
+              <a:ext uri="{FF2B5EF4-FFF2-40B4-BE49-F238E27FC236}">
+                <a16:creationId xmlns:a16="http://schemas.microsoft.com/office/drawing/2014/main" id="{6D32B683-7192-D19C-D078-19C2B6431240}"/>
+              </a:ext>
+            </a:extLst>
+          </p:cNvPr>
+          <p:cNvSpPr>
+            <a:spLocks noGrp="1"/>
           </p:cNvSpPr>
           <p:nvPr>
             <p:ph type="sldNum" sz="quarter" idx="12"/>
           </p:nvPr>
         </p:nvSpPr>
-        <p:spPr>
-          <a:ln/>
-        </p:spPr>
+        <p:spPr/>
         <p:txBody>
           <a:bodyPr/>
-          <a:lstStyle>
-            <a:lvl1pPr>
-              <a:defRPr/>
-            </a:lvl1pPr>
-          </a:lstStyle>
+          <a:lstStyle/>
           <a:p>
             <a:pPr>
               <a:defRPr/>
             </a:pPr>
             <a:fld id="{E91B18E3-807F-A74B-B9B0-A9E08F586304}" type="slidenum">
-              <a:rPr lang="en-US"/>
+              <a:rPr lang="en-US" smtClean="0"/>
               <a:pPr>
                 <a:defRPr/>
               </a:pPr>
@@ -4160,6 +4378,11 @@
         </p:txBody>
       </p:sp>
     </p:spTree>
+    <p:extLst>
+      <p:ext uri="{BB962C8B-B14F-4D97-AF65-F5344CB8AC3E}">
+        <p14:creationId xmlns:p14="http://schemas.microsoft.com/office/powerpoint/2010/main" val="500968314"/>
+      </p:ext>
+    </p:extLst>
   </p:cSld>
   <p:clrMapOvr>
     <a:masterClrMapping/>
@@ -4186,7 +4409,13 @@
       </p:grpSpPr>
       <p:sp>
         <p:nvSpPr>
-          <p:cNvPr id="2" name="Title 1"/>
+          <p:cNvPr id="2" name="Title 1">
+            <a:extLst>
+              <a:ext uri="{FF2B5EF4-FFF2-40B4-BE49-F238E27FC236}">
+                <a16:creationId xmlns:a16="http://schemas.microsoft.com/office/drawing/2014/main" id="{7F1EBAE0-A3C1-47A9-E4BE-81A3AAA30954}"/>
+              </a:ext>
+            </a:extLst>
+          </p:cNvPr>
           <p:cNvSpPr>
             <a:spLocks noGrp="1"/>
           </p:cNvSpPr>
@@ -4208,7 +4437,13 @@
       </p:sp>
       <p:sp>
         <p:nvSpPr>
-          <p:cNvPr id="3" name="Content Placeholder 2"/>
+          <p:cNvPr id="3" name="Content Placeholder 2">
+            <a:extLst>
+              <a:ext uri="{FF2B5EF4-FFF2-40B4-BE49-F238E27FC236}">
+                <a16:creationId xmlns:a16="http://schemas.microsoft.com/office/drawing/2014/main" id="{89316B83-109A-7400-F22D-3E6D57B4880E}"/>
+              </a:ext>
+            </a:extLst>
+          </p:cNvPr>
           <p:cNvSpPr>
             <a:spLocks noGrp="1"/>
           </p:cNvSpPr>
@@ -4218,41 +4453,13 @@
         </p:nvSpPr>
         <p:spPr>
           <a:xfrm>
-            <a:off x="685800" y="1981200"/>
-            <a:ext cx="3810000" cy="4114800"/>
+            <a:off x="628650" y="1825625"/>
+            <a:ext cx="3886200" cy="4351338"/>
           </a:xfrm>
         </p:spPr>
         <p:txBody>
           <a:bodyPr/>
-          <a:lstStyle>
-            <a:lvl1pPr>
-              <a:defRPr sz="2800"/>
-            </a:lvl1pPr>
-            <a:lvl2pPr>
-              <a:defRPr sz="2400"/>
-            </a:lvl2pPr>
-            <a:lvl3pPr>
-              <a:defRPr sz="2000"/>
-            </a:lvl3pPr>
-            <a:lvl4pPr>
-              <a:defRPr sz="1800"/>
-            </a:lvl4pPr>
-            <a:lvl5pPr>
-              <a:defRPr sz="1800"/>
-            </a:lvl5pPr>
-            <a:lvl6pPr>
-              <a:defRPr sz="1800"/>
-            </a:lvl6pPr>
-            <a:lvl7pPr>
-              <a:defRPr sz="1800"/>
-            </a:lvl7pPr>
-            <a:lvl8pPr>
-              <a:defRPr sz="1800"/>
-            </a:lvl8pPr>
-            <a:lvl9pPr>
-              <a:defRPr sz="1800"/>
-            </a:lvl9pPr>
-          </a:lstStyle>
+          <a:lstStyle/>
           <a:p>
             <a:pPr lvl="0"/>
             <a:r>
@@ -4292,7 +4499,13 @@
       </p:sp>
       <p:sp>
         <p:nvSpPr>
-          <p:cNvPr id="4" name="Content Placeholder 3"/>
+          <p:cNvPr id="4" name="Content Placeholder 3">
+            <a:extLst>
+              <a:ext uri="{FF2B5EF4-FFF2-40B4-BE49-F238E27FC236}">
+                <a16:creationId xmlns:a16="http://schemas.microsoft.com/office/drawing/2014/main" id="{985F4EA9-FDC2-1B48-418E-517D9A436F24}"/>
+              </a:ext>
+            </a:extLst>
+          </p:cNvPr>
           <p:cNvSpPr>
             <a:spLocks noGrp="1"/>
           </p:cNvSpPr>
@@ -4302,41 +4515,13 @@
         </p:nvSpPr>
         <p:spPr>
           <a:xfrm>
-            <a:off x="4648200" y="1981200"/>
-            <a:ext cx="3810000" cy="4114800"/>
+            <a:off x="4629150" y="1825625"/>
+            <a:ext cx="3886200" cy="4351338"/>
           </a:xfrm>
         </p:spPr>
         <p:txBody>
           <a:bodyPr/>
-          <a:lstStyle>
-            <a:lvl1pPr>
-              <a:defRPr sz="2800"/>
-            </a:lvl1pPr>
-            <a:lvl2pPr>
-              <a:defRPr sz="2400"/>
-            </a:lvl2pPr>
-            <a:lvl3pPr>
-              <a:defRPr sz="2000"/>
-            </a:lvl3pPr>
-            <a:lvl4pPr>
-              <a:defRPr sz="1800"/>
-            </a:lvl4pPr>
-            <a:lvl5pPr>
-              <a:defRPr sz="1800"/>
-            </a:lvl5pPr>
-            <a:lvl6pPr>
-              <a:defRPr sz="1800"/>
-            </a:lvl6pPr>
-            <a:lvl7pPr>
-              <a:defRPr sz="1800"/>
-            </a:lvl7pPr>
-            <a:lvl8pPr>
-              <a:defRPr sz="1800"/>
-            </a:lvl8pPr>
-            <a:lvl9pPr>
-              <a:defRPr sz="1800"/>
-            </a:lvl9pPr>
-          </a:lstStyle>
+          <a:lstStyle/>
           <a:p>
             <a:pPr lvl="0"/>
             <a:r>
@@ -4376,24 +4561,24 @@
       </p:sp>
       <p:sp>
         <p:nvSpPr>
-          <p:cNvPr id="5" name="Rectangle 14"/>
-          <p:cNvSpPr>
-            <a:spLocks noGrp="1" noChangeArrowheads="1"/>
+          <p:cNvPr id="5" name="Date Placeholder 4">
+            <a:extLst>
+              <a:ext uri="{FF2B5EF4-FFF2-40B4-BE49-F238E27FC236}">
+                <a16:creationId xmlns:a16="http://schemas.microsoft.com/office/drawing/2014/main" id="{A863409F-996C-E565-C79F-13FA56B87FBD}"/>
+              </a:ext>
+            </a:extLst>
+          </p:cNvPr>
+          <p:cNvSpPr>
+            <a:spLocks noGrp="1"/>
           </p:cNvSpPr>
           <p:nvPr>
             <p:ph type="dt" sz="half" idx="10"/>
           </p:nvPr>
         </p:nvSpPr>
-        <p:spPr>
-          <a:ln/>
-        </p:spPr>
+        <p:spPr/>
         <p:txBody>
           <a:bodyPr/>
-          <a:lstStyle>
-            <a:lvl1pPr>
-              <a:defRPr/>
-            </a:lvl1pPr>
-          </a:lstStyle>
+          <a:lstStyle/>
           <a:p>
             <a:pPr>
               <a:defRPr/>
@@ -4404,24 +4589,24 @@
       </p:sp>
       <p:sp>
         <p:nvSpPr>
-          <p:cNvPr id="6" name="Rectangle 15"/>
-          <p:cNvSpPr>
-            <a:spLocks noGrp="1" noChangeArrowheads="1"/>
+          <p:cNvPr id="6" name="Footer Placeholder 5">
+            <a:extLst>
+              <a:ext uri="{FF2B5EF4-FFF2-40B4-BE49-F238E27FC236}">
+                <a16:creationId xmlns:a16="http://schemas.microsoft.com/office/drawing/2014/main" id="{26473C75-0BA6-B393-814A-70692C69D55C}"/>
+              </a:ext>
+            </a:extLst>
+          </p:cNvPr>
+          <p:cNvSpPr>
+            <a:spLocks noGrp="1"/>
           </p:cNvSpPr>
           <p:nvPr>
             <p:ph type="ftr" sz="quarter" idx="11"/>
           </p:nvPr>
         </p:nvSpPr>
-        <p:spPr>
-          <a:ln/>
-        </p:spPr>
+        <p:spPr/>
         <p:txBody>
           <a:bodyPr/>
-          <a:lstStyle>
-            <a:lvl1pPr>
-              <a:defRPr/>
-            </a:lvl1pPr>
-          </a:lstStyle>
+          <a:lstStyle/>
           <a:p>
             <a:pPr>
               <a:defRPr/>
@@ -4432,30 +4617,30 @@
       </p:sp>
       <p:sp>
         <p:nvSpPr>
-          <p:cNvPr id="7" name="Rectangle 16"/>
-          <p:cNvSpPr>
-            <a:spLocks noGrp="1" noChangeArrowheads="1"/>
+          <p:cNvPr id="7" name="Slide Number Placeholder 6">
+            <a:extLst>
+              <a:ext uri="{FF2B5EF4-FFF2-40B4-BE49-F238E27FC236}">
+                <a16:creationId xmlns:a16="http://schemas.microsoft.com/office/drawing/2014/main" id="{D95C0692-1444-150F-6572-3338AD27BB01}"/>
+              </a:ext>
+            </a:extLst>
+          </p:cNvPr>
+          <p:cNvSpPr>
+            <a:spLocks noGrp="1"/>
           </p:cNvSpPr>
           <p:nvPr>
             <p:ph type="sldNum" sz="quarter" idx="12"/>
           </p:nvPr>
         </p:nvSpPr>
-        <p:spPr>
-          <a:ln/>
-        </p:spPr>
+        <p:spPr/>
         <p:txBody>
           <a:bodyPr/>
-          <a:lstStyle>
-            <a:lvl1pPr>
-              <a:defRPr/>
-            </a:lvl1pPr>
-          </a:lstStyle>
+          <a:lstStyle/>
           <a:p>
             <a:pPr>
               <a:defRPr/>
             </a:pPr>
             <a:fld id="{5B2A4FA1-8607-774C-AA86-B85150486884}" type="slidenum">
-              <a:rPr lang="en-US"/>
+              <a:rPr lang="en-US" smtClean="0"/>
               <a:pPr>
                 <a:defRPr/>
               </a:pPr>
@@ -4466,6 +4651,11 @@
         </p:txBody>
       </p:sp>
     </p:spTree>
+    <p:extLst>
+      <p:ext uri="{BB962C8B-B14F-4D97-AF65-F5344CB8AC3E}">
+        <p14:creationId xmlns:p14="http://schemas.microsoft.com/office/powerpoint/2010/main" val="2870892862"/>
+      </p:ext>
+    </p:extLst>
   </p:cSld>
   <p:clrMapOvr>
     <a:masterClrMapping/>
@@ -4492,7 +4682,13 @@
       </p:grpSpPr>
       <p:sp>
         <p:nvSpPr>
-          <p:cNvPr id="2" name="Title 1"/>
+          <p:cNvPr id="2" name="Title 1">
+            <a:extLst>
+              <a:ext uri="{FF2B5EF4-FFF2-40B4-BE49-F238E27FC236}">
+                <a16:creationId xmlns:a16="http://schemas.microsoft.com/office/drawing/2014/main" id="{52EBD501-B832-5BF2-1EA6-227AC147CAAF}"/>
+              </a:ext>
+            </a:extLst>
+          </p:cNvPr>
           <p:cNvSpPr>
             <a:spLocks noGrp="1"/>
           </p:cNvSpPr>
@@ -4502,17 +4698,13 @@
         </p:nvSpPr>
         <p:spPr>
           <a:xfrm>
-            <a:off x="457200" y="274638"/>
-            <a:ext cx="8229600" cy="1143000"/>
+            <a:off x="629841" y="365126"/>
+            <a:ext cx="7886700" cy="1325563"/>
           </a:xfrm>
         </p:spPr>
         <p:txBody>
           <a:bodyPr/>
-          <a:lstStyle>
-            <a:lvl1pPr>
-              <a:defRPr/>
-            </a:lvl1pPr>
-          </a:lstStyle>
+          <a:lstStyle/>
           <a:p>
             <a:r>
               <a:rPr lang="en-US"/>
@@ -4523,7 +4715,13 @@
       </p:sp>
       <p:sp>
         <p:nvSpPr>
-          <p:cNvPr id="3" name="Text Placeholder 2"/>
+          <p:cNvPr id="3" name="Text Placeholder 2">
+            <a:extLst>
+              <a:ext uri="{FF2B5EF4-FFF2-40B4-BE49-F238E27FC236}">
+                <a16:creationId xmlns:a16="http://schemas.microsoft.com/office/drawing/2014/main" id="{B272103C-8209-E2A6-019F-530BF10F01CA}"/>
+              </a:ext>
+            </a:extLst>
+          </p:cNvPr>
           <p:cNvSpPr>
             <a:spLocks noGrp="1"/>
           </p:cNvSpPr>
@@ -4533,8 +4731,8 @@
         </p:nvSpPr>
         <p:spPr>
           <a:xfrm>
-            <a:off x="457200" y="1535113"/>
-            <a:ext cx="4040188" cy="639762"/>
+            <a:off x="629842" y="1681163"/>
+            <a:ext cx="3868340" cy="823912"/>
           </a:xfrm>
         </p:spPr>
         <p:txBody>
@@ -4542,39 +4740,39 @@
           <a:lstStyle>
             <a:lvl1pPr marL="0" indent="0">
               <a:buNone/>
-              <a:defRPr sz="2400" b="1"/>
+              <a:defRPr sz="1800" b="1"/>
             </a:lvl1pPr>
-            <a:lvl2pPr marL="457200" indent="0">
+            <a:lvl2pPr marL="342900" indent="0">
               <a:buNone/>
-              <a:defRPr sz="2000" b="1"/>
+              <a:defRPr sz="1500" b="1"/>
             </a:lvl2pPr>
-            <a:lvl3pPr marL="914400" indent="0">
+            <a:lvl3pPr marL="685800" indent="0">
               <a:buNone/>
-              <a:defRPr sz="1800" b="1"/>
+              <a:defRPr sz="1350" b="1"/>
             </a:lvl3pPr>
-            <a:lvl4pPr marL="1371600" indent="0">
+            <a:lvl4pPr marL="1028700" indent="0">
               <a:buNone/>
-              <a:defRPr sz="1600" b="1"/>
+              <a:defRPr sz="1200" b="1"/>
             </a:lvl4pPr>
-            <a:lvl5pPr marL="1828800" indent="0">
+            <a:lvl5pPr marL="1371600" indent="0">
               <a:buNone/>
-              <a:defRPr sz="1600" b="1"/>
+              <a:defRPr sz="1200" b="1"/>
             </a:lvl5pPr>
-            <a:lvl6pPr marL="2286000" indent="0">
+            <a:lvl6pPr marL="1714500" indent="0">
               <a:buNone/>
-              <a:defRPr sz="1600" b="1"/>
+              <a:defRPr sz="1200" b="1"/>
             </a:lvl6pPr>
-            <a:lvl7pPr marL="2743200" indent="0">
+            <a:lvl7pPr marL="2057400" indent="0">
               <a:buNone/>
-              <a:defRPr sz="1600" b="1"/>
+              <a:defRPr sz="1200" b="1"/>
             </a:lvl7pPr>
-            <a:lvl8pPr marL="3200400" indent="0">
+            <a:lvl8pPr marL="2400300" indent="0">
               <a:buNone/>
-              <a:defRPr sz="1600" b="1"/>
+              <a:defRPr sz="1200" b="1"/>
             </a:lvl8pPr>
-            <a:lvl9pPr marL="3657600" indent="0">
+            <a:lvl9pPr marL="2743200" indent="0">
               <a:buNone/>
-              <a:defRPr sz="1600" b="1"/>
+              <a:defRPr sz="1200" b="1"/>
             </a:lvl9pPr>
           </a:lstStyle>
           <a:p>
@@ -4588,7 +4786,13 @@
       </p:sp>
       <p:sp>
         <p:nvSpPr>
-          <p:cNvPr id="4" name="Content Placeholder 3"/>
+          <p:cNvPr id="4" name="Content Placeholder 3">
+            <a:extLst>
+              <a:ext uri="{FF2B5EF4-FFF2-40B4-BE49-F238E27FC236}">
+                <a16:creationId xmlns:a16="http://schemas.microsoft.com/office/drawing/2014/main" id="{6CF5B2D6-AF08-F801-6375-81B382ABA5D4}"/>
+              </a:ext>
+            </a:extLst>
+          </p:cNvPr>
           <p:cNvSpPr>
             <a:spLocks noGrp="1"/>
           </p:cNvSpPr>
@@ -4598,41 +4802,13 @@
         </p:nvSpPr>
         <p:spPr>
           <a:xfrm>
-            <a:off x="457200" y="2174875"/>
-            <a:ext cx="4040188" cy="3951288"/>
+            <a:off x="629842" y="2505075"/>
+            <a:ext cx="3868340" cy="3684588"/>
           </a:xfrm>
         </p:spPr>
         <p:txBody>
           <a:bodyPr/>
-          <a:lstStyle>
-            <a:lvl1pPr>
-              <a:defRPr sz="2400"/>
-            </a:lvl1pPr>
-            <a:lvl2pPr>
-              <a:defRPr sz="2000"/>
-            </a:lvl2pPr>
-            <a:lvl3pPr>
-              <a:defRPr sz="1800"/>
-            </a:lvl3pPr>
-            <a:lvl4pPr>
-              <a:defRPr sz="1600"/>
-            </a:lvl4pPr>
-            <a:lvl5pPr>
-              <a:defRPr sz="1600"/>
-            </a:lvl5pPr>
-            <a:lvl6pPr>
-              <a:defRPr sz="1600"/>
-            </a:lvl6pPr>
-            <a:lvl7pPr>
-              <a:defRPr sz="1600"/>
-            </a:lvl7pPr>
-            <a:lvl8pPr>
-              <a:defRPr sz="1600"/>
-            </a:lvl8pPr>
-            <a:lvl9pPr>
-              <a:defRPr sz="1600"/>
-            </a:lvl9pPr>
-          </a:lstStyle>
+          <a:lstStyle/>
           <a:p>
             <a:pPr lvl="0"/>
             <a:r>
@@ -4672,7 +4848,13 @@
       </p:sp>
       <p:sp>
         <p:nvSpPr>
-          <p:cNvPr id="5" name="Text Placeholder 4"/>
+          <p:cNvPr id="5" name="Text Placeholder 4">
+            <a:extLst>
+              <a:ext uri="{FF2B5EF4-FFF2-40B4-BE49-F238E27FC236}">
+                <a16:creationId xmlns:a16="http://schemas.microsoft.com/office/drawing/2014/main" id="{432E8DA1-8B5C-9FE0-607D-84759BD653B4}"/>
+              </a:ext>
+            </a:extLst>
+          </p:cNvPr>
           <p:cNvSpPr>
             <a:spLocks noGrp="1"/>
           </p:cNvSpPr>
@@ -4682,8 +4864,8 @@
         </p:nvSpPr>
         <p:spPr>
           <a:xfrm>
-            <a:off x="4645025" y="1535113"/>
-            <a:ext cx="4041775" cy="639762"/>
+            <a:off x="4629150" y="1681163"/>
+            <a:ext cx="3887391" cy="823912"/>
           </a:xfrm>
         </p:spPr>
         <p:txBody>
@@ -4691,39 +4873,39 @@
           <a:lstStyle>
             <a:lvl1pPr marL="0" indent="0">
               <a:buNone/>
-              <a:defRPr sz="2400" b="1"/>
+              <a:defRPr sz="1800" b="1"/>
             </a:lvl1pPr>
-            <a:lvl2pPr marL="457200" indent="0">
+            <a:lvl2pPr marL="342900" indent="0">
               <a:buNone/>
-              <a:defRPr sz="2000" b="1"/>
+              <a:defRPr sz="1500" b="1"/>
             </a:lvl2pPr>
-            <a:lvl3pPr marL="914400" indent="0">
+            <a:lvl3pPr marL="685800" indent="0">
               <a:buNone/>
-              <a:defRPr sz="1800" b="1"/>
+              <a:defRPr sz="1350" b="1"/>
             </a:lvl3pPr>
-            <a:lvl4pPr marL="1371600" indent="0">
+            <a:lvl4pPr marL="1028700" indent="0">
               <a:buNone/>
-              <a:defRPr sz="1600" b="1"/>
+              <a:defRPr sz="1200" b="1"/>
             </a:lvl4pPr>
-            <a:lvl5pPr marL="1828800" indent="0">
+            <a:lvl5pPr marL="1371600" indent="0">
               <a:buNone/>
-              <a:defRPr sz="1600" b="1"/>
+              <a:defRPr sz="1200" b="1"/>
             </a:lvl5pPr>
-            <a:lvl6pPr marL="2286000" indent="0">
+            <a:lvl6pPr marL="1714500" indent="0">
               <a:buNone/>
-              <a:defRPr sz="1600" b="1"/>
+              <a:defRPr sz="1200" b="1"/>
             </a:lvl6pPr>
-            <a:lvl7pPr marL="2743200" indent="0">
+            <a:lvl7pPr marL="2057400" indent="0">
               <a:buNone/>
-              <a:defRPr sz="1600" b="1"/>
+              <a:defRPr sz="1200" b="1"/>
             </a:lvl7pPr>
-            <a:lvl8pPr marL="3200400" indent="0">
+            <a:lvl8pPr marL="2400300" indent="0">
               <a:buNone/>
-              <a:defRPr sz="1600" b="1"/>
+              <a:defRPr sz="1200" b="1"/>
             </a:lvl8pPr>
-            <a:lvl9pPr marL="3657600" indent="0">
+            <a:lvl9pPr marL="2743200" indent="0">
               <a:buNone/>
-              <a:defRPr sz="1600" b="1"/>
+              <a:defRPr sz="1200" b="1"/>
             </a:lvl9pPr>
           </a:lstStyle>
           <a:p>
@@ -4737,7 +4919,13 @@
       </p:sp>
       <p:sp>
         <p:nvSpPr>
-          <p:cNvPr id="6" name="Content Placeholder 5"/>
+          <p:cNvPr id="6" name="Content Placeholder 5">
+            <a:extLst>
+              <a:ext uri="{FF2B5EF4-FFF2-40B4-BE49-F238E27FC236}">
+                <a16:creationId xmlns:a16="http://schemas.microsoft.com/office/drawing/2014/main" id="{4EADE865-72F2-1ACD-5A06-F597315C5520}"/>
+              </a:ext>
+            </a:extLst>
+          </p:cNvPr>
           <p:cNvSpPr>
             <a:spLocks noGrp="1"/>
           </p:cNvSpPr>
@@ -4747,41 +4935,13 @@
         </p:nvSpPr>
         <p:spPr>
           <a:xfrm>
-            <a:off x="4645025" y="2174875"/>
-            <a:ext cx="4041775" cy="3951288"/>
+            <a:off x="4629150" y="2505075"/>
+            <a:ext cx="3887391" cy="3684588"/>
           </a:xfrm>
         </p:spPr>
         <p:txBody>
           <a:bodyPr/>
-          <a:lstStyle>
-            <a:lvl1pPr>
-              <a:defRPr sz="2400"/>
-            </a:lvl1pPr>
-            <a:lvl2pPr>
-              <a:defRPr sz="2000"/>
-            </a:lvl2pPr>
-            <a:lvl3pPr>
-              <a:defRPr sz="1800"/>
-            </a:lvl3pPr>
-            <a:lvl4pPr>
-              <a:defRPr sz="1600"/>
-            </a:lvl4pPr>
-            <a:lvl5pPr>
-              <a:defRPr sz="1600"/>
-            </a:lvl5pPr>
-            <a:lvl6pPr>
-              <a:defRPr sz="1600"/>
-            </a:lvl6pPr>
-            <a:lvl7pPr>
-              <a:defRPr sz="1600"/>
-            </a:lvl7pPr>
-            <a:lvl8pPr>
-              <a:defRPr sz="1600"/>
-            </a:lvl8pPr>
-            <a:lvl9pPr>
-              <a:defRPr sz="1600"/>
-            </a:lvl9pPr>
-          </a:lstStyle>
+          <a:lstStyle/>
           <a:p>
             <a:pPr lvl="0"/>
             <a:r>
@@ -4821,24 +4981,24 @@
       </p:sp>
       <p:sp>
         <p:nvSpPr>
-          <p:cNvPr id="7" name="Rectangle 14"/>
-          <p:cNvSpPr>
-            <a:spLocks noGrp="1" noChangeArrowheads="1"/>
+          <p:cNvPr id="7" name="Date Placeholder 6">
+            <a:extLst>
+              <a:ext uri="{FF2B5EF4-FFF2-40B4-BE49-F238E27FC236}">
+                <a16:creationId xmlns:a16="http://schemas.microsoft.com/office/drawing/2014/main" id="{3AC7E45E-4947-6DE1-0949-1C5B75117474}"/>
+              </a:ext>
+            </a:extLst>
+          </p:cNvPr>
+          <p:cNvSpPr>
+            <a:spLocks noGrp="1"/>
           </p:cNvSpPr>
           <p:nvPr>
             <p:ph type="dt" sz="half" idx="10"/>
           </p:nvPr>
         </p:nvSpPr>
-        <p:spPr>
-          <a:ln/>
-        </p:spPr>
+        <p:spPr/>
         <p:txBody>
           <a:bodyPr/>
-          <a:lstStyle>
-            <a:lvl1pPr>
-              <a:defRPr/>
-            </a:lvl1pPr>
-          </a:lstStyle>
+          <a:lstStyle/>
           <a:p>
             <a:pPr>
               <a:defRPr/>
@@ -4849,24 +5009,24 @@
       </p:sp>
       <p:sp>
         <p:nvSpPr>
-          <p:cNvPr id="8" name="Rectangle 15"/>
-          <p:cNvSpPr>
-            <a:spLocks noGrp="1" noChangeArrowheads="1"/>
+          <p:cNvPr id="8" name="Footer Placeholder 7">
+            <a:extLst>
+              <a:ext uri="{FF2B5EF4-FFF2-40B4-BE49-F238E27FC236}">
+                <a16:creationId xmlns:a16="http://schemas.microsoft.com/office/drawing/2014/main" id="{A9DA41D0-0F7C-5353-27C3-2B9D1C77C1BC}"/>
+              </a:ext>
+            </a:extLst>
+          </p:cNvPr>
+          <p:cNvSpPr>
+            <a:spLocks noGrp="1"/>
           </p:cNvSpPr>
           <p:nvPr>
             <p:ph type="ftr" sz="quarter" idx="11"/>
           </p:nvPr>
         </p:nvSpPr>
-        <p:spPr>
-          <a:ln/>
-        </p:spPr>
+        <p:spPr/>
         <p:txBody>
           <a:bodyPr/>
-          <a:lstStyle>
-            <a:lvl1pPr>
-              <a:defRPr/>
-            </a:lvl1pPr>
-          </a:lstStyle>
+          <a:lstStyle/>
           <a:p>
             <a:pPr>
               <a:defRPr/>
@@ -4877,30 +5037,30 @@
       </p:sp>
       <p:sp>
         <p:nvSpPr>
-          <p:cNvPr id="9" name="Rectangle 16"/>
-          <p:cNvSpPr>
-            <a:spLocks noGrp="1" noChangeArrowheads="1"/>
+          <p:cNvPr id="9" name="Slide Number Placeholder 8">
+            <a:extLst>
+              <a:ext uri="{FF2B5EF4-FFF2-40B4-BE49-F238E27FC236}">
+                <a16:creationId xmlns:a16="http://schemas.microsoft.com/office/drawing/2014/main" id="{F09786FF-54C6-0DED-916D-757D7F71FF17}"/>
+              </a:ext>
+            </a:extLst>
+          </p:cNvPr>
+          <p:cNvSpPr>
+            <a:spLocks noGrp="1"/>
           </p:cNvSpPr>
           <p:nvPr>
             <p:ph type="sldNum" sz="quarter" idx="12"/>
           </p:nvPr>
         </p:nvSpPr>
-        <p:spPr>
-          <a:ln/>
-        </p:spPr>
+        <p:spPr/>
         <p:txBody>
           <a:bodyPr/>
-          <a:lstStyle>
-            <a:lvl1pPr>
-              <a:defRPr/>
-            </a:lvl1pPr>
-          </a:lstStyle>
+          <a:lstStyle/>
           <a:p>
             <a:pPr>
               <a:defRPr/>
             </a:pPr>
             <a:fld id="{E8DEFB5A-64A6-F140-A391-B0801BFA2F38}" type="slidenum">
-              <a:rPr lang="en-US"/>
+              <a:rPr lang="en-US" smtClean="0"/>
               <a:pPr>
                 <a:defRPr/>
               </a:pPr>
@@ -4911,6 +5071,11 @@
         </p:txBody>
       </p:sp>
     </p:spTree>
+    <p:extLst>
+      <p:ext uri="{BB962C8B-B14F-4D97-AF65-F5344CB8AC3E}">
+        <p14:creationId xmlns:p14="http://schemas.microsoft.com/office/powerpoint/2010/main" val="1449656702"/>
+      </p:ext>
+    </p:extLst>
   </p:cSld>
   <p:clrMapOvr>
     <a:masterClrMapping/>
@@ -4937,7 +5102,13 @@
       </p:grpSpPr>
       <p:sp>
         <p:nvSpPr>
-          <p:cNvPr id="2" name="Title 1"/>
+          <p:cNvPr id="2" name="Title 1">
+            <a:extLst>
+              <a:ext uri="{FF2B5EF4-FFF2-40B4-BE49-F238E27FC236}">
+                <a16:creationId xmlns:a16="http://schemas.microsoft.com/office/drawing/2014/main" id="{8ECD1604-E0A0-19D3-8EAA-5DB88057D244}"/>
+              </a:ext>
+            </a:extLst>
+          </p:cNvPr>
           <p:cNvSpPr>
             <a:spLocks noGrp="1"/>
           </p:cNvSpPr>
@@ -4959,24 +5130,24 @@
       </p:sp>
       <p:sp>
         <p:nvSpPr>
-          <p:cNvPr id="3" name="Rectangle 14"/>
-          <p:cNvSpPr>
-            <a:spLocks noGrp="1" noChangeArrowheads="1"/>
+          <p:cNvPr id="3" name="Date Placeholder 2">
+            <a:extLst>
+              <a:ext uri="{FF2B5EF4-FFF2-40B4-BE49-F238E27FC236}">
+                <a16:creationId xmlns:a16="http://schemas.microsoft.com/office/drawing/2014/main" id="{E58FCEEB-3FB3-4C8E-2D25-091E977C16BE}"/>
+              </a:ext>
+            </a:extLst>
+          </p:cNvPr>
+          <p:cNvSpPr>
+            <a:spLocks noGrp="1"/>
           </p:cNvSpPr>
           <p:nvPr>
             <p:ph type="dt" sz="half" idx="10"/>
           </p:nvPr>
         </p:nvSpPr>
-        <p:spPr>
-          <a:ln/>
-        </p:spPr>
+        <p:spPr/>
         <p:txBody>
           <a:bodyPr/>
-          <a:lstStyle>
-            <a:lvl1pPr>
-              <a:defRPr/>
-            </a:lvl1pPr>
-          </a:lstStyle>
+          <a:lstStyle/>
           <a:p>
             <a:pPr>
               <a:defRPr/>
@@ -4987,24 +5158,24 @@
       </p:sp>
       <p:sp>
         <p:nvSpPr>
-          <p:cNvPr id="4" name="Rectangle 15"/>
-          <p:cNvSpPr>
-            <a:spLocks noGrp="1" noChangeArrowheads="1"/>
+          <p:cNvPr id="4" name="Footer Placeholder 3">
+            <a:extLst>
+              <a:ext uri="{FF2B5EF4-FFF2-40B4-BE49-F238E27FC236}">
+                <a16:creationId xmlns:a16="http://schemas.microsoft.com/office/drawing/2014/main" id="{22B84250-6102-6D11-45BA-F645E96EA559}"/>
+              </a:ext>
+            </a:extLst>
+          </p:cNvPr>
+          <p:cNvSpPr>
+            <a:spLocks noGrp="1"/>
           </p:cNvSpPr>
           <p:nvPr>
             <p:ph type="ftr" sz="quarter" idx="11"/>
           </p:nvPr>
         </p:nvSpPr>
-        <p:spPr>
-          <a:ln/>
-        </p:spPr>
+        <p:spPr/>
         <p:txBody>
           <a:bodyPr/>
-          <a:lstStyle>
-            <a:lvl1pPr>
-              <a:defRPr/>
-            </a:lvl1pPr>
-          </a:lstStyle>
+          <a:lstStyle/>
           <a:p>
             <a:pPr>
               <a:defRPr/>
@@ -5015,30 +5186,30 @@
       </p:sp>
       <p:sp>
         <p:nvSpPr>
-          <p:cNvPr id="5" name="Rectangle 16"/>
-          <p:cNvSpPr>
-            <a:spLocks noGrp="1" noChangeArrowheads="1"/>
+          <p:cNvPr id="5" name="Slide Number Placeholder 4">
+            <a:extLst>
+              <a:ext uri="{FF2B5EF4-FFF2-40B4-BE49-F238E27FC236}">
+                <a16:creationId xmlns:a16="http://schemas.microsoft.com/office/drawing/2014/main" id="{513FECE8-F282-F13B-7C90-9486F73822EB}"/>
+              </a:ext>
+            </a:extLst>
+          </p:cNvPr>
+          <p:cNvSpPr>
+            <a:spLocks noGrp="1"/>
           </p:cNvSpPr>
           <p:nvPr>
             <p:ph type="sldNum" sz="quarter" idx="12"/>
           </p:nvPr>
         </p:nvSpPr>
-        <p:spPr>
-          <a:ln/>
-        </p:spPr>
+        <p:spPr/>
         <p:txBody>
           <a:bodyPr/>
-          <a:lstStyle>
-            <a:lvl1pPr>
-              <a:defRPr/>
-            </a:lvl1pPr>
-          </a:lstStyle>
+          <a:lstStyle/>
           <a:p>
             <a:pPr>
               <a:defRPr/>
             </a:pPr>
             <a:fld id="{4EC0F981-277B-684F-AAEB-A34E77847A0A}" type="slidenum">
-              <a:rPr lang="en-US"/>
+              <a:rPr lang="en-US" smtClean="0"/>
               <a:pPr>
                 <a:defRPr/>
               </a:pPr>
@@ -5049,6 +5220,11 @@
         </p:txBody>
       </p:sp>
     </p:spTree>
+    <p:extLst>
+      <p:ext uri="{BB962C8B-B14F-4D97-AF65-F5344CB8AC3E}">
+        <p14:creationId xmlns:p14="http://schemas.microsoft.com/office/powerpoint/2010/main" val="190789201"/>
+      </p:ext>
+    </p:extLst>
   </p:cSld>
   <p:clrMapOvr>
     <a:masterClrMapping/>
@@ -5075,24 +5251,24 @@
       </p:grpSpPr>
       <p:sp>
         <p:nvSpPr>
-          <p:cNvPr id="2" name="Rectangle 14"/>
-          <p:cNvSpPr>
-            <a:spLocks noGrp="1" noChangeArrowheads="1"/>
+          <p:cNvPr id="2" name="Date Placeholder 1">
+            <a:extLst>
+              <a:ext uri="{FF2B5EF4-FFF2-40B4-BE49-F238E27FC236}">
+                <a16:creationId xmlns:a16="http://schemas.microsoft.com/office/drawing/2014/main" id="{C85696B1-C077-2FEE-C659-4FB52DBF9DAF}"/>
+              </a:ext>
+            </a:extLst>
+          </p:cNvPr>
+          <p:cNvSpPr>
+            <a:spLocks noGrp="1"/>
           </p:cNvSpPr>
           <p:nvPr>
             <p:ph type="dt" sz="half" idx="10"/>
           </p:nvPr>
         </p:nvSpPr>
-        <p:spPr>
-          <a:ln/>
-        </p:spPr>
+        <p:spPr/>
         <p:txBody>
           <a:bodyPr/>
-          <a:lstStyle>
-            <a:lvl1pPr>
-              <a:defRPr/>
-            </a:lvl1pPr>
-          </a:lstStyle>
+          <a:lstStyle/>
           <a:p>
             <a:pPr>
               <a:defRPr/>
@@ -5103,24 +5279,24 @@
       </p:sp>
       <p:sp>
         <p:nvSpPr>
-          <p:cNvPr id="3" name="Rectangle 15"/>
-          <p:cNvSpPr>
-            <a:spLocks noGrp="1" noChangeArrowheads="1"/>
+          <p:cNvPr id="3" name="Footer Placeholder 2">
+            <a:extLst>
+              <a:ext uri="{FF2B5EF4-FFF2-40B4-BE49-F238E27FC236}">
+                <a16:creationId xmlns:a16="http://schemas.microsoft.com/office/drawing/2014/main" id="{9A9AA3F6-404F-0616-EF10-239B1D4C1E01}"/>
+              </a:ext>
+            </a:extLst>
+          </p:cNvPr>
+          <p:cNvSpPr>
+            <a:spLocks noGrp="1"/>
           </p:cNvSpPr>
           <p:nvPr>
             <p:ph type="ftr" sz="quarter" idx="11"/>
           </p:nvPr>
         </p:nvSpPr>
-        <p:spPr>
-          <a:ln/>
-        </p:spPr>
+        <p:spPr/>
         <p:txBody>
           <a:bodyPr/>
-          <a:lstStyle>
-            <a:lvl1pPr>
-              <a:defRPr/>
-            </a:lvl1pPr>
-          </a:lstStyle>
+          <a:lstStyle/>
           <a:p>
             <a:pPr>
               <a:defRPr/>
@@ -5131,30 +5307,30 @@
       </p:sp>
       <p:sp>
         <p:nvSpPr>
-          <p:cNvPr id="4" name="Rectangle 16"/>
-          <p:cNvSpPr>
-            <a:spLocks noGrp="1" noChangeArrowheads="1"/>
+          <p:cNvPr id="4" name="Slide Number Placeholder 3">
+            <a:extLst>
+              <a:ext uri="{FF2B5EF4-FFF2-40B4-BE49-F238E27FC236}">
+                <a16:creationId xmlns:a16="http://schemas.microsoft.com/office/drawing/2014/main" id="{9FCDDA22-88F4-542D-A27A-5DB6FA573458}"/>
+              </a:ext>
+            </a:extLst>
+          </p:cNvPr>
+          <p:cNvSpPr>
+            <a:spLocks noGrp="1"/>
           </p:cNvSpPr>
           <p:nvPr>
             <p:ph type="sldNum" sz="quarter" idx="12"/>
           </p:nvPr>
         </p:nvSpPr>
-        <p:spPr>
-          <a:ln/>
-        </p:spPr>
+        <p:spPr/>
         <p:txBody>
           <a:bodyPr/>
-          <a:lstStyle>
-            <a:lvl1pPr>
-              <a:defRPr/>
-            </a:lvl1pPr>
-          </a:lstStyle>
+          <a:lstStyle/>
           <a:p>
             <a:pPr>
               <a:defRPr/>
             </a:pPr>
             <a:fld id="{33276C80-C17C-B849-A7BB-D707942CF59E}" type="slidenum">
-              <a:rPr lang="en-US"/>
+              <a:rPr lang="en-US" smtClean="0"/>
               <a:pPr>
                 <a:defRPr/>
               </a:pPr>
@@ -5165,6 +5341,11 @@
         </p:txBody>
       </p:sp>
     </p:spTree>
+    <p:extLst>
+      <p:ext uri="{BB962C8B-B14F-4D97-AF65-F5344CB8AC3E}">
+        <p14:creationId xmlns:p14="http://schemas.microsoft.com/office/powerpoint/2010/main" val="901052006"/>
+      </p:ext>
+    </p:extLst>
   </p:cSld>
   <p:clrMapOvr>
     <a:masterClrMapping/>
@@ -5191,7 +5372,13 @@
       </p:grpSpPr>
       <p:sp>
         <p:nvSpPr>
-          <p:cNvPr id="2" name="Title 1"/>
+          <p:cNvPr id="2" name="Title 1">
+            <a:extLst>
+              <a:ext uri="{FF2B5EF4-FFF2-40B4-BE49-F238E27FC236}">
+                <a16:creationId xmlns:a16="http://schemas.microsoft.com/office/drawing/2014/main" id="{105913F7-0A7C-1570-38BB-A5E6C47EC980}"/>
+              </a:ext>
+            </a:extLst>
+          </p:cNvPr>
           <p:cNvSpPr>
             <a:spLocks noGrp="1"/>
           </p:cNvSpPr>
@@ -5201,15 +5388,15 @@
         </p:nvSpPr>
         <p:spPr>
           <a:xfrm>
-            <a:off x="457200" y="273050"/>
-            <a:ext cx="3008313" cy="1162050"/>
+            <a:off x="629841" y="457200"/>
+            <a:ext cx="2949178" cy="1600200"/>
           </a:xfrm>
         </p:spPr>
         <p:txBody>
           <a:bodyPr anchor="b"/>
           <a:lstStyle>
-            <a:lvl1pPr algn="l">
-              <a:defRPr sz="2000" b="1"/>
+            <a:lvl1pPr>
+              <a:defRPr sz="2400"/>
             </a:lvl1pPr>
           </a:lstStyle>
           <a:p>
@@ -5222,7 +5409,13 @@
       </p:sp>
       <p:sp>
         <p:nvSpPr>
-          <p:cNvPr id="3" name="Content Placeholder 2"/>
+          <p:cNvPr id="3" name="Content Placeholder 2">
+            <a:extLst>
+              <a:ext uri="{FF2B5EF4-FFF2-40B4-BE49-F238E27FC236}">
+                <a16:creationId xmlns:a16="http://schemas.microsoft.com/office/drawing/2014/main" id="{6406A79F-71A9-346D-E763-A5953A7FD242}"/>
+              </a:ext>
+            </a:extLst>
+          </p:cNvPr>
           <p:cNvSpPr>
             <a:spLocks noGrp="1"/>
           </p:cNvSpPr>
@@ -5232,39 +5425,39 @@
         </p:nvSpPr>
         <p:spPr>
           <a:xfrm>
-            <a:off x="3575050" y="273050"/>
-            <a:ext cx="5111750" cy="5853113"/>
+            <a:off x="3887391" y="987426"/>
+            <a:ext cx="4629150" cy="4873625"/>
           </a:xfrm>
         </p:spPr>
         <p:txBody>
           <a:bodyPr/>
           <a:lstStyle>
             <a:lvl1pPr>
-              <a:defRPr sz="3200"/>
+              <a:defRPr sz="2400"/>
             </a:lvl1pPr>
             <a:lvl2pPr>
-              <a:defRPr sz="2800"/>
+              <a:defRPr sz="2100"/>
             </a:lvl2pPr>
             <a:lvl3pPr>
-              <a:defRPr sz="2400"/>
+              <a:defRPr sz="1800"/>
             </a:lvl3pPr>
             <a:lvl4pPr>
-              <a:defRPr sz="2000"/>
+              <a:defRPr sz="1500"/>
             </a:lvl4pPr>
             <a:lvl5pPr>
-              <a:defRPr sz="2000"/>
+              <a:defRPr sz="1500"/>
             </a:lvl5pPr>
             <a:lvl6pPr>
-              <a:defRPr sz="2000"/>
+              <a:defRPr sz="1500"/>
             </a:lvl6pPr>
             <a:lvl7pPr>
-              <a:defRPr sz="2000"/>
+              <a:defRPr sz="1500"/>
             </a:lvl7pPr>
             <a:lvl8pPr>
-              <a:defRPr sz="2000"/>
+              <a:defRPr sz="1500"/>
             </a:lvl8pPr>
             <a:lvl9pPr>
-              <a:defRPr sz="2000"/>
+              <a:defRPr sz="1500"/>
             </a:lvl9pPr>
           </a:lstStyle>
           <a:p>
@@ -5306,7 +5499,13 @@
       </p:sp>
       <p:sp>
         <p:nvSpPr>
-          <p:cNvPr id="4" name="Text Placeholder 3"/>
+          <p:cNvPr id="4" name="Text Placeholder 3">
+            <a:extLst>
+              <a:ext uri="{FF2B5EF4-FFF2-40B4-BE49-F238E27FC236}">
+                <a16:creationId xmlns:a16="http://schemas.microsoft.com/office/drawing/2014/main" id="{DA0AB551-4AF6-FBEA-5089-620D736533BC}"/>
+              </a:ext>
+            </a:extLst>
+          </p:cNvPr>
           <p:cNvSpPr>
             <a:spLocks noGrp="1"/>
           </p:cNvSpPr>
@@ -5316,8 +5515,8 @@
         </p:nvSpPr>
         <p:spPr>
           <a:xfrm>
-            <a:off x="457200" y="1435100"/>
-            <a:ext cx="3008313" cy="4691063"/>
+            <a:off x="629841" y="2057400"/>
+            <a:ext cx="2949178" cy="3811588"/>
           </a:xfrm>
         </p:spPr>
         <p:txBody>
@@ -5325,39 +5524,39 @@
           <a:lstStyle>
             <a:lvl1pPr marL="0" indent="0">
               <a:buNone/>
-              <a:defRPr sz="1400"/>
+              <a:defRPr sz="1200"/>
             </a:lvl1pPr>
-            <a:lvl2pPr marL="457200" indent="0">
+            <a:lvl2pPr marL="342900" indent="0">
               <a:buNone/>
-              <a:defRPr sz="1200"/>
+              <a:defRPr sz="1050"/>
             </a:lvl2pPr>
-            <a:lvl3pPr marL="914400" indent="0">
-              <a:buNone/>
-              <a:defRPr sz="1000"/>
-            </a:lvl3pPr>
-            <a:lvl4pPr marL="1371600" indent="0">
+            <a:lvl3pPr marL="685800" indent="0">
               <a:buNone/>
               <a:defRPr sz="900"/>
+            </a:lvl3pPr>
+            <a:lvl4pPr marL="1028700" indent="0">
+              <a:buNone/>
+              <a:defRPr sz="750"/>
             </a:lvl4pPr>
-            <a:lvl5pPr marL="1828800" indent="0">
+            <a:lvl5pPr marL="1371600" indent="0">
               <a:buNone/>
-              <a:defRPr sz="900"/>
+              <a:defRPr sz="750"/>
             </a:lvl5pPr>
-            <a:lvl6pPr marL="2286000" indent="0">
+            <a:lvl6pPr marL="1714500" indent="0">
               <a:buNone/>
-              <a:defRPr sz="900"/>
+              <a:defRPr sz="750"/>
             </a:lvl6pPr>
-            <a:lvl7pPr marL="2743200" indent="0">
+            <a:lvl7pPr marL="2057400" indent="0">
               <a:buNone/>
-              <a:defRPr sz="900"/>
+              <a:defRPr sz="750"/>
             </a:lvl7pPr>
-            <a:lvl8pPr marL="3200400" indent="0">
+            <a:lvl8pPr marL="2400300" indent="0">
               <a:buNone/>
-              <a:defRPr sz="900"/>
+              <a:defRPr sz="750"/>
             </a:lvl8pPr>
-            <a:lvl9pPr marL="3657600" indent="0">
+            <a:lvl9pPr marL="2743200" indent="0">
               <a:buNone/>
-              <a:defRPr sz="900"/>
+              <a:defRPr sz="750"/>
             </a:lvl9pPr>
           </a:lstStyle>
           <a:p>
@@ -5371,24 +5570,24 @@
       </p:sp>
       <p:sp>
         <p:nvSpPr>
-          <p:cNvPr id="5" name="Rectangle 14"/>
-          <p:cNvSpPr>
-            <a:spLocks noGrp="1" noChangeArrowheads="1"/>
+          <p:cNvPr id="5" name="Date Placeholder 4">
+            <a:extLst>
+              <a:ext uri="{FF2B5EF4-FFF2-40B4-BE49-F238E27FC236}">
+                <a16:creationId xmlns:a16="http://schemas.microsoft.com/office/drawing/2014/main" id="{335FB639-BBF7-B51C-B35B-A9D701557330}"/>
+              </a:ext>
+            </a:extLst>
+          </p:cNvPr>
+          <p:cNvSpPr>
+            <a:spLocks noGrp="1"/>
           </p:cNvSpPr>
           <p:nvPr>
             <p:ph type="dt" sz="half" idx="10"/>
           </p:nvPr>
         </p:nvSpPr>
-        <p:spPr>
-          <a:ln/>
-        </p:spPr>
+        <p:spPr/>
         <p:txBody>
           <a:bodyPr/>
-          <a:lstStyle>
-            <a:lvl1pPr>
-              <a:defRPr/>
-            </a:lvl1pPr>
-          </a:lstStyle>
+          <a:lstStyle/>
           <a:p>
             <a:pPr>
               <a:defRPr/>
@@ -5399,24 +5598,24 @@
       </p:sp>
       <p:sp>
         <p:nvSpPr>
-          <p:cNvPr id="6" name="Rectangle 15"/>
-          <p:cNvSpPr>
-            <a:spLocks noGrp="1" noChangeArrowheads="1"/>
+          <p:cNvPr id="6" name="Footer Placeholder 5">
+            <a:extLst>
+              <a:ext uri="{FF2B5EF4-FFF2-40B4-BE49-F238E27FC236}">
+                <a16:creationId xmlns:a16="http://schemas.microsoft.com/office/drawing/2014/main" id="{A9BF002B-E2C2-AAEA-1EED-835B2A673D19}"/>
+              </a:ext>
+            </a:extLst>
+          </p:cNvPr>
+          <p:cNvSpPr>
+            <a:spLocks noGrp="1"/>
           </p:cNvSpPr>
           <p:nvPr>
             <p:ph type="ftr" sz="quarter" idx="11"/>
           </p:nvPr>
         </p:nvSpPr>
-        <p:spPr>
-          <a:ln/>
-        </p:spPr>
+        <p:spPr/>
         <p:txBody>
           <a:bodyPr/>
-          <a:lstStyle>
-            <a:lvl1pPr>
-              <a:defRPr/>
-            </a:lvl1pPr>
-          </a:lstStyle>
+          <a:lstStyle/>
           <a:p>
             <a:pPr>
               <a:defRPr/>
@@ -5427,30 +5626,30 @@
       </p:sp>
       <p:sp>
         <p:nvSpPr>
-          <p:cNvPr id="7" name="Rectangle 16"/>
-          <p:cNvSpPr>
-            <a:spLocks noGrp="1" noChangeArrowheads="1"/>
+          <p:cNvPr id="7" name="Slide Number Placeholder 6">
+            <a:extLst>
+              <a:ext uri="{FF2B5EF4-FFF2-40B4-BE49-F238E27FC236}">
+                <a16:creationId xmlns:a16="http://schemas.microsoft.com/office/drawing/2014/main" id="{A7F97BBC-2DAB-2C9D-4913-4A107A7157D2}"/>
+              </a:ext>
+            </a:extLst>
+          </p:cNvPr>
+          <p:cNvSpPr>
+            <a:spLocks noGrp="1"/>
           </p:cNvSpPr>
           <p:nvPr>
             <p:ph type="sldNum" sz="quarter" idx="12"/>
           </p:nvPr>
         </p:nvSpPr>
-        <p:spPr>
-          <a:ln/>
-        </p:spPr>
+        <p:spPr/>
         <p:txBody>
           <a:bodyPr/>
-          <a:lstStyle>
-            <a:lvl1pPr>
-              <a:defRPr/>
-            </a:lvl1pPr>
-          </a:lstStyle>
+          <a:lstStyle/>
           <a:p>
             <a:pPr>
               <a:defRPr/>
             </a:pPr>
             <a:fld id="{4E9B9732-B1FD-164D-AD68-D75168F368FF}" type="slidenum">
-              <a:rPr lang="en-US"/>
+              <a:rPr lang="en-US" smtClean="0"/>
               <a:pPr>
                 <a:defRPr/>
               </a:pPr>
@@ -5461,6 +5660,11 @@
         </p:txBody>
       </p:sp>
     </p:spTree>
+    <p:extLst>
+      <p:ext uri="{BB962C8B-B14F-4D97-AF65-F5344CB8AC3E}">
+        <p14:creationId xmlns:p14="http://schemas.microsoft.com/office/powerpoint/2010/main" val="3299884650"/>
+      </p:ext>
+    </p:extLst>
   </p:cSld>
   <p:clrMapOvr>
     <a:masterClrMapping/>
@@ -5487,7 +5691,13 @@
       </p:grpSpPr>
       <p:sp>
         <p:nvSpPr>
-          <p:cNvPr id="2" name="Title 1"/>
+          <p:cNvPr id="2" name="Title 1">
+            <a:extLst>
+              <a:ext uri="{FF2B5EF4-FFF2-40B4-BE49-F238E27FC236}">
+                <a16:creationId xmlns:a16="http://schemas.microsoft.com/office/drawing/2014/main" id="{CB489B57-5A38-2AE6-7C82-B64EC55073EF}"/>
+              </a:ext>
+            </a:extLst>
+          </p:cNvPr>
           <p:cNvSpPr>
             <a:spLocks noGrp="1"/>
           </p:cNvSpPr>
@@ -5497,15 +5707,15 @@
         </p:nvSpPr>
         <p:spPr>
           <a:xfrm>
-            <a:off x="1792288" y="4800600"/>
-            <a:ext cx="5486400" cy="566738"/>
+            <a:off x="629841" y="457200"/>
+            <a:ext cx="2949178" cy="1600200"/>
           </a:xfrm>
         </p:spPr>
         <p:txBody>
           <a:bodyPr anchor="b"/>
           <a:lstStyle>
-            <a:lvl1pPr algn="l">
-              <a:defRPr sz="2000" b="1"/>
+            <a:lvl1pPr>
+              <a:defRPr sz="2400"/>
             </a:lvl1pPr>
           </a:lstStyle>
           <a:p>
@@ -5518,7 +5728,13 @@
       </p:sp>
       <p:sp>
         <p:nvSpPr>
-          <p:cNvPr id="3" name="Picture Placeholder 2"/>
+          <p:cNvPr id="3" name="Picture Placeholder 2">
+            <a:extLst>
+              <a:ext uri="{FF2B5EF4-FFF2-40B4-BE49-F238E27FC236}">
+                <a16:creationId xmlns:a16="http://schemas.microsoft.com/office/drawing/2014/main" id="{97D28C4D-D9B4-C84A-F237-47BD0E7A9D96}"/>
+              </a:ext>
+            </a:extLst>
+          </p:cNvPr>
           <p:cNvSpPr>
             <a:spLocks noGrp="1"/>
           </p:cNvSpPr>
@@ -5528,8 +5744,8 @@
         </p:nvSpPr>
         <p:spPr>
           <a:xfrm>
-            <a:off x="1792288" y="612775"/>
-            <a:ext cx="5486400" cy="4114800"/>
+            <a:off x="3887391" y="987426"/>
+            <a:ext cx="4629150" cy="4873625"/>
           </a:xfrm>
         </p:spPr>
         <p:txBody>
@@ -5537,50 +5753,55 @@
           <a:lstStyle>
             <a:lvl1pPr marL="0" indent="0">
               <a:buNone/>
-              <a:defRPr sz="3200"/>
+              <a:defRPr sz="2400"/>
             </a:lvl1pPr>
-            <a:lvl2pPr marL="457200" indent="0">
+            <a:lvl2pPr marL="342900" indent="0">
               <a:buNone/>
-              <a:defRPr sz="2800"/>
+              <a:defRPr sz="2100"/>
             </a:lvl2pPr>
-            <a:lvl3pPr marL="914400" indent="0">
+            <a:lvl3pPr marL="685800" indent="0">
               <a:buNone/>
-              <a:defRPr sz="2400"/>
+              <a:defRPr sz="1800"/>
             </a:lvl3pPr>
-            <a:lvl4pPr marL="1371600" indent="0">
+            <a:lvl4pPr marL="1028700" indent="0">
               <a:buNone/>
-              <a:defRPr sz="2000"/>
+              <a:defRPr sz="1500"/>
             </a:lvl4pPr>
-            <a:lvl5pPr marL="1828800" indent="0">
+            <a:lvl5pPr marL="1371600" indent="0">
               <a:buNone/>
-              <a:defRPr sz="2000"/>
+              <a:defRPr sz="1500"/>
             </a:lvl5pPr>
-            <a:lvl6pPr marL="2286000" indent="0">
+            <a:lvl6pPr marL="1714500" indent="0">
               <a:buNone/>
-              <a:defRPr sz="2000"/>
+              <a:defRPr sz="1500"/>
             </a:lvl6pPr>
-            <a:lvl7pPr marL="2743200" indent="0">
+            <a:lvl7pPr marL="2057400" indent="0">
               <a:buNone/>
-              <a:defRPr sz="2000"/>
+              <a:defRPr sz="1500"/>
             </a:lvl7pPr>
-            <a:lvl8pPr marL="3200400" indent="0">
+            <a:lvl8pPr marL="2400300" indent="0">
               <a:buNone/>
-              <a:defRPr sz="2000"/>
+              <a:defRPr sz="1500"/>
             </a:lvl8pPr>
-            <a:lvl9pPr marL="3657600" indent="0">
+            <a:lvl9pPr marL="2743200" indent="0">
               <a:buNone/>
-              <a:defRPr sz="2000"/>
+              <a:defRPr sz="1500"/>
             </a:lvl9pPr>
           </a:lstStyle>
           <a:p>
-            <a:pPr lvl="0"/>
-            <a:endParaRPr lang="en-US" noProof="0"/>
-          </a:p>
-        </p:txBody>
-      </p:sp>
-      <p:sp>
-        <p:nvSpPr>
-          <p:cNvPr id="4" name="Text Placeholder 3"/>
+            <a:endParaRPr lang="en-US"/>
+          </a:p>
+        </p:txBody>
+      </p:sp>
+      <p:sp>
+        <p:nvSpPr>
+          <p:cNvPr id="4" name="Text Placeholder 3">
+            <a:extLst>
+              <a:ext uri="{FF2B5EF4-FFF2-40B4-BE49-F238E27FC236}">
+                <a16:creationId xmlns:a16="http://schemas.microsoft.com/office/drawing/2014/main" id="{0B850DD7-32F3-C95E-F4D7-4203C44EF679}"/>
+              </a:ext>
+            </a:extLst>
+          </p:cNvPr>
           <p:cNvSpPr>
             <a:spLocks noGrp="1"/>
           </p:cNvSpPr>
@@ -5590,8 +5811,8 @@
         </p:nvSpPr>
         <p:spPr>
           <a:xfrm>
-            <a:off x="1792288" y="5367338"/>
-            <a:ext cx="5486400" cy="804862"/>
+            <a:off x="629841" y="2057400"/>
+            <a:ext cx="2949178" cy="3811588"/>
           </a:xfrm>
         </p:spPr>
         <p:txBody>
@@ -5599,39 +5820,39 @@
           <a:lstStyle>
             <a:lvl1pPr marL="0" indent="0">
               <a:buNone/>
-              <a:defRPr sz="1400"/>
+              <a:defRPr sz="1200"/>
             </a:lvl1pPr>
-            <a:lvl2pPr marL="457200" indent="0">
+            <a:lvl2pPr marL="342900" indent="0">
               <a:buNone/>
-              <a:defRPr sz="1200"/>
+              <a:defRPr sz="1050"/>
             </a:lvl2pPr>
-            <a:lvl3pPr marL="914400" indent="0">
-              <a:buNone/>
-              <a:defRPr sz="1000"/>
-            </a:lvl3pPr>
-            <a:lvl4pPr marL="1371600" indent="0">
+            <a:lvl3pPr marL="685800" indent="0">
               <a:buNone/>
               <a:defRPr sz="900"/>
+            </a:lvl3pPr>
+            <a:lvl4pPr marL="1028700" indent="0">
+              <a:buNone/>
+              <a:defRPr sz="750"/>
             </a:lvl4pPr>
-            <a:lvl5pPr marL="1828800" indent="0">
+            <a:lvl5pPr marL="1371600" indent="0">
               <a:buNone/>
-              <a:defRPr sz="900"/>
+              <a:defRPr sz="750"/>
             </a:lvl5pPr>
-            <a:lvl6pPr marL="2286000" indent="0">
+            <a:lvl6pPr marL="1714500" indent="0">
               <a:buNone/>
-              <a:defRPr sz="900"/>
+              <a:defRPr sz="750"/>
             </a:lvl6pPr>
-            <a:lvl7pPr marL="2743200" indent="0">
+            <a:lvl7pPr marL="2057400" indent="0">
               <a:buNone/>
-              <a:defRPr sz="900"/>
+              <a:defRPr sz="750"/>
             </a:lvl7pPr>
-            <a:lvl8pPr marL="3200400" indent="0">
+            <a:lvl8pPr marL="2400300" indent="0">
               <a:buNone/>
-              <a:defRPr sz="900"/>
+              <a:defRPr sz="750"/>
             </a:lvl8pPr>
-            <a:lvl9pPr marL="3657600" indent="0">
+            <a:lvl9pPr marL="2743200" indent="0">
               <a:buNone/>
-              <a:defRPr sz="900"/>
+              <a:defRPr sz="750"/>
             </a:lvl9pPr>
           </a:lstStyle>
           <a:p>
@@ -5645,24 +5866,24 @@
       </p:sp>
       <p:sp>
         <p:nvSpPr>
-          <p:cNvPr id="5" name="Rectangle 14"/>
-          <p:cNvSpPr>
-            <a:spLocks noGrp="1" noChangeArrowheads="1"/>
+          <p:cNvPr id="5" name="Date Placeholder 4">
+            <a:extLst>
+              <a:ext uri="{FF2B5EF4-FFF2-40B4-BE49-F238E27FC236}">
+                <a16:creationId xmlns:a16="http://schemas.microsoft.com/office/drawing/2014/main" id="{E62AAAC1-C3E1-365B-FE05-3FE59F8DE326}"/>
+              </a:ext>
+            </a:extLst>
+          </p:cNvPr>
+          <p:cNvSpPr>
+            <a:spLocks noGrp="1"/>
           </p:cNvSpPr>
           <p:nvPr>
             <p:ph type="dt" sz="half" idx="10"/>
           </p:nvPr>
         </p:nvSpPr>
-        <p:spPr>
-          <a:ln/>
-        </p:spPr>
+        <p:spPr/>
         <p:txBody>
           <a:bodyPr/>
-          <a:lstStyle>
-            <a:lvl1pPr>
-              <a:defRPr/>
-            </a:lvl1pPr>
-          </a:lstStyle>
+          <a:lstStyle/>
           <a:p>
             <a:pPr>
               <a:defRPr/>
@@ -5673,24 +5894,24 @@
       </p:sp>
       <p:sp>
         <p:nvSpPr>
-          <p:cNvPr id="6" name="Rectangle 15"/>
-          <p:cNvSpPr>
-            <a:spLocks noGrp="1" noChangeArrowheads="1"/>
+          <p:cNvPr id="6" name="Footer Placeholder 5">
+            <a:extLst>
+              <a:ext uri="{FF2B5EF4-FFF2-40B4-BE49-F238E27FC236}">
+                <a16:creationId xmlns:a16="http://schemas.microsoft.com/office/drawing/2014/main" id="{20544899-4521-6CB1-2A29-F64E03F505CF}"/>
+              </a:ext>
+            </a:extLst>
+          </p:cNvPr>
+          <p:cNvSpPr>
+            <a:spLocks noGrp="1"/>
           </p:cNvSpPr>
           <p:nvPr>
             <p:ph type="ftr" sz="quarter" idx="11"/>
           </p:nvPr>
         </p:nvSpPr>
-        <p:spPr>
-          <a:ln/>
-        </p:spPr>
+        <p:spPr/>
         <p:txBody>
           <a:bodyPr/>
-          <a:lstStyle>
-            <a:lvl1pPr>
-              <a:defRPr/>
-            </a:lvl1pPr>
-          </a:lstStyle>
+          <a:lstStyle/>
           <a:p>
             <a:pPr>
               <a:defRPr/>
@@ -5701,30 +5922,30 @@
       </p:sp>
       <p:sp>
         <p:nvSpPr>
-          <p:cNvPr id="7" name="Rectangle 16"/>
-          <p:cNvSpPr>
-            <a:spLocks noGrp="1" noChangeArrowheads="1"/>
+          <p:cNvPr id="7" name="Slide Number Placeholder 6">
+            <a:extLst>
+              <a:ext uri="{FF2B5EF4-FFF2-40B4-BE49-F238E27FC236}">
+                <a16:creationId xmlns:a16="http://schemas.microsoft.com/office/drawing/2014/main" id="{D41F3135-A9BA-BE6A-1906-FB66737361DF}"/>
+              </a:ext>
+            </a:extLst>
+          </p:cNvPr>
+          <p:cNvSpPr>
+            <a:spLocks noGrp="1"/>
           </p:cNvSpPr>
           <p:nvPr>
             <p:ph type="sldNum" sz="quarter" idx="12"/>
           </p:nvPr>
         </p:nvSpPr>
-        <p:spPr>
-          <a:ln/>
-        </p:spPr>
+        <p:spPr/>
         <p:txBody>
           <a:bodyPr/>
-          <a:lstStyle>
-            <a:lvl1pPr>
-              <a:defRPr/>
-            </a:lvl1pPr>
-          </a:lstStyle>
+          <a:lstStyle/>
           <a:p>
             <a:pPr>
               <a:defRPr/>
             </a:pPr>
             <a:fld id="{B1F60BCE-8921-4E48-960B-3B67C08157ED}" type="slidenum">
-              <a:rPr lang="en-US"/>
+              <a:rPr lang="en-US" smtClean="0"/>
               <a:pPr>
                 <a:defRPr/>
               </a:pPr>
@@ -5735,6 +5956,11 @@
         </p:txBody>
       </p:sp>
     </p:spTree>
+    <p:extLst>
+      <p:ext uri="{BB962C8B-B14F-4D97-AF65-F5344CB8AC3E}">
+        <p14:creationId xmlns:p14="http://schemas.microsoft.com/office/powerpoint/2010/main" val="1270250393"/>
+      </p:ext>
+    </p:extLst>
   </p:cSld>
   <p:clrMapOvr>
     <a:masterClrMapping/>
@@ -5745,21 +5971,10 @@
 <file path=ppt/slideMasters/slideMaster1.xml><?xml version="1.0" encoding="utf-8"?>
 <p:sldMaster xmlns:a="http://schemas.openxmlformats.org/drawingml/2006/main" xmlns:r="http://schemas.openxmlformats.org/officeDocument/2006/relationships" xmlns:p="http://schemas.openxmlformats.org/presentationml/2006/main">
   <p:cSld>
-    <p:bg bwMode="invGray">
-      <p:bgPr>
-        <a:gradFill rotWithShape="0">
-          <a:gsLst>
-            <a:gs pos="0">
-              <a:schemeClr val="bg2"/>
-            </a:gs>
-            <a:gs pos="100000">
-              <a:schemeClr val="bg1"/>
-            </a:gs>
-          </a:gsLst>
-          <a:lin ang="0" scaled="1"/>
-        </a:gradFill>
-        <a:effectLst/>
-      </p:bgPr>
+    <p:bg>
+      <p:bgRef idx="1001">
+        <a:schemeClr val="bg1"/>
+      </p:bgRef>
     </p:bg>
     <p:spTree>
       <p:nvGrpSpPr>
@@ -5777,39 +5992,35 @@
       </p:grpSpPr>
       <p:sp>
         <p:nvSpPr>
-          <p:cNvPr id="1026" name="Rectangle 12"/>
-          <p:cNvSpPr>
-            <a:spLocks noGrp="1" noChangeArrowheads="1"/>
+          <p:cNvPr id="2" name="Title Placeholder 1">
+            <a:extLst>
+              <a:ext uri="{FF2B5EF4-FFF2-40B4-BE49-F238E27FC236}">
+                <a16:creationId xmlns:a16="http://schemas.microsoft.com/office/drawing/2014/main" id="{A10CFB54-FFD8-F0F3-E619-BE6981EBCF91}"/>
+              </a:ext>
+            </a:extLst>
+          </p:cNvPr>
+          <p:cNvSpPr>
+            <a:spLocks noGrp="1"/>
           </p:cNvSpPr>
           <p:nvPr>
             <p:ph type="title"/>
           </p:nvPr>
         </p:nvSpPr>
-        <p:spPr bwMode="auto">
+        <p:spPr>
           <a:xfrm>
-            <a:off x="0" y="0"/>
-            <a:ext cx="7772400" cy="1143000"/>
+            <a:off x="628650" y="365126"/>
+            <a:ext cx="7886700" cy="1325563"/>
           </a:xfrm>
           <a:prstGeom prst="rect">
             <a:avLst/>
           </a:prstGeom>
-          <a:noFill/>
-          <a:ln w="9525">
-            <a:noFill/>
-            <a:miter lim="800000"/>
-            <a:headEnd/>
-            <a:tailEnd/>
-          </a:ln>
-        </p:spPr>
-        <p:txBody>
-          <a:bodyPr vert="horz" wrap="square" lIns="91440" tIns="45720" rIns="91440" bIns="45720" numCol="1" anchor="ctr" anchorCtr="0" compatLnSpc="1">
-            <a:prstTxWarp prst="textNoShape">
-              <a:avLst/>
-            </a:prstTxWarp>
+        </p:spPr>
+        <p:txBody>
+          <a:bodyPr vert="horz" lIns="91440" tIns="45720" rIns="91440" bIns="45720" rtlCol="0" anchor="ctr">
+            <a:normAutofit/>
           </a:bodyPr>
           <a:lstStyle/>
           <a:p>
-            <a:pPr lvl="0"/>
             <a:r>
               <a:rPr lang="en-US"/>
               <a:t>Click to edit Master title style</a:t>
@@ -5819,35 +6030,32 @@
       </p:sp>
       <p:sp>
         <p:nvSpPr>
-          <p:cNvPr id="1027" name="Rectangle 13"/>
-          <p:cNvSpPr>
-            <a:spLocks noGrp="1" noChangeArrowheads="1"/>
+          <p:cNvPr id="3" name="Text Placeholder 2">
+            <a:extLst>
+              <a:ext uri="{FF2B5EF4-FFF2-40B4-BE49-F238E27FC236}">
+                <a16:creationId xmlns:a16="http://schemas.microsoft.com/office/drawing/2014/main" id="{729FECB8-0EAA-44F6-E715-3E2FAF1BD614}"/>
+              </a:ext>
+            </a:extLst>
+          </p:cNvPr>
+          <p:cNvSpPr>
+            <a:spLocks noGrp="1"/>
           </p:cNvSpPr>
           <p:nvPr>
             <p:ph type="body" idx="1"/>
           </p:nvPr>
         </p:nvSpPr>
-        <p:spPr bwMode="auto">
+        <p:spPr>
           <a:xfrm>
-            <a:off x="685800" y="1981200"/>
-            <a:ext cx="7772400" cy="4114800"/>
+            <a:off x="628650" y="1825625"/>
+            <a:ext cx="7886700" cy="4351338"/>
           </a:xfrm>
           <a:prstGeom prst="rect">
             <a:avLst/>
           </a:prstGeom>
-          <a:noFill/>
-          <a:ln w="9525">
-            <a:noFill/>
-            <a:miter lim="800000"/>
-            <a:headEnd/>
-            <a:tailEnd/>
-          </a:ln>
-        </p:spPr>
-        <p:txBody>
-          <a:bodyPr vert="horz" wrap="square" lIns="91440" tIns="45720" rIns="91440" bIns="45720" numCol="1" anchor="t" anchorCtr="0" compatLnSpc="1">
-            <a:prstTxWarp prst="textNoShape">
-              <a:avLst/>
-            </a:prstTxWarp>
+        </p:spPr>
+        <p:txBody>
+          <a:bodyPr vert="horz" lIns="91440" tIns="45720" rIns="91440" bIns="45720" rtlCol="0">
+            <a:normAutofit/>
           </a:bodyPr>
           <a:lstStyle/>
           <a:p>
@@ -5889,41 +6097,39 @@
       </p:sp>
       <p:sp>
         <p:nvSpPr>
-          <p:cNvPr id="3086" name="Rectangle 14"/>
-          <p:cNvSpPr>
-            <a:spLocks noGrp="1" noChangeArrowheads="1"/>
+          <p:cNvPr id="4" name="Date Placeholder 3">
+            <a:extLst>
+              <a:ext uri="{FF2B5EF4-FFF2-40B4-BE49-F238E27FC236}">
+                <a16:creationId xmlns:a16="http://schemas.microsoft.com/office/drawing/2014/main" id="{4FF7589D-0B66-F662-98E1-9E5F892A90A3}"/>
+              </a:ext>
+            </a:extLst>
+          </p:cNvPr>
+          <p:cNvSpPr>
+            <a:spLocks noGrp="1"/>
           </p:cNvSpPr>
           <p:nvPr>
             <p:ph type="dt" sz="half" idx="2"/>
           </p:nvPr>
         </p:nvSpPr>
-        <p:spPr bwMode="auto">
+        <p:spPr>
           <a:xfrm>
-            <a:off x="685800" y="6248400"/>
-            <a:ext cx="1905000" cy="457200"/>
+            <a:off x="628650" y="6356351"/>
+            <a:ext cx="2057400" cy="365125"/>
           </a:xfrm>
           <a:prstGeom prst="rect">
             <a:avLst/>
           </a:prstGeom>
-          <a:noFill/>
-          <a:ln w="9525">
-            <a:noFill/>
-            <a:miter lim="800000"/>
-            <a:headEnd/>
-            <a:tailEnd/>
-          </a:ln>
-          <a:effectLst/>
-        </p:spPr>
-        <p:txBody>
-          <a:bodyPr vert="horz" wrap="square" lIns="91440" tIns="45720" rIns="91440" bIns="45720" numCol="1" anchor="b" anchorCtr="0" compatLnSpc="1">
-            <a:prstTxWarp prst="textNoShape">
-              <a:avLst/>
-            </a:prstTxWarp>
-          </a:bodyPr>
+        </p:spPr>
+        <p:txBody>
+          <a:bodyPr vert="horz" lIns="91440" tIns="45720" rIns="91440" bIns="45720" rtlCol="0" anchor="ctr"/>
           <a:lstStyle>
-            <a:lvl1pPr eaLnBrk="1" hangingPunct="1">
-              <a:defRPr sz="1400">
-                <a:latin typeface="+mn-lt"/>
+            <a:lvl1pPr algn="l">
+              <a:defRPr sz="900">
+                <a:solidFill>
+                  <a:schemeClr val="tx1">
+                    <a:tint val="82000"/>
+                  </a:schemeClr>
+                </a:solidFill>
               </a:defRPr>
             </a:lvl1pPr>
           </a:lstStyle>
@@ -5937,41 +6143,39 @@
       </p:sp>
       <p:sp>
         <p:nvSpPr>
-          <p:cNvPr id="3087" name="Rectangle 15"/>
-          <p:cNvSpPr>
-            <a:spLocks noGrp="1" noChangeArrowheads="1"/>
+          <p:cNvPr id="5" name="Footer Placeholder 4">
+            <a:extLst>
+              <a:ext uri="{FF2B5EF4-FFF2-40B4-BE49-F238E27FC236}">
+                <a16:creationId xmlns:a16="http://schemas.microsoft.com/office/drawing/2014/main" id="{66A56C69-07D6-07EB-A927-F3E6D61C1065}"/>
+              </a:ext>
+            </a:extLst>
+          </p:cNvPr>
+          <p:cNvSpPr>
+            <a:spLocks noGrp="1"/>
           </p:cNvSpPr>
           <p:nvPr>
             <p:ph type="ftr" sz="quarter" idx="3"/>
           </p:nvPr>
         </p:nvSpPr>
-        <p:spPr bwMode="auto">
+        <p:spPr>
           <a:xfrm>
-            <a:off x="3124200" y="6248400"/>
-            <a:ext cx="2895600" cy="457200"/>
+            <a:off x="3028950" y="6356351"/>
+            <a:ext cx="3086100" cy="365125"/>
           </a:xfrm>
           <a:prstGeom prst="rect">
             <a:avLst/>
           </a:prstGeom>
-          <a:noFill/>
-          <a:ln w="9525">
-            <a:noFill/>
-            <a:miter lim="800000"/>
-            <a:headEnd/>
-            <a:tailEnd/>
-          </a:ln>
-          <a:effectLst/>
-        </p:spPr>
-        <p:txBody>
-          <a:bodyPr vert="horz" wrap="square" lIns="91440" tIns="45720" rIns="91440" bIns="45720" numCol="1" anchor="b" anchorCtr="0" compatLnSpc="1">
-            <a:prstTxWarp prst="textNoShape">
-              <a:avLst/>
-            </a:prstTxWarp>
-          </a:bodyPr>
+        </p:spPr>
+        <p:txBody>
+          <a:bodyPr vert="horz" lIns="91440" tIns="45720" rIns="91440" bIns="45720" rtlCol="0" anchor="ctr"/>
           <a:lstStyle>
-            <a:lvl1pPr algn="ctr" eaLnBrk="1" hangingPunct="1">
-              <a:defRPr sz="1400">
-                <a:latin typeface="+mn-lt"/>
+            <a:lvl1pPr algn="ctr">
+              <a:defRPr sz="900">
+                <a:solidFill>
+                  <a:schemeClr val="tx1">
+                    <a:tint val="82000"/>
+                  </a:schemeClr>
+                </a:solidFill>
               </a:defRPr>
             </a:lvl1pPr>
           </a:lstStyle>
@@ -5985,41 +6189,39 @@
       </p:sp>
       <p:sp>
         <p:nvSpPr>
-          <p:cNvPr id="3088" name="Rectangle 16"/>
-          <p:cNvSpPr>
-            <a:spLocks noGrp="1" noChangeArrowheads="1"/>
+          <p:cNvPr id="6" name="Slide Number Placeholder 5">
+            <a:extLst>
+              <a:ext uri="{FF2B5EF4-FFF2-40B4-BE49-F238E27FC236}">
+                <a16:creationId xmlns:a16="http://schemas.microsoft.com/office/drawing/2014/main" id="{D1071C0F-F063-2301-C58C-9B31F898A315}"/>
+              </a:ext>
+            </a:extLst>
+          </p:cNvPr>
+          <p:cNvSpPr>
+            <a:spLocks noGrp="1"/>
           </p:cNvSpPr>
           <p:nvPr>
             <p:ph type="sldNum" sz="quarter" idx="4"/>
           </p:nvPr>
         </p:nvSpPr>
-        <p:spPr bwMode="auto">
+        <p:spPr>
           <a:xfrm>
-            <a:off x="6553200" y="6248400"/>
-            <a:ext cx="1905000" cy="457200"/>
+            <a:off x="6457950" y="6356351"/>
+            <a:ext cx="2057400" cy="365125"/>
           </a:xfrm>
           <a:prstGeom prst="rect">
             <a:avLst/>
           </a:prstGeom>
-          <a:noFill/>
-          <a:ln w="9525">
-            <a:noFill/>
-            <a:miter lim="800000"/>
-            <a:headEnd/>
-            <a:tailEnd/>
-          </a:ln>
-          <a:effectLst/>
-        </p:spPr>
-        <p:txBody>
-          <a:bodyPr vert="horz" wrap="square" lIns="91440" tIns="45720" rIns="91440" bIns="45720" numCol="1" anchor="b" anchorCtr="0" compatLnSpc="1">
-            <a:prstTxWarp prst="textNoShape">
-              <a:avLst/>
-            </a:prstTxWarp>
-          </a:bodyPr>
+        </p:spPr>
+        <p:txBody>
+          <a:bodyPr vert="horz" lIns="91440" tIns="45720" rIns="91440" bIns="45720" rtlCol="0" anchor="ctr"/>
           <a:lstStyle>
-            <a:lvl1pPr algn="r" eaLnBrk="1" hangingPunct="1">
-              <a:defRPr sz="1400">
-                <a:latin typeface="+mn-lt"/>
+            <a:lvl1pPr algn="r">
+              <a:defRPr sz="900">
+                <a:solidFill>
+                  <a:schemeClr val="tx1">
+                    <a:tint val="82000"/>
+                  </a:schemeClr>
+                </a:solidFill>
               </a:defRPr>
             </a:lvl1pPr>
           </a:lstStyle>
@@ -6028,7 +6230,7 @@
               <a:defRPr/>
             </a:pPr>
             <a:fld id="{2CFD5FCD-E7F1-EF43-8B4F-0EEE40AC401C}" type="slidenum">
-              <a:rPr lang="en-US"/>
+              <a:rPr lang="en-US" smtClean="0"/>
               <a:pPr>
                 <a:defRPr/>
               </a:pPr>
@@ -6039,313 +6241,57 @@
         </p:txBody>
       </p:sp>
     </p:spTree>
+    <p:extLst>
+      <p:ext uri="{BB962C8B-B14F-4D97-AF65-F5344CB8AC3E}">
+        <p14:creationId xmlns:p14="http://schemas.microsoft.com/office/powerpoint/2010/main" val="2363885243"/>
+      </p:ext>
+    </p:extLst>
   </p:cSld>
-  <p:clrMap bg1="dk2" tx1="lt1" bg2="dk1" tx2="lt2" accent1="accent1" accent2="accent2" accent3="accent3" accent4="accent4" accent5="accent5" accent6="accent6" hlink="hlink" folHlink="folHlink"/>
+  <p:clrMap bg1="lt1" tx1="dk1" bg2="lt2" tx2="dk2" accent1="accent1" accent2="accent2" accent3="accent3" accent4="accent4" accent5="accent5" accent6="accent6" hlink="hlink" folHlink="folHlink"/>
   <p:sldLayoutIdLst>
-    <p:sldLayoutId id="2147483672" r:id="rId1"/>
-    <p:sldLayoutId id="2147483662" r:id="rId2"/>
-    <p:sldLayoutId id="2147483663" r:id="rId3"/>
-    <p:sldLayoutId id="2147483664" r:id="rId4"/>
-    <p:sldLayoutId id="2147483665" r:id="rId5"/>
-    <p:sldLayoutId id="2147483666" r:id="rId6"/>
-    <p:sldLayoutId id="2147483667" r:id="rId7"/>
-    <p:sldLayoutId id="2147483668" r:id="rId8"/>
-    <p:sldLayoutId id="2147483669" r:id="rId9"/>
-    <p:sldLayoutId id="2147483670" r:id="rId10"/>
-    <p:sldLayoutId id="2147483671" r:id="rId11"/>
+    <p:sldLayoutId id="2147483674" r:id="rId1"/>
+    <p:sldLayoutId id="2147483675" r:id="rId2"/>
+    <p:sldLayoutId id="2147483676" r:id="rId3"/>
+    <p:sldLayoutId id="2147483677" r:id="rId4"/>
+    <p:sldLayoutId id="2147483678" r:id="rId5"/>
+    <p:sldLayoutId id="2147483679" r:id="rId6"/>
+    <p:sldLayoutId id="2147483680" r:id="rId7"/>
+    <p:sldLayoutId id="2147483681" r:id="rId8"/>
+    <p:sldLayoutId id="2147483682" r:id="rId9"/>
+    <p:sldLayoutId id="2147483683" r:id="rId10"/>
+    <p:sldLayoutId id="2147483684" r:id="rId11"/>
   </p:sldLayoutIdLst>
   <p:txStyles>
     <p:titleStyle>
-      <a:lvl1pPr algn="ctr" rtl="0" eaLnBrk="0" fontAlgn="base" hangingPunct="0">
+      <a:lvl1pPr algn="l" defTabSz="685800" rtl="0" eaLnBrk="1" latinLnBrk="0" hangingPunct="1">
+        <a:lnSpc>
+          <a:spcPct val="90000"/>
+        </a:lnSpc>
         <a:spcBef>
           <a:spcPct val="0"/>
         </a:spcBef>
-        <a:spcAft>
-          <a:spcPct val="0"/>
-        </a:spcAft>
-        <a:defRPr sz="4400">
-          <a:solidFill>
-            <a:schemeClr val="tx2"/>
-          </a:solidFill>
-          <a:latin typeface="+mj-lt"/>
-          <a:ea typeface="ＭＳ Ｐゴシック" charset="-128"/>
-          <a:cs typeface="ＭＳ Ｐゴシック" charset="-128"/>
-        </a:defRPr>
-      </a:lvl1pPr>
-      <a:lvl2pPr algn="ctr" rtl="0" eaLnBrk="0" fontAlgn="base" hangingPunct="0">
-        <a:spcBef>
-          <a:spcPct val="0"/>
-        </a:spcBef>
-        <a:spcAft>
-          <a:spcPct val="0"/>
-        </a:spcAft>
-        <a:defRPr sz="4400">
-          <a:solidFill>
-            <a:schemeClr val="tx2"/>
-          </a:solidFill>
-          <a:latin typeface="Times New Roman" charset="0"/>
-          <a:ea typeface="ＭＳ Ｐゴシック" charset="-128"/>
-          <a:cs typeface="ＭＳ Ｐゴシック" charset="-128"/>
-        </a:defRPr>
-      </a:lvl2pPr>
-      <a:lvl3pPr algn="ctr" rtl="0" eaLnBrk="0" fontAlgn="base" hangingPunct="0">
-        <a:spcBef>
-          <a:spcPct val="0"/>
-        </a:spcBef>
-        <a:spcAft>
-          <a:spcPct val="0"/>
-        </a:spcAft>
-        <a:defRPr sz="4400">
-          <a:solidFill>
-            <a:schemeClr val="tx2"/>
-          </a:solidFill>
-          <a:latin typeface="Times New Roman" charset="0"/>
-          <a:ea typeface="ＭＳ Ｐゴシック" charset="-128"/>
-          <a:cs typeface="ＭＳ Ｐゴシック" charset="-128"/>
-        </a:defRPr>
-      </a:lvl3pPr>
-      <a:lvl4pPr algn="ctr" rtl="0" eaLnBrk="0" fontAlgn="base" hangingPunct="0">
-        <a:spcBef>
-          <a:spcPct val="0"/>
-        </a:spcBef>
-        <a:spcAft>
-          <a:spcPct val="0"/>
-        </a:spcAft>
-        <a:defRPr sz="4400">
-          <a:solidFill>
-            <a:schemeClr val="tx2"/>
-          </a:solidFill>
-          <a:latin typeface="Times New Roman" charset="0"/>
-          <a:ea typeface="ＭＳ Ｐゴシック" charset="-128"/>
-          <a:cs typeface="ＭＳ Ｐゴシック" charset="-128"/>
-        </a:defRPr>
-      </a:lvl4pPr>
-      <a:lvl5pPr algn="ctr" rtl="0" eaLnBrk="0" fontAlgn="base" hangingPunct="0">
-        <a:spcBef>
-          <a:spcPct val="0"/>
-        </a:spcBef>
-        <a:spcAft>
-          <a:spcPct val="0"/>
-        </a:spcAft>
-        <a:defRPr sz="4400">
-          <a:solidFill>
-            <a:schemeClr val="tx2"/>
-          </a:solidFill>
-          <a:latin typeface="Times New Roman" charset="0"/>
-          <a:ea typeface="ＭＳ Ｐゴシック" charset="-128"/>
-          <a:cs typeface="ＭＳ Ｐゴシック" charset="-128"/>
-        </a:defRPr>
-      </a:lvl5pPr>
-      <a:lvl6pPr marL="457200" algn="ctr" rtl="0" fontAlgn="base">
-        <a:spcBef>
-          <a:spcPct val="0"/>
-        </a:spcBef>
-        <a:spcAft>
-          <a:spcPct val="0"/>
-        </a:spcAft>
-        <a:defRPr sz="4400">
-          <a:solidFill>
-            <a:schemeClr val="tx2"/>
-          </a:solidFill>
-          <a:latin typeface="Times New Roman" charset="0"/>
-        </a:defRPr>
-      </a:lvl6pPr>
-      <a:lvl7pPr marL="914400" algn="ctr" rtl="0" fontAlgn="base">
-        <a:spcBef>
-          <a:spcPct val="0"/>
-        </a:spcBef>
-        <a:spcAft>
-          <a:spcPct val="0"/>
-        </a:spcAft>
-        <a:defRPr sz="4400">
-          <a:solidFill>
-            <a:schemeClr val="tx2"/>
-          </a:solidFill>
-          <a:latin typeface="Times New Roman" charset="0"/>
-        </a:defRPr>
-      </a:lvl7pPr>
-      <a:lvl8pPr marL="1371600" algn="ctr" rtl="0" fontAlgn="base">
-        <a:spcBef>
-          <a:spcPct val="0"/>
-        </a:spcBef>
-        <a:spcAft>
-          <a:spcPct val="0"/>
-        </a:spcAft>
-        <a:defRPr sz="4400">
-          <a:solidFill>
-            <a:schemeClr val="tx2"/>
-          </a:solidFill>
-          <a:latin typeface="Times New Roman" charset="0"/>
-        </a:defRPr>
-      </a:lvl8pPr>
-      <a:lvl9pPr marL="1828800" algn="ctr" rtl="0" fontAlgn="base">
-        <a:spcBef>
-          <a:spcPct val="0"/>
-        </a:spcBef>
-        <a:spcAft>
-          <a:spcPct val="0"/>
-        </a:spcAft>
-        <a:defRPr sz="4400">
-          <a:solidFill>
-            <a:schemeClr val="tx2"/>
-          </a:solidFill>
-          <a:latin typeface="Times New Roman" charset="0"/>
-        </a:defRPr>
-      </a:lvl9pPr>
-    </p:titleStyle>
-    <p:bodyStyle>
-      <a:lvl1pPr marL="342900" indent="-342900" algn="l" rtl="0" eaLnBrk="0" fontAlgn="base" hangingPunct="0">
-        <a:spcBef>
-          <a:spcPct val="20000"/>
-        </a:spcBef>
-        <a:spcAft>
-          <a:spcPct val="0"/>
-        </a:spcAft>
-        <a:buChar char="•"/>
-        <a:defRPr sz="3200">
+        <a:buNone/>
+        <a:defRPr sz="3300" kern="1200">
           <a:solidFill>
             <a:schemeClr val="tx1"/>
           </a:solidFill>
-          <a:latin typeface="+mn-lt"/>
-          <a:ea typeface="ＭＳ Ｐゴシック" charset="-128"/>
-          <a:cs typeface="ＭＳ Ｐゴシック" charset="-128"/>
+          <a:latin typeface="+mj-lt"/>
+          <a:ea typeface="+mj-ea"/>
+          <a:cs typeface="+mj-cs"/>
         </a:defRPr>
       </a:lvl1pPr>
-      <a:lvl2pPr marL="742950" indent="-285750" algn="l" rtl="0" eaLnBrk="0" fontAlgn="base" hangingPunct="0">
+    </p:titleStyle>
+    <p:bodyStyle>
+      <a:lvl1pPr marL="171450" indent="-171450" algn="l" defTabSz="685800" rtl="0" eaLnBrk="1" latinLnBrk="0" hangingPunct="1">
+        <a:lnSpc>
+          <a:spcPct val="90000"/>
+        </a:lnSpc>
         <a:spcBef>
-          <a:spcPct val="20000"/>
+          <a:spcPts val="750"/>
         </a:spcBef>
-        <a:spcAft>
-          <a:spcPct val="0"/>
-        </a:spcAft>
-        <a:buChar char="–"/>
-        <a:defRPr sz="2800">
-          <a:solidFill>
-            <a:schemeClr val="tx1"/>
-          </a:solidFill>
-          <a:latin typeface="+mn-lt"/>
-          <a:ea typeface="ＭＳ Ｐゴシック" charset="-128"/>
-        </a:defRPr>
-      </a:lvl2pPr>
-      <a:lvl3pPr marL="1143000" indent="-228600" algn="l" rtl="0" eaLnBrk="0" fontAlgn="base" hangingPunct="0">
-        <a:spcBef>
-          <a:spcPct val="20000"/>
-        </a:spcBef>
-        <a:spcAft>
-          <a:spcPct val="0"/>
-        </a:spcAft>
+        <a:buFont typeface="Arial" panose="020B0604020202020204" pitchFamily="34" charset="0"/>
         <a:buChar char="•"/>
-        <a:defRPr sz="2400">
-          <a:solidFill>
-            <a:schemeClr val="tx1"/>
-          </a:solidFill>
-          <a:latin typeface="+mn-lt"/>
-          <a:ea typeface="ＭＳ Ｐゴシック" charset="-128"/>
-        </a:defRPr>
-      </a:lvl3pPr>
-      <a:lvl4pPr marL="1600200" indent="-228600" algn="l" rtl="0" eaLnBrk="0" fontAlgn="base" hangingPunct="0">
-        <a:spcBef>
-          <a:spcPct val="20000"/>
-        </a:spcBef>
-        <a:spcAft>
-          <a:spcPct val="0"/>
-        </a:spcAft>
-        <a:buChar char="–"/>
-        <a:defRPr sz="2000">
-          <a:solidFill>
-            <a:schemeClr val="tx1"/>
-          </a:solidFill>
-          <a:latin typeface="+mn-lt"/>
-          <a:ea typeface="ＭＳ Ｐゴシック" charset="-128"/>
-        </a:defRPr>
-      </a:lvl4pPr>
-      <a:lvl5pPr marL="2057400" indent="-228600" algn="l" rtl="0" eaLnBrk="0" fontAlgn="base" hangingPunct="0">
-        <a:spcBef>
-          <a:spcPct val="20000"/>
-        </a:spcBef>
-        <a:spcAft>
-          <a:spcPct val="0"/>
-        </a:spcAft>
-        <a:buChar char="»"/>
-        <a:defRPr sz="2000">
-          <a:solidFill>
-            <a:schemeClr val="tx1"/>
-          </a:solidFill>
-          <a:latin typeface="+mn-lt"/>
-          <a:ea typeface="ＭＳ Ｐゴシック" charset="-128"/>
-        </a:defRPr>
-      </a:lvl5pPr>
-      <a:lvl6pPr marL="2514600" indent="-228600" algn="l" rtl="0" fontAlgn="base">
-        <a:spcBef>
-          <a:spcPct val="20000"/>
-        </a:spcBef>
-        <a:spcAft>
-          <a:spcPct val="0"/>
-        </a:spcAft>
-        <a:buChar char="»"/>
-        <a:defRPr sz="2000">
-          <a:solidFill>
-            <a:schemeClr val="tx1"/>
-          </a:solidFill>
-          <a:latin typeface="+mn-lt"/>
-          <a:ea typeface="ＭＳ Ｐゴシック" charset="-128"/>
-        </a:defRPr>
-      </a:lvl6pPr>
-      <a:lvl7pPr marL="2971800" indent="-228600" algn="l" rtl="0" fontAlgn="base">
-        <a:spcBef>
-          <a:spcPct val="20000"/>
-        </a:spcBef>
-        <a:spcAft>
-          <a:spcPct val="0"/>
-        </a:spcAft>
-        <a:buChar char="»"/>
-        <a:defRPr sz="2000">
-          <a:solidFill>
-            <a:schemeClr val="tx1"/>
-          </a:solidFill>
-          <a:latin typeface="+mn-lt"/>
-          <a:ea typeface="ＭＳ Ｐゴシック" charset="-128"/>
-        </a:defRPr>
-      </a:lvl7pPr>
-      <a:lvl8pPr marL="3429000" indent="-228600" algn="l" rtl="0" fontAlgn="base">
-        <a:spcBef>
-          <a:spcPct val="20000"/>
-        </a:spcBef>
-        <a:spcAft>
-          <a:spcPct val="0"/>
-        </a:spcAft>
-        <a:buChar char="»"/>
-        <a:defRPr sz="2000">
-          <a:solidFill>
-            <a:schemeClr val="tx1"/>
-          </a:solidFill>
-          <a:latin typeface="+mn-lt"/>
-          <a:ea typeface="ＭＳ Ｐゴシック" charset="-128"/>
-        </a:defRPr>
-      </a:lvl8pPr>
-      <a:lvl9pPr marL="3886200" indent="-228600" algn="l" rtl="0" fontAlgn="base">
-        <a:spcBef>
-          <a:spcPct val="20000"/>
-        </a:spcBef>
-        <a:spcAft>
-          <a:spcPct val="0"/>
-        </a:spcAft>
-        <a:buChar char="»"/>
-        <a:defRPr sz="2000">
-          <a:solidFill>
-            <a:schemeClr val="tx1"/>
-          </a:solidFill>
-          <a:latin typeface="+mn-lt"/>
-          <a:ea typeface="ＭＳ Ｐゴシック" charset="-128"/>
-        </a:defRPr>
-      </a:lvl9pPr>
-    </p:bodyStyle>
-    <p:otherStyle>
-      <a:defPPr>
-        <a:defRPr lang="en-US"/>
-      </a:defPPr>
-      <a:lvl1pPr marL="0" algn="l" defTabSz="457200" rtl="0" eaLnBrk="1" latinLnBrk="0" hangingPunct="1">
-        <a:defRPr sz="1800" kern="1200">
+        <a:defRPr sz="2100" kern="1200">
           <a:solidFill>
             <a:schemeClr val="tx1"/>
           </a:solidFill>
@@ -6354,7 +6300,15 @@
           <a:cs typeface="+mn-cs"/>
         </a:defRPr>
       </a:lvl1pPr>
-      <a:lvl2pPr marL="457200" algn="l" defTabSz="457200" rtl="0" eaLnBrk="1" latinLnBrk="0" hangingPunct="1">
+      <a:lvl2pPr marL="514350" indent="-171450" algn="l" defTabSz="685800" rtl="0" eaLnBrk="1" latinLnBrk="0" hangingPunct="1">
+        <a:lnSpc>
+          <a:spcPct val="90000"/>
+        </a:lnSpc>
+        <a:spcBef>
+          <a:spcPts val="375"/>
+        </a:spcBef>
+        <a:buFont typeface="Arial" panose="020B0604020202020204" pitchFamily="34" charset="0"/>
+        <a:buChar char="•"/>
         <a:defRPr sz="1800" kern="1200">
           <a:solidFill>
             <a:schemeClr val="tx1"/>
@@ -6364,8 +6318,16 @@
           <a:cs typeface="+mn-cs"/>
         </a:defRPr>
       </a:lvl2pPr>
-      <a:lvl3pPr marL="914400" algn="l" defTabSz="457200" rtl="0" eaLnBrk="1" latinLnBrk="0" hangingPunct="1">
-        <a:defRPr sz="1800" kern="1200">
+      <a:lvl3pPr marL="857250" indent="-171450" algn="l" defTabSz="685800" rtl="0" eaLnBrk="1" latinLnBrk="0" hangingPunct="1">
+        <a:lnSpc>
+          <a:spcPct val="90000"/>
+        </a:lnSpc>
+        <a:spcBef>
+          <a:spcPts val="375"/>
+        </a:spcBef>
+        <a:buFont typeface="Arial" panose="020B0604020202020204" pitchFamily="34" charset="0"/>
+        <a:buChar char="•"/>
+        <a:defRPr sz="1500" kern="1200">
           <a:solidFill>
             <a:schemeClr val="tx1"/>
           </a:solidFill>
@@ -6374,8 +6336,16 @@
           <a:cs typeface="+mn-cs"/>
         </a:defRPr>
       </a:lvl3pPr>
-      <a:lvl4pPr marL="1371600" algn="l" defTabSz="457200" rtl="0" eaLnBrk="1" latinLnBrk="0" hangingPunct="1">
-        <a:defRPr sz="1800" kern="1200">
+      <a:lvl4pPr marL="1200150" indent="-171450" algn="l" defTabSz="685800" rtl="0" eaLnBrk="1" latinLnBrk="0" hangingPunct="1">
+        <a:lnSpc>
+          <a:spcPct val="90000"/>
+        </a:lnSpc>
+        <a:spcBef>
+          <a:spcPts val="375"/>
+        </a:spcBef>
+        <a:buFont typeface="Arial" panose="020B0604020202020204" pitchFamily="34" charset="0"/>
+        <a:buChar char="•"/>
+        <a:defRPr sz="1350" kern="1200">
           <a:solidFill>
             <a:schemeClr val="tx1"/>
           </a:solidFill>
@@ -6384,8 +6354,16 @@
           <a:cs typeface="+mn-cs"/>
         </a:defRPr>
       </a:lvl4pPr>
-      <a:lvl5pPr marL="1828800" algn="l" defTabSz="457200" rtl="0" eaLnBrk="1" latinLnBrk="0" hangingPunct="1">
-        <a:defRPr sz="1800" kern="1200">
+      <a:lvl5pPr marL="1543050" indent="-171450" algn="l" defTabSz="685800" rtl="0" eaLnBrk="1" latinLnBrk="0" hangingPunct="1">
+        <a:lnSpc>
+          <a:spcPct val="90000"/>
+        </a:lnSpc>
+        <a:spcBef>
+          <a:spcPts val="375"/>
+        </a:spcBef>
+        <a:buFont typeface="Arial" panose="020B0604020202020204" pitchFamily="34" charset="0"/>
+        <a:buChar char="•"/>
+        <a:defRPr sz="1350" kern="1200">
           <a:solidFill>
             <a:schemeClr val="tx1"/>
           </a:solidFill>
@@ -6394,8 +6372,16 @@
           <a:cs typeface="+mn-cs"/>
         </a:defRPr>
       </a:lvl5pPr>
-      <a:lvl6pPr marL="2286000" algn="l" defTabSz="457200" rtl="0" eaLnBrk="1" latinLnBrk="0" hangingPunct="1">
-        <a:defRPr sz="1800" kern="1200">
+      <a:lvl6pPr marL="1885950" indent="-171450" algn="l" defTabSz="685800" rtl="0" eaLnBrk="1" latinLnBrk="0" hangingPunct="1">
+        <a:lnSpc>
+          <a:spcPct val="90000"/>
+        </a:lnSpc>
+        <a:spcBef>
+          <a:spcPts val="375"/>
+        </a:spcBef>
+        <a:buFont typeface="Arial" panose="020B0604020202020204" pitchFamily="34" charset="0"/>
+        <a:buChar char="•"/>
+        <a:defRPr sz="1350" kern="1200">
           <a:solidFill>
             <a:schemeClr val="tx1"/>
           </a:solidFill>
@@ -6404,8 +6390,16 @@
           <a:cs typeface="+mn-cs"/>
         </a:defRPr>
       </a:lvl6pPr>
-      <a:lvl7pPr marL="2743200" algn="l" defTabSz="457200" rtl="0" eaLnBrk="1" latinLnBrk="0" hangingPunct="1">
-        <a:defRPr sz="1800" kern="1200">
+      <a:lvl7pPr marL="2228850" indent="-171450" algn="l" defTabSz="685800" rtl="0" eaLnBrk="1" latinLnBrk="0" hangingPunct="1">
+        <a:lnSpc>
+          <a:spcPct val="90000"/>
+        </a:lnSpc>
+        <a:spcBef>
+          <a:spcPts val="375"/>
+        </a:spcBef>
+        <a:buFont typeface="Arial" panose="020B0604020202020204" pitchFamily="34" charset="0"/>
+        <a:buChar char="•"/>
+        <a:defRPr sz="1350" kern="1200">
           <a:solidFill>
             <a:schemeClr val="tx1"/>
           </a:solidFill>
@@ -6414,8 +6408,16 @@
           <a:cs typeface="+mn-cs"/>
         </a:defRPr>
       </a:lvl7pPr>
-      <a:lvl8pPr marL="3200400" algn="l" defTabSz="457200" rtl="0" eaLnBrk="1" latinLnBrk="0" hangingPunct="1">
-        <a:defRPr sz="1800" kern="1200">
+      <a:lvl8pPr marL="2571750" indent="-171450" algn="l" defTabSz="685800" rtl="0" eaLnBrk="1" latinLnBrk="0" hangingPunct="1">
+        <a:lnSpc>
+          <a:spcPct val="90000"/>
+        </a:lnSpc>
+        <a:spcBef>
+          <a:spcPts val="375"/>
+        </a:spcBef>
+        <a:buFont typeface="Arial" panose="020B0604020202020204" pitchFamily="34" charset="0"/>
+        <a:buChar char="•"/>
+        <a:defRPr sz="1350" kern="1200">
           <a:solidFill>
             <a:schemeClr val="tx1"/>
           </a:solidFill>
@@ -6424,8 +6426,111 @@
           <a:cs typeface="+mn-cs"/>
         </a:defRPr>
       </a:lvl8pPr>
-      <a:lvl9pPr marL="3657600" algn="l" defTabSz="457200" rtl="0" eaLnBrk="1" latinLnBrk="0" hangingPunct="1">
-        <a:defRPr sz="1800" kern="1200">
+      <a:lvl9pPr marL="2914650" indent="-171450" algn="l" defTabSz="685800" rtl="0" eaLnBrk="1" latinLnBrk="0" hangingPunct="1">
+        <a:lnSpc>
+          <a:spcPct val="90000"/>
+        </a:lnSpc>
+        <a:spcBef>
+          <a:spcPts val="375"/>
+        </a:spcBef>
+        <a:buFont typeface="Arial" panose="020B0604020202020204" pitchFamily="34" charset="0"/>
+        <a:buChar char="•"/>
+        <a:defRPr sz="1350" kern="1200">
+          <a:solidFill>
+            <a:schemeClr val="tx1"/>
+          </a:solidFill>
+          <a:latin typeface="+mn-lt"/>
+          <a:ea typeface="+mn-ea"/>
+          <a:cs typeface="+mn-cs"/>
+        </a:defRPr>
+      </a:lvl9pPr>
+    </p:bodyStyle>
+    <p:otherStyle>
+      <a:defPPr>
+        <a:defRPr lang="en-US"/>
+      </a:defPPr>
+      <a:lvl1pPr marL="0" algn="l" defTabSz="685800" rtl="0" eaLnBrk="1" latinLnBrk="0" hangingPunct="1">
+        <a:defRPr sz="1350" kern="1200">
+          <a:solidFill>
+            <a:schemeClr val="tx1"/>
+          </a:solidFill>
+          <a:latin typeface="+mn-lt"/>
+          <a:ea typeface="+mn-ea"/>
+          <a:cs typeface="+mn-cs"/>
+        </a:defRPr>
+      </a:lvl1pPr>
+      <a:lvl2pPr marL="342900" algn="l" defTabSz="685800" rtl="0" eaLnBrk="1" latinLnBrk="0" hangingPunct="1">
+        <a:defRPr sz="1350" kern="1200">
+          <a:solidFill>
+            <a:schemeClr val="tx1"/>
+          </a:solidFill>
+          <a:latin typeface="+mn-lt"/>
+          <a:ea typeface="+mn-ea"/>
+          <a:cs typeface="+mn-cs"/>
+        </a:defRPr>
+      </a:lvl2pPr>
+      <a:lvl3pPr marL="685800" algn="l" defTabSz="685800" rtl="0" eaLnBrk="1" latinLnBrk="0" hangingPunct="1">
+        <a:defRPr sz="1350" kern="1200">
+          <a:solidFill>
+            <a:schemeClr val="tx1"/>
+          </a:solidFill>
+          <a:latin typeface="+mn-lt"/>
+          <a:ea typeface="+mn-ea"/>
+          <a:cs typeface="+mn-cs"/>
+        </a:defRPr>
+      </a:lvl3pPr>
+      <a:lvl4pPr marL="1028700" algn="l" defTabSz="685800" rtl="0" eaLnBrk="1" latinLnBrk="0" hangingPunct="1">
+        <a:defRPr sz="1350" kern="1200">
+          <a:solidFill>
+            <a:schemeClr val="tx1"/>
+          </a:solidFill>
+          <a:latin typeface="+mn-lt"/>
+          <a:ea typeface="+mn-ea"/>
+          <a:cs typeface="+mn-cs"/>
+        </a:defRPr>
+      </a:lvl4pPr>
+      <a:lvl5pPr marL="1371600" algn="l" defTabSz="685800" rtl="0" eaLnBrk="1" latinLnBrk="0" hangingPunct="1">
+        <a:defRPr sz="1350" kern="1200">
+          <a:solidFill>
+            <a:schemeClr val="tx1"/>
+          </a:solidFill>
+          <a:latin typeface="+mn-lt"/>
+          <a:ea typeface="+mn-ea"/>
+          <a:cs typeface="+mn-cs"/>
+        </a:defRPr>
+      </a:lvl5pPr>
+      <a:lvl6pPr marL="1714500" algn="l" defTabSz="685800" rtl="0" eaLnBrk="1" latinLnBrk="0" hangingPunct="1">
+        <a:defRPr sz="1350" kern="1200">
+          <a:solidFill>
+            <a:schemeClr val="tx1"/>
+          </a:solidFill>
+          <a:latin typeface="+mn-lt"/>
+          <a:ea typeface="+mn-ea"/>
+          <a:cs typeface="+mn-cs"/>
+        </a:defRPr>
+      </a:lvl6pPr>
+      <a:lvl7pPr marL="2057400" algn="l" defTabSz="685800" rtl="0" eaLnBrk="1" latinLnBrk="0" hangingPunct="1">
+        <a:defRPr sz="1350" kern="1200">
+          <a:solidFill>
+            <a:schemeClr val="tx1"/>
+          </a:solidFill>
+          <a:latin typeface="+mn-lt"/>
+          <a:ea typeface="+mn-ea"/>
+          <a:cs typeface="+mn-cs"/>
+        </a:defRPr>
+      </a:lvl7pPr>
+      <a:lvl8pPr marL="2400300" algn="l" defTabSz="685800" rtl="0" eaLnBrk="1" latinLnBrk="0" hangingPunct="1">
+        <a:defRPr sz="1350" kern="1200">
+          <a:solidFill>
+            <a:schemeClr val="tx1"/>
+          </a:solidFill>
+          <a:latin typeface="+mn-lt"/>
+          <a:ea typeface="+mn-ea"/>
+          <a:cs typeface="+mn-cs"/>
+        </a:defRPr>
+      </a:lvl8pPr>
+      <a:lvl9pPr marL="2743200" algn="l" defTabSz="685800" rtl="0" eaLnBrk="1" latinLnBrk="0" hangingPunct="1">
+        <a:defRPr sz="1350" kern="1200">
           <a:solidFill>
             <a:schemeClr val="tx1"/>
           </a:solidFill>
@@ -6510,7 +6615,7 @@
         <p:spPr bwMode="auto">
           <a:xfrm>
             <a:off x="467544" y="3068960"/>
-            <a:ext cx="7704856" cy="1477328"/>
+            <a:ext cx="7704856" cy="1754326"/>
           </a:xfrm>
           <a:prstGeom prst="rect">
             <a:avLst/>
@@ -6555,7 +6660,7 @@
           <a:p>
             <a:r>
               <a:rPr lang="en-US" sz="1800" dirty="0"/>
-              <a:t>	 – Dr. Patricia Babbitt, California Institute for Quantitative Biosciences</a:t>
+              <a:t>	 – Dr. Patricia Babbitt, California Institute for Quantitative 	Biosciences</a:t>
             </a:r>
           </a:p>
         </p:txBody>
@@ -6711,7 +6816,7 @@
         <p:spPr>
           <a:xfrm>
             <a:off x="323528" y="-171400"/>
-            <a:ext cx="8568952" cy="1535832"/>
+            <a:ext cx="8568952" cy="1129470"/>
           </a:xfrm>
         </p:spPr>
         <p:txBody>
@@ -6844,7 +6949,7 @@
         <p:spPr>
           <a:xfrm>
             <a:off x="323528" y="-171400"/>
-            <a:ext cx="8568952" cy="1535832"/>
+            <a:ext cx="8568952" cy="1080120"/>
           </a:xfrm>
         </p:spPr>
         <p:txBody>
@@ -6995,35 +7100,6 @@
       </p:grpSpPr>
       <p:sp>
         <p:nvSpPr>
-          <p:cNvPr id="9" name="Rectangle 2"/>
-          <p:cNvSpPr>
-            <a:spLocks noGrp="1" noChangeArrowheads="1"/>
-          </p:cNvSpPr>
-          <p:nvPr>
-            <p:ph type="ctrTitle"/>
-          </p:nvPr>
-        </p:nvSpPr>
-        <p:spPr>
-          <a:xfrm>
-            <a:off x="323528" y="-171400"/>
-            <a:ext cx="8568952" cy="1535832"/>
-          </a:xfrm>
-        </p:spPr>
-        <p:txBody>
-          <a:bodyPr/>
-          <a:lstStyle/>
-          <a:p>
-            <a:pPr algn="l" eaLnBrk="1" hangingPunct="1"/>
-            <a:r>
-              <a:rPr lang="en-US" sz="3200" b="1" dirty="0"/>
-              <a:t>OBO Foundry</a:t>
-            </a:r>
-            <a:endParaRPr lang="en-US" sz="3200" dirty="0"/>
-          </a:p>
-        </p:txBody>
-      </p:sp>
-      <p:sp>
-        <p:nvSpPr>
           <p:cNvPr id="3" name="Text Box 14"/>
           <p:cNvSpPr txBox="1">
             <a:spLocks noChangeArrowheads="1"/>
@@ -7116,9 +7192,6 @@
             </a:r>
             <a:r>
               <a:rPr lang="en-US" sz="2000" dirty="0">
-                <a:solidFill>
-                  <a:schemeClr val="bg2"/>
-                </a:solidFill>
                 <a:highlight>
                   <a:srgbClr val="FFFF00"/>
                 </a:highlight>
@@ -7186,6 +7259,62 @@
               <a:rPr lang="en-US" sz="2000" dirty="0"/>
               <a:t> 5: 623-32.</a:t>
             </a:r>
+          </a:p>
+        </p:txBody>
+      </p:sp>
+      <p:sp>
+        <p:nvSpPr>
+          <p:cNvPr id="5" name="Rectangle 2">
+            <a:extLst>
+              <a:ext uri="{FF2B5EF4-FFF2-40B4-BE49-F238E27FC236}">
+                <a16:creationId xmlns:a16="http://schemas.microsoft.com/office/drawing/2014/main" id="{890941C8-3983-4C8E-7346-84E9CD8C52C5}"/>
+              </a:ext>
+            </a:extLst>
+          </p:cNvPr>
+          <p:cNvSpPr txBox="1">
+            <a:spLocks noChangeArrowheads="1"/>
+          </p:cNvSpPr>
+          <p:nvPr/>
+        </p:nvSpPr>
+        <p:spPr>
+          <a:xfrm>
+            <a:off x="323528" y="-171400"/>
+            <a:ext cx="8568952" cy="1080120"/>
+          </a:xfrm>
+          <a:prstGeom prst="rect">
+            <a:avLst/>
+          </a:prstGeom>
+        </p:spPr>
+        <p:txBody>
+          <a:bodyPr vert="horz" lIns="91440" tIns="45720" rIns="91440" bIns="45720" rtlCol="0" anchor="b">
+            <a:normAutofit/>
+          </a:bodyPr>
+          <a:lstStyle>
+            <a:lvl1pPr algn="ctr" defTabSz="685800" rtl="0" eaLnBrk="1" latinLnBrk="0" hangingPunct="1">
+              <a:lnSpc>
+                <a:spcPct val="90000"/>
+              </a:lnSpc>
+              <a:spcBef>
+                <a:spcPct val="0"/>
+              </a:spcBef>
+              <a:buNone/>
+              <a:defRPr sz="4500" kern="1200">
+                <a:solidFill>
+                  <a:schemeClr val="tx1"/>
+                </a:solidFill>
+                <a:latin typeface="+mj-lt"/>
+                <a:ea typeface="+mj-ea"/>
+                <a:cs typeface="+mj-cs"/>
+              </a:defRPr>
+            </a:lvl1pPr>
+          </a:lstStyle>
+          <a:p>
+            <a:pPr algn="l"/>
+            <a:r>
+              <a:rPr lang="en-US" sz="3200" b="1"/>
+              <a:t>OBO Foundry</a:t>
+            </a:r>
+            <a:endParaRPr lang="en-US" sz="3200" dirty="0"/>
           </a:p>
         </p:txBody>
       </p:sp>
@@ -7232,7 +7361,7 @@
         <p:spPr>
           <a:xfrm>
             <a:off x="323528" y="-171400"/>
-            <a:ext cx="8568952" cy="1535832"/>
+            <a:ext cx="8568952" cy="1182900"/>
           </a:xfrm>
         </p:spPr>
         <p:txBody>
@@ -7403,7 +7532,7 @@
         <p:spPr>
           <a:xfrm>
             <a:off x="323528" y="-267072"/>
-            <a:ext cx="8568952" cy="1535832"/>
+            <a:ext cx="8568952" cy="1031776"/>
           </a:xfrm>
         </p:spPr>
         <p:txBody>
@@ -7587,7 +7716,7 @@
         <p:spPr>
           <a:xfrm>
             <a:off x="323528" y="-171400"/>
-            <a:ext cx="8568952" cy="1535832"/>
+            <a:ext cx="8568952" cy="1182900"/>
           </a:xfrm>
         </p:spPr>
         <p:txBody>
@@ -8045,7 +8174,7 @@
         <p:spPr>
           <a:xfrm>
             <a:off x="323528" y="-171400"/>
-            <a:ext cx="8568952" cy="1535832"/>
+            <a:ext cx="8568952" cy="1182900"/>
           </a:xfrm>
         </p:spPr>
         <p:txBody>
@@ -8192,35 +8321,6 @@
       </p:grpSpPr>
       <p:sp>
         <p:nvSpPr>
-          <p:cNvPr id="9" name="Rectangle 2"/>
-          <p:cNvSpPr>
-            <a:spLocks noGrp="1" noChangeArrowheads="1"/>
-          </p:cNvSpPr>
-          <p:nvPr>
-            <p:ph type="ctrTitle"/>
-          </p:nvPr>
-        </p:nvSpPr>
-        <p:spPr>
-          <a:xfrm>
-            <a:off x="323528" y="-171400"/>
-            <a:ext cx="8568952" cy="1535832"/>
-          </a:xfrm>
-        </p:spPr>
-        <p:txBody>
-          <a:bodyPr/>
-          <a:lstStyle/>
-          <a:p>
-            <a:pPr algn="l" eaLnBrk="1" hangingPunct="1"/>
-            <a:r>
-              <a:rPr lang="en-US" sz="3200" b="1" dirty="0"/>
-              <a:t>Data Formats &amp; Software</a:t>
-            </a:r>
-            <a:endParaRPr lang="en-US" sz="3200" dirty="0"/>
-          </a:p>
-        </p:txBody>
-      </p:sp>
-      <p:sp>
-        <p:nvSpPr>
           <p:cNvPr id="3" name="Text Box 14"/>
           <p:cNvSpPr txBox="1">
             <a:spLocks noChangeArrowheads="1"/>
@@ -8393,6 +8493,41 @@
           </a:prstGeom>
         </p:spPr>
       </p:pic>
+      <p:sp>
+        <p:nvSpPr>
+          <p:cNvPr id="6" name="Rectangle 2">
+            <a:extLst>
+              <a:ext uri="{FF2B5EF4-FFF2-40B4-BE49-F238E27FC236}">
+                <a16:creationId xmlns:a16="http://schemas.microsoft.com/office/drawing/2014/main" id="{036C8B18-9502-AA3C-0460-D662A0B8149F}"/>
+              </a:ext>
+            </a:extLst>
+          </p:cNvPr>
+          <p:cNvSpPr>
+            <a:spLocks noGrp="1" noChangeArrowheads="1"/>
+          </p:cNvSpPr>
+          <p:nvPr>
+            <p:ph type="ctrTitle"/>
+          </p:nvPr>
+        </p:nvSpPr>
+        <p:spPr>
+          <a:xfrm>
+            <a:off x="323528" y="-171400"/>
+            <a:ext cx="8568952" cy="1182900"/>
+          </a:xfrm>
+        </p:spPr>
+        <p:txBody>
+          <a:bodyPr/>
+          <a:lstStyle/>
+          <a:p>
+            <a:pPr algn="l" eaLnBrk="1" hangingPunct="1"/>
+            <a:r>
+              <a:rPr lang="en-US" sz="3200" b="1" dirty="0"/>
+              <a:t>Data Formats &amp; Software</a:t>
+            </a:r>
+            <a:endParaRPr lang="en-US" sz="3200" dirty="0"/>
+          </a:p>
+        </p:txBody>
+      </p:sp>
     </p:spTree>
     <p:extLst>
       <p:ext uri="{BB962C8B-B14F-4D97-AF65-F5344CB8AC3E}">
@@ -8436,7 +8571,7 @@
         <p:spPr>
           <a:xfrm>
             <a:off x="323528" y="-171400"/>
-            <a:ext cx="8568952" cy="1535832"/>
+            <a:ext cx="8568952" cy="1080120"/>
           </a:xfrm>
         </p:spPr>
         <p:txBody>
@@ -8623,7 +8758,7 @@
         <p:spPr>
           <a:xfrm>
             <a:off x="323528" y="-171400"/>
-            <a:ext cx="8568952" cy="1535832"/>
+            <a:ext cx="8568952" cy="1182900"/>
           </a:xfrm>
         </p:spPr>
         <p:txBody>
@@ -8650,7 +8785,7 @@
         <p:spPr bwMode="auto">
           <a:xfrm>
             <a:off x="467544" y="1011500"/>
-            <a:ext cx="8064896" cy="6247864"/>
+            <a:ext cx="8064896" cy="5509200"/>
           </a:xfrm>
           <a:prstGeom prst="rect">
             <a:avLst/>
@@ -8782,49 +8917,8 @@
             </a:pPr>
             <a:r>
               <a:rPr lang="en-US" sz="1800" dirty="0"/>
-              <a:t>Gene Ontology annotates </a:t>
-            </a:r>
-            <a:r>
-              <a:rPr lang="en-US" sz="1800" dirty="0" err="1"/>
-              <a:t>GenBank</a:t>
-            </a:r>
-            <a:r>
-              <a:rPr lang="en-US" sz="1800" dirty="0"/>
-              <a:t> so all protein </a:t>
-            </a:r>
-            <a:r>
-              <a:rPr lang="en-US" sz="1800" dirty="0" err="1"/>
-              <a:t>GenBank</a:t>
-            </a:r>
-            <a:r>
-              <a:rPr lang="en-US" sz="1800" dirty="0"/>
-              <a:t> accessions are associated with GO terms</a:t>
-            </a:r>
-          </a:p>
-          <a:p>
-            <a:pPr marL="742950" lvl="1" indent="-285750">
-              <a:buFont typeface="Arial"/>
-              <a:buChar char="•"/>
-            </a:pPr>
-            <a:r>
-              <a:rPr lang="en-US" sz="1800" dirty="0" err="1"/>
-              <a:t>InterPro</a:t>
-            </a:r>
-            <a:r>
-              <a:rPr lang="en-US" sz="1800" dirty="0"/>
-              <a:t> curates connections between </a:t>
-            </a:r>
-            <a:r>
-              <a:rPr lang="en-US" sz="1800" dirty="0" err="1"/>
-              <a:t>Pfam</a:t>
-            </a:r>
-            <a:r>
-              <a:rPr lang="en-US" sz="1800" dirty="0"/>
-              <a:t> and PROSITE models and Gene Ontology terms</a:t>
-            </a:r>
-          </a:p>
-          <a:p>
-            <a:endParaRPr lang="en-US" sz="2000" dirty="0"/>
+              <a:t>Gene Ontology annotates GenBank so all protein GenBank accessions are associated with GO terms</a:t>
+            </a:r>
           </a:p>
         </p:txBody>
       </p:sp>
@@ -8871,7 +8965,7 @@
         <p:spPr>
           <a:xfrm>
             <a:off x="323528" y="-171400"/>
-            <a:ext cx="8568952" cy="1535832"/>
+            <a:ext cx="8568952" cy="1182900"/>
           </a:xfrm>
         </p:spPr>
         <p:txBody>
@@ -9019,7 +9113,7 @@
         <p:spPr>
           <a:xfrm>
             <a:off x="323528" y="-171400"/>
-            <a:ext cx="8568952" cy="1535832"/>
+            <a:ext cx="8568952" cy="1172540"/>
           </a:xfrm>
         </p:spPr>
         <p:txBody>
@@ -9707,35 +9801,6 @@
       </p:grpSpPr>
       <p:sp>
         <p:nvSpPr>
-          <p:cNvPr id="9" name="Rectangle 2"/>
-          <p:cNvSpPr>
-            <a:spLocks noGrp="1" noChangeArrowheads="1"/>
-          </p:cNvSpPr>
-          <p:nvPr>
-            <p:ph type="ctrTitle"/>
-          </p:nvPr>
-        </p:nvSpPr>
-        <p:spPr>
-          <a:xfrm>
-            <a:off x="323528" y="-171400"/>
-            <a:ext cx="8568952" cy="1535832"/>
-          </a:xfrm>
-        </p:spPr>
-        <p:txBody>
-          <a:bodyPr/>
-          <a:lstStyle/>
-          <a:p>
-            <a:pPr algn="l" eaLnBrk="1" hangingPunct="1"/>
-            <a:r>
-              <a:rPr lang="en-US" sz="3200" b="1" dirty="0"/>
-              <a:t>Enrichment Example:</a:t>
-            </a:r>
-            <a:endParaRPr lang="en-US" sz="3200" dirty="0"/>
-          </a:p>
-        </p:txBody>
-      </p:sp>
-      <p:sp>
-        <p:nvSpPr>
           <p:cNvPr id="4" name="Text Box 14"/>
           <p:cNvSpPr txBox="1">
             <a:spLocks noChangeArrowheads="1"/>
@@ -10084,7 +10149,7 @@
         </p:nvSpPr>
         <p:spPr bwMode="auto">
           <a:xfrm>
-            <a:off x="5004048" y="3646765"/>
+            <a:off x="4788024" y="3646765"/>
             <a:ext cx="2736304" cy="646331"/>
           </a:xfrm>
           <a:prstGeom prst="rect">
@@ -10410,7 +10475,9 @@
             <a:r>
               <a:rPr lang="en-US" sz="1800" i="1" dirty="0">
                 <a:solidFill>
-                  <a:srgbClr val="FFFF00"/>
+                  <a:schemeClr val="accent1">
+                    <a:lumMod val="75000"/>
+                  </a:schemeClr>
                 </a:solidFill>
               </a:rPr>
               <a:t>Each gene tagged with a different set of ontology terms in the genome annotation</a:t>
@@ -10454,11 +10521,48 @@
             <a:r>
               <a:rPr lang="en-US" sz="1800" i="1" dirty="0">
                 <a:solidFill>
-                  <a:srgbClr val="FFFF00"/>
+                  <a:schemeClr val="accent1">
+                    <a:lumMod val="75000"/>
+                  </a:schemeClr>
                 </a:solidFill>
               </a:rPr>
               <a:t>Algorithm traverses the entire ontology to determine which higher-level ontology terms are involved in enrichment</a:t>
             </a:r>
+          </a:p>
+        </p:txBody>
+      </p:sp>
+      <p:sp>
+        <p:nvSpPr>
+          <p:cNvPr id="21" name="Rectangle 2">
+            <a:extLst>
+              <a:ext uri="{FF2B5EF4-FFF2-40B4-BE49-F238E27FC236}">
+                <a16:creationId xmlns:a16="http://schemas.microsoft.com/office/drawing/2014/main" id="{8B53C7B8-2084-DB1C-AD8B-14275BA9B35A}"/>
+              </a:ext>
+            </a:extLst>
+          </p:cNvPr>
+          <p:cNvSpPr>
+            <a:spLocks noGrp="1" noChangeArrowheads="1"/>
+          </p:cNvSpPr>
+          <p:nvPr>
+            <p:ph type="ctrTitle"/>
+          </p:nvPr>
+        </p:nvSpPr>
+        <p:spPr>
+          <a:xfrm>
+            <a:off x="323528" y="-171400"/>
+            <a:ext cx="8568952" cy="1172540"/>
+          </a:xfrm>
+        </p:spPr>
+        <p:txBody>
+          <a:bodyPr/>
+          <a:lstStyle/>
+          <a:p>
+            <a:pPr algn="l" eaLnBrk="1" hangingPunct="1"/>
+            <a:r>
+              <a:rPr lang="en-US" sz="3200" b="1" dirty="0"/>
+              <a:t>Enrichment Example:</a:t>
+            </a:r>
+            <a:endParaRPr lang="en-US" sz="3200" dirty="0"/>
           </a:p>
         </p:txBody>
       </p:sp>
@@ -10505,7 +10609,7 @@
         <p:spPr>
           <a:xfrm>
             <a:off x="323528" y="-171400"/>
-            <a:ext cx="8568952" cy="1535832"/>
+            <a:ext cx="8568952" cy="1152128"/>
           </a:xfrm>
         </p:spPr>
         <p:txBody>
@@ -10754,7 +10858,7 @@
         <p:spPr>
           <a:xfrm>
             <a:off x="323528" y="-171400"/>
-            <a:ext cx="8568952" cy="1535832"/>
+            <a:ext cx="8568952" cy="1058634"/>
           </a:xfrm>
         </p:spPr>
         <p:txBody>
@@ -10997,39 +11101,6 @@
       </p:grpSpPr>
       <p:sp>
         <p:nvSpPr>
-          <p:cNvPr id="9" name="Rectangle 2"/>
-          <p:cNvSpPr>
-            <a:spLocks noGrp="1" noChangeArrowheads="1"/>
-          </p:cNvSpPr>
-          <p:nvPr>
-            <p:ph type="ctrTitle"/>
-          </p:nvPr>
-        </p:nvSpPr>
-        <p:spPr>
-          <a:xfrm>
-            <a:off x="323528" y="-171400"/>
-            <a:ext cx="8568952" cy="1535832"/>
-          </a:xfrm>
-        </p:spPr>
-        <p:txBody>
-          <a:bodyPr/>
-          <a:lstStyle/>
-          <a:p>
-            <a:pPr algn="l" eaLnBrk="1" hangingPunct="1"/>
-            <a:r>
-              <a:rPr lang="en-US" sz="3200" b="1" dirty="0"/>
-              <a:t>Enrichment Example - </a:t>
-            </a:r>
-            <a:r>
-              <a:rPr lang="en-US" sz="3200" b="1" dirty="0" err="1"/>
-              <a:t>Interactomes</a:t>
-            </a:r>
-            <a:endParaRPr lang="en-US" sz="3200" dirty="0"/>
-          </a:p>
-        </p:txBody>
-      </p:sp>
-      <p:sp>
-        <p:nvSpPr>
           <p:cNvPr id="4" name="Text Box 14"/>
           <p:cNvSpPr txBox="1">
             <a:spLocks noChangeArrowheads="1"/>
@@ -11199,6 +11270,45 @@
               <a:rPr lang="en-US" sz="1600" dirty="0"/>
               <a:t>Cell cycle &amp; microtubule cytoskeleton genes and processes are up-regulated at the transcript level – can this help guide drug discovery?</a:t>
             </a:r>
+          </a:p>
+        </p:txBody>
+      </p:sp>
+      <p:sp>
+        <p:nvSpPr>
+          <p:cNvPr id="7" name="Rectangle 2">
+            <a:extLst>
+              <a:ext uri="{FF2B5EF4-FFF2-40B4-BE49-F238E27FC236}">
+                <a16:creationId xmlns:a16="http://schemas.microsoft.com/office/drawing/2014/main" id="{B272DF85-D24A-D545-37C1-F9A3B33AF343}"/>
+              </a:ext>
+            </a:extLst>
+          </p:cNvPr>
+          <p:cNvSpPr>
+            <a:spLocks noGrp="1" noChangeArrowheads="1"/>
+          </p:cNvSpPr>
+          <p:nvPr>
+            <p:ph type="ctrTitle"/>
+          </p:nvPr>
+        </p:nvSpPr>
+        <p:spPr>
+          <a:xfrm>
+            <a:off x="323528" y="-171400"/>
+            <a:ext cx="8568952" cy="1058634"/>
+          </a:xfrm>
+        </p:spPr>
+        <p:txBody>
+          <a:bodyPr/>
+          <a:lstStyle/>
+          <a:p>
+            <a:pPr algn="l" eaLnBrk="1" hangingPunct="1"/>
+            <a:r>
+              <a:rPr lang="en-US" sz="3200" b="1" dirty="0"/>
+              <a:t>Enrichment Example - </a:t>
+            </a:r>
+            <a:r>
+              <a:rPr lang="en-US" sz="3200" b="1" dirty="0" err="1"/>
+              <a:t>Interactomes</a:t>
+            </a:r>
+            <a:endParaRPr lang="en-US" sz="3200" dirty="0"/>
           </a:p>
         </p:txBody>
       </p:sp>
@@ -11245,7 +11355,7 @@
         <p:spPr>
           <a:xfrm>
             <a:off x="323528" y="-171400"/>
-            <a:ext cx="8568952" cy="1535832"/>
+            <a:ext cx="8568952" cy="1152128"/>
           </a:xfrm>
         </p:spPr>
         <p:txBody>
@@ -11647,7 +11757,7 @@
         <p:spPr>
           <a:xfrm>
             <a:off x="323528" y="-171400"/>
-            <a:ext cx="8568952" cy="1535832"/>
+            <a:ext cx="8568952" cy="1224136"/>
           </a:xfrm>
         </p:spPr>
         <p:txBody>
@@ -12059,7 +12169,7 @@
         <p:spPr>
           <a:xfrm>
             <a:off x="323528" y="-171400"/>
-            <a:ext cx="8568952" cy="1535832"/>
+            <a:ext cx="8568952" cy="1152128"/>
           </a:xfrm>
         </p:spPr>
         <p:txBody>
@@ -12249,35 +12359,6 @@
       </p:grpSpPr>
       <p:sp>
         <p:nvSpPr>
-          <p:cNvPr id="9" name="Rectangle 2"/>
-          <p:cNvSpPr>
-            <a:spLocks noGrp="1" noChangeArrowheads="1"/>
-          </p:cNvSpPr>
-          <p:nvPr>
-            <p:ph type="ctrTitle"/>
-          </p:nvPr>
-        </p:nvSpPr>
-        <p:spPr>
-          <a:xfrm>
-            <a:off x="323528" y="-171400"/>
-            <a:ext cx="8568952" cy="1535832"/>
-          </a:xfrm>
-        </p:spPr>
-        <p:txBody>
-          <a:bodyPr/>
-          <a:lstStyle/>
-          <a:p>
-            <a:pPr algn="l" eaLnBrk="1" hangingPunct="1"/>
-            <a:r>
-              <a:rPr lang="en-US" sz="3200" b="1" dirty="0"/>
-              <a:t>Integrating Knowledge</a:t>
-            </a:r>
-            <a:endParaRPr lang="en-US" sz="3200" dirty="0"/>
-          </a:p>
-        </p:txBody>
-      </p:sp>
-      <p:sp>
-        <p:nvSpPr>
           <p:cNvPr id="4" name="Text Box 14"/>
           <p:cNvSpPr txBox="1">
             <a:spLocks noChangeArrowheads="1"/>
@@ -12421,6 +12502,62 @@
               <a:buChar char="•"/>
             </a:pPr>
             <a:endParaRPr lang="en-US" sz="2000" dirty="0"/>
+          </a:p>
+        </p:txBody>
+      </p:sp>
+      <p:sp>
+        <p:nvSpPr>
+          <p:cNvPr id="5" name="Rectangle 2">
+            <a:extLst>
+              <a:ext uri="{FF2B5EF4-FFF2-40B4-BE49-F238E27FC236}">
+                <a16:creationId xmlns:a16="http://schemas.microsoft.com/office/drawing/2014/main" id="{A5A3585B-4B71-09E6-0E6E-1F960A516B84}"/>
+              </a:ext>
+            </a:extLst>
+          </p:cNvPr>
+          <p:cNvSpPr txBox="1">
+            <a:spLocks noChangeArrowheads="1"/>
+          </p:cNvSpPr>
+          <p:nvPr/>
+        </p:nvSpPr>
+        <p:spPr>
+          <a:xfrm>
+            <a:off x="323528" y="-171400"/>
+            <a:ext cx="8568952" cy="1080120"/>
+          </a:xfrm>
+          <a:prstGeom prst="rect">
+            <a:avLst/>
+          </a:prstGeom>
+        </p:spPr>
+        <p:txBody>
+          <a:bodyPr vert="horz" lIns="91440" tIns="45720" rIns="91440" bIns="45720" rtlCol="0" anchor="b">
+            <a:normAutofit/>
+          </a:bodyPr>
+          <a:lstStyle>
+            <a:lvl1pPr algn="ctr" defTabSz="685800" rtl="0" eaLnBrk="1" latinLnBrk="0" hangingPunct="1">
+              <a:lnSpc>
+                <a:spcPct val="90000"/>
+              </a:lnSpc>
+              <a:spcBef>
+                <a:spcPct val="0"/>
+              </a:spcBef>
+              <a:buNone/>
+              <a:defRPr sz="4500" kern="1200">
+                <a:solidFill>
+                  <a:schemeClr val="tx1"/>
+                </a:solidFill>
+                <a:latin typeface="+mj-lt"/>
+                <a:ea typeface="+mj-ea"/>
+                <a:cs typeface="+mj-cs"/>
+              </a:defRPr>
+            </a:lvl1pPr>
+          </a:lstStyle>
+          <a:p>
+            <a:pPr algn="l"/>
+            <a:r>
+              <a:rPr lang="en-US" sz="3200" b="1"/>
+              <a:t>Integrating Knowledge</a:t>
+            </a:r>
+            <a:endParaRPr lang="en-US" sz="3200" dirty="0"/>
           </a:p>
         </p:txBody>
       </p:sp>
@@ -12467,7 +12604,7 @@
         <p:spPr>
           <a:xfrm>
             <a:off x="287524" y="-243408"/>
-            <a:ext cx="8568952" cy="1535832"/>
+            <a:ext cx="8568952" cy="1152128"/>
           </a:xfrm>
         </p:spPr>
         <p:txBody>
@@ -12519,10 +12656,14 @@
             <a:pPr algn="ctr"/>
             <a:r>
               <a:rPr lang="en-US" sz="2000" dirty="0"/>
-              <a:t>Critical Review due October 27</a:t>
-            </a:r>
-            <a:r>
-              <a:rPr lang="en-US" sz="2000" baseline="30000" dirty="0"/>
+              <a:t>Critical Review due </a:t>
+            </a:r>
+            <a:r>
+              <a:rPr lang="en-US" sz="2000"/>
+              <a:t>October 26</a:t>
+            </a:r>
+            <a:r>
+              <a:rPr lang="en-US" sz="2000" baseline="30000"/>
               <a:t>th</a:t>
             </a:r>
             <a:r>
@@ -12564,10 +12705,10 @@
       </p:pic>
       <p:pic>
         <p:nvPicPr>
-          <p:cNvPr id="7" name="Picture 6" descr="A screenshot of a cell phone&#10;&#10;Description automatically generated">
+          <p:cNvPr id="4" name="Picture 3" descr="A screenshot of a computer&#10;&#10;Description automatically generated">
             <a:extLst>
               <a:ext uri="{FF2B5EF4-FFF2-40B4-BE49-F238E27FC236}">
-                <a16:creationId xmlns:a16="http://schemas.microsoft.com/office/drawing/2014/main" id="{D12C76AD-0AB2-DD50-0A47-A1CC1EE3C5F8}"/>
+                <a16:creationId xmlns:a16="http://schemas.microsoft.com/office/drawing/2014/main" id="{57348A46-71E4-4467-9DDA-EE3E9757D854}"/>
               </a:ext>
             </a:extLst>
           </p:cNvPr>
@@ -12584,8 +12725,8 @@
         </p:blipFill>
         <p:spPr>
           <a:xfrm>
-            <a:off x="899592" y="908720"/>
-            <a:ext cx="6120680" cy="2288397"/>
+            <a:off x="611560" y="973629"/>
+            <a:ext cx="7772400" cy="2534478"/>
           </a:xfrm>
           <a:prstGeom prst="rect">
             <a:avLst/>
@@ -12624,35 +12765,6 @@
       </p:grpSpPr>
       <p:sp>
         <p:nvSpPr>
-          <p:cNvPr id="9" name="Rectangle 2"/>
-          <p:cNvSpPr>
-            <a:spLocks noGrp="1" noChangeArrowheads="1"/>
-          </p:cNvSpPr>
-          <p:nvPr>
-            <p:ph type="ctrTitle"/>
-          </p:nvPr>
-        </p:nvSpPr>
-        <p:spPr>
-          <a:xfrm>
-            <a:off x="323528" y="-171400"/>
-            <a:ext cx="8568952" cy="1535832"/>
-          </a:xfrm>
-        </p:spPr>
-        <p:txBody>
-          <a:bodyPr/>
-          <a:lstStyle/>
-          <a:p>
-            <a:pPr algn="l" eaLnBrk="1" hangingPunct="1"/>
-            <a:r>
-              <a:rPr lang="en-US" sz="3200" b="1" dirty="0"/>
-              <a:t>Integrating Knowledge</a:t>
-            </a:r>
-            <a:endParaRPr lang="en-US" sz="3200" dirty="0"/>
-          </a:p>
-        </p:txBody>
-      </p:sp>
-      <p:sp>
-        <p:nvSpPr>
           <p:cNvPr id="11" name="TextBox 10"/>
           <p:cNvSpPr txBox="1"/>
           <p:nvPr/>
@@ -12812,6 +12924,62 @@
               <a:buChar char="•"/>
             </a:pPr>
             <a:endParaRPr lang="en-US" sz="2000" dirty="0"/>
+          </a:p>
+        </p:txBody>
+      </p:sp>
+      <p:sp>
+        <p:nvSpPr>
+          <p:cNvPr id="4" name="Rectangle 2">
+            <a:extLst>
+              <a:ext uri="{FF2B5EF4-FFF2-40B4-BE49-F238E27FC236}">
+                <a16:creationId xmlns:a16="http://schemas.microsoft.com/office/drawing/2014/main" id="{984028C6-911D-6187-50BB-E0D812C07D52}"/>
+              </a:ext>
+            </a:extLst>
+          </p:cNvPr>
+          <p:cNvSpPr txBox="1">
+            <a:spLocks noChangeArrowheads="1"/>
+          </p:cNvSpPr>
+          <p:nvPr/>
+        </p:nvSpPr>
+        <p:spPr>
+          <a:xfrm>
+            <a:off x="323528" y="-171400"/>
+            <a:ext cx="8568952" cy="1080120"/>
+          </a:xfrm>
+          <a:prstGeom prst="rect">
+            <a:avLst/>
+          </a:prstGeom>
+        </p:spPr>
+        <p:txBody>
+          <a:bodyPr vert="horz" lIns="91440" tIns="45720" rIns="91440" bIns="45720" rtlCol="0" anchor="b">
+            <a:normAutofit/>
+          </a:bodyPr>
+          <a:lstStyle>
+            <a:lvl1pPr algn="ctr" defTabSz="685800" rtl="0" eaLnBrk="1" latinLnBrk="0" hangingPunct="1">
+              <a:lnSpc>
+                <a:spcPct val="90000"/>
+              </a:lnSpc>
+              <a:spcBef>
+                <a:spcPct val="0"/>
+              </a:spcBef>
+              <a:buNone/>
+              <a:defRPr sz="4500" kern="1200">
+                <a:solidFill>
+                  <a:schemeClr val="tx1"/>
+                </a:solidFill>
+                <a:latin typeface="+mj-lt"/>
+                <a:ea typeface="+mj-ea"/>
+                <a:cs typeface="+mj-cs"/>
+              </a:defRPr>
+            </a:lvl1pPr>
+          </a:lstStyle>
+          <a:p>
+            <a:pPr algn="l"/>
+            <a:r>
+              <a:rPr lang="en-US" sz="3200" b="1"/>
+              <a:t>Integrating Knowledge</a:t>
+            </a:r>
+            <a:endParaRPr lang="en-US" sz="3200" dirty="0"/>
           </a:p>
         </p:txBody>
       </p:sp>
@@ -12858,7 +13026,7 @@
         <p:spPr>
           <a:xfrm>
             <a:off x="323528" y="-171400"/>
-            <a:ext cx="8568952" cy="1535832"/>
+            <a:ext cx="8568952" cy="1080120"/>
           </a:xfrm>
         </p:spPr>
         <p:txBody>
@@ -13091,7 +13259,7 @@
         <p:spPr>
           <a:xfrm>
             <a:off x="323528" y="-171400"/>
-            <a:ext cx="8568952" cy="1535832"/>
+            <a:ext cx="8568952" cy="1152128"/>
           </a:xfrm>
         </p:spPr>
         <p:txBody>
@@ -13197,35 +13365,6 @@
           <a:chExt cx="0" cy="0"/>
         </a:xfrm>
       </p:grpSpPr>
-      <p:sp>
-        <p:nvSpPr>
-          <p:cNvPr id="9" name="Rectangle 2"/>
-          <p:cNvSpPr>
-            <a:spLocks noGrp="1" noChangeArrowheads="1"/>
-          </p:cNvSpPr>
-          <p:nvPr>
-            <p:ph type="ctrTitle"/>
-          </p:nvPr>
-        </p:nvSpPr>
-        <p:spPr>
-          <a:xfrm>
-            <a:off x="323528" y="-171400"/>
-            <a:ext cx="8568952" cy="1535832"/>
-          </a:xfrm>
-        </p:spPr>
-        <p:txBody>
-          <a:bodyPr/>
-          <a:lstStyle/>
-          <a:p>
-            <a:pPr algn="l" eaLnBrk="1" hangingPunct="1"/>
-            <a:r>
-              <a:rPr lang="en-US" sz="3200" b="1" dirty="0"/>
-              <a:t>CYP1A1 Annotated by the Gene Ontology</a:t>
-            </a:r>
-            <a:endParaRPr lang="en-US" sz="3200" dirty="0"/>
-          </a:p>
-        </p:txBody>
-      </p:sp>
       <p:pic>
         <p:nvPicPr>
           <p:cNvPr id="3" name="Picture 2" descr="p450.tiff"/>
@@ -13317,6 +13456,62 @@
           <a:lstStyle/>
           <a:p>
             <a:endParaRPr lang="en-US"/>
+          </a:p>
+        </p:txBody>
+      </p:sp>
+      <p:sp>
+        <p:nvSpPr>
+          <p:cNvPr id="7" name="Rectangle 2">
+            <a:extLst>
+              <a:ext uri="{FF2B5EF4-FFF2-40B4-BE49-F238E27FC236}">
+                <a16:creationId xmlns:a16="http://schemas.microsoft.com/office/drawing/2014/main" id="{AE4E5CD8-7836-F6F1-721A-765146924D40}"/>
+              </a:ext>
+            </a:extLst>
+          </p:cNvPr>
+          <p:cNvSpPr txBox="1">
+            <a:spLocks noChangeArrowheads="1"/>
+          </p:cNvSpPr>
+          <p:nvPr/>
+        </p:nvSpPr>
+        <p:spPr>
+          <a:xfrm>
+            <a:off x="323528" y="-171400"/>
+            <a:ext cx="8568952" cy="1152128"/>
+          </a:xfrm>
+          <a:prstGeom prst="rect">
+            <a:avLst/>
+          </a:prstGeom>
+        </p:spPr>
+        <p:txBody>
+          <a:bodyPr vert="horz" lIns="91440" tIns="45720" rIns="91440" bIns="45720" rtlCol="0" anchor="b">
+            <a:normAutofit/>
+          </a:bodyPr>
+          <a:lstStyle>
+            <a:lvl1pPr algn="ctr" defTabSz="685800" rtl="0" eaLnBrk="1" latinLnBrk="0" hangingPunct="1">
+              <a:lnSpc>
+                <a:spcPct val="90000"/>
+              </a:lnSpc>
+              <a:spcBef>
+                <a:spcPct val="0"/>
+              </a:spcBef>
+              <a:buNone/>
+              <a:defRPr sz="4500" kern="1200">
+                <a:solidFill>
+                  <a:schemeClr val="tx1"/>
+                </a:solidFill>
+                <a:latin typeface="+mj-lt"/>
+                <a:ea typeface="+mj-ea"/>
+                <a:cs typeface="+mj-cs"/>
+              </a:defRPr>
+            </a:lvl1pPr>
+          </a:lstStyle>
+          <a:p>
+            <a:pPr algn="l"/>
+            <a:r>
+              <a:rPr lang="en-US" sz="3200" b="1"/>
+              <a:t>CYP1A1 Annotated by the Gene Ontology</a:t>
+            </a:r>
+            <a:endParaRPr lang="en-US" sz="3200" dirty="0"/>
           </a:p>
         </p:txBody>
       </p:sp>
@@ -13363,7 +13558,7 @@
         <p:spPr>
           <a:xfrm>
             <a:off x="323528" y="-171400"/>
-            <a:ext cx="8568952" cy="1535832"/>
+            <a:ext cx="8568952" cy="1080120"/>
           </a:xfrm>
         </p:spPr>
         <p:txBody>
@@ -13401,7 +13596,7 @@
         </p:blipFill>
         <p:spPr>
           <a:xfrm>
-            <a:off x="467544" y="1052736"/>
+            <a:off x="539552" y="935938"/>
             <a:ext cx="7614084" cy="3446375"/>
           </a:xfrm>
           <a:prstGeom prst="rect">
@@ -13419,7 +13614,7 @@
         </p:nvSpPr>
         <p:spPr bwMode="auto">
           <a:xfrm>
-            <a:off x="395536" y="4725144"/>
+            <a:off x="395536" y="4436551"/>
             <a:ext cx="8064896" cy="1938992"/>
           </a:xfrm>
           <a:prstGeom prst="rect">
@@ -13532,7 +13727,7 @@
         <p:spPr>
           <a:xfrm>
             <a:off x="323528" y="-171400"/>
-            <a:ext cx="8568952" cy="1535832"/>
+            <a:ext cx="8568952" cy="1080120"/>
           </a:xfrm>
         </p:spPr>
         <p:txBody>
@@ -13703,56 +13898,150 @@
 </file>
 
 <file path=ppt/theme/theme1.xml><?xml version="1.0" encoding="utf-8"?>
-<a:theme xmlns:a="http://schemas.openxmlformats.org/drawingml/2006/main" name="DalhousieTemplate">
+<a:theme xmlns:a="http://schemas.openxmlformats.org/drawingml/2006/main" name="Office Theme">
   <a:themeElements>
-    <a:clrScheme name="DalhousieTemplate 2">
+    <a:clrScheme name="Office">
       <a:dk1>
-        <a:srgbClr val="000000"/>
+        <a:sysClr val="windowText" lastClr="000000"/>
       </a:dk1>
       <a:lt1>
-        <a:srgbClr val="FFFFFF"/>
+        <a:sysClr val="window" lastClr="FFFFFF"/>
       </a:lt1>
       <a:dk2>
-        <a:srgbClr val="000066"/>
+        <a:srgbClr val="0E2841"/>
       </a:dk2>
       <a:lt2>
-        <a:srgbClr val="FFCC66"/>
+        <a:srgbClr val="E8E8E8"/>
       </a:lt2>
       <a:accent1>
-        <a:srgbClr val="FF9900"/>
+        <a:srgbClr val="156082"/>
       </a:accent1>
       <a:accent2>
-        <a:srgbClr val="000044"/>
+        <a:srgbClr val="E97132"/>
       </a:accent2>
       <a:accent3>
-        <a:srgbClr val="AAAAB8"/>
+        <a:srgbClr val="196B24"/>
       </a:accent3>
       <a:accent4>
-        <a:srgbClr val="DADADA"/>
+        <a:srgbClr val="0F9ED5"/>
       </a:accent4>
       <a:accent5>
-        <a:srgbClr val="FFCAAA"/>
+        <a:srgbClr val="A02B93"/>
       </a:accent5>
       <a:accent6>
-        <a:srgbClr val="00003D"/>
+        <a:srgbClr val="4EA72E"/>
       </a:accent6>
       <a:hlink>
-        <a:srgbClr val="3366FF"/>
+        <a:srgbClr val="467886"/>
       </a:hlink>
       <a:folHlink>
-        <a:srgbClr val="FFFF00"/>
+        <a:srgbClr val="96607D"/>
       </a:folHlink>
     </a:clrScheme>
-    <a:fontScheme name="DalhousieTemplate">
+    <a:fontScheme name="Office">
       <a:majorFont>
-        <a:latin typeface="Times New Roman"/>
+        <a:latin typeface="Aptos Display" panose="02110004020202020204"/>
         <a:ea typeface=""/>
         <a:cs typeface=""/>
+        <a:font script="Jpan" typeface="游ゴシック Light"/>
+        <a:font script="Hang" typeface="맑은 고딕"/>
+        <a:font script="Hans" typeface="等线 Light"/>
+        <a:font script="Hant" typeface="新細明體"/>
+        <a:font script="Arab" typeface="Times New Roman"/>
+        <a:font script="Hebr" typeface="Times New Roman"/>
+        <a:font script="Thai" typeface="Angsana New"/>
+        <a:font script="Ethi" typeface="Nyala"/>
+        <a:font script="Beng" typeface="Vrinda"/>
+        <a:font script="Gujr" typeface="Shruti"/>
+        <a:font script="Khmr" typeface="MoolBoran"/>
+        <a:font script="Knda" typeface="Tunga"/>
+        <a:font script="Guru" typeface="Raavi"/>
+        <a:font script="Cans" typeface="Euphemia"/>
+        <a:font script="Cher" typeface="Plantagenet Cherokee"/>
+        <a:font script="Yiii" typeface="Microsoft Yi Baiti"/>
+        <a:font script="Tibt" typeface="Microsoft Himalaya"/>
+        <a:font script="Thaa" typeface="MV Boli"/>
+        <a:font script="Deva" typeface="Mangal"/>
+        <a:font script="Telu" typeface="Gautami"/>
+        <a:font script="Taml" typeface="Latha"/>
+        <a:font script="Syrc" typeface="Estrangelo Edessa"/>
+        <a:font script="Orya" typeface="Kalinga"/>
+        <a:font script="Mlym" typeface="Kartika"/>
+        <a:font script="Laoo" typeface="DokChampa"/>
+        <a:font script="Sinh" typeface="Iskoola Pota"/>
+        <a:font script="Mong" typeface="Mongolian Baiti"/>
+        <a:font script="Viet" typeface="Times New Roman"/>
+        <a:font script="Uigh" typeface="Microsoft Uighur"/>
+        <a:font script="Geor" typeface="Sylfaen"/>
+        <a:font script="Armn" typeface="Arial"/>
+        <a:font script="Bugi" typeface="Leelawadee UI"/>
+        <a:font script="Bopo" typeface="Microsoft JhengHei"/>
+        <a:font script="Java" typeface="Javanese Text"/>
+        <a:font script="Lisu" typeface="Segoe UI"/>
+        <a:font script="Mymr" typeface="Myanmar Text"/>
+        <a:font script="Nkoo" typeface="Ebrima"/>
+        <a:font script="Olck" typeface="Nirmala UI"/>
+        <a:font script="Osma" typeface="Ebrima"/>
+        <a:font script="Phag" typeface="Phagspa"/>
+        <a:font script="Syrn" typeface="Estrangelo Edessa"/>
+        <a:font script="Syrj" typeface="Estrangelo Edessa"/>
+        <a:font script="Syre" typeface="Estrangelo Edessa"/>
+        <a:font script="Sora" typeface="Nirmala UI"/>
+        <a:font script="Tale" typeface="Microsoft Tai Le"/>
+        <a:font script="Talu" typeface="Microsoft New Tai Lue"/>
+        <a:font script="Tfng" typeface="Ebrima"/>
       </a:majorFont>
       <a:minorFont>
-        <a:latin typeface="Times New Roman"/>
+        <a:latin typeface="Aptos" panose="02110004020202020204"/>
         <a:ea typeface=""/>
         <a:cs typeface=""/>
+        <a:font script="Jpan" typeface="游ゴシック"/>
+        <a:font script="Hang" typeface="맑은 고딕"/>
+        <a:font script="Hans" typeface="等线"/>
+        <a:font script="Hant" typeface="新細明體"/>
+        <a:font script="Arab" typeface="Arial"/>
+        <a:font script="Hebr" typeface="Arial"/>
+        <a:font script="Thai" typeface="Cordia New"/>
+        <a:font script="Ethi" typeface="Nyala"/>
+        <a:font script="Beng" typeface="Vrinda"/>
+        <a:font script="Gujr" typeface="Shruti"/>
+        <a:font script="Khmr" typeface="DaunPenh"/>
+        <a:font script="Knda" typeface="Tunga"/>
+        <a:font script="Guru" typeface="Raavi"/>
+        <a:font script="Cans" typeface="Euphemia"/>
+        <a:font script="Cher" typeface="Plantagenet Cherokee"/>
+        <a:font script="Yiii" typeface="Microsoft Yi Baiti"/>
+        <a:font script="Tibt" typeface="Microsoft Himalaya"/>
+        <a:font script="Thaa" typeface="MV Boli"/>
+        <a:font script="Deva" typeface="Mangal"/>
+        <a:font script="Telu" typeface="Gautami"/>
+        <a:font script="Taml" typeface="Latha"/>
+        <a:font script="Syrc" typeface="Estrangelo Edessa"/>
+        <a:font script="Orya" typeface="Kalinga"/>
+        <a:font script="Mlym" typeface="Kartika"/>
+        <a:font script="Laoo" typeface="DokChampa"/>
+        <a:font script="Sinh" typeface="Iskoola Pota"/>
+        <a:font script="Mong" typeface="Mongolian Baiti"/>
+        <a:font script="Viet" typeface="Arial"/>
+        <a:font script="Uigh" typeface="Microsoft Uighur"/>
+        <a:font script="Geor" typeface="Sylfaen"/>
+        <a:font script="Armn" typeface="Arial"/>
+        <a:font script="Bugi" typeface="Leelawadee UI"/>
+        <a:font script="Bopo" typeface="Microsoft JhengHei"/>
+        <a:font script="Java" typeface="Javanese Text"/>
+        <a:font script="Lisu" typeface="Segoe UI"/>
+        <a:font script="Mymr" typeface="Myanmar Text"/>
+        <a:font script="Nkoo" typeface="Ebrima"/>
+        <a:font script="Olck" typeface="Nirmala UI"/>
+        <a:font script="Osma" typeface="Ebrima"/>
+        <a:font script="Phag" typeface="Phagspa"/>
+        <a:font script="Syrn" typeface="Estrangelo Edessa"/>
+        <a:font script="Syrj" typeface="Estrangelo Edessa"/>
+        <a:font script="Syre" typeface="Estrangelo Edessa"/>
+        <a:font script="Sora" typeface="Nirmala UI"/>
+        <a:font script="Tale" typeface="Microsoft Tai Le"/>
+        <a:font script="Talu" typeface="Microsoft New Tai Lue"/>
+        <a:font script="Tfng" typeface="Ebrima"/>
       </a:minorFont>
     </a:fontScheme>
     <a:fmtScheme name="Office">
@@ -13764,534 +14053,162 @@
           <a:gsLst>
             <a:gs pos="0">
               <a:schemeClr val="phClr">
-                <a:tint val="50000"/>
-                <a:satMod val="300000"/>
+                <a:lumMod val="110000"/>
+                <a:satMod val="105000"/>
+                <a:tint val="67000"/>
               </a:schemeClr>
             </a:gs>
-            <a:gs pos="35000">
+            <a:gs pos="50000">
               <a:schemeClr val="phClr">
-                <a:tint val="37000"/>
-                <a:satMod val="300000"/>
+                <a:lumMod val="105000"/>
+                <a:satMod val="103000"/>
+                <a:tint val="73000"/>
               </a:schemeClr>
             </a:gs>
             <a:gs pos="100000">
               <a:schemeClr val="phClr">
-                <a:tint val="15000"/>
-                <a:satMod val="350000"/>
+                <a:lumMod val="105000"/>
+                <a:satMod val="109000"/>
+                <a:tint val="81000"/>
               </a:schemeClr>
             </a:gs>
           </a:gsLst>
-          <a:lin ang="16200000" scaled="1"/>
+          <a:lin ang="5400000" scaled="0"/>
         </a:gradFill>
         <a:gradFill rotWithShape="1">
           <a:gsLst>
             <a:gs pos="0">
               <a:schemeClr val="phClr">
-                <a:tint val="100000"/>
+                <a:satMod val="103000"/>
+                <a:lumMod val="102000"/>
+                <a:tint val="94000"/>
+              </a:schemeClr>
+            </a:gs>
+            <a:gs pos="50000">
+              <a:schemeClr val="phClr">
+                <a:satMod val="110000"/>
+                <a:lumMod val="100000"/>
                 <a:shade val="100000"/>
-                <a:satMod val="130000"/>
               </a:schemeClr>
             </a:gs>
             <a:gs pos="100000">
               <a:schemeClr val="phClr">
-                <a:tint val="50000"/>
-                <a:shade val="100000"/>
-                <a:satMod val="350000"/>
+                <a:lumMod val="99000"/>
+                <a:satMod val="120000"/>
+                <a:shade val="78000"/>
               </a:schemeClr>
             </a:gs>
           </a:gsLst>
-          <a:lin ang="16200000" scaled="0"/>
+          <a:lin ang="5400000" scaled="0"/>
         </a:gradFill>
       </a:fillStyleLst>
       <a:lnStyleLst>
-        <a:ln w="9525" cap="flat" cmpd="sng" algn="ctr">
+        <a:ln w="12700" cap="flat" cmpd="sng" algn="ctr">
           <a:solidFill>
-            <a:schemeClr val="phClr">
-              <a:shade val="95000"/>
-              <a:satMod val="105000"/>
-            </a:schemeClr>
+            <a:schemeClr val="phClr"/>
           </a:solidFill>
           <a:prstDash val="solid"/>
+          <a:miter lim="800000"/>
+        </a:ln>
+        <a:ln w="19050" cap="flat" cmpd="sng" algn="ctr">
+          <a:solidFill>
+            <a:schemeClr val="phClr"/>
+          </a:solidFill>
+          <a:prstDash val="solid"/>
+          <a:miter lim="800000"/>
         </a:ln>
         <a:ln w="25400" cap="flat" cmpd="sng" algn="ctr">
           <a:solidFill>
             <a:schemeClr val="phClr"/>
           </a:solidFill>
           <a:prstDash val="solid"/>
-        </a:ln>
-        <a:ln w="38100" cap="flat" cmpd="sng" algn="ctr">
-          <a:solidFill>
-            <a:schemeClr val="phClr"/>
-          </a:solidFill>
-          <a:prstDash val="solid"/>
+          <a:miter lim="800000"/>
         </a:ln>
       </a:lnStyleLst>
       <a:effectStyleLst>
         <a:effectStyle>
+          <a:effectLst/>
+        </a:effectStyle>
+        <a:effectStyle>
+          <a:effectLst/>
+        </a:effectStyle>
+        <a:effectStyle>
           <a:effectLst>
-            <a:outerShdw blurRad="40000" dist="20000" dir="5400000" rotWithShape="0">
+            <a:outerShdw blurRad="57150" dist="19050" dir="5400000" algn="ctr" rotWithShape="0">
               <a:srgbClr val="000000">
-                <a:alpha val="38000"/>
+                <a:alpha val="63000"/>
               </a:srgbClr>
             </a:outerShdw>
           </a:effectLst>
-        </a:effectStyle>
-        <a:effectStyle>
-          <a:effectLst>
-            <a:outerShdw blurRad="40000" dist="23000" dir="5400000" rotWithShape="0">
-              <a:srgbClr val="000000">
-                <a:alpha val="35000"/>
-              </a:srgbClr>
-            </a:outerShdw>
-          </a:effectLst>
-        </a:effectStyle>
-        <a:effectStyle>
-          <a:effectLst>
-            <a:outerShdw blurRad="40000" dist="23000" dir="5400000" rotWithShape="0">
-              <a:srgbClr val="000000">
-                <a:alpha val="35000"/>
-              </a:srgbClr>
-            </a:outerShdw>
-          </a:effectLst>
-          <a:scene3d>
-            <a:camera prst="orthographicFront">
-              <a:rot lat="0" lon="0" rev="0"/>
-            </a:camera>
-            <a:lightRig rig="threePt" dir="t">
-              <a:rot lat="0" lon="0" rev="1200000"/>
-            </a:lightRig>
-          </a:scene3d>
-          <a:sp3d>
-            <a:bevelT w="63500" h="25400"/>
-          </a:sp3d>
         </a:effectStyle>
       </a:effectStyleLst>
       <a:bgFillStyleLst>
         <a:solidFill>
           <a:schemeClr val="phClr"/>
         </a:solidFill>
+        <a:solidFill>
+          <a:schemeClr val="phClr">
+            <a:tint val="95000"/>
+            <a:satMod val="170000"/>
+          </a:schemeClr>
+        </a:solidFill>
         <a:gradFill rotWithShape="1">
           <a:gsLst>
             <a:gs pos="0">
               <a:schemeClr val="phClr">
-                <a:tint val="40000"/>
-                <a:satMod val="350000"/>
+                <a:tint val="93000"/>
+                <a:satMod val="150000"/>
+                <a:shade val="98000"/>
+                <a:lumMod val="102000"/>
               </a:schemeClr>
             </a:gs>
-            <a:gs pos="40000">
+            <a:gs pos="50000">
               <a:schemeClr val="phClr">
-                <a:tint val="45000"/>
-                <a:shade val="99000"/>
-                <a:satMod val="350000"/>
+                <a:tint val="98000"/>
+                <a:satMod val="130000"/>
+                <a:shade val="90000"/>
+                <a:lumMod val="103000"/>
               </a:schemeClr>
             </a:gs>
             <a:gs pos="100000">
               <a:schemeClr val="phClr">
-                <a:shade val="20000"/>
-                <a:satMod val="255000"/>
+                <a:shade val="63000"/>
+                <a:satMod val="120000"/>
               </a:schemeClr>
             </a:gs>
           </a:gsLst>
-          <a:path path="circle">
-            <a:fillToRect l="50000" t="-80000" r="50000" b="180000"/>
-          </a:path>
-        </a:gradFill>
-        <a:gradFill rotWithShape="1">
-          <a:gsLst>
-            <a:gs pos="0">
-              <a:schemeClr val="phClr">
-                <a:tint val="80000"/>
-                <a:satMod val="300000"/>
-              </a:schemeClr>
-            </a:gs>
-            <a:gs pos="100000">
-              <a:schemeClr val="phClr">
-                <a:shade val="30000"/>
-                <a:satMod val="200000"/>
-              </a:schemeClr>
-            </a:gs>
-          </a:gsLst>
-          <a:path path="circle">
-            <a:fillToRect l="50000" t="50000" r="50000" b="50000"/>
-          </a:path>
+          <a:lin ang="5400000" scaled="0"/>
         </a:gradFill>
       </a:bgFillStyleLst>
     </a:fmtScheme>
   </a:themeElements>
   <a:objectDefaults>
-    <a:spDef>
-      <a:spPr bwMode="auto">
-        <a:xfrm>
-          <a:off x="0" y="0"/>
-          <a:ext cx="1" cy="1"/>
-        </a:xfrm>
-        <a:custGeom>
-          <a:avLst/>
-          <a:gdLst/>
-          <a:ahLst/>
-          <a:cxnLst/>
-          <a:rect l="0" t="0" r="0" b="0"/>
-          <a:pathLst/>
-        </a:custGeom>
-        <a:solidFill>
+    <a:lnDef>
+      <a:spPr/>
+      <a:bodyPr/>
+      <a:lstStyle/>
+      <a:style>
+        <a:lnRef idx="2">
           <a:schemeClr val="accent1"/>
-        </a:solidFill>
-        <a:ln w="9525" cap="flat" cmpd="sng" algn="ctr">
-          <a:solidFill>
-            <a:schemeClr val="tx1"/>
-          </a:solidFill>
-          <a:prstDash val="solid"/>
-          <a:round/>
-          <a:headEnd type="none" w="med" len="med"/>
-          <a:tailEnd type="none" w="med" len="med"/>
-        </a:ln>
-        <a:effectLst/>
-      </a:spPr>
-      <a:bodyPr vert="horz" wrap="square" lIns="91440" tIns="45720" rIns="91440" bIns="45720" numCol="1" anchor="t" anchorCtr="0" compatLnSpc="1">
-        <a:prstTxWarp prst="textNoShape">
-          <a:avLst/>
-        </a:prstTxWarp>
-      </a:bodyPr>
-      <a:lstStyle>
-        <a:defPPr marL="0" marR="0" indent="0" algn="l" defTabSz="914400" rtl="0" eaLnBrk="0" fontAlgn="base" latinLnBrk="0" hangingPunct="0">
-          <a:lnSpc>
-            <a:spcPct val="100000"/>
-          </a:lnSpc>
-          <a:spcBef>
-            <a:spcPct val="0"/>
-          </a:spcBef>
-          <a:spcAft>
-            <a:spcPct val="0"/>
-          </a:spcAft>
-          <a:buClrTx/>
-          <a:buSzTx/>
-          <a:buFontTx/>
-          <a:buNone/>
-          <a:tabLst/>
-          <a:defRPr kumimoji="0" lang="en-US" sz="2400" b="0" i="0" u="none" strike="noStrike" cap="none" normalizeH="0" baseline="0">
-            <a:ln>
-              <a:noFill/>
-            </a:ln>
-            <a:solidFill>
-              <a:schemeClr val="tx1"/>
-            </a:solidFill>
-            <a:effectLst/>
-            <a:latin typeface="Times" charset="0"/>
-          </a:defRPr>
-        </a:defPPr>
-      </a:lstStyle>
-    </a:spDef>
-    <a:lnDef>
-      <a:spPr bwMode="auto">
-        <a:xfrm>
-          <a:off x="0" y="0"/>
-          <a:ext cx="1" cy="1"/>
-        </a:xfrm>
-        <a:custGeom>
-          <a:avLst/>
-          <a:gdLst/>
-          <a:ahLst/>
-          <a:cxnLst/>
-          <a:rect l="0" t="0" r="0" b="0"/>
-          <a:pathLst/>
-        </a:custGeom>
-        <a:solidFill>
+        </a:lnRef>
+        <a:fillRef idx="0">
           <a:schemeClr val="accent1"/>
-        </a:solidFill>
-        <a:ln w="9525" cap="flat" cmpd="sng" algn="ctr">
-          <a:solidFill>
-            <a:schemeClr val="tx1"/>
-          </a:solidFill>
-          <a:prstDash val="solid"/>
-          <a:round/>
-          <a:headEnd type="none" w="med" len="med"/>
-          <a:tailEnd type="none" w="med" len="med"/>
-        </a:ln>
-        <a:effectLst/>
-      </a:spPr>
-      <a:bodyPr vert="horz" wrap="square" lIns="91440" tIns="45720" rIns="91440" bIns="45720" numCol="1" anchor="t" anchorCtr="0" compatLnSpc="1">
-        <a:prstTxWarp prst="textNoShape">
-          <a:avLst/>
-        </a:prstTxWarp>
-      </a:bodyPr>
-      <a:lstStyle>
-        <a:defPPr marL="0" marR="0" indent="0" algn="l" defTabSz="914400" rtl="0" eaLnBrk="0" fontAlgn="base" latinLnBrk="0" hangingPunct="0">
-          <a:lnSpc>
-            <a:spcPct val="100000"/>
-          </a:lnSpc>
-          <a:spcBef>
-            <a:spcPct val="0"/>
-          </a:spcBef>
-          <a:spcAft>
-            <a:spcPct val="0"/>
-          </a:spcAft>
-          <a:buClrTx/>
-          <a:buSzTx/>
-          <a:buFontTx/>
-          <a:buNone/>
-          <a:tabLst/>
-          <a:defRPr kumimoji="0" lang="en-US" sz="2400" b="0" i="0" u="none" strike="noStrike" cap="none" normalizeH="0" baseline="0">
-            <a:ln>
-              <a:noFill/>
-            </a:ln>
-            <a:solidFill>
-              <a:schemeClr val="tx1"/>
-            </a:solidFill>
-            <a:effectLst/>
-            <a:latin typeface="Times" charset="0"/>
-          </a:defRPr>
-        </a:defPPr>
-      </a:lstStyle>
+        </a:fillRef>
+        <a:effectRef idx="1">
+          <a:schemeClr val="accent1"/>
+        </a:effectRef>
+        <a:fontRef idx="minor">
+          <a:schemeClr val="tx1"/>
+        </a:fontRef>
+      </a:style>
     </a:lnDef>
   </a:objectDefaults>
-  <a:extraClrSchemeLst>
-    <a:extraClrScheme>
-      <a:clrScheme name="DalhousieTemplate 1">
-        <a:dk1>
-          <a:srgbClr val="000000"/>
-        </a:dk1>
-        <a:lt1>
-          <a:srgbClr val="CCECFF"/>
-        </a:lt1>
-        <a:dk2>
-          <a:srgbClr val="000066"/>
-        </a:dk2>
-        <a:lt2>
-          <a:srgbClr val="6699FF"/>
-        </a:lt2>
-        <a:accent1>
-          <a:srgbClr val="33CCCC"/>
-        </a:accent1>
-        <a:accent2>
-          <a:srgbClr val="0099FF"/>
-        </a:accent2>
-        <a:accent3>
-          <a:srgbClr val="E2F4FF"/>
-        </a:accent3>
-        <a:accent4>
-          <a:srgbClr val="000000"/>
-        </a:accent4>
-        <a:accent5>
-          <a:srgbClr val="ADE2E2"/>
-        </a:accent5>
-        <a:accent6>
-          <a:srgbClr val="008AE7"/>
-        </a:accent6>
-        <a:hlink>
-          <a:srgbClr val="FFFFFF"/>
-        </a:hlink>
-        <a:folHlink>
-          <a:srgbClr val="3366FF"/>
-        </a:folHlink>
-      </a:clrScheme>
-      <a:clrMap bg1="lt1" tx1="dk1" bg2="lt2" tx2="dk2" accent1="accent1" accent2="accent2" accent3="accent3" accent4="accent4" accent5="accent5" accent6="accent6" hlink="hlink" folHlink="folHlink"/>
-    </a:extraClrScheme>
-    <a:extraClrScheme>
-      <a:clrScheme name="DalhousieTemplate 2">
-        <a:dk1>
-          <a:srgbClr val="000000"/>
-        </a:dk1>
-        <a:lt1>
-          <a:srgbClr val="FFFFFF"/>
-        </a:lt1>
-        <a:dk2>
-          <a:srgbClr val="000066"/>
-        </a:dk2>
-        <a:lt2>
-          <a:srgbClr val="FFCC66"/>
-        </a:lt2>
-        <a:accent1>
-          <a:srgbClr val="FF9900"/>
-        </a:accent1>
-        <a:accent2>
-          <a:srgbClr val="000044"/>
-        </a:accent2>
-        <a:accent3>
-          <a:srgbClr val="AAAAB8"/>
-        </a:accent3>
-        <a:accent4>
-          <a:srgbClr val="DADADA"/>
-        </a:accent4>
-        <a:accent5>
-          <a:srgbClr val="FFCAAA"/>
-        </a:accent5>
-        <a:accent6>
-          <a:srgbClr val="00003D"/>
-        </a:accent6>
-        <a:hlink>
-          <a:srgbClr val="3366FF"/>
-        </a:hlink>
-        <a:folHlink>
-          <a:srgbClr val="FFFF00"/>
-        </a:folHlink>
-      </a:clrScheme>
-      <a:clrMap bg1="dk2" tx1="lt1" bg2="dk1" tx2="lt2" accent1="accent1" accent2="accent2" accent3="accent3" accent4="accent4" accent5="accent5" accent6="accent6" hlink="hlink" folHlink="folHlink"/>
-    </a:extraClrScheme>
-    <a:extraClrScheme>
-      <a:clrScheme name="DalhousieTemplate 3">
-        <a:dk1>
-          <a:srgbClr val="000000"/>
-        </a:dk1>
-        <a:lt1>
-          <a:srgbClr val="FFFFFF"/>
-        </a:lt1>
-        <a:dk2>
-          <a:srgbClr val="000000"/>
-        </a:dk2>
-        <a:lt2>
-          <a:srgbClr val="DDDDDD"/>
-        </a:lt2>
-        <a:accent1>
-          <a:srgbClr val="CBCBCB"/>
-        </a:accent1>
-        <a:accent2>
-          <a:srgbClr val="C0C0C0"/>
-        </a:accent2>
-        <a:accent3>
-          <a:srgbClr val="FFFFFF"/>
-        </a:accent3>
-        <a:accent4>
-          <a:srgbClr val="000000"/>
-        </a:accent4>
-        <a:accent5>
-          <a:srgbClr val="E2E2E2"/>
-        </a:accent5>
-        <a:accent6>
-          <a:srgbClr val="AEAEAE"/>
-        </a:accent6>
-        <a:hlink>
-          <a:srgbClr val="4D4D4D"/>
-        </a:hlink>
-        <a:folHlink>
-          <a:srgbClr val="868686"/>
-        </a:folHlink>
-      </a:clrScheme>
-      <a:clrMap bg1="lt1" tx1="dk1" bg2="lt2" tx2="dk2" accent1="accent1" accent2="accent2" accent3="accent3" accent4="accent4" accent5="accent5" accent6="accent6" hlink="hlink" folHlink="folHlink"/>
-    </a:extraClrScheme>
-    <a:extraClrScheme>
-      <a:clrScheme name="DalhousieTemplate 4">
-        <a:dk1>
-          <a:srgbClr val="000000"/>
-        </a:dk1>
-        <a:lt1>
-          <a:srgbClr val="FFFFFF"/>
-        </a:lt1>
-        <a:dk2>
-          <a:srgbClr val="660033"/>
-        </a:dk2>
-        <a:lt2>
-          <a:srgbClr val="FFCC66"/>
-        </a:lt2>
-        <a:accent1>
-          <a:srgbClr val="FF9900"/>
-        </a:accent1>
-        <a:accent2>
-          <a:srgbClr val="440022"/>
-        </a:accent2>
-        <a:accent3>
-          <a:srgbClr val="B8AAAD"/>
-        </a:accent3>
-        <a:accent4>
-          <a:srgbClr val="DADADA"/>
-        </a:accent4>
-        <a:accent5>
-          <a:srgbClr val="FFCAAA"/>
-        </a:accent5>
-        <a:accent6>
-          <a:srgbClr val="3D001E"/>
-        </a:accent6>
-        <a:hlink>
-          <a:srgbClr val="B20059"/>
-        </a:hlink>
-        <a:folHlink>
-          <a:srgbClr val="FF6699"/>
-        </a:folHlink>
-      </a:clrScheme>
-      <a:clrMap bg1="dk2" tx1="lt1" bg2="dk1" tx2="lt2" accent1="accent1" accent2="accent2" accent3="accent3" accent4="accent4" accent5="accent5" accent6="accent6" hlink="hlink" folHlink="folHlink"/>
-    </a:extraClrScheme>
-    <a:extraClrScheme>
-      <a:clrScheme name="DalhousieTemplate 5">
-        <a:dk1>
-          <a:srgbClr val="000000"/>
-        </a:dk1>
-        <a:lt1>
-          <a:srgbClr val="FFFFFF"/>
-        </a:lt1>
-        <a:dk2>
-          <a:srgbClr val="663300"/>
-        </a:dk2>
-        <a:lt2>
-          <a:srgbClr val="FFCC66"/>
-        </a:lt2>
-        <a:accent1>
-          <a:srgbClr val="FF9900"/>
-        </a:accent1>
-        <a:accent2>
-          <a:srgbClr val="361B00"/>
-        </a:accent2>
-        <a:accent3>
-          <a:srgbClr val="B8ADAA"/>
-        </a:accent3>
-        <a:accent4>
-          <a:srgbClr val="DADADA"/>
-        </a:accent4>
-        <a:accent5>
-          <a:srgbClr val="FFCAAA"/>
-        </a:accent5>
-        <a:accent6>
-          <a:srgbClr val="301700"/>
-        </a:accent6>
-        <a:hlink>
-          <a:srgbClr val="996633"/>
-        </a:hlink>
-        <a:folHlink>
-          <a:srgbClr val="FF6699"/>
-        </a:folHlink>
-      </a:clrScheme>
-      <a:clrMap bg1="dk2" tx1="lt1" bg2="dk1" tx2="lt2" accent1="accent1" accent2="accent2" accent3="accent3" accent4="accent4" accent5="accent5" accent6="accent6" hlink="hlink" folHlink="folHlink"/>
-    </a:extraClrScheme>
-    <a:extraClrScheme>
-      <a:clrScheme name="DalhousieTemplate 6">
-        <a:dk1>
-          <a:srgbClr val="000000"/>
-        </a:dk1>
-        <a:lt1>
-          <a:srgbClr val="FFFFFF"/>
-        </a:lt1>
-        <a:dk2>
-          <a:srgbClr val="003300"/>
-        </a:dk2>
-        <a:lt2>
-          <a:srgbClr val="FFCC66"/>
-        </a:lt2>
-        <a:accent1>
-          <a:srgbClr val="CC9900"/>
-        </a:accent1>
-        <a:accent2>
-          <a:srgbClr val="001600"/>
-        </a:accent2>
-        <a:accent3>
-          <a:srgbClr val="AAADAA"/>
-        </a:accent3>
-        <a:accent4>
-          <a:srgbClr val="DADADA"/>
-        </a:accent4>
-        <a:accent5>
-          <a:srgbClr val="E2CAAA"/>
-        </a:accent5>
-        <a:accent6>
-          <a:srgbClr val="001300"/>
-        </a:accent6>
-        <a:hlink>
-          <a:srgbClr val="006600"/>
-        </a:hlink>
-        <a:folHlink>
-          <a:srgbClr val="009999"/>
-        </a:folHlink>
-      </a:clrScheme>
-      <a:clrMap bg1="dk2" tx1="lt1" bg2="dk1" tx2="lt2" accent1="accent1" accent2="accent2" accent3="accent3" accent4="accent4" accent5="accent5" accent6="accent6" hlink="hlink" folHlink="folHlink"/>
-    </a:extraClrScheme>
-  </a:extraClrSchemeLst>
+  <a:extraClrSchemeLst/>
+  <a:extLst>
+    <a:ext uri="{05A4C25C-085E-4340-85A3-A5531E510DB2}">
+      <thm15:themeFamily xmlns:thm15="http://schemas.microsoft.com/office/thememl/2012/main" name="Office Theme" id="{2E142A2C-CD16-42D6-873A-C26D2A0506FA}" vid="{1BDDFF52-6CD6-40A5-AB3C-68EB2F1E4D0A}"/>
+    </a:ext>
+  </a:extLst>
 </a:theme>
 </file>
 
